--- a/figures_ppt/figure2.pptx
+++ b/figures_ppt/figure2.pptx
@@ -2,18 +2,18 @@
 <file path=ppt/presentation.xml><?xml version="1.0" encoding="utf-8"?>
 <p:presentation xmlns:a="http://schemas.openxmlformats.org/drawingml/2006/main" xmlns:r="http://schemas.openxmlformats.org/officeDocument/2006/relationships" xmlns:p="http://schemas.openxmlformats.org/presentationml/2006/main" saveSubsetFonts="1">
   <p:sldMasterIdLst>
-    <p:sldMasterId id="2147483648" r:id="rId1"/>
+    <p:sldMasterId id="2147483660" r:id="rId4"/>
   </p:sldMasterIdLst>
   <p:sldIdLst>
-    <p:sldId id="256" r:id="rId2"/>
+    <p:sldId id="256" r:id="rId5"/>
   </p:sldIdLst>
-  <p:sldSz cx="12192000" cy="6858000"/>
-  <p:notesSz cx="6858000" cy="9144000"/>
+  <p:sldSz cx="35999738" cy="18000663"/>
+  <p:notesSz cx="9144000" cy="6858000"/>
   <p:defaultTextStyle>
     <a:defPPr>
-      <a:defRPr lang="zh-CN"/>
+      <a:defRPr lang="en-US"/>
     </a:defPPr>
-    <a:lvl1pPr marL="0" algn="l" defTabSz="914400" rtl="0" eaLnBrk="1" latinLnBrk="0" hangingPunct="1">
+    <a:lvl1pPr marL="0" algn="l" defTabSz="457200" rtl="0" eaLnBrk="1" latinLnBrk="0" hangingPunct="1">
       <a:defRPr sz="1800" kern="1200">
         <a:solidFill>
           <a:schemeClr val="tx1"/>
@@ -23,7 +23,7 @@
         <a:cs typeface="+mn-cs"/>
       </a:defRPr>
     </a:lvl1pPr>
-    <a:lvl2pPr marL="457200" algn="l" defTabSz="914400" rtl="0" eaLnBrk="1" latinLnBrk="0" hangingPunct="1">
+    <a:lvl2pPr marL="457200" algn="l" defTabSz="457200" rtl="0" eaLnBrk="1" latinLnBrk="0" hangingPunct="1">
       <a:defRPr sz="1800" kern="1200">
         <a:solidFill>
           <a:schemeClr val="tx1"/>
@@ -33,7 +33,7 @@
         <a:cs typeface="+mn-cs"/>
       </a:defRPr>
     </a:lvl2pPr>
-    <a:lvl3pPr marL="914400" algn="l" defTabSz="914400" rtl="0" eaLnBrk="1" latinLnBrk="0" hangingPunct="1">
+    <a:lvl3pPr marL="914400" algn="l" defTabSz="457200" rtl="0" eaLnBrk="1" latinLnBrk="0" hangingPunct="1">
       <a:defRPr sz="1800" kern="1200">
         <a:solidFill>
           <a:schemeClr val="tx1"/>
@@ -43,7 +43,7 @@
         <a:cs typeface="+mn-cs"/>
       </a:defRPr>
     </a:lvl3pPr>
-    <a:lvl4pPr marL="1371600" algn="l" defTabSz="914400" rtl="0" eaLnBrk="1" latinLnBrk="0" hangingPunct="1">
+    <a:lvl4pPr marL="1371600" algn="l" defTabSz="457200" rtl="0" eaLnBrk="1" latinLnBrk="0" hangingPunct="1">
       <a:defRPr sz="1800" kern="1200">
         <a:solidFill>
           <a:schemeClr val="tx1"/>
@@ -53,7 +53,7 @@
         <a:cs typeface="+mn-cs"/>
       </a:defRPr>
     </a:lvl4pPr>
-    <a:lvl5pPr marL="1828800" algn="l" defTabSz="914400" rtl="0" eaLnBrk="1" latinLnBrk="0" hangingPunct="1">
+    <a:lvl5pPr marL="1828800" algn="l" defTabSz="457200" rtl="0" eaLnBrk="1" latinLnBrk="0" hangingPunct="1">
       <a:defRPr sz="1800" kern="1200">
         <a:solidFill>
           <a:schemeClr val="tx1"/>
@@ -63,7 +63,7 @@
         <a:cs typeface="+mn-cs"/>
       </a:defRPr>
     </a:lvl5pPr>
-    <a:lvl6pPr marL="2286000" algn="l" defTabSz="914400" rtl="0" eaLnBrk="1" latinLnBrk="0" hangingPunct="1">
+    <a:lvl6pPr marL="2286000" algn="l" defTabSz="457200" rtl="0" eaLnBrk="1" latinLnBrk="0" hangingPunct="1">
       <a:defRPr sz="1800" kern="1200">
         <a:solidFill>
           <a:schemeClr val="tx1"/>
@@ -73,7 +73,7 @@
         <a:cs typeface="+mn-cs"/>
       </a:defRPr>
     </a:lvl6pPr>
-    <a:lvl7pPr marL="2743200" algn="l" defTabSz="914400" rtl="0" eaLnBrk="1" latinLnBrk="0" hangingPunct="1">
+    <a:lvl7pPr marL="2743200" algn="l" defTabSz="457200" rtl="0" eaLnBrk="1" latinLnBrk="0" hangingPunct="1">
       <a:defRPr sz="1800" kern="1200">
         <a:solidFill>
           <a:schemeClr val="tx1"/>
@@ -83,7 +83,7 @@
         <a:cs typeface="+mn-cs"/>
       </a:defRPr>
     </a:lvl7pPr>
-    <a:lvl8pPr marL="3200400" algn="l" defTabSz="914400" rtl="0" eaLnBrk="1" latinLnBrk="0" hangingPunct="1">
+    <a:lvl8pPr marL="3200400" algn="l" defTabSz="457200" rtl="0" eaLnBrk="1" latinLnBrk="0" hangingPunct="1">
       <a:defRPr sz="1800" kern="1200">
         <a:solidFill>
           <a:schemeClr val="tx1"/>
@@ -93,7 +93,7 @@
         <a:cs typeface="+mn-cs"/>
       </a:defRPr>
     </a:lvl8pPr>
-    <a:lvl9pPr marL="3657600" algn="l" defTabSz="914400" rtl="0" eaLnBrk="1" latinLnBrk="0" hangingPunct="1">
+    <a:lvl9pPr marL="3657600" algn="l" defTabSz="457200" rtl="0" eaLnBrk="1" latinLnBrk="0" hangingPunct="1">
       <a:defRPr sz="1800" kern="1200">
         <a:solidFill>
           <a:schemeClr val="tx1"/>
@@ -104,6 +104,11 @@
       </a:defRPr>
     </a:lvl9pPr>
   </p:defaultTextStyle>
+  <p:extLst>
+    <p:ext uri="{EFAFB233-063F-42B5-8137-9DF3F51BA10A}">
+      <p15:sldGuideLst xmlns:p15="http://schemas.microsoft.com/office/powerpoint/2012/main"/>
+    </p:ext>
+  </p:extLst>
 </p:presentation>
 </file>
 
@@ -126,13 +131,7 @@
       </p:grpSpPr>
       <p:sp>
         <p:nvSpPr>
-          <p:cNvPr id="2" name="标题 1">
-            <a:extLst>
-              <a:ext uri="{FF2B5EF4-FFF2-40B4-BE49-F238E27FC236}">
-                <a16:creationId xmlns:a16="http://schemas.microsoft.com/office/drawing/2014/main" id="{9600FEDA-10F7-4515-BFD5-C96398F4E0F4}"/>
-              </a:ext>
-            </a:extLst>
-          </p:cNvPr>
+          <p:cNvPr id="2" name="Title 1"/>
           <p:cNvSpPr>
             <a:spLocks noGrp="1"/>
           </p:cNvSpPr>
@@ -142,15 +141,15 @@
         </p:nvSpPr>
         <p:spPr>
           <a:xfrm>
-            <a:off x="1524000" y="1122363"/>
-            <a:ext cx="9144000" cy="2387600"/>
+            <a:off x="4499967" y="2945943"/>
+            <a:ext cx="26999804" cy="6266897"/>
           </a:xfrm>
         </p:spPr>
         <p:txBody>
           <a:bodyPr anchor="b"/>
           <a:lstStyle>
             <a:lvl1pPr algn="ctr">
-              <a:defRPr sz="6000"/>
+              <a:defRPr sz="15749"/>
             </a:lvl1pPr>
           </a:lstStyle>
           <a:p>
@@ -158,18 +157,13 @@
               <a:rPr lang="zh-CN" altLang="en-US"/>
               <a:t>单击此处编辑母版标题样式</a:t>
             </a:r>
-          </a:p>
-        </p:txBody>
-      </p:sp>
-      <p:sp>
-        <p:nvSpPr>
-          <p:cNvPr id="3" name="副标题 2">
-            <a:extLst>
-              <a:ext uri="{FF2B5EF4-FFF2-40B4-BE49-F238E27FC236}">
-                <a16:creationId xmlns:a16="http://schemas.microsoft.com/office/drawing/2014/main" id="{F30D429F-A062-44DB-95DA-A55F26811D2A}"/>
-              </a:ext>
-            </a:extLst>
-          </p:cNvPr>
+            <a:endParaRPr lang="en-US" dirty="0"/>
+          </a:p>
+        </p:txBody>
+      </p:sp>
+      <p:sp>
+        <p:nvSpPr>
+          <p:cNvPr id="3" name="Subtitle 2"/>
           <p:cNvSpPr>
             <a:spLocks noGrp="1"/>
           </p:cNvSpPr>
@@ -179,8 +173,8 @@
         </p:nvSpPr>
         <p:spPr>
           <a:xfrm>
-            <a:off x="1524000" y="3602038"/>
-            <a:ext cx="9144000" cy="1655762"/>
+            <a:off x="4499967" y="9454516"/>
+            <a:ext cx="26999804" cy="4345992"/>
           </a:xfrm>
         </p:spPr>
         <p:txBody>
@@ -188,39 +182,39 @@
           <a:lstStyle>
             <a:lvl1pPr marL="0" indent="0" algn="ctr">
               <a:buNone/>
-              <a:defRPr sz="2400"/>
+              <a:defRPr sz="6300"/>
             </a:lvl1pPr>
-            <a:lvl2pPr marL="457200" indent="0" algn="ctr">
+            <a:lvl2pPr marL="1200059" indent="0" algn="ctr">
               <a:buNone/>
-              <a:defRPr sz="2000"/>
+              <a:defRPr sz="5250"/>
             </a:lvl2pPr>
-            <a:lvl3pPr marL="914400" indent="0" algn="ctr">
+            <a:lvl3pPr marL="2400117" indent="0" algn="ctr">
               <a:buNone/>
-              <a:defRPr sz="1800"/>
+              <a:defRPr sz="4725"/>
             </a:lvl3pPr>
-            <a:lvl4pPr marL="1371600" indent="0" algn="ctr">
+            <a:lvl4pPr marL="3600176" indent="0" algn="ctr">
               <a:buNone/>
-              <a:defRPr sz="1600"/>
+              <a:defRPr sz="4200"/>
             </a:lvl4pPr>
-            <a:lvl5pPr marL="1828800" indent="0" algn="ctr">
+            <a:lvl5pPr marL="4800234" indent="0" algn="ctr">
               <a:buNone/>
-              <a:defRPr sz="1600"/>
+              <a:defRPr sz="4200"/>
             </a:lvl5pPr>
-            <a:lvl6pPr marL="2286000" indent="0" algn="ctr">
+            <a:lvl6pPr marL="6000293" indent="0" algn="ctr">
               <a:buNone/>
-              <a:defRPr sz="1600"/>
+              <a:defRPr sz="4200"/>
             </a:lvl6pPr>
-            <a:lvl7pPr marL="2743200" indent="0" algn="ctr">
+            <a:lvl7pPr marL="7200351" indent="0" algn="ctr">
               <a:buNone/>
-              <a:defRPr sz="1600"/>
+              <a:defRPr sz="4200"/>
             </a:lvl7pPr>
-            <a:lvl8pPr marL="3200400" indent="0" algn="ctr">
+            <a:lvl8pPr marL="8400410" indent="0" algn="ctr">
               <a:buNone/>
-              <a:defRPr sz="1600"/>
+              <a:defRPr sz="4200"/>
             </a:lvl8pPr>
-            <a:lvl9pPr marL="3657600" indent="0" algn="ctr">
+            <a:lvl9pPr marL="9600468" indent="0" algn="ctr">
               <a:buNone/>
-              <a:defRPr sz="1600"/>
+              <a:defRPr sz="4200"/>
             </a:lvl9pPr>
           </a:lstStyle>
           <a:p>
@@ -228,18 +222,13 @@
               <a:rPr lang="zh-CN" altLang="en-US"/>
               <a:t>单击此处编辑母版副标题样式</a:t>
             </a:r>
-          </a:p>
-        </p:txBody>
-      </p:sp>
-      <p:sp>
-        <p:nvSpPr>
-          <p:cNvPr id="4" name="日期占位符 3">
-            <a:extLst>
-              <a:ext uri="{FF2B5EF4-FFF2-40B4-BE49-F238E27FC236}">
-                <a16:creationId xmlns:a16="http://schemas.microsoft.com/office/drawing/2014/main" id="{15740753-04EA-4F95-8E9B-500816EE52C9}"/>
-              </a:ext>
-            </a:extLst>
-          </p:cNvPr>
+            <a:endParaRPr lang="en-US" dirty="0"/>
+          </a:p>
+        </p:txBody>
+      </p:sp>
+      <p:sp>
+        <p:nvSpPr>
+          <p:cNvPr id="4" name="Date Placeholder 3"/>
           <p:cNvSpPr>
             <a:spLocks noGrp="1"/>
           </p:cNvSpPr>
@@ -252,7 +241,7 @@
           <a:bodyPr/>
           <a:lstStyle/>
           <a:p>
-            <a:fld id="{A54B738F-FCBF-4414-9F6A-1670A03213E0}" type="datetimeFigureOut">
+            <a:fld id="{E66086C0-BB06-4E14-89A8-640D00472A98}" type="datetimeFigureOut">
               <a:rPr lang="zh-CN" altLang="en-US" smtClean="0"/>
               <a:t>2024/1/7</a:t>
             </a:fld>
@@ -262,13 +251,7 @@
       </p:sp>
       <p:sp>
         <p:nvSpPr>
-          <p:cNvPr id="5" name="页脚占位符 4">
-            <a:extLst>
-              <a:ext uri="{FF2B5EF4-FFF2-40B4-BE49-F238E27FC236}">
-                <a16:creationId xmlns:a16="http://schemas.microsoft.com/office/drawing/2014/main" id="{2436B016-3EE0-4456-A3C4-BF77B2EA072B}"/>
-              </a:ext>
-            </a:extLst>
-          </p:cNvPr>
+          <p:cNvPr id="5" name="Footer Placeholder 4"/>
           <p:cNvSpPr>
             <a:spLocks noGrp="1"/>
           </p:cNvSpPr>
@@ -287,13 +270,7 @@
       </p:sp>
       <p:sp>
         <p:nvSpPr>
-          <p:cNvPr id="6" name="灯片编号占位符 5">
-            <a:extLst>
-              <a:ext uri="{FF2B5EF4-FFF2-40B4-BE49-F238E27FC236}">
-                <a16:creationId xmlns:a16="http://schemas.microsoft.com/office/drawing/2014/main" id="{CE6286AE-6C2E-4E1A-80D5-16DF88161BAC}"/>
-              </a:ext>
-            </a:extLst>
-          </p:cNvPr>
+          <p:cNvPr id="6" name="Slide Number Placeholder 5"/>
           <p:cNvSpPr>
             <a:spLocks noGrp="1"/>
           </p:cNvSpPr>
@@ -306,7 +283,7 @@
           <a:bodyPr/>
           <a:lstStyle/>
           <a:p>
-            <a:fld id="{795DCEA6-ADC4-44CE-88D3-F511AD5A0DFE}" type="slidenum">
+            <a:fld id="{1387C8F1-EC1B-4B52-8017-448A15005BFA}" type="slidenum">
               <a:rPr lang="zh-CN" altLang="en-US" smtClean="0"/>
               <a:t>‹#›</a:t>
             </a:fld>
@@ -317,7 +294,7 @@
     </p:spTree>
     <p:extLst>
       <p:ext uri="{BB962C8B-B14F-4D97-AF65-F5344CB8AC3E}">
-        <p14:creationId xmlns:p14="http://schemas.microsoft.com/office/powerpoint/2010/main" val="3394678263"/>
+        <p14:creationId xmlns:p14="http://schemas.microsoft.com/office/powerpoint/2010/main" val="2666250384"/>
       </p:ext>
     </p:extLst>
   </p:cSld>
@@ -346,13 +323,7 @@
       </p:grpSpPr>
       <p:sp>
         <p:nvSpPr>
-          <p:cNvPr id="2" name="标题 1">
-            <a:extLst>
-              <a:ext uri="{FF2B5EF4-FFF2-40B4-BE49-F238E27FC236}">
-                <a16:creationId xmlns:a16="http://schemas.microsoft.com/office/drawing/2014/main" id="{7C100C3E-7105-4E23-A4A6-41977CB65DC9}"/>
-              </a:ext>
-            </a:extLst>
-          </p:cNvPr>
+          <p:cNvPr id="2" name="Title 1"/>
           <p:cNvSpPr>
             <a:spLocks noGrp="1"/>
           </p:cNvSpPr>
@@ -369,18 +340,13 @@
               <a:rPr lang="zh-CN" altLang="en-US"/>
               <a:t>单击此处编辑母版标题样式</a:t>
             </a:r>
-          </a:p>
-        </p:txBody>
-      </p:sp>
-      <p:sp>
-        <p:nvSpPr>
-          <p:cNvPr id="3" name="竖排文字占位符 2">
-            <a:extLst>
-              <a:ext uri="{FF2B5EF4-FFF2-40B4-BE49-F238E27FC236}">
-                <a16:creationId xmlns:a16="http://schemas.microsoft.com/office/drawing/2014/main" id="{C927AFA2-02EA-4A8B-BE39-D65D6341BFC1}"/>
-              </a:ext>
-            </a:extLst>
-          </p:cNvPr>
+            <a:endParaRPr lang="en-US" dirty="0"/>
+          </a:p>
+        </p:txBody>
+      </p:sp>
+      <p:sp>
+        <p:nvSpPr>
+          <p:cNvPr id="3" name="Vertical Text Placeholder 2"/>
           <p:cNvSpPr>
             <a:spLocks noGrp="1"/>
           </p:cNvSpPr>
@@ -426,18 +392,13 @@
               <a:rPr lang="zh-CN" altLang="en-US"/>
               <a:t>五级</a:t>
             </a:r>
-          </a:p>
-        </p:txBody>
-      </p:sp>
-      <p:sp>
-        <p:nvSpPr>
-          <p:cNvPr id="4" name="日期占位符 3">
-            <a:extLst>
-              <a:ext uri="{FF2B5EF4-FFF2-40B4-BE49-F238E27FC236}">
-                <a16:creationId xmlns:a16="http://schemas.microsoft.com/office/drawing/2014/main" id="{80996562-78D3-4BA3-AACF-D666BE444C67}"/>
-              </a:ext>
-            </a:extLst>
-          </p:cNvPr>
+            <a:endParaRPr lang="en-US" dirty="0"/>
+          </a:p>
+        </p:txBody>
+      </p:sp>
+      <p:sp>
+        <p:nvSpPr>
+          <p:cNvPr id="4" name="Date Placeholder 3"/>
           <p:cNvSpPr>
             <a:spLocks noGrp="1"/>
           </p:cNvSpPr>
@@ -450,7 +411,7 @@
           <a:bodyPr/>
           <a:lstStyle/>
           <a:p>
-            <a:fld id="{A54B738F-FCBF-4414-9F6A-1670A03213E0}" type="datetimeFigureOut">
+            <a:fld id="{E66086C0-BB06-4E14-89A8-640D00472A98}" type="datetimeFigureOut">
               <a:rPr lang="zh-CN" altLang="en-US" smtClean="0"/>
               <a:t>2024/1/7</a:t>
             </a:fld>
@@ -460,13 +421,7 @@
       </p:sp>
       <p:sp>
         <p:nvSpPr>
-          <p:cNvPr id="5" name="页脚占位符 4">
-            <a:extLst>
-              <a:ext uri="{FF2B5EF4-FFF2-40B4-BE49-F238E27FC236}">
-                <a16:creationId xmlns:a16="http://schemas.microsoft.com/office/drawing/2014/main" id="{28F4A6C0-C95F-48BE-8123-02C1CDB3A414}"/>
-              </a:ext>
-            </a:extLst>
-          </p:cNvPr>
+          <p:cNvPr id="5" name="Footer Placeholder 4"/>
           <p:cNvSpPr>
             <a:spLocks noGrp="1"/>
           </p:cNvSpPr>
@@ -485,13 +440,7 @@
       </p:sp>
       <p:sp>
         <p:nvSpPr>
-          <p:cNvPr id="6" name="灯片编号占位符 5">
-            <a:extLst>
-              <a:ext uri="{FF2B5EF4-FFF2-40B4-BE49-F238E27FC236}">
-                <a16:creationId xmlns:a16="http://schemas.microsoft.com/office/drawing/2014/main" id="{B6E1452B-0969-4C00-96C0-75360C1FB418}"/>
-              </a:ext>
-            </a:extLst>
-          </p:cNvPr>
+          <p:cNvPr id="6" name="Slide Number Placeholder 5"/>
           <p:cNvSpPr>
             <a:spLocks noGrp="1"/>
           </p:cNvSpPr>
@@ -504,7 +453,7 @@
           <a:bodyPr/>
           <a:lstStyle/>
           <a:p>
-            <a:fld id="{795DCEA6-ADC4-44CE-88D3-F511AD5A0DFE}" type="slidenum">
+            <a:fld id="{1387C8F1-EC1B-4B52-8017-448A15005BFA}" type="slidenum">
               <a:rPr lang="zh-CN" altLang="en-US" smtClean="0"/>
               <a:t>‹#›</a:t>
             </a:fld>
@@ -515,7 +464,7 @@
     </p:spTree>
     <p:extLst>
       <p:ext uri="{BB962C8B-B14F-4D97-AF65-F5344CB8AC3E}">
-        <p14:creationId xmlns:p14="http://schemas.microsoft.com/office/powerpoint/2010/main" val="1673176749"/>
+        <p14:creationId xmlns:p14="http://schemas.microsoft.com/office/powerpoint/2010/main" val="285396790"/>
       </p:ext>
     </p:extLst>
   </p:cSld>
@@ -544,13 +493,7 @@
       </p:grpSpPr>
       <p:sp>
         <p:nvSpPr>
-          <p:cNvPr id="2" name="竖排标题 1">
-            <a:extLst>
-              <a:ext uri="{FF2B5EF4-FFF2-40B4-BE49-F238E27FC236}">
-                <a16:creationId xmlns:a16="http://schemas.microsoft.com/office/drawing/2014/main" id="{6011F7CD-CA55-40BE-8424-E27CC0C2FAC3}"/>
-              </a:ext>
-            </a:extLst>
-          </p:cNvPr>
+          <p:cNvPr id="2" name="Vertical Title 1"/>
           <p:cNvSpPr>
             <a:spLocks noGrp="1"/>
           </p:cNvSpPr>
@@ -560,8 +503,8 @@
         </p:nvSpPr>
         <p:spPr>
           <a:xfrm>
-            <a:off x="8724900" y="365125"/>
-            <a:ext cx="2628900" cy="5811838"/>
+            <a:off x="25762312" y="958369"/>
+            <a:ext cx="7762444" cy="15254730"/>
           </a:xfrm>
         </p:spPr>
         <p:txBody>
@@ -572,18 +515,13 @@
               <a:rPr lang="zh-CN" altLang="en-US"/>
               <a:t>单击此处编辑母版标题样式</a:t>
             </a:r>
-          </a:p>
-        </p:txBody>
-      </p:sp>
-      <p:sp>
-        <p:nvSpPr>
-          <p:cNvPr id="3" name="竖排文字占位符 2">
-            <a:extLst>
-              <a:ext uri="{FF2B5EF4-FFF2-40B4-BE49-F238E27FC236}">
-                <a16:creationId xmlns:a16="http://schemas.microsoft.com/office/drawing/2014/main" id="{B4E1538C-AF9D-4BAB-83B6-0045819E936B}"/>
-              </a:ext>
-            </a:extLst>
-          </p:cNvPr>
+            <a:endParaRPr lang="en-US" dirty="0"/>
+          </a:p>
+        </p:txBody>
+      </p:sp>
+      <p:sp>
+        <p:nvSpPr>
+          <p:cNvPr id="3" name="Vertical Text Placeholder 2"/>
           <p:cNvSpPr>
             <a:spLocks noGrp="1"/>
           </p:cNvSpPr>
@@ -593,8 +531,8 @@
         </p:nvSpPr>
         <p:spPr>
           <a:xfrm>
-            <a:off x="838200" y="365125"/>
-            <a:ext cx="7734300" cy="5811838"/>
+            <a:off x="2474982" y="958369"/>
+            <a:ext cx="22837334" cy="15254730"/>
           </a:xfrm>
         </p:spPr>
         <p:txBody>
@@ -634,18 +572,13 @@
               <a:rPr lang="zh-CN" altLang="en-US"/>
               <a:t>五级</a:t>
             </a:r>
-          </a:p>
-        </p:txBody>
-      </p:sp>
-      <p:sp>
-        <p:nvSpPr>
-          <p:cNvPr id="4" name="日期占位符 3">
-            <a:extLst>
-              <a:ext uri="{FF2B5EF4-FFF2-40B4-BE49-F238E27FC236}">
-                <a16:creationId xmlns:a16="http://schemas.microsoft.com/office/drawing/2014/main" id="{1A7673E8-C15E-427B-9C8B-1646229E4A0C}"/>
-              </a:ext>
-            </a:extLst>
-          </p:cNvPr>
+            <a:endParaRPr lang="en-US" dirty="0"/>
+          </a:p>
+        </p:txBody>
+      </p:sp>
+      <p:sp>
+        <p:nvSpPr>
+          <p:cNvPr id="4" name="Date Placeholder 3"/>
           <p:cNvSpPr>
             <a:spLocks noGrp="1"/>
           </p:cNvSpPr>
@@ -658,7 +591,7 @@
           <a:bodyPr/>
           <a:lstStyle/>
           <a:p>
-            <a:fld id="{A54B738F-FCBF-4414-9F6A-1670A03213E0}" type="datetimeFigureOut">
+            <a:fld id="{E66086C0-BB06-4E14-89A8-640D00472A98}" type="datetimeFigureOut">
               <a:rPr lang="zh-CN" altLang="en-US" smtClean="0"/>
               <a:t>2024/1/7</a:t>
             </a:fld>
@@ -668,13 +601,7 @@
       </p:sp>
       <p:sp>
         <p:nvSpPr>
-          <p:cNvPr id="5" name="页脚占位符 4">
-            <a:extLst>
-              <a:ext uri="{FF2B5EF4-FFF2-40B4-BE49-F238E27FC236}">
-                <a16:creationId xmlns:a16="http://schemas.microsoft.com/office/drawing/2014/main" id="{A8F1A6DB-B082-48FD-9577-8530782BBA8D}"/>
-              </a:ext>
-            </a:extLst>
-          </p:cNvPr>
+          <p:cNvPr id="5" name="Footer Placeholder 4"/>
           <p:cNvSpPr>
             <a:spLocks noGrp="1"/>
           </p:cNvSpPr>
@@ -693,13 +620,7 @@
       </p:sp>
       <p:sp>
         <p:nvSpPr>
-          <p:cNvPr id="6" name="灯片编号占位符 5">
-            <a:extLst>
-              <a:ext uri="{FF2B5EF4-FFF2-40B4-BE49-F238E27FC236}">
-                <a16:creationId xmlns:a16="http://schemas.microsoft.com/office/drawing/2014/main" id="{93202271-CC66-49C4-86C5-C85DF8283402}"/>
-              </a:ext>
-            </a:extLst>
-          </p:cNvPr>
+          <p:cNvPr id="6" name="Slide Number Placeholder 5"/>
           <p:cNvSpPr>
             <a:spLocks noGrp="1"/>
           </p:cNvSpPr>
@@ -712,7 +633,7 @@
           <a:bodyPr/>
           <a:lstStyle/>
           <a:p>
-            <a:fld id="{795DCEA6-ADC4-44CE-88D3-F511AD5A0DFE}" type="slidenum">
+            <a:fld id="{1387C8F1-EC1B-4B52-8017-448A15005BFA}" type="slidenum">
               <a:rPr lang="zh-CN" altLang="en-US" smtClean="0"/>
               <a:t>‹#›</a:t>
             </a:fld>
@@ -723,7 +644,7 @@
     </p:spTree>
     <p:extLst>
       <p:ext uri="{BB962C8B-B14F-4D97-AF65-F5344CB8AC3E}">
-        <p14:creationId xmlns:p14="http://schemas.microsoft.com/office/powerpoint/2010/main" val="2295145660"/>
+        <p14:creationId xmlns:p14="http://schemas.microsoft.com/office/powerpoint/2010/main" val="1916207389"/>
       </p:ext>
     </p:extLst>
   </p:cSld>
@@ -752,13 +673,7 @@
       </p:grpSpPr>
       <p:sp>
         <p:nvSpPr>
-          <p:cNvPr id="2" name="标题 1">
-            <a:extLst>
-              <a:ext uri="{FF2B5EF4-FFF2-40B4-BE49-F238E27FC236}">
-                <a16:creationId xmlns:a16="http://schemas.microsoft.com/office/drawing/2014/main" id="{443E4A70-6B09-437D-BBD7-FD92054DD6B9}"/>
-              </a:ext>
-            </a:extLst>
-          </p:cNvPr>
+          <p:cNvPr id="2" name="Title 1"/>
           <p:cNvSpPr>
             <a:spLocks noGrp="1"/>
           </p:cNvSpPr>
@@ -775,18 +690,13 @@
               <a:rPr lang="zh-CN" altLang="en-US"/>
               <a:t>单击此处编辑母版标题样式</a:t>
             </a:r>
-          </a:p>
-        </p:txBody>
-      </p:sp>
-      <p:sp>
-        <p:nvSpPr>
-          <p:cNvPr id="3" name="内容占位符 2">
-            <a:extLst>
-              <a:ext uri="{FF2B5EF4-FFF2-40B4-BE49-F238E27FC236}">
-                <a16:creationId xmlns:a16="http://schemas.microsoft.com/office/drawing/2014/main" id="{80EDE11D-FC4D-49E6-BA6D-BB0B6F796A1F}"/>
-              </a:ext>
-            </a:extLst>
-          </p:cNvPr>
+            <a:endParaRPr lang="en-US" dirty="0"/>
+          </a:p>
+        </p:txBody>
+      </p:sp>
+      <p:sp>
+        <p:nvSpPr>
+          <p:cNvPr id="3" name="Content Placeholder 2"/>
           <p:cNvSpPr>
             <a:spLocks noGrp="1"/>
           </p:cNvSpPr>
@@ -832,18 +742,13 @@
               <a:rPr lang="zh-CN" altLang="en-US"/>
               <a:t>五级</a:t>
             </a:r>
-          </a:p>
-        </p:txBody>
-      </p:sp>
-      <p:sp>
-        <p:nvSpPr>
-          <p:cNvPr id="4" name="日期占位符 3">
-            <a:extLst>
-              <a:ext uri="{FF2B5EF4-FFF2-40B4-BE49-F238E27FC236}">
-                <a16:creationId xmlns:a16="http://schemas.microsoft.com/office/drawing/2014/main" id="{EE014431-8811-40EB-8ED9-AFB60393D57A}"/>
-              </a:ext>
-            </a:extLst>
-          </p:cNvPr>
+            <a:endParaRPr lang="en-US" dirty="0"/>
+          </a:p>
+        </p:txBody>
+      </p:sp>
+      <p:sp>
+        <p:nvSpPr>
+          <p:cNvPr id="4" name="Date Placeholder 3"/>
           <p:cNvSpPr>
             <a:spLocks noGrp="1"/>
           </p:cNvSpPr>
@@ -856,7 +761,7 @@
           <a:bodyPr/>
           <a:lstStyle/>
           <a:p>
-            <a:fld id="{A54B738F-FCBF-4414-9F6A-1670A03213E0}" type="datetimeFigureOut">
+            <a:fld id="{E66086C0-BB06-4E14-89A8-640D00472A98}" type="datetimeFigureOut">
               <a:rPr lang="zh-CN" altLang="en-US" smtClean="0"/>
               <a:t>2024/1/7</a:t>
             </a:fld>
@@ -866,13 +771,7 @@
       </p:sp>
       <p:sp>
         <p:nvSpPr>
-          <p:cNvPr id="5" name="页脚占位符 4">
-            <a:extLst>
-              <a:ext uri="{FF2B5EF4-FFF2-40B4-BE49-F238E27FC236}">
-                <a16:creationId xmlns:a16="http://schemas.microsoft.com/office/drawing/2014/main" id="{9679DCAC-C2BA-4647-8F0E-1D91EA04A9A9}"/>
-              </a:ext>
-            </a:extLst>
-          </p:cNvPr>
+          <p:cNvPr id="5" name="Footer Placeholder 4"/>
           <p:cNvSpPr>
             <a:spLocks noGrp="1"/>
           </p:cNvSpPr>
@@ -891,13 +790,7 @@
       </p:sp>
       <p:sp>
         <p:nvSpPr>
-          <p:cNvPr id="6" name="灯片编号占位符 5">
-            <a:extLst>
-              <a:ext uri="{FF2B5EF4-FFF2-40B4-BE49-F238E27FC236}">
-                <a16:creationId xmlns:a16="http://schemas.microsoft.com/office/drawing/2014/main" id="{D0BCD363-9C10-4F46-ACD9-895645086624}"/>
-              </a:ext>
-            </a:extLst>
-          </p:cNvPr>
+          <p:cNvPr id="6" name="Slide Number Placeholder 5"/>
           <p:cNvSpPr>
             <a:spLocks noGrp="1"/>
           </p:cNvSpPr>
@@ -910,7 +803,7 @@
           <a:bodyPr/>
           <a:lstStyle/>
           <a:p>
-            <a:fld id="{795DCEA6-ADC4-44CE-88D3-F511AD5A0DFE}" type="slidenum">
+            <a:fld id="{1387C8F1-EC1B-4B52-8017-448A15005BFA}" type="slidenum">
               <a:rPr lang="zh-CN" altLang="en-US" smtClean="0"/>
               <a:t>‹#›</a:t>
             </a:fld>
@@ -921,7 +814,7 @@
     </p:spTree>
     <p:extLst>
       <p:ext uri="{BB962C8B-B14F-4D97-AF65-F5344CB8AC3E}">
-        <p14:creationId xmlns:p14="http://schemas.microsoft.com/office/powerpoint/2010/main" val="628678975"/>
+        <p14:creationId xmlns:p14="http://schemas.microsoft.com/office/powerpoint/2010/main" val="2633550827"/>
       </p:ext>
     </p:extLst>
   </p:cSld>
@@ -950,13 +843,7 @@
       </p:grpSpPr>
       <p:sp>
         <p:nvSpPr>
-          <p:cNvPr id="2" name="标题 1">
-            <a:extLst>
-              <a:ext uri="{FF2B5EF4-FFF2-40B4-BE49-F238E27FC236}">
-                <a16:creationId xmlns:a16="http://schemas.microsoft.com/office/drawing/2014/main" id="{A02DF3C4-16A9-4F77-BCF0-A6DEC242A29F}"/>
-              </a:ext>
-            </a:extLst>
-          </p:cNvPr>
+          <p:cNvPr id="2" name="Title 1"/>
           <p:cNvSpPr>
             <a:spLocks noGrp="1"/>
           </p:cNvSpPr>
@@ -966,15 +853,15 @@
         </p:nvSpPr>
         <p:spPr>
           <a:xfrm>
-            <a:off x="831850" y="1709738"/>
-            <a:ext cx="10515600" cy="2852737"/>
+            <a:off x="2456232" y="4487668"/>
+            <a:ext cx="31049774" cy="7487774"/>
           </a:xfrm>
         </p:spPr>
         <p:txBody>
           <a:bodyPr anchor="b"/>
           <a:lstStyle>
             <a:lvl1pPr>
-              <a:defRPr sz="6000"/>
+              <a:defRPr sz="15749"/>
             </a:lvl1pPr>
           </a:lstStyle>
           <a:p>
@@ -982,18 +869,13 @@
               <a:rPr lang="zh-CN" altLang="en-US"/>
               <a:t>单击此处编辑母版标题样式</a:t>
             </a:r>
-          </a:p>
-        </p:txBody>
-      </p:sp>
-      <p:sp>
-        <p:nvSpPr>
-          <p:cNvPr id="3" name="文本占位符 2">
-            <a:extLst>
-              <a:ext uri="{FF2B5EF4-FFF2-40B4-BE49-F238E27FC236}">
-                <a16:creationId xmlns:a16="http://schemas.microsoft.com/office/drawing/2014/main" id="{818D6BBA-3F98-4FEA-96BA-BCEACE9BAB3B}"/>
-              </a:ext>
-            </a:extLst>
-          </p:cNvPr>
+            <a:endParaRPr lang="en-US" dirty="0"/>
+          </a:p>
+        </p:txBody>
+      </p:sp>
+      <p:sp>
+        <p:nvSpPr>
+          <p:cNvPr id="3" name="Text Placeholder 2"/>
           <p:cNvSpPr>
             <a:spLocks noGrp="1"/>
           </p:cNvSpPr>
@@ -1003,8 +885,8 @@
         </p:nvSpPr>
         <p:spPr>
           <a:xfrm>
-            <a:off x="831850" y="4589463"/>
-            <a:ext cx="10515600" cy="1500187"/>
+            <a:off x="2456232" y="12046280"/>
+            <a:ext cx="31049774" cy="3937644"/>
           </a:xfrm>
         </p:spPr>
         <p:txBody>
@@ -1012,7 +894,7 @@
           <a:lstStyle>
             <a:lvl1pPr marL="0" indent="0">
               <a:buNone/>
-              <a:defRPr sz="2400">
+              <a:defRPr sz="6300">
                 <a:solidFill>
                   <a:schemeClr val="tx1">
                     <a:tint val="75000"/>
@@ -1020,9 +902,9 @@
                 </a:solidFill>
               </a:defRPr>
             </a:lvl1pPr>
-            <a:lvl2pPr marL="457200" indent="0">
+            <a:lvl2pPr marL="1200059" indent="0">
               <a:buNone/>
-              <a:defRPr sz="2000">
+              <a:defRPr sz="5250">
                 <a:solidFill>
                   <a:schemeClr val="tx1">
                     <a:tint val="75000"/>
@@ -1030,9 +912,9 @@
                 </a:solidFill>
               </a:defRPr>
             </a:lvl2pPr>
-            <a:lvl3pPr marL="914400" indent="0">
+            <a:lvl3pPr marL="2400117" indent="0">
               <a:buNone/>
-              <a:defRPr sz="1800">
+              <a:defRPr sz="4725">
                 <a:solidFill>
                   <a:schemeClr val="tx1">
                     <a:tint val="75000"/>
@@ -1040,9 +922,9 @@
                 </a:solidFill>
               </a:defRPr>
             </a:lvl3pPr>
-            <a:lvl4pPr marL="1371600" indent="0">
+            <a:lvl4pPr marL="3600176" indent="0">
               <a:buNone/>
-              <a:defRPr sz="1600">
+              <a:defRPr sz="4200">
                 <a:solidFill>
                   <a:schemeClr val="tx1">
                     <a:tint val="75000"/>
@@ -1050,9 +932,9 @@
                 </a:solidFill>
               </a:defRPr>
             </a:lvl4pPr>
-            <a:lvl5pPr marL="1828800" indent="0">
+            <a:lvl5pPr marL="4800234" indent="0">
               <a:buNone/>
-              <a:defRPr sz="1600">
+              <a:defRPr sz="4200">
                 <a:solidFill>
                   <a:schemeClr val="tx1">
                     <a:tint val="75000"/>
@@ -1060,9 +942,9 @@
                 </a:solidFill>
               </a:defRPr>
             </a:lvl5pPr>
-            <a:lvl6pPr marL="2286000" indent="0">
+            <a:lvl6pPr marL="6000293" indent="0">
               <a:buNone/>
-              <a:defRPr sz="1600">
+              <a:defRPr sz="4200">
                 <a:solidFill>
                   <a:schemeClr val="tx1">
                     <a:tint val="75000"/>
@@ -1070,9 +952,9 @@
                 </a:solidFill>
               </a:defRPr>
             </a:lvl6pPr>
-            <a:lvl7pPr marL="2743200" indent="0">
+            <a:lvl7pPr marL="7200351" indent="0">
               <a:buNone/>
-              <a:defRPr sz="1600">
+              <a:defRPr sz="4200">
                 <a:solidFill>
                   <a:schemeClr val="tx1">
                     <a:tint val="75000"/>
@@ -1080,9 +962,9 @@
                 </a:solidFill>
               </a:defRPr>
             </a:lvl7pPr>
-            <a:lvl8pPr marL="3200400" indent="0">
+            <a:lvl8pPr marL="8400410" indent="0">
               <a:buNone/>
-              <a:defRPr sz="1600">
+              <a:defRPr sz="4200">
                 <a:solidFill>
                   <a:schemeClr val="tx1">
                     <a:tint val="75000"/>
@@ -1090,9 +972,9 @@
                 </a:solidFill>
               </a:defRPr>
             </a:lvl8pPr>
-            <a:lvl9pPr marL="3657600" indent="0">
+            <a:lvl9pPr marL="9600468" indent="0">
               <a:buNone/>
-              <a:defRPr sz="1600">
+              <a:defRPr sz="4200">
                 <a:solidFill>
                   <a:schemeClr val="tx1">
                     <a:tint val="75000"/>
@@ -1112,13 +994,7 @@
       </p:sp>
       <p:sp>
         <p:nvSpPr>
-          <p:cNvPr id="4" name="日期占位符 3">
-            <a:extLst>
-              <a:ext uri="{FF2B5EF4-FFF2-40B4-BE49-F238E27FC236}">
-                <a16:creationId xmlns:a16="http://schemas.microsoft.com/office/drawing/2014/main" id="{B26B40E7-091F-45A6-88BD-F3528547AA91}"/>
-              </a:ext>
-            </a:extLst>
-          </p:cNvPr>
+          <p:cNvPr id="4" name="Date Placeholder 3"/>
           <p:cNvSpPr>
             <a:spLocks noGrp="1"/>
           </p:cNvSpPr>
@@ -1131,7 +1007,7 @@
           <a:bodyPr/>
           <a:lstStyle/>
           <a:p>
-            <a:fld id="{A54B738F-FCBF-4414-9F6A-1670A03213E0}" type="datetimeFigureOut">
+            <a:fld id="{E66086C0-BB06-4E14-89A8-640D00472A98}" type="datetimeFigureOut">
               <a:rPr lang="zh-CN" altLang="en-US" smtClean="0"/>
               <a:t>2024/1/7</a:t>
             </a:fld>
@@ -1141,13 +1017,7 @@
       </p:sp>
       <p:sp>
         <p:nvSpPr>
-          <p:cNvPr id="5" name="页脚占位符 4">
-            <a:extLst>
-              <a:ext uri="{FF2B5EF4-FFF2-40B4-BE49-F238E27FC236}">
-                <a16:creationId xmlns:a16="http://schemas.microsoft.com/office/drawing/2014/main" id="{D71FCE1C-F315-4ED8-B252-0D53ED1F872E}"/>
-              </a:ext>
-            </a:extLst>
-          </p:cNvPr>
+          <p:cNvPr id="5" name="Footer Placeholder 4"/>
           <p:cNvSpPr>
             <a:spLocks noGrp="1"/>
           </p:cNvSpPr>
@@ -1166,13 +1036,7 @@
       </p:sp>
       <p:sp>
         <p:nvSpPr>
-          <p:cNvPr id="6" name="灯片编号占位符 5">
-            <a:extLst>
-              <a:ext uri="{FF2B5EF4-FFF2-40B4-BE49-F238E27FC236}">
-                <a16:creationId xmlns:a16="http://schemas.microsoft.com/office/drawing/2014/main" id="{846D4467-39CF-436A-8F04-39F4AE98AAAD}"/>
-              </a:ext>
-            </a:extLst>
-          </p:cNvPr>
+          <p:cNvPr id="6" name="Slide Number Placeholder 5"/>
           <p:cNvSpPr>
             <a:spLocks noGrp="1"/>
           </p:cNvSpPr>
@@ -1185,7 +1049,7 @@
           <a:bodyPr/>
           <a:lstStyle/>
           <a:p>
-            <a:fld id="{795DCEA6-ADC4-44CE-88D3-F511AD5A0DFE}" type="slidenum">
+            <a:fld id="{1387C8F1-EC1B-4B52-8017-448A15005BFA}" type="slidenum">
               <a:rPr lang="zh-CN" altLang="en-US" smtClean="0"/>
               <a:t>‹#›</a:t>
             </a:fld>
@@ -1196,7 +1060,7 @@
     </p:spTree>
     <p:extLst>
       <p:ext uri="{BB962C8B-B14F-4D97-AF65-F5344CB8AC3E}">
-        <p14:creationId xmlns:p14="http://schemas.microsoft.com/office/powerpoint/2010/main" val="2429383500"/>
+        <p14:creationId xmlns:p14="http://schemas.microsoft.com/office/powerpoint/2010/main" val="1881559635"/>
       </p:ext>
     </p:extLst>
   </p:cSld>
@@ -1225,13 +1089,7 @@
       </p:grpSpPr>
       <p:sp>
         <p:nvSpPr>
-          <p:cNvPr id="2" name="标题 1">
-            <a:extLst>
-              <a:ext uri="{FF2B5EF4-FFF2-40B4-BE49-F238E27FC236}">
-                <a16:creationId xmlns:a16="http://schemas.microsoft.com/office/drawing/2014/main" id="{C1D4B881-923F-4092-A8D6-50EA190612CA}"/>
-              </a:ext>
-            </a:extLst>
-          </p:cNvPr>
+          <p:cNvPr id="2" name="Title 1"/>
           <p:cNvSpPr>
             <a:spLocks noGrp="1"/>
           </p:cNvSpPr>
@@ -1248,18 +1106,13 @@
               <a:rPr lang="zh-CN" altLang="en-US"/>
               <a:t>单击此处编辑母版标题样式</a:t>
             </a:r>
-          </a:p>
-        </p:txBody>
-      </p:sp>
-      <p:sp>
-        <p:nvSpPr>
-          <p:cNvPr id="3" name="内容占位符 2">
-            <a:extLst>
-              <a:ext uri="{FF2B5EF4-FFF2-40B4-BE49-F238E27FC236}">
-                <a16:creationId xmlns:a16="http://schemas.microsoft.com/office/drawing/2014/main" id="{89E95C11-8A61-457D-A5ED-B71F66B43D42}"/>
-              </a:ext>
-            </a:extLst>
-          </p:cNvPr>
+            <a:endParaRPr lang="en-US" dirty="0"/>
+          </a:p>
+        </p:txBody>
+      </p:sp>
+      <p:sp>
+        <p:nvSpPr>
+          <p:cNvPr id="3" name="Content Placeholder 2"/>
           <p:cNvSpPr>
             <a:spLocks noGrp="1"/>
           </p:cNvSpPr>
@@ -1269,8 +1122,8 @@
         </p:nvSpPr>
         <p:spPr>
           <a:xfrm>
-            <a:off x="838200" y="1825625"/>
-            <a:ext cx="5181600" cy="4351338"/>
+            <a:off x="2474982" y="4791843"/>
+            <a:ext cx="15299889" cy="11421255"/>
           </a:xfrm>
         </p:spPr>
         <p:txBody>
@@ -1310,18 +1163,13 @@
               <a:rPr lang="zh-CN" altLang="en-US"/>
               <a:t>五级</a:t>
             </a:r>
-          </a:p>
-        </p:txBody>
-      </p:sp>
-      <p:sp>
-        <p:nvSpPr>
-          <p:cNvPr id="4" name="内容占位符 3">
-            <a:extLst>
-              <a:ext uri="{FF2B5EF4-FFF2-40B4-BE49-F238E27FC236}">
-                <a16:creationId xmlns:a16="http://schemas.microsoft.com/office/drawing/2014/main" id="{6D7E5BCC-8039-4A43-A67A-8C61FF24D14C}"/>
-              </a:ext>
-            </a:extLst>
-          </p:cNvPr>
+            <a:endParaRPr lang="en-US" dirty="0"/>
+          </a:p>
+        </p:txBody>
+      </p:sp>
+      <p:sp>
+        <p:nvSpPr>
+          <p:cNvPr id="4" name="Content Placeholder 3"/>
           <p:cNvSpPr>
             <a:spLocks noGrp="1"/>
           </p:cNvSpPr>
@@ -1331,8 +1179,8 @@
         </p:nvSpPr>
         <p:spPr>
           <a:xfrm>
-            <a:off x="6172200" y="1825625"/>
-            <a:ext cx="5181600" cy="4351338"/>
+            <a:off x="18224867" y="4791843"/>
+            <a:ext cx="15299889" cy="11421255"/>
           </a:xfrm>
         </p:spPr>
         <p:txBody>
@@ -1372,18 +1220,13 @@
               <a:rPr lang="zh-CN" altLang="en-US"/>
               <a:t>五级</a:t>
             </a:r>
-          </a:p>
-        </p:txBody>
-      </p:sp>
-      <p:sp>
-        <p:nvSpPr>
-          <p:cNvPr id="5" name="日期占位符 4">
-            <a:extLst>
-              <a:ext uri="{FF2B5EF4-FFF2-40B4-BE49-F238E27FC236}">
-                <a16:creationId xmlns:a16="http://schemas.microsoft.com/office/drawing/2014/main" id="{F6F530CA-ADCD-4301-87CD-7EC4F9B45E9C}"/>
-              </a:ext>
-            </a:extLst>
-          </p:cNvPr>
+            <a:endParaRPr lang="en-US" dirty="0"/>
+          </a:p>
+        </p:txBody>
+      </p:sp>
+      <p:sp>
+        <p:nvSpPr>
+          <p:cNvPr id="5" name="Date Placeholder 4"/>
           <p:cNvSpPr>
             <a:spLocks noGrp="1"/>
           </p:cNvSpPr>
@@ -1396,7 +1239,7 @@
           <a:bodyPr/>
           <a:lstStyle/>
           <a:p>
-            <a:fld id="{A54B738F-FCBF-4414-9F6A-1670A03213E0}" type="datetimeFigureOut">
+            <a:fld id="{E66086C0-BB06-4E14-89A8-640D00472A98}" type="datetimeFigureOut">
               <a:rPr lang="zh-CN" altLang="en-US" smtClean="0"/>
               <a:t>2024/1/7</a:t>
             </a:fld>
@@ -1406,13 +1249,7 @@
       </p:sp>
       <p:sp>
         <p:nvSpPr>
-          <p:cNvPr id="6" name="页脚占位符 5">
-            <a:extLst>
-              <a:ext uri="{FF2B5EF4-FFF2-40B4-BE49-F238E27FC236}">
-                <a16:creationId xmlns:a16="http://schemas.microsoft.com/office/drawing/2014/main" id="{A21F7B75-2022-483E-B680-05260DF6F8D0}"/>
-              </a:ext>
-            </a:extLst>
-          </p:cNvPr>
+          <p:cNvPr id="6" name="Footer Placeholder 5"/>
           <p:cNvSpPr>
             <a:spLocks noGrp="1"/>
           </p:cNvSpPr>
@@ -1431,13 +1268,7 @@
       </p:sp>
       <p:sp>
         <p:nvSpPr>
-          <p:cNvPr id="7" name="灯片编号占位符 6">
-            <a:extLst>
-              <a:ext uri="{FF2B5EF4-FFF2-40B4-BE49-F238E27FC236}">
-                <a16:creationId xmlns:a16="http://schemas.microsoft.com/office/drawing/2014/main" id="{0FC30A23-C0C9-4994-BF5F-7E8B53738DFC}"/>
-              </a:ext>
-            </a:extLst>
-          </p:cNvPr>
+          <p:cNvPr id="7" name="Slide Number Placeholder 6"/>
           <p:cNvSpPr>
             <a:spLocks noGrp="1"/>
           </p:cNvSpPr>
@@ -1450,7 +1281,7 @@
           <a:bodyPr/>
           <a:lstStyle/>
           <a:p>
-            <a:fld id="{795DCEA6-ADC4-44CE-88D3-F511AD5A0DFE}" type="slidenum">
+            <a:fld id="{1387C8F1-EC1B-4B52-8017-448A15005BFA}" type="slidenum">
               <a:rPr lang="zh-CN" altLang="en-US" smtClean="0"/>
               <a:t>‹#›</a:t>
             </a:fld>
@@ -1461,7 +1292,7 @@
     </p:spTree>
     <p:extLst>
       <p:ext uri="{BB962C8B-B14F-4D97-AF65-F5344CB8AC3E}">
-        <p14:creationId xmlns:p14="http://schemas.microsoft.com/office/powerpoint/2010/main" val="3494668271"/>
+        <p14:creationId xmlns:p14="http://schemas.microsoft.com/office/powerpoint/2010/main" val="4020091741"/>
       </p:ext>
     </p:extLst>
   </p:cSld>
@@ -1490,13 +1321,7 @@
       </p:grpSpPr>
       <p:sp>
         <p:nvSpPr>
-          <p:cNvPr id="2" name="标题 1">
-            <a:extLst>
-              <a:ext uri="{FF2B5EF4-FFF2-40B4-BE49-F238E27FC236}">
-                <a16:creationId xmlns:a16="http://schemas.microsoft.com/office/drawing/2014/main" id="{4E0E846B-151C-4880-AF8B-65F80403E7F3}"/>
-              </a:ext>
-            </a:extLst>
-          </p:cNvPr>
+          <p:cNvPr id="2" name="Title 1"/>
           <p:cNvSpPr>
             <a:spLocks noGrp="1"/>
           </p:cNvSpPr>
@@ -1506,8 +1331,8 @@
         </p:nvSpPr>
         <p:spPr>
           <a:xfrm>
-            <a:off x="839788" y="365125"/>
-            <a:ext cx="10515600" cy="1325563"/>
+            <a:off x="2479671" y="958370"/>
+            <a:ext cx="31049774" cy="3479296"/>
           </a:xfrm>
         </p:spPr>
         <p:txBody>
@@ -1518,18 +1343,13 @@
               <a:rPr lang="zh-CN" altLang="en-US"/>
               <a:t>单击此处编辑母版标题样式</a:t>
             </a:r>
-          </a:p>
-        </p:txBody>
-      </p:sp>
-      <p:sp>
-        <p:nvSpPr>
-          <p:cNvPr id="3" name="文本占位符 2">
-            <a:extLst>
-              <a:ext uri="{FF2B5EF4-FFF2-40B4-BE49-F238E27FC236}">
-                <a16:creationId xmlns:a16="http://schemas.microsoft.com/office/drawing/2014/main" id="{B327B997-07DD-4EE4-96C6-55A4337ACA4F}"/>
-              </a:ext>
-            </a:extLst>
-          </p:cNvPr>
+            <a:endParaRPr lang="en-US" dirty="0"/>
+          </a:p>
+        </p:txBody>
+      </p:sp>
+      <p:sp>
+        <p:nvSpPr>
+          <p:cNvPr id="3" name="Text Placeholder 2"/>
           <p:cNvSpPr>
             <a:spLocks noGrp="1"/>
           </p:cNvSpPr>
@@ -1539,8 +1359,8 @@
         </p:nvSpPr>
         <p:spPr>
           <a:xfrm>
-            <a:off x="839788" y="1681163"/>
-            <a:ext cx="5157787" cy="823912"/>
+            <a:off x="2479672" y="4412664"/>
+            <a:ext cx="15229575" cy="2162578"/>
           </a:xfrm>
         </p:spPr>
         <p:txBody>
@@ -1548,39 +1368,39 @@
           <a:lstStyle>
             <a:lvl1pPr marL="0" indent="0">
               <a:buNone/>
-              <a:defRPr sz="2400" b="1"/>
+              <a:defRPr sz="6300" b="1"/>
             </a:lvl1pPr>
-            <a:lvl2pPr marL="457200" indent="0">
+            <a:lvl2pPr marL="1200059" indent="0">
               <a:buNone/>
-              <a:defRPr sz="2000" b="1"/>
+              <a:defRPr sz="5250" b="1"/>
             </a:lvl2pPr>
-            <a:lvl3pPr marL="914400" indent="0">
+            <a:lvl3pPr marL="2400117" indent="0">
               <a:buNone/>
-              <a:defRPr sz="1800" b="1"/>
+              <a:defRPr sz="4725" b="1"/>
             </a:lvl3pPr>
-            <a:lvl4pPr marL="1371600" indent="0">
+            <a:lvl4pPr marL="3600176" indent="0">
               <a:buNone/>
-              <a:defRPr sz="1600" b="1"/>
+              <a:defRPr sz="4200" b="1"/>
             </a:lvl4pPr>
-            <a:lvl5pPr marL="1828800" indent="0">
+            <a:lvl5pPr marL="4800234" indent="0">
               <a:buNone/>
-              <a:defRPr sz="1600" b="1"/>
+              <a:defRPr sz="4200" b="1"/>
             </a:lvl5pPr>
-            <a:lvl6pPr marL="2286000" indent="0">
+            <a:lvl6pPr marL="6000293" indent="0">
               <a:buNone/>
-              <a:defRPr sz="1600" b="1"/>
+              <a:defRPr sz="4200" b="1"/>
             </a:lvl6pPr>
-            <a:lvl7pPr marL="2743200" indent="0">
+            <a:lvl7pPr marL="7200351" indent="0">
               <a:buNone/>
-              <a:defRPr sz="1600" b="1"/>
+              <a:defRPr sz="4200" b="1"/>
             </a:lvl7pPr>
-            <a:lvl8pPr marL="3200400" indent="0">
+            <a:lvl8pPr marL="8400410" indent="0">
               <a:buNone/>
-              <a:defRPr sz="1600" b="1"/>
+              <a:defRPr sz="4200" b="1"/>
             </a:lvl8pPr>
-            <a:lvl9pPr marL="3657600" indent="0">
+            <a:lvl9pPr marL="9600468" indent="0">
               <a:buNone/>
-              <a:defRPr sz="1600" b="1"/>
+              <a:defRPr sz="4200" b="1"/>
             </a:lvl9pPr>
           </a:lstStyle>
           <a:p>
@@ -1594,13 +1414,7 @@
       </p:sp>
       <p:sp>
         <p:nvSpPr>
-          <p:cNvPr id="4" name="内容占位符 3">
-            <a:extLst>
-              <a:ext uri="{FF2B5EF4-FFF2-40B4-BE49-F238E27FC236}">
-                <a16:creationId xmlns:a16="http://schemas.microsoft.com/office/drawing/2014/main" id="{AE7559A3-B1CC-44A5-B928-841FB77D4DB2}"/>
-              </a:ext>
-            </a:extLst>
-          </p:cNvPr>
+          <p:cNvPr id="4" name="Content Placeholder 3"/>
           <p:cNvSpPr>
             <a:spLocks noGrp="1"/>
           </p:cNvSpPr>
@@ -1610,8 +1424,8 @@
         </p:nvSpPr>
         <p:spPr>
           <a:xfrm>
-            <a:off x="839788" y="2505075"/>
-            <a:ext cx="5157787" cy="3684588"/>
+            <a:off x="2479672" y="6575242"/>
+            <a:ext cx="15229575" cy="9671191"/>
           </a:xfrm>
         </p:spPr>
         <p:txBody>
@@ -1651,18 +1465,13 @@
               <a:rPr lang="zh-CN" altLang="en-US"/>
               <a:t>五级</a:t>
             </a:r>
-          </a:p>
-        </p:txBody>
-      </p:sp>
-      <p:sp>
-        <p:nvSpPr>
-          <p:cNvPr id="5" name="文本占位符 4">
-            <a:extLst>
-              <a:ext uri="{FF2B5EF4-FFF2-40B4-BE49-F238E27FC236}">
-                <a16:creationId xmlns:a16="http://schemas.microsoft.com/office/drawing/2014/main" id="{58FF1088-9404-4A0D-9A5F-EB8C806AE8D8}"/>
-              </a:ext>
-            </a:extLst>
-          </p:cNvPr>
+            <a:endParaRPr lang="en-US" dirty="0"/>
+          </a:p>
+        </p:txBody>
+      </p:sp>
+      <p:sp>
+        <p:nvSpPr>
+          <p:cNvPr id="5" name="Text Placeholder 4"/>
           <p:cNvSpPr>
             <a:spLocks noGrp="1"/>
           </p:cNvSpPr>
@@ -1672,8 +1481,8 @@
         </p:nvSpPr>
         <p:spPr>
           <a:xfrm>
-            <a:off x="6172200" y="1681163"/>
-            <a:ext cx="5183188" cy="823912"/>
+            <a:off x="18224867" y="4412664"/>
+            <a:ext cx="15304578" cy="2162578"/>
           </a:xfrm>
         </p:spPr>
         <p:txBody>
@@ -1681,39 +1490,39 @@
           <a:lstStyle>
             <a:lvl1pPr marL="0" indent="0">
               <a:buNone/>
-              <a:defRPr sz="2400" b="1"/>
+              <a:defRPr sz="6300" b="1"/>
             </a:lvl1pPr>
-            <a:lvl2pPr marL="457200" indent="0">
+            <a:lvl2pPr marL="1200059" indent="0">
               <a:buNone/>
-              <a:defRPr sz="2000" b="1"/>
+              <a:defRPr sz="5250" b="1"/>
             </a:lvl2pPr>
-            <a:lvl3pPr marL="914400" indent="0">
+            <a:lvl3pPr marL="2400117" indent="0">
               <a:buNone/>
-              <a:defRPr sz="1800" b="1"/>
+              <a:defRPr sz="4725" b="1"/>
             </a:lvl3pPr>
-            <a:lvl4pPr marL="1371600" indent="0">
+            <a:lvl4pPr marL="3600176" indent="0">
               <a:buNone/>
-              <a:defRPr sz="1600" b="1"/>
+              <a:defRPr sz="4200" b="1"/>
             </a:lvl4pPr>
-            <a:lvl5pPr marL="1828800" indent="0">
+            <a:lvl5pPr marL="4800234" indent="0">
               <a:buNone/>
-              <a:defRPr sz="1600" b="1"/>
+              <a:defRPr sz="4200" b="1"/>
             </a:lvl5pPr>
-            <a:lvl6pPr marL="2286000" indent="0">
+            <a:lvl6pPr marL="6000293" indent="0">
               <a:buNone/>
-              <a:defRPr sz="1600" b="1"/>
+              <a:defRPr sz="4200" b="1"/>
             </a:lvl6pPr>
-            <a:lvl7pPr marL="2743200" indent="0">
+            <a:lvl7pPr marL="7200351" indent="0">
               <a:buNone/>
-              <a:defRPr sz="1600" b="1"/>
+              <a:defRPr sz="4200" b="1"/>
             </a:lvl7pPr>
-            <a:lvl8pPr marL="3200400" indent="0">
+            <a:lvl8pPr marL="8400410" indent="0">
               <a:buNone/>
-              <a:defRPr sz="1600" b="1"/>
+              <a:defRPr sz="4200" b="1"/>
             </a:lvl8pPr>
-            <a:lvl9pPr marL="3657600" indent="0">
+            <a:lvl9pPr marL="9600468" indent="0">
               <a:buNone/>
-              <a:defRPr sz="1600" b="1"/>
+              <a:defRPr sz="4200" b="1"/>
             </a:lvl9pPr>
           </a:lstStyle>
           <a:p>
@@ -1727,13 +1536,7 @@
       </p:sp>
       <p:sp>
         <p:nvSpPr>
-          <p:cNvPr id="6" name="内容占位符 5">
-            <a:extLst>
-              <a:ext uri="{FF2B5EF4-FFF2-40B4-BE49-F238E27FC236}">
-                <a16:creationId xmlns:a16="http://schemas.microsoft.com/office/drawing/2014/main" id="{0120B34E-B731-49B1-BA5E-E10F30B5387C}"/>
-              </a:ext>
-            </a:extLst>
-          </p:cNvPr>
+          <p:cNvPr id="6" name="Content Placeholder 5"/>
           <p:cNvSpPr>
             <a:spLocks noGrp="1"/>
           </p:cNvSpPr>
@@ -1743,8 +1546,8 @@
         </p:nvSpPr>
         <p:spPr>
           <a:xfrm>
-            <a:off x="6172200" y="2505075"/>
-            <a:ext cx="5183188" cy="3684588"/>
+            <a:off x="18224867" y="6575242"/>
+            <a:ext cx="15304578" cy="9671191"/>
           </a:xfrm>
         </p:spPr>
         <p:txBody>
@@ -1784,18 +1587,13 @@
               <a:rPr lang="zh-CN" altLang="en-US"/>
               <a:t>五级</a:t>
             </a:r>
-          </a:p>
-        </p:txBody>
-      </p:sp>
-      <p:sp>
-        <p:nvSpPr>
-          <p:cNvPr id="7" name="日期占位符 6">
-            <a:extLst>
-              <a:ext uri="{FF2B5EF4-FFF2-40B4-BE49-F238E27FC236}">
-                <a16:creationId xmlns:a16="http://schemas.microsoft.com/office/drawing/2014/main" id="{D8393568-4971-4BCB-875F-D5A46C14798C}"/>
-              </a:ext>
-            </a:extLst>
-          </p:cNvPr>
+            <a:endParaRPr lang="en-US" dirty="0"/>
+          </a:p>
+        </p:txBody>
+      </p:sp>
+      <p:sp>
+        <p:nvSpPr>
+          <p:cNvPr id="7" name="Date Placeholder 6"/>
           <p:cNvSpPr>
             <a:spLocks noGrp="1"/>
           </p:cNvSpPr>
@@ -1808,7 +1606,7 @@
           <a:bodyPr/>
           <a:lstStyle/>
           <a:p>
-            <a:fld id="{A54B738F-FCBF-4414-9F6A-1670A03213E0}" type="datetimeFigureOut">
+            <a:fld id="{E66086C0-BB06-4E14-89A8-640D00472A98}" type="datetimeFigureOut">
               <a:rPr lang="zh-CN" altLang="en-US" smtClean="0"/>
               <a:t>2024/1/7</a:t>
             </a:fld>
@@ -1818,13 +1616,7 @@
       </p:sp>
       <p:sp>
         <p:nvSpPr>
-          <p:cNvPr id="8" name="页脚占位符 7">
-            <a:extLst>
-              <a:ext uri="{FF2B5EF4-FFF2-40B4-BE49-F238E27FC236}">
-                <a16:creationId xmlns:a16="http://schemas.microsoft.com/office/drawing/2014/main" id="{BD14436D-0E46-4752-9AC2-22C8B306A5DF}"/>
-              </a:ext>
-            </a:extLst>
-          </p:cNvPr>
+          <p:cNvPr id="8" name="Footer Placeholder 7"/>
           <p:cNvSpPr>
             <a:spLocks noGrp="1"/>
           </p:cNvSpPr>
@@ -1843,13 +1635,7 @@
       </p:sp>
       <p:sp>
         <p:nvSpPr>
-          <p:cNvPr id="9" name="灯片编号占位符 8">
-            <a:extLst>
-              <a:ext uri="{FF2B5EF4-FFF2-40B4-BE49-F238E27FC236}">
-                <a16:creationId xmlns:a16="http://schemas.microsoft.com/office/drawing/2014/main" id="{87C8CD61-448C-4F46-9FBA-7B1C4570718F}"/>
-              </a:ext>
-            </a:extLst>
-          </p:cNvPr>
+          <p:cNvPr id="9" name="Slide Number Placeholder 8"/>
           <p:cNvSpPr>
             <a:spLocks noGrp="1"/>
           </p:cNvSpPr>
@@ -1862,7 +1648,7 @@
           <a:bodyPr/>
           <a:lstStyle/>
           <a:p>
-            <a:fld id="{795DCEA6-ADC4-44CE-88D3-F511AD5A0DFE}" type="slidenum">
+            <a:fld id="{1387C8F1-EC1B-4B52-8017-448A15005BFA}" type="slidenum">
               <a:rPr lang="zh-CN" altLang="en-US" smtClean="0"/>
               <a:t>‹#›</a:t>
             </a:fld>
@@ -1873,7 +1659,7 @@
     </p:spTree>
     <p:extLst>
       <p:ext uri="{BB962C8B-B14F-4D97-AF65-F5344CB8AC3E}">
-        <p14:creationId xmlns:p14="http://schemas.microsoft.com/office/powerpoint/2010/main" val="2622313636"/>
+        <p14:creationId xmlns:p14="http://schemas.microsoft.com/office/powerpoint/2010/main" val="2125620121"/>
       </p:ext>
     </p:extLst>
   </p:cSld>
@@ -1902,13 +1688,7 @@
       </p:grpSpPr>
       <p:sp>
         <p:nvSpPr>
-          <p:cNvPr id="2" name="标题 1">
-            <a:extLst>
-              <a:ext uri="{FF2B5EF4-FFF2-40B4-BE49-F238E27FC236}">
-                <a16:creationId xmlns:a16="http://schemas.microsoft.com/office/drawing/2014/main" id="{4D613A47-95E7-404D-A0CA-DC378767D0EA}"/>
-              </a:ext>
-            </a:extLst>
-          </p:cNvPr>
+          <p:cNvPr id="2" name="Title 1"/>
           <p:cNvSpPr>
             <a:spLocks noGrp="1"/>
           </p:cNvSpPr>
@@ -1925,18 +1705,13 @@
               <a:rPr lang="zh-CN" altLang="en-US"/>
               <a:t>单击此处编辑母版标题样式</a:t>
             </a:r>
-          </a:p>
-        </p:txBody>
-      </p:sp>
-      <p:sp>
-        <p:nvSpPr>
-          <p:cNvPr id="3" name="日期占位符 2">
-            <a:extLst>
-              <a:ext uri="{FF2B5EF4-FFF2-40B4-BE49-F238E27FC236}">
-                <a16:creationId xmlns:a16="http://schemas.microsoft.com/office/drawing/2014/main" id="{6D14DB06-8EC1-40E2-BA4C-23523D9D793C}"/>
-              </a:ext>
-            </a:extLst>
-          </p:cNvPr>
+            <a:endParaRPr lang="en-US" dirty="0"/>
+          </a:p>
+        </p:txBody>
+      </p:sp>
+      <p:sp>
+        <p:nvSpPr>
+          <p:cNvPr id="3" name="Date Placeholder 2"/>
           <p:cNvSpPr>
             <a:spLocks noGrp="1"/>
           </p:cNvSpPr>
@@ -1949,7 +1724,7 @@
           <a:bodyPr/>
           <a:lstStyle/>
           <a:p>
-            <a:fld id="{A54B738F-FCBF-4414-9F6A-1670A03213E0}" type="datetimeFigureOut">
+            <a:fld id="{E66086C0-BB06-4E14-89A8-640D00472A98}" type="datetimeFigureOut">
               <a:rPr lang="zh-CN" altLang="en-US" smtClean="0"/>
               <a:t>2024/1/7</a:t>
             </a:fld>
@@ -1959,13 +1734,7 @@
       </p:sp>
       <p:sp>
         <p:nvSpPr>
-          <p:cNvPr id="4" name="页脚占位符 3">
-            <a:extLst>
-              <a:ext uri="{FF2B5EF4-FFF2-40B4-BE49-F238E27FC236}">
-                <a16:creationId xmlns:a16="http://schemas.microsoft.com/office/drawing/2014/main" id="{03501705-E100-487E-9657-86A53286C33C}"/>
-              </a:ext>
-            </a:extLst>
-          </p:cNvPr>
+          <p:cNvPr id="4" name="Footer Placeholder 3"/>
           <p:cNvSpPr>
             <a:spLocks noGrp="1"/>
           </p:cNvSpPr>
@@ -1984,13 +1753,7 @@
       </p:sp>
       <p:sp>
         <p:nvSpPr>
-          <p:cNvPr id="5" name="灯片编号占位符 4">
-            <a:extLst>
-              <a:ext uri="{FF2B5EF4-FFF2-40B4-BE49-F238E27FC236}">
-                <a16:creationId xmlns:a16="http://schemas.microsoft.com/office/drawing/2014/main" id="{4DCDEB7B-6D5B-4D24-8638-B9A12B322B0D}"/>
-              </a:ext>
-            </a:extLst>
-          </p:cNvPr>
+          <p:cNvPr id="5" name="Slide Number Placeholder 4"/>
           <p:cNvSpPr>
             <a:spLocks noGrp="1"/>
           </p:cNvSpPr>
@@ -2003,7 +1766,7 @@
           <a:bodyPr/>
           <a:lstStyle/>
           <a:p>
-            <a:fld id="{795DCEA6-ADC4-44CE-88D3-F511AD5A0DFE}" type="slidenum">
+            <a:fld id="{1387C8F1-EC1B-4B52-8017-448A15005BFA}" type="slidenum">
               <a:rPr lang="zh-CN" altLang="en-US" smtClean="0"/>
               <a:t>‹#›</a:t>
             </a:fld>
@@ -2014,7 +1777,7 @@
     </p:spTree>
     <p:extLst>
       <p:ext uri="{BB962C8B-B14F-4D97-AF65-F5344CB8AC3E}">
-        <p14:creationId xmlns:p14="http://schemas.microsoft.com/office/powerpoint/2010/main" val="3897576200"/>
+        <p14:creationId xmlns:p14="http://schemas.microsoft.com/office/powerpoint/2010/main" val="3445219159"/>
       </p:ext>
     </p:extLst>
   </p:cSld>
@@ -2043,13 +1806,7 @@
       </p:grpSpPr>
       <p:sp>
         <p:nvSpPr>
-          <p:cNvPr id="2" name="日期占位符 1">
-            <a:extLst>
-              <a:ext uri="{FF2B5EF4-FFF2-40B4-BE49-F238E27FC236}">
-                <a16:creationId xmlns:a16="http://schemas.microsoft.com/office/drawing/2014/main" id="{A2DDAD18-FBCB-49E6-BCA5-849468E683FA}"/>
-              </a:ext>
-            </a:extLst>
-          </p:cNvPr>
+          <p:cNvPr id="2" name="Date Placeholder 1"/>
           <p:cNvSpPr>
             <a:spLocks noGrp="1"/>
           </p:cNvSpPr>
@@ -2062,7 +1819,7 @@
           <a:bodyPr/>
           <a:lstStyle/>
           <a:p>
-            <a:fld id="{A54B738F-FCBF-4414-9F6A-1670A03213E0}" type="datetimeFigureOut">
+            <a:fld id="{E66086C0-BB06-4E14-89A8-640D00472A98}" type="datetimeFigureOut">
               <a:rPr lang="zh-CN" altLang="en-US" smtClean="0"/>
               <a:t>2024/1/7</a:t>
             </a:fld>
@@ -2072,13 +1829,7 @@
       </p:sp>
       <p:sp>
         <p:nvSpPr>
-          <p:cNvPr id="3" name="页脚占位符 2">
-            <a:extLst>
-              <a:ext uri="{FF2B5EF4-FFF2-40B4-BE49-F238E27FC236}">
-                <a16:creationId xmlns:a16="http://schemas.microsoft.com/office/drawing/2014/main" id="{CB9BA98A-E070-4435-9E06-E631FF3BC523}"/>
-              </a:ext>
-            </a:extLst>
-          </p:cNvPr>
+          <p:cNvPr id="3" name="Footer Placeholder 2"/>
           <p:cNvSpPr>
             <a:spLocks noGrp="1"/>
           </p:cNvSpPr>
@@ -2097,13 +1848,7 @@
       </p:sp>
       <p:sp>
         <p:nvSpPr>
-          <p:cNvPr id="4" name="灯片编号占位符 3">
-            <a:extLst>
-              <a:ext uri="{FF2B5EF4-FFF2-40B4-BE49-F238E27FC236}">
-                <a16:creationId xmlns:a16="http://schemas.microsoft.com/office/drawing/2014/main" id="{E1D397EE-E1F4-43F1-8A57-582380A0A90C}"/>
-              </a:ext>
-            </a:extLst>
-          </p:cNvPr>
+          <p:cNvPr id="4" name="Slide Number Placeholder 3"/>
           <p:cNvSpPr>
             <a:spLocks noGrp="1"/>
           </p:cNvSpPr>
@@ -2116,7 +1861,7 @@
           <a:bodyPr/>
           <a:lstStyle/>
           <a:p>
-            <a:fld id="{795DCEA6-ADC4-44CE-88D3-F511AD5A0DFE}" type="slidenum">
+            <a:fld id="{1387C8F1-EC1B-4B52-8017-448A15005BFA}" type="slidenum">
               <a:rPr lang="zh-CN" altLang="en-US" smtClean="0"/>
               <a:t>‹#›</a:t>
             </a:fld>
@@ -2127,7 +1872,7 @@
     </p:spTree>
     <p:extLst>
       <p:ext uri="{BB962C8B-B14F-4D97-AF65-F5344CB8AC3E}">
-        <p14:creationId xmlns:p14="http://schemas.microsoft.com/office/powerpoint/2010/main" val="854593719"/>
+        <p14:creationId xmlns:p14="http://schemas.microsoft.com/office/powerpoint/2010/main" val="640815441"/>
       </p:ext>
     </p:extLst>
   </p:cSld>
@@ -2156,13 +1901,7 @@
       </p:grpSpPr>
       <p:sp>
         <p:nvSpPr>
-          <p:cNvPr id="2" name="标题 1">
-            <a:extLst>
-              <a:ext uri="{FF2B5EF4-FFF2-40B4-BE49-F238E27FC236}">
-                <a16:creationId xmlns:a16="http://schemas.microsoft.com/office/drawing/2014/main" id="{3E8FE4FA-4955-4EA9-A92B-FA791F0C84E8}"/>
-              </a:ext>
-            </a:extLst>
-          </p:cNvPr>
+          <p:cNvPr id="2" name="Title 1"/>
           <p:cNvSpPr>
             <a:spLocks noGrp="1"/>
           </p:cNvSpPr>
@@ -2172,15 +1911,15 @@
         </p:nvSpPr>
         <p:spPr>
           <a:xfrm>
-            <a:off x="839788" y="457200"/>
-            <a:ext cx="3932237" cy="1600200"/>
+            <a:off x="2479672" y="1200044"/>
+            <a:ext cx="11610852" cy="4200155"/>
           </a:xfrm>
         </p:spPr>
         <p:txBody>
           <a:bodyPr anchor="b"/>
           <a:lstStyle>
             <a:lvl1pPr>
-              <a:defRPr sz="3200"/>
+              <a:defRPr sz="8399"/>
             </a:lvl1pPr>
           </a:lstStyle>
           <a:p>
@@ -2188,18 +1927,13 @@
               <a:rPr lang="zh-CN" altLang="en-US"/>
               <a:t>单击此处编辑母版标题样式</a:t>
             </a:r>
-          </a:p>
-        </p:txBody>
-      </p:sp>
-      <p:sp>
-        <p:nvSpPr>
-          <p:cNvPr id="3" name="内容占位符 2">
-            <a:extLst>
-              <a:ext uri="{FF2B5EF4-FFF2-40B4-BE49-F238E27FC236}">
-                <a16:creationId xmlns:a16="http://schemas.microsoft.com/office/drawing/2014/main" id="{5BE6A9A5-FB1A-4908-8203-FF638497DBD0}"/>
-              </a:ext>
-            </a:extLst>
-          </p:cNvPr>
+            <a:endParaRPr lang="en-US" dirty="0"/>
+          </a:p>
+        </p:txBody>
+      </p:sp>
+      <p:sp>
+        <p:nvSpPr>
+          <p:cNvPr id="3" name="Content Placeholder 2"/>
           <p:cNvSpPr>
             <a:spLocks noGrp="1"/>
           </p:cNvSpPr>
@@ -2209,39 +1943,39 @@
         </p:nvSpPr>
         <p:spPr>
           <a:xfrm>
-            <a:off x="5183188" y="987425"/>
-            <a:ext cx="6172200" cy="4873625"/>
+            <a:off x="15304578" y="2591763"/>
+            <a:ext cx="18224867" cy="12792138"/>
           </a:xfrm>
         </p:spPr>
         <p:txBody>
           <a:bodyPr/>
           <a:lstStyle>
             <a:lvl1pPr>
-              <a:defRPr sz="3200"/>
+              <a:defRPr sz="8399"/>
             </a:lvl1pPr>
             <a:lvl2pPr>
-              <a:defRPr sz="2800"/>
+              <a:defRPr sz="7349"/>
             </a:lvl2pPr>
             <a:lvl3pPr>
-              <a:defRPr sz="2400"/>
+              <a:defRPr sz="6300"/>
             </a:lvl3pPr>
             <a:lvl4pPr>
-              <a:defRPr sz="2000"/>
+              <a:defRPr sz="5250"/>
             </a:lvl4pPr>
             <a:lvl5pPr>
-              <a:defRPr sz="2000"/>
+              <a:defRPr sz="5250"/>
             </a:lvl5pPr>
             <a:lvl6pPr>
-              <a:defRPr sz="2000"/>
+              <a:defRPr sz="5250"/>
             </a:lvl6pPr>
             <a:lvl7pPr>
-              <a:defRPr sz="2000"/>
+              <a:defRPr sz="5250"/>
             </a:lvl7pPr>
             <a:lvl8pPr>
-              <a:defRPr sz="2000"/>
+              <a:defRPr sz="5250"/>
             </a:lvl8pPr>
             <a:lvl9pPr>
-              <a:defRPr sz="2000"/>
+              <a:defRPr sz="5250"/>
             </a:lvl9pPr>
           </a:lstStyle>
           <a:p>
@@ -2278,18 +2012,13 @@
               <a:rPr lang="zh-CN" altLang="en-US"/>
               <a:t>五级</a:t>
             </a:r>
-          </a:p>
-        </p:txBody>
-      </p:sp>
-      <p:sp>
-        <p:nvSpPr>
-          <p:cNvPr id="4" name="文本占位符 3">
-            <a:extLst>
-              <a:ext uri="{FF2B5EF4-FFF2-40B4-BE49-F238E27FC236}">
-                <a16:creationId xmlns:a16="http://schemas.microsoft.com/office/drawing/2014/main" id="{8005B850-ED4E-42C3-A230-42632278C5BD}"/>
-              </a:ext>
-            </a:extLst>
-          </p:cNvPr>
+            <a:endParaRPr lang="en-US" dirty="0"/>
+          </a:p>
+        </p:txBody>
+      </p:sp>
+      <p:sp>
+        <p:nvSpPr>
+          <p:cNvPr id="4" name="Text Placeholder 3"/>
           <p:cNvSpPr>
             <a:spLocks noGrp="1"/>
           </p:cNvSpPr>
@@ -2299,8 +2028,8 @@
         </p:nvSpPr>
         <p:spPr>
           <a:xfrm>
-            <a:off x="839788" y="2057400"/>
-            <a:ext cx="3932237" cy="3811588"/>
+            <a:off x="2479672" y="5400199"/>
+            <a:ext cx="11610852" cy="10004536"/>
           </a:xfrm>
         </p:spPr>
         <p:txBody>
@@ -2308,39 +2037,39 @@
           <a:lstStyle>
             <a:lvl1pPr marL="0" indent="0">
               <a:buNone/>
-              <a:defRPr sz="1600"/>
+              <a:defRPr sz="4200"/>
             </a:lvl1pPr>
-            <a:lvl2pPr marL="457200" indent="0">
+            <a:lvl2pPr marL="1200059" indent="0">
               <a:buNone/>
-              <a:defRPr sz="1400"/>
+              <a:defRPr sz="3675"/>
             </a:lvl2pPr>
-            <a:lvl3pPr marL="914400" indent="0">
+            <a:lvl3pPr marL="2400117" indent="0">
               <a:buNone/>
-              <a:defRPr sz="1200"/>
+              <a:defRPr sz="3150"/>
             </a:lvl3pPr>
-            <a:lvl4pPr marL="1371600" indent="0">
+            <a:lvl4pPr marL="3600176" indent="0">
               <a:buNone/>
-              <a:defRPr sz="1000"/>
+              <a:defRPr sz="2625"/>
             </a:lvl4pPr>
-            <a:lvl5pPr marL="1828800" indent="0">
+            <a:lvl5pPr marL="4800234" indent="0">
               <a:buNone/>
-              <a:defRPr sz="1000"/>
+              <a:defRPr sz="2625"/>
             </a:lvl5pPr>
-            <a:lvl6pPr marL="2286000" indent="0">
+            <a:lvl6pPr marL="6000293" indent="0">
               <a:buNone/>
-              <a:defRPr sz="1000"/>
+              <a:defRPr sz="2625"/>
             </a:lvl6pPr>
-            <a:lvl7pPr marL="2743200" indent="0">
+            <a:lvl7pPr marL="7200351" indent="0">
               <a:buNone/>
-              <a:defRPr sz="1000"/>
+              <a:defRPr sz="2625"/>
             </a:lvl7pPr>
-            <a:lvl8pPr marL="3200400" indent="0">
+            <a:lvl8pPr marL="8400410" indent="0">
               <a:buNone/>
-              <a:defRPr sz="1000"/>
+              <a:defRPr sz="2625"/>
             </a:lvl8pPr>
-            <a:lvl9pPr marL="3657600" indent="0">
+            <a:lvl9pPr marL="9600468" indent="0">
               <a:buNone/>
-              <a:defRPr sz="1000"/>
+              <a:defRPr sz="2625"/>
             </a:lvl9pPr>
           </a:lstStyle>
           <a:p>
@@ -2354,13 +2083,7 @@
       </p:sp>
       <p:sp>
         <p:nvSpPr>
-          <p:cNvPr id="5" name="日期占位符 4">
-            <a:extLst>
-              <a:ext uri="{FF2B5EF4-FFF2-40B4-BE49-F238E27FC236}">
-                <a16:creationId xmlns:a16="http://schemas.microsoft.com/office/drawing/2014/main" id="{6ACB9A74-3CE9-43B2-BE61-2B658A3FBA05}"/>
-              </a:ext>
-            </a:extLst>
-          </p:cNvPr>
+          <p:cNvPr id="5" name="Date Placeholder 4"/>
           <p:cNvSpPr>
             <a:spLocks noGrp="1"/>
           </p:cNvSpPr>
@@ -2373,7 +2096,7 @@
           <a:bodyPr/>
           <a:lstStyle/>
           <a:p>
-            <a:fld id="{A54B738F-FCBF-4414-9F6A-1670A03213E0}" type="datetimeFigureOut">
+            <a:fld id="{E66086C0-BB06-4E14-89A8-640D00472A98}" type="datetimeFigureOut">
               <a:rPr lang="zh-CN" altLang="en-US" smtClean="0"/>
               <a:t>2024/1/7</a:t>
             </a:fld>
@@ -2383,13 +2106,7 @@
       </p:sp>
       <p:sp>
         <p:nvSpPr>
-          <p:cNvPr id="6" name="页脚占位符 5">
-            <a:extLst>
-              <a:ext uri="{FF2B5EF4-FFF2-40B4-BE49-F238E27FC236}">
-                <a16:creationId xmlns:a16="http://schemas.microsoft.com/office/drawing/2014/main" id="{070E341D-0134-4D11-96FB-E3B43F73BB38}"/>
-              </a:ext>
-            </a:extLst>
-          </p:cNvPr>
+          <p:cNvPr id="6" name="Footer Placeholder 5"/>
           <p:cNvSpPr>
             <a:spLocks noGrp="1"/>
           </p:cNvSpPr>
@@ -2408,13 +2125,7 @@
       </p:sp>
       <p:sp>
         <p:nvSpPr>
-          <p:cNvPr id="7" name="灯片编号占位符 6">
-            <a:extLst>
-              <a:ext uri="{FF2B5EF4-FFF2-40B4-BE49-F238E27FC236}">
-                <a16:creationId xmlns:a16="http://schemas.microsoft.com/office/drawing/2014/main" id="{C2EF4555-7431-4918-B674-3917B02B0181}"/>
-              </a:ext>
-            </a:extLst>
-          </p:cNvPr>
+          <p:cNvPr id="7" name="Slide Number Placeholder 6"/>
           <p:cNvSpPr>
             <a:spLocks noGrp="1"/>
           </p:cNvSpPr>
@@ -2427,7 +2138,7 @@
           <a:bodyPr/>
           <a:lstStyle/>
           <a:p>
-            <a:fld id="{795DCEA6-ADC4-44CE-88D3-F511AD5A0DFE}" type="slidenum">
+            <a:fld id="{1387C8F1-EC1B-4B52-8017-448A15005BFA}" type="slidenum">
               <a:rPr lang="zh-CN" altLang="en-US" smtClean="0"/>
               <a:t>‹#›</a:t>
             </a:fld>
@@ -2438,7 +2149,7 @@
     </p:spTree>
     <p:extLst>
       <p:ext uri="{BB962C8B-B14F-4D97-AF65-F5344CB8AC3E}">
-        <p14:creationId xmlns:p14="http://schemas.microsoft.com/office/powerpoint/2010/main" val="2382369820"/>
+        <p14:creationId xmlns:p14="http://schemas.microsoft.com/office/powerpoint/2010/main" val="2093567030"/>
       </p:ext>
     </p:extLst>
   </p:cSld>
@@ -2467,13 +2178,7 @@
       </p:grpSpPr>
       <p:sp>
         <p:nvSpPr>
-          <p:cNvPr id="2" name="标题 1">
-            <a:extLst>
-              <a:ext uri="{FF2B5EF4-FFF2-40B4-BE49-F238E27FC236}">
-                <a16:creationId xmlns:a16="http://schemas.microsoft.com/office/drawing/2014/main" id="{208A0503-B443-4B04-B175-E0FDBE8FEC8E}"/>
-              </a:ext>
-            </a:extLst>
-          </p:cNvPr>
+          <p:cNvPr id="2" name="Title 1"/>
           <p:cNvSpPr>
             <a:spLocks noGrp="1"/>
           </p:cNvSpPr>
@@ -2483,15 +2188,15 @@
         </p:nvSpPr>
         <p:spPr>
           <a:xfrm>
-            <a:off x="839788" y="457200"/>
-            <a:ext cx="3932237" cy="1600200"/>
+            <a:off x="2479672" y="1200044"/>
+            <a:ext cx="11610852" cy="4200155"/>
           </a:xfrm>
         </p:spPr>
         <p:txBody>
           <a:bodyPr anchor="b"/>
           <a:lstStyle>
             <a:lvl1pPr>
-              <a:defRPr sz="3200"/>
+              <a:defRPr sz="8399"/>
             </a:lvl1pPr>
           </a:lstStyle>
           <a:p>
@@ -2499,20 +2204,15 @@
               <a:rPr lang="zh-CN" altLang="en-US"/>
               <a:t>单击此处编辑母版标题样式</a:t>
             </a:r>
-          </a:p>
-        </p:txBody>
-      </p:sp>
-      <p:sp>
-        <p:nvSpPr>
-          <p:cNvPr id="3" name="图片占位符 2">
-            <a:extLst>
-              <a:ext uri="{FF2B5EF4-FFF2-40B4-BE49-F238E27FC236}">
-                <a16:creationId xmlns:a16="http://schemas.microsoft.com/office/drawing/2014/main" id="{83AE5584-20B5-4D04-B590-360615353348}"/>
-              </a:ext>
-            </a:extLst>
-          </p:cNvPr>
+            <a:endParaRPr lang="en-US" dirty="0"/>
+          </a:p>
+        </p:txBody>
+      </p:sp>
+      <p:sp>
+        <p:nvSpPr>
+          <p:cNvPr id="3" name="Picture Placeholder 2"/>
           <p:cNvSpPr>
-            <a:spLocks noGrp="1"/>
+            <a:spLocks noGrp="1" noChangeAspect="1"/>
           </p:cNvSpPr>
           <p:nvPr>
             <p:ph type="pic" idx="1"/>
@@ -2520,64 +2220,62 @@
         </p:nvSpPr>
         <p:spPr>
           <a:xfrm>
-            <a:off x="5183188" y="987425"/>
-            <a:ext cx="6172200" cy="4873625"/>
+            <a:off x="15304578" y="2591763"/>
+            <a:ext cx="18224867" cy="12792138"/>
           </a:xfrm>
         </p:spPr>
         <p:txBody>
-          <a:bodyPr/>
+          <a:bodyPr anchor="t"/>
           <a:lstStyle>
             <a:lvl1pPr marL="0" indent="0">
               <a:buNone/>
-              <a:defRPr sz="3200"/>
+              <a:defRPr sz="8399"/>
             </a:lvl1pPr>
-            <a:lvl2pPr marL="457200" indent="0">
+            <a:lvl2pPr marL="1200059" indent="0">
               <a:buNone/>
-              <a:defRPr sz="2800"/>
+              <a:defRPr sz="7349"/>
             </a:lvl2pPr>
-            <a:lvl3pPr marL="914400" indent="0">
+            <a:lvl3pPr marL="2400117" indent="0">
               <a:buNone/>
-              <a:defRPr sz="2400"/>
+              <a:defRPr sz="6300"/>
             </a:lvl3pPr>
-            <a:lvl4pPr marL="1371600" indent="0">
+            <a:lvl4pPr marL="3600176" indent="0">
               <a:buNone/>
-              <a:defRPr sz="2000"/>
+              <a:defRPr sz="5250"/>
             </a:lvl4pPr>
-            <a:lvl5pPr marL="1828800" indent="0">
+            <a:lvl5pPr marL="4800234" indent="0">
               <a:buNone/>
-              <a:defRPr sz="2000"/>
+              <a:defRPr sz="5250"/>
             </a:lvl5pPr>
-            <a:lvl6pPr marL="2286000" indent="0">
+            <a:lvl6pPr marL="6000293" indent="0">
               <a:buNone/>
-              <a:defRPr sz="2000"/>
+              <a:defRPr sz="5250"/>
             </a:lvl6pPr>
-            <a:lvl7pPr marL="2743200" indent="0">
+            <a:lvl7pPr marL="7200351" indent="0">
               <a:buNone/>
-              <a:defRPr sz="2000"/>
+              <a:defRPr sz="5250"/>
             </a:lvl7pPr>
-            <a:lvl8pPr marL="3200400" indent="0">
+            <a:lvl8pPr marL="8400410" indent="0">
               <a:buNone/>
-              <a:defRPr sz="2000"/>
+              <a:defRPr sz="5250"/>
             </a:lvl8pPr>
-            <a:lvl9pPr marL="3657600" indent="0">
+            <a:lvl9pPr marL="9600468" indent="0">
               <a:buNone/>
-              <a:defRPr sz="2000"/>
+              <a:defRPr sz="5250"/>
             </a:lvl9pPr>
           </a:lstStyle>
           <a:p>
-            <a:endParaRPr lang="zh-CN" altLang="en-US"/>
-          </a:p>
-        </p:txBody>
-      </p:sp>
-      <p:sp>
-        <p:nvSpPr>
-          <p:cNvPr id="4" name="文本占位符 3">
-            <a:extLst>
-              <a:ext uri="{FF2B5EF4-FFF2-40B4-BE49-F238E27FC236}">
-                <a16:creationId xmlns:a16="http://schemas.microsoft.com/office/drawing/2014/main" id="{D624AFE0-085C-4EE5-A573-DD917C383B01}"/>
-              </a:ext>
-            </a:extLst>
-          </p:cNvPr>
+            <a:r>
+              <a:rPr lang="zh-CN" altLang="en-US"/>
+              <a:t>单击图标添加图片</a:t>
+            </a:r>
+            <a:endParaRPr lang="en-US" dirty="0"/>
+          </a:p>
+        </p:txBody>
+      </p:sp>
+      <p:sp>
+        <p:nvSpPr>
+          <p:cNvPr id="4" name="Text Placeholder 3"/>
           <p:cNvSpPr>
             <a:spLocks noGrp="1"/>
           </p:cNvSpPr>
@@ -2587,8 +2285,8 @@
         </p:nvSpPr>
         <p:spPr>
           <a:xfrm>
-            <a:off x="839788" y="2057400"/>
-            <a:ext cx="3932237" cy="3811588"/>
+            <a:off x="2479672" y="5400199"/>
+            <a:ext cx="11610852" cy="10004536"/>
           </a:xfrm>
         </p:spPr>
         <p:txBody>
@@ -2596,39 +2294,39 @@
           <a:lstStyle>
             <a:lvl1pPr marL="0" indent="0">
               <a:buNone/>
-              <a:defRPr sz="1600"/>
+              <a:defRPr sz="4200"/>
             </a:lvl1pPr>
-            <a:lvl2pPr marL="457200" indent="0">
+            <a:lvl2pPr marL="1200059" indent="0">
               <a:buNone/>
-              <a:defRPr sz="1400"/>
+              <a:defRPr sz="3675"/>
             </a:lvl2pPr>
-            <a:lvl3pPr marL="914400" indent="0">
+            <a:lvl3pPr marL="2400117" indent="0">
               <a:buNone/>
-              <a:defRPr sz="1200"/>
+              <a:defRPr sz="3150"/>
             </a:lvl3pPr>
-            <a:lvl4pPr marL="1371600" indent="0">
+            <a:lvl4pPr marL="3600176" indent="0">
               <a:buNone/>
-              <a:defRPr sz="1000"/>
+              <a:defRPr sz="2625"/>
             </a:lvl4pPr>
-            <a:lvl5pPr marL="1828800" indent="0">
+            <a:lvl5pPr marL="4800234" indent="0">
               <a:buNone/>
-              <a:defRPr sz="1000"/>
+              <a:defRPr sz="2625"/>
             </a:lvl5pPr>
-            <a:lvl6pPr marL="2286000" indent="0">
+            <a:lvl6pPr marL="6000293" indent="0">
               <a:buNone/>
-              <a:defRPr sz="1000"/>
+              <a:defRPr sz="2625"/>
             </a:lvl6pPr>
-            <a:lvl7pPr marL="2743200" indent="0">
+            <a:lvl7pPr marL="7200351" indent="0">
               <a:buNone/>
-              <a:defRPr sz="1000"/>
+              <a:defRPr sz="2625"/>
             </a:lvl7pPr>
-            <a:lvl8pPr marL="3200400" indent="0">
+            <a:lvl8pPr marL="8400410" indent="0">
               <a:buNone/>
-              <a:defRPr sz="1000"/>
+              <a:defRPr sz="2625"/>
             </a:lvl8pPr>
-            <a:lvl9pPr marL="3657600" indent="0">
+            <a:lvl9pPr marL="9600468" indent="0">
               <a:buNone/>
-              <a:defRPr sz="1000"/>
+              <a:defRPr sz="2625"/>
             </a:lvl9pPr>
           </a:lstStyle>
           <a:p>
@@ -2642,13 +2340,7 @@
       </p:sp>
       <p:sp>
         <p:nvSpPr>
-          <p:cNvPr id="5" name="日期占位符 4">
-            <a:extLst>
-              <a:ext uri="{FF2B5EF4-FFF2-40B4-BE49-F238E27FC236}">
-                <a16:creationId xmlns:a16="http://schemas.microsoft.com/office/drawing/2014/main" id="{2ABB9DE8-624A-4F93-B076-0DADA0E75815}"/>
-              </a:ext>
-            </a:extLst>
-          </p:cNvPr>
+          <p:cNvPr id="5" name="Date Placeholder 4"/>
           <p:cNvSpPr>
             <a:spLocks noGrp="1"/>
           </p:cNvSpPr>
@@ -2661,7 +2353,7 @@
           <a:bodyPr/>
           <a:lstStyle/>
           <a:p>
-            <a:fld id="{A54B738F-FCBF-4414-9F6A-1670A03213E0}" type="datetimeFigureOut">
+            <a:fld id="{E66086C0-BB06-4E14-89A8-640D00472A98}" type="datetimeFigureOut">
               <a:rPr lang="zh-CN" altLang="en-US" smtClean="0"/>
               <a:t>2024/1/7</a:t>
             </a:fld>
@@ -2671,13 +2363,7 @@
       </p:sp>
       <p:sp>
         <p:nvSpPr>
-          <p:cNvPr id="6" name="页脚占位符 5">
-            <a:extLst>
-              <a:ext uri="{FF2B5EF4-FFF2-40B4-BE49-F238E27FC236}">
-                <a16:creationId xmlns:a16="http://schemas.microsoft.com/office/drawing/2014/main" id="{B9E8971C-7934-403E-A5EC-ABF53912CC6D}"/>
-              </a:ext>
-            </a:extLst>
-          </p:cNvPr>
+          <p:cNvPr id="6" name="Footer Placeholder 5"/>
           <p:cNvSpPr>
             <a:spLocks noGrp="1"/>
           </p:cNvSpPr>
@@ -2696,13 +2382,7 @@
       </p:sp>
       <p:sp>
         <p:nvSpPr>
-          <p:cNvPr id="7" name="灯片编号占位符 6">
-            <a:extLst>
-              <a:ext uri="{FF2B5EF4-FFF2-40B4-BE49-F238E27FC236}">
-                <a16:creationId xmlns:a16="http://schemas.microsoft.com/office/drawing/2014/main" id="{9DFADAED-C6D9-46B1-AD47-C96B4D7B1C97}"/>
-              </a:ext>
-            </a:extLst>
-          </p:cNvPr>
+          <p:cNvPr id="7" name="Slide Number Placeholder 6"/>
           <p:cNvSpPr>
             <a:spLocks noGrp="1"/>
           </p:cNvSpPr>
@@ -2715,7 +2395,7 @@
           <a:bodyPr/>
           <a:lstStyle/>
           <a:p>
-            <a:fld id="{795DCEA6-ADC4-44CE-88D3-F511AD5A0DFE}" type="slidenum">
+            <a:fld id="{1387C8F1-EC1B-4B52-8017-448A15005BFA}" type="slidenum">
               <a:rPr lang="zh-CN" altLang="en-US" smtClean="0"/>
               <a:t>‹#›</a:t>
             </a:fld>
@@ -2726,7 +2406,7 @@
     </p:spTree>
     <p:extLst>
       <p:ext uri="{BB962C8B-B14F-4D97-AF65-F5344CB8AC3E}">
-        <p14:creationId xmlns:p14="http://schemas.microsoft.com/office/powerpoint/2010/main" val="2562463540"/>
+        <p14:creationId xmlns:p14="http://schemas.microsoft.com/office/powerpoint/2010/main" val="2571086320"/>
       </p:ext>
     </p:extLst>
   </p:cSld>
@@ -2760,13 +2440,7 @@
       </p:grpSpPr>
       <p:sp>
         <p:nvSpPr>
-          <p:cNvPr id="2" name="标题占位符 1">
-            <a:extLst>
-              <a:ext uri="{FF2B5EF4-FFF2-40B4-BE49-F238E27FC236}">
-                <a16:creationId xmlns:a16="http://schemas.microsoft.com/office/drawing/2014/main" id="{1C97960C-814B-4ED8-9C4D-AC0A67C6B2B9}"/>
-              </a:ext>
-            </a:extLst>
-          </p:cNvPr>
+          <p:cNvPr id="2" name="Title Placeholder 1"/>
           <p:cNvSpPr>
             <a:spLocks noGrp="1"/>
           </p:cNvSpPr>
@@ -2776,8 +2450,8 @@
         </p:nvSpPr>
         <p:spPr>
           <a:xfrm>
-            <a:off x="838200" y="365125"/>
-            <a:ext cx="10515600" cy="1325563"/>
+            <a:off x="2474982" y="958370"/>
+            <a:ext cx="31049774" cy="3479296"/>
           </a:xfrm>
           <a:prstGeom prst="rect">
             <a:avLst/>
@@ -2793,18 +2467,13 @@
               <a:rPr lang="zh-CN" altLang="en-US"/>
               <a:t>单击此处编辑母版标题样式</a:t>
             </a:r>
-          </a:p>
-        </p:txBody>
-      </p:sp>
-      <p:sp>
-        <p:nvSpPr>
-          <p:cNvPr id="3" name="文本占位符 2">
-            <a:extLst>
-              <a:ext uri="{FF2B5EF4-FFF2-40B4-BE49-F238E27FC236}">
-                <a16:creationId xmlns:a16="http://schemas.microsoft.com/office/drawing/2014/main" id="{EF64A17D-ADFE-48D6-8E88-4845F3D10CE5}"/>
-              </a:ext>
-            </a:extLst>
-          </p:cNvPr>
+            <a:endParaRPr lang="en-US" dirty="0"/>
+          </a:p>
+        </p:txBody>
+      </p:sp>
+      <p:sp>
+        <p:nvSpPr>
+          <p:cNvPr id="3" name="Text Placeholder 2"/>
           <p:cNvSpPr>
             <a:spLocks noGrp="1"/>
           </p:cNvSpPr>
@@ -2814,8 +2483,8 @@
         </p:nvSpPr>
         <p:spPr>
           <a:xfrm>
-            <a:off x="838200" y="1825625"/>
-            <a:ext cx="10515600" cy="4351338"/>
+            <a:off x="2474982" y="4791843"/>
+            <a:ext cx="31049774" cy="11421255"/>
           </a:xfrm>
           <a:prstGeom prst="rect">
             <a:avLst/>
@@ -2860,18 +2529,13 @@
               <a:rPr lang="zh-CN" altLang="en-US"/>
               <a:t>五级</a:t>
             </a:r>
-          </a:p>
-        </p:txBody>
-      </p:sp>
-      <p:sp>
-        <p:nvSpPr>
-          <p:cNvPr id="4" name="日期占位符 3">
-            <a:extLst>
-              <a:ext uri="{FF2B5EF4-FFF2-40B4-BE49-F238E27FC236}">
-                <a16:creationId xmlns:a16="http://schemas.microsoft.com/office/drawing/2014/main" id="{08945944-BD84-4833-B159-943318ACBA9D}"/>
-              </a:ext>
-            </a:extLst>
-          </p:cNvPr>
+            <a:endParaRPr lang="en-US" dirty="0"/>
+          </a:p>
+        </p:txBody>
+      </p:sp>
+      <p:sp>
+        <p:nvSpPr>
+          <p:cNvPr id="4" name="Date Placeholder 3"/>
           <p:cNvSpPr>
             <a:spLocks noGrp="1"/>
           </p:cNvSpPr>
@@ -2881,8 +2545,8 @@
         </p:nvSpPr>
         <p:spPr>
           <a:xfrm>
-            <a:off x="838200" y="6356350"/>
-            <a:ext cx="2743200" cy="365125"/>
+            <a:off x="2474982" y="16683949"/>
+            <a:ext cx="8099941" cy="958369"/>
           </a:xfrm>
           <a:prstGeom prst="rect">
             <a:avLst/>
@@ -2892,7 +2556,7 @@
           <a:bodyPr vert="horz" lIns="91440" tIns="45720" rIns="91440" bIns="45720" rtlCol="0" anchor="ctr"/>
           <a:lstStyle>
             <a:lvl1pPr algn="l">
-              <a:defRPr sz="1200">
+              <a:defRPr sz="3150">
                 <a:solidFill>
                   <a:schemeClr val="tx1">
                     <a:tint val="75000"/>
@@ -2902,7 +2566,7 @@
             </a:lvl1pPr>
           </a:lstStyle>
           <a:p>
-            <a:fld id="{A54B738F-FCBF-4414-9F6A-1670A03213E0}" type="datetimeFigureOut">
+            <a:fld id="{E66086C0-BB06-4E14-89A8-640D00472A98}" type="datetimeFigureOut">
               <a:rPr lang="zh-CN" altLang="en-US" smtClean="0"/>
               <a:t>2024/1/7</a:t>
             </a:fld>
@@ -2912,13 +2576,7 @@
       </p:sp>
       <p:sp>
         <p:nvSpPr>
-          <p:cNvPr id="5" name="页脚占位符 4">
-            <a:extLst>
-              <a:ext uri="{FF2B5EF4-FFF2-40B4-BE49-F238E27FC236}">
-                <a16:creationId xmlns:a16="http://schemas.microsoft.com/office/drawing/2014/main" id="{71BBC3D0-EEF0-4C12-A0B1-4A400C566984}"/>
-              </a:ext>
-            </a:extLst>
-          </p:cNvPr>
+          <p:cNvPr id="5" name="Footer Placeholder 4"/>
           <p:cNvSpPr>
             <a:spLocks noGrp="1"/>
           </p:cNvSpPr>
@@ -2928,8 +2586,8 @@
         </p:nvSpPr>
         <p:spPr>
           <a:xfrm>
-            <a:off x="4038600" y="6356350"/>
-            <a:ext cx="4114800" cy="365125"/>
+            <a:off x="11924913" y="16683949"/>
+            <a:ext cx="12149912" cy="958369"/>
           </a:xfrm>
           <a:prstGeom prst="rect">
             <a:avLst/>
@@ -2939,7 +2597,7 @@
           <a:bodyPr vert="horz" lIns="91440" tIns="45720" rIns="91440" bIns="45720" rtlCol="0" anchor="ctr"/>
           <a:lstStyle>
             <a:lvl1pPr algn="ctr">
-              <a:defRPr sz="1200">
+              <a:defRPr sz="3150">
                 <a:solidFill>
                   <a:schemeClr val="tx1">
                     <a:tint val="75000"/>
@@ -2955,13 +2613,7 @@
       </p:sp>
       <p:sp>
         <p:nvSpPr>
-          <p:cNvPr id="6" name="灯片编号占位符 5">
-            <a:extLst>
-              <a:ext uri="{FF2B5EF4-FFF2-40B4-BE49-F238E27FC236}">
-                <a16:creationId xmlns:a16="http://schemas.microsoft.com/office/drawing/2014/main" id="{CD772640-FB2D-4E01-9EA7-AD573D63B565}"/>
-              </a:ext>
-            </a:extLst>
-          </p:cNvPr>
+          <p:cNvPr id="6" name="Slide Number Placeholder 5"/>
           <p:cNvSpPr>
             <a:spLocks noGrp="1"/>
           </p:cNvSpPr>
@@ -2971,8 +2623,8 @@
         </p:nvSpPr>
         <p:spPr>
           <a:xfrm>
-            <a:off x="8610600" y="6356350"/>
-            <a:ext cx="2743200" cy="365125"/>
+            <a:off x="25424815" y="16683949"/>
+            <a:ext cx="8099941" cy="958369"/>
           </a:xfrm>
           <a:prstGeom prst="rect">
             <a:avLst/>
@@ -2982,7 +2634,7 @@
           <a:bodyPr vert="horz" lIns="91440" tIns="45720" rIns="91440" bIns="45720" rtlCol="0" anchor="ctr"/>
           <a:lstStyle>
             <a:lvl1pPr algn="r">
-              <a:defRPr sz="1200">
+              <a:defRPr sz="3150">
                 <a:solidFill>
                   <a:schemeClr val="tx1">
                     <a:tint val="75000"/>
@@ -2992,7 +2644,7 @@
             </a:lvl1pPr>
           </a:lstStyle>
           <a:p>
-            <a:fld id="{795DCEA6-ADC4-44CE-88D3-F511AD5A0DFE}" type="slidenum">
+            <a:fld id="{1387C8F1-EC1B-4B52-8017-448A15005BFA}" type="slidenum">
               <a:rPr lang="zh-CN" altLang="en-US" smtClean="0"/>
               <a:t>‹#›</a:t>
             </a:fld>
@@ -3003,27 +2655,27 @@
     </p:spTree>
     <p:extLst>
       <p:ext uri="{BB962C8B-B14F-4D97-AF65-F5344CB8AC3E}">
-        <p14:creationId xmlns:p14="http://schemas.microsoft.com/office/powerpoint/2010/main" val="2748700021"/>
+        <p14:creationId xmlns:p14="http://schemas.microsoft.com/office/powerpoint/2010/main" val="49681459"/>
       </p:ext>
     </p:extLst>
   </p:cSld>
   <p:clrMap bg1="lt1" tx1="dk1" bg2="lt2" tx2="dk2" accent1="accent1" accent2="accent2" accent3="accent3" accent4="accent4" accent5="accent5" accent6="accent6" hlink="hlink" folHlink="folHlink"/>
   <p:sldLayoutIdLst>
-    <p:sldLayoutId id="2147483649" r:id="rId1"/>
-    <p:sldLayoutId id="2147483650" r:id="rId2"/>
-    <p:sldLayoutId id="2147483651" r:id="rId3"/>
-    <p:sldLayoutId id="2147483652" r:id="rId4"/>
-    <p:sldLayoutId id="2147483653" r:id="rId5"/>
-    <p:sldLayoutId id="2147483654" r:id="rId6"/>
-    <p:sldLayoutId id="2147483655" r:id="rId7"/>
-    <p:sldLayoutId id="2147483656" r:id="rId8"/>
-    <p:sldLayoutId id="2147483657" r:id="rId9"/>
-    <p:sldLayoutId id="2147483658" r:id="rId10"/>
-    <p:sldLayoutId id="2147483659" r:id="rId11"/>
+    <p:sldLayoutId id="2147483661" r:id="rId1"/>
+    <p:sldLayoutId id="2147483662" r:id="rId2"/>
+    <p:sldLayoutId id="2147483663" r:id="rId3"/>
+    <p:sldLayoutId id="2147483664" r:id="rId4"/>
+    <p:sldLayoutId id="2147483665" r:id="rId5"/>
+    <p:sldLayoutId id="2147483666" r:id="rId6"/>
+    <p:sldLayoutId id="2147483667" r:id="rId7"/>
+    <p:sldLayoutId id="2147483668" r:id="rId8"/>
+    <p:sldLayoutId id="2147483669" r:id="rId9"/>
+    <p:sldLayoutId id="2147483670" r:id="rId10"/>
+    <p:sldLayoutId id="2147483671" r:id="rId11"/>
   </p:sldLayoutIdLst>
   <p:txStyles>
     <p:titleStyle>
-      <a:lvl1pPr algn="l" defTabSz="914400" rtl="0" eaLnBrk="1" latinLnBrk="0" hangingPunct="1">
+      <a:lvl1pPr algn="l" defTabSz="2400117" rtl="0" eaLnBrk="1" latinLnBrk="0" hangingPunct="1">
         <a:lnSpc>
           <a:spcPct val="90000"/>
         </a:lnSpc>
@@ -3031,7 +2683,7 @@
           <a:spcPct val="0"/>
         </a:spcBef>
         <a:buNone/>
-        <a:defRPr sz="4400" kern="1200">
+        <a:defRPr sz="11549" kern="1200">
           <a:solidFill>
             <a:schemeClr val="tx1"/>
           </a:solidFill>
@@ -3042,16 +2694,16 @@
       </a:lvl1pPr>
     </p:titleStyle>
     <p:bodyStyle>
-      <a:lvl1pPr marL="228600" indent="-228600" algn="l" defTabSz="914400" rtl="0" eaLnBrk="1" latinLnBrk="0" hangingPunct="1">
+      <a:lvl1pPr marL="600029" indent="-600029" algn="l" defTabSz="2400117" rtl="0" eaLnBrk="1" latinLnBrk="0" hangingPunct="1">
         <a:lnSpc>
           <a:spcPct val="90000"/>
         </a:lnSpc>
         <a:spcBef>
-          <a:spcPts val="1000"/>
+          <a:spcPts val="2625"/>
         </a:spcBef>
         <a:buFont typeface="Arial" panose="020B0604020202020204" pitchFamily="34" charset="0"/>
         <a:buChar char="•"/>
-        <a:defRPr sz="2800" kern="1200">
+        <a:defRPr sz="7349" kern="1200">
           <a:solidFill>
             <a:schemeClr val="tx1"/>
           </a:solidFill>
@@ -3060,16 +2712,16 @@
           <a:cs typeface="+mn-cs"/>
         </a:defRPr>
       </a:lvl1pPr>
-      <a:lvl2pPr marL="685800" indent="-228600" algn="l" defTabSz="914400" rtl="0" eaLnBrk="1" latinLnBrk="0" hangingPunct="1">
+      <a:lvl2pPr marL="1800088" indent="-600029" algn="l" defTabSz="2400117" rtl="0" eaLnBrk="1" latinLnBrk="0" hangingPunct="1">
         <a:lnSpc>
           <a:spcPct val="90000"/>
         </a:lnSpc>
         <a:spcBef>
-          <a:spcPts val="500"/>
+          <a:spcPts val="1312"/>
         </a:spcBef>
         <a:buFont typeface="Arial" panose="020B0604020202020204" pitchFamily="34" charset="0"/>
         <a:buChar char="•"/>
-        <a:defRPr sz="2400" kern="1200">
+        <a:defRPr sz="6300" kern="1200">
           <a:solidFill>
             <a:schemeClr val="tx1"/>
           </a:solidFill>
@@ -3078,16 +2730,16 @@
           <a:cs typeface="+mn-cs"/>
         </a:defRPr>
       </a:lvl2pPr>
-      <a:lvl3pPr marL="1143000" indent="-228600" algn="l" defTabSz="914400" rtl="0" eaLnBrk="1" latinLnBrk="0" hangingPunct="1">
+      <a:lvl3pPr marL="3000146" indent="-600029" algn="l" defTabSz="2400117" rtl="0" eaLnBrk="1" latinLnBrk="0" hangingPunct="1">
         <a:lnSpc>
           <a:spcPct val="90000"/>
         </a:lnSpc>
         <a:spcBef>
-          <a:spcPts val="500"/>
+          <a:spcPts val="1312"/>
         </a:spcBef>
         <a:buFont typeface="Arial" panose="020B0604020202020204" pitchFamily="34" charset="0"/>
         <a:buChar char="•"/>
-        <a:defRPr sz="2000" kern="1200">
+        <a:defRPr sz="5250" kern="1200">
           <a:solidFill>
             <a:schemeClr val="tx1"/>
           </a:solidFill>
@@ -3096,16 +2748,16 @@
           <a:cs typeface="+mn-cs"/>
         </a:defRPr>
       </a:lvl3pPr>
-      <a:lvl4pPr marL="1600200" indent="-228600" algn="l" defTabSz="914400" rtl="0" eaLnBrk="1" latinLnBrk="0" hangingPunct="1">
+      <a:lvl4pPr marL="4200205" indent="-600029" algn="l" defTabSz="2400117" rtl="0" eaLnBrk="1" latinLnBrk="0" hangingPunct="1">
         <a:lnSpc>
           <a:spcPct val="90000"/>
         </a:lnSpc>
         <a:spcBef>
-          <a:spcPts val="500"/>
+          <a:spcPts val="1312"/>
         </a:spcBef>
         <a:buFont typeface="Arial" panose="020B0604020202020204" pitchFamily="34" charset="0"/>
         <a:buChar char="•"/>
-        <a:defRPr sz="1800" kern="1200">
+        <a:defRPr sz="4725" kern="1200">
           <a:solidFill>
             <a:schemeClr val="tx1"/>
           </a:solidFill>
@@ -3114,16 +2766,16 @@
           <a:cs typeface="+mn-cs"/>
         </a:defRPr>
       </a:lvl4pPr>
-      <a:lvl5pPr marL="2057400" indent="-228600" algn="l" defTabSz="914400" rtl="0" eaLnBrk="1" latinLnBrk="0" hangingPunct="1">
+      <a:lvl5pPr marL="5400264" indent="-600029" algn="l" defTabSz="2400117" rtl="0" eaLnBrk="1" latinLnBrk="0" hangingPunct="1">
         <a:lnSpc>
           <a:spcPct val="90000"/>
         </a:lnSpc>
         <a:spcBef>
-          <a:spcPts val="500"/>
+          <a:spcPts val="1312"/>
         </a:spcBef>
         <a:buFont typeface="Arial" panose="020B0604020202020204" pitchFamily="34" charset="0"/>
         <a:buChar char="•"/>
-        <a:defRPr sz="1800" kern="1200">
+        <a:defRPr sz="4725" kern="1200">
           <a:solidFill>
             <a:schemeClr val="tx1"/>
           </a:solidFill>
@@ -3132,16 +2784,16 @@
           <a:cs typeface="+mn-cs"/>
         </a:defRPr>
       </a:lvl5pPr>
-      <a:lvl6pPr marL="2514600" indent="-228600" algn="l" defTabSz="914400" rtl="0" eaLnBrk="1" latinLnBrk="0" hangingPunct="1">
+      <a:lvl6pPr marL="6600322" indent="-600029" algn="l" defTabSz="2400117" rtl="0" eaLnBrk="1" latinLnBrk="0" hangingPunct="1">
         <a:lnSpc>
           <a:spcPct val="90000"/>
         </a:lnSpc>
         <a:spcBef>
-          <a:spcPts val="500"/>
+          <a:spcPts val="1312"/>
         </a:spcBef>
         <a:buFont typeface="Arial" panose="020B0604020202020204" pitchFamily="34" charset="0"/>
         <a:buChar char="•"/>
-        <a:defRPr sz="1800" kern="1200">
+        <a:defRPr sz="4725" kern="1200">
           <a:solidFill>
             <a:schemeClr val="tx1"/>
           </a:solidFill>
@@ -3150,16 +2802,16 @@
           <a:cs typeface="+mn-cs"/>
         </a:defRPr>
       </a:lvl6pPr>
-      <a:lvl7pPr marL="2971800" indent="-228600" algn="l" defTabSz="914400" rtl="0" eaLnBrk="1" latinLnBrk="0" hangingPunct="1">
+      <a:lvl7pPr marL="7800381" indent="-600029" algn="l" defTabSz="2400117" rtl="0" eaLnBrk="1" latinLnBrk="0" hangingPunct="1">
         <a:lnSpc>
           <a:spcPct val="90000"/>
         </a:lnSpc>
         <a:spcBef>
-          <a:spcPts val="500"/>
+          <a:spcPts val="1312"/>
         </a:spcBef>
         <a:buFont typeface="Arial" panose="020B0604020202020204" pitchFamily="34" charset="0"/>
         <a:buChar char="•"/>
-        <a:defRPr sz="1800" kern="1200">
+        <a:defRPr sz="4725" kern="1200">
           <a:solidFill>
             <a:schemeClr val="tx1"/>
           </a:solidFill>
@@ -3168,16 +2820,16 @@
           <a:cs typeface="+mn-cs"/>
         </a:defRPr>
       </a:lvl7pPr>
-      <a:lvl8pPr marL="3429000" indent="-228600" algn="l" defTabSz="914400" rtl="0" eaLnBrk="1" latinLnBrk="0" hangingPunct="1">
+      <a:lvl8pPr marL="9000439" indent="-600029" algn="l" defTabSz="2400117" rtl="0" eaLnBrk="1" latinLnBrk="0" hangingPunct="1">
         <a:lnSpc>
           <a:spcPct val="90000"/>
         </a:lnSpc>
         <a:spcBef>
-          <a:spcPts val="500"/>
+          <a:spcPts val="1312"/>
         </a:spcBef>
         <a:buFont typeface="Arial" panose="020B0604020202020204" pitchFamily="34" charset="0"/>
         <a:buChar char="•"/>
-        <a:defRPr sz="1800" kern="1200">
+        <a:defRPr sz="4725" kern="1200">
           <a:solidFill>
             <a:schemeClr val="tx1"/>
           </a:solidFill>
@@ -3186,16 +2838,16 @@
           <a:cs typeface="+mn-cs"/>
         </a:defRPr>
       </a:lvl8pPr>
-      <a:lvl9pPr marL="3886200" indent="-228600" algn="l" defTabSz="914400" rtl="0" eaLnBrk="1" latinLnBrk="0" hangingPunct="1">
+      <a:lvl9pPr marL="10200498" indent="-600029" algn="l" defTabSz="2400117" rtl="0" eaLnBrk="1" latinLnBrk="0" hangingPunct="1">
         <a:lnSpc>
           <a:spcPct val="90000"/>
         </a:lnSpc>
         <a:spcBef>
-          <a:spcPts val="500"/>
+          <a:spcPts val="1312"/>
         </a:spcBef>
         <a:buFont typeface="Arial" panose="020B0604020202020204" pitchFamily="34" charset="0"/>
         <a:buChar char="•"/>
-        <a:defRPr sz="1800" kern="1200">
+        <a:defRPr sz="4725" kern="1200">
           <a:solidFill>
             <a:schemeClr val="tx1"/>
           </a:solidFill>
@@ -3207,10 +2859,10 @@
     </p:bodyStyle>
     <p:otherStyle>
       <a:defPPr>
-        <a:defRPr lang="zh-CN"/>
+        <a:defRPr lang="en-US"/>
       </a:defPPr>
-      <a:lvl1pPr marL="0" algn="l" defTabSz="914400" rtl="0" eaLnBrk="1" latinLnBrk="0" hangingPunct="1">
-        <a:defRPr sz="1800" kern="1200">
+      <a:lvl1pPr marL="0" algn="l" defTabSz="2400117" rtl="0" eaLnBrk="1" latinLnBrk="0" hangingPunct="1">
+        <a:defRPr sz="4725" kern="1200">
           <a:solidFill>
             <a:schemeClr val="tx1"/>
           </a:solidFill>
@@ -3219,8 +2871,8 @@
           <a:cs typeface="+mn-cs"/>
         </a:defRPr>
       </a:lvl1pPr>
-      <a:lvl2pPr marL="457200" algn="l" defTabSz="914400" rtl="0" eaLnBrk="1" latinLnBrk="0" hangingPunct="1">
-        <a:defRPr sz="1800" kern="1200">
+      <a:lvl2pPr marL="1200059" algn="l" defTabSz="2400117" rtl="0" eaLnBrk="1" latinLnBrk="0" hangingPunct="1">
+        <a:defRPr sz="4725" kern="1200">
           <a:solidFill>
             <a:schemeClr val="tx1"/>
           </a:solidFill>
@@ -3229,8 +2881,8 @@
           <a:cs typeface="+mn-cs"/>
         </a:defRPr>
       </a:lvl2pPr>
-      <a:lvl3pPr marL="914400" algn="l" defTabSz="914400" rtl="0" eaLnBrk="1" latinLnBrk="0" hangingPunct="1">
-        <a:defRPr sz="1800" kern="1200">
+      <a:lvl3pPr marL="2400117" algn="l" defTabSz="2400117" rtl="0" eaLnBrk="1" latinLnBrk="0" hangingPunct="1">
+        <a:defRPr sz="4725" kern="1200">
           <a:solidFill>
             <a:schemeClr val="tx1"/>
           </a:solidFill>
@@ -3239,8 +2891,8 @@
           <a:cs typeface="+mn-cs"/>
         </a:defRPr>
       </a:lvl3pPr>
-      <a:lvl4pPr marL="1371600" algn="l" defTabSz="914400" rtl="0" eaLnBrk="1" latinLnBrk="0" hangingPunct="1">
-        <a:defRPr sz="1800" kern="1200">
+      <a:lvl4pPr marL="3600176" algn="l" defTabSz="2400117" rtl="0" eaLnBrk="1" latinLnBrk="0" hangingPunct="1">
+        <a:defRPr sz="4725" kern="1200">
           <a:solidFill>
             <a:schemeClr val="tx1"/>
           </a:solidFill>
@@ -3249,8 +2901,8 @@
           <a:cs typeface="+mn-cs"/>
         </a:defRPr>
       </a:lvl4pPr>
-      <a:lvl5pPr marL="1828800" algn="l" defTabSz="914400" rtl="0" eaLnBrk="1" latinLnBrk="0" hangingPunct="1">
-        <a:defRPr sz="1800" kern="1200">
+      <a:lvl5pPr marL="4800234" algn="l" defTabSz="2400117" rtl="0" eaLnBrk="1" latinLnBrk="0" hangingPunct="1">
+        <a:defRPr sz="4725" kern="1200">
           <a:solidFill>
             <a:schemeClr val="tx1"/>
           </a:solidFill>
@@ -3259,8 +2911,8 @@
           <a:cs typeface="+mn-cs"/>
         </a:defRPr>
       </a:lvl5pPr>
-      <a:lvl6pPr marL="2286000" algn="l" defTabSz="914400" rtl="0" eaLnBrk="1" latinLnBrk="0" hangingPunct="1">
-        <a:defRPr sz="1800" kern="1200">
+      <a:lvl6pPr marL="6000293" algn="l" defTabSz="2400117" rtl="0" eaLnBrk="1" latinLnBrk="0" hangingPunct="1">
+        <a:defRPr sz="4725" kern="1200">
           <a:solidFill>
             <a:schemeClr val="tx1"/>
           </a:solidFill>
@@ -3269,8 +2921,8 @@
           <a:cs typeface="+mn-cs"/>
         </a:defRPr>
       </a:lvl6pPr>
-      <a:lvl7pPr marL="2743200" algn="l" defTabSz="914400" rtl="0" eaLnBrk="1" latinLnBrk="0" hangingPunct="1">
-        <a:defRPr sz="1800" kern="1200">
+      <a:lvl7pPr marL="7200351" algn="l" defTabSz="2400117" rtl="0" eaLnBrk="1" latinLnBrk="0" hangingPunct="1">
+        <a:defRPr sz="4725" kern="1200">
           <a:solidFill>
             <a:schemeClr val="tx1"/>
           </a:solidFill>
@@ -3279,8 +2931,8 @@
           <a:cs typeface="+mn-cs"/>
         </a:defRPr>
       </a:lvl7pPr>
-      <a:lvl8pPr marL="3200400" algn="l" defTabSz="914400" rtl="0" eaLnBrk="1" latinLnBrk="0" hangingPunct="1">
-        <a:defRPr sz="1800" kern="1200">
+      <a:lvl8pPr marL="8400410" algn="l" defTabSz="2400117" rtl="0" eaLnBrk="1" latinLnBrk="0" hangingPunct="1">
+        <a:defRPr sz="4725" kern="1200">
           <a:solidFill>
             <a:schemeClr val="tx1"/>
           </a:solidFill>
@@ -3289,8 +2941,8 @@
           <a:cs typeface="+mn-cs"/>
         </a:defRPr>
       </a:lvl8pPr>
-      <a:lvl9pPr marL="3657600" algn="l" defTabSz="914400" rtl="0" eaLnBrk="1" latinLnBrk="0" hangingPunct="1">
-        <a:defRPr sz="1800" kern="1200">
+      <a:lvl9pPr marL="9600468" algn="l" defTabSz="2400117" rtl="0" eaLnBrk="1" latinLnBrk="0" hangingPunct="1">
+        <a:defRPr sz="4725" kern="1200">
           <a:solidFill>
             <a:schemeClr val="tx1"/>
           </a:solidFill>
@@ -3323,10 +2975,10 @@
       </p:grpSpPr>
       <p:sp>
         <p:nvSpPr>
-          <p:cNvPr id="6" name="矩形: 圆角 5">
+          <p:cNvPr id="4" name="矩形: 圆角 3">
             <a:extLst>
               <a:ext uri="{FF2B5EF4-FFF2-40B4-BE49-F238E27FC236}">
-                <a16:creationId xmlns:a16="http://schemas.microsoft.com/office/drawing/2014/main" id="{E962EB47-70A6-472F-AA66-355C4C56615D}"/>
+                <a16:creationId xmlns:a16="http://schemas.microsoft.com/office/drawing/2014/main" id="{3DE8270C-22AD-432A-97D4-6919BF5A62AB}"/>
               </a:ext>
             </a:extLst>
           </p:cNvPr>
@@ -3335,7 +2987,7 @@
         </p:nvSpPr>
         <p:spPr>
           <a:xfrm>
-            <a:off x="-3894985" y="5626493"/>
+            <a:off x="10837015" y="11176393"/>
             <a:ext cx="4827304" cy="1630728"/>
           </a:xfrm>
           <a:prstGeom prst="roundRect">
@@ -3386,10 +3038,10 @@
       </p:sp>
       <p:sp>
         <p:nvSpPr>
-          <p:cNvPr id="7" name="矩形: 圆角 6">
+          <p:cNvPr id="5" name="矩形: 圆角 4">
             <a:extLst>
               <a:ext uri="{FF2B5EF4-FFF2-40B4-BE49-F238E27FC236}">
-                <a16:creationId xmlns:a16="http://schemas.microsoft.com/office/drawing/2014/main" id="{A736C5A5-CC68-4C37-BA44-7F74A429FB45}"/>
+                <a16:creationId xmlns:a16="http://schemas.microsoft.com/office/drawing/2014/main" id="{C178FA4A-3937-4AB6-8F7B-D50B66B85684}"/>
               </a:ext>
             </a:extLst>
           </p:cNvPr>
@@ -3398,7 +3050,7 @@
         </p:nvSpPr>
         <p:spPr>
           <a:xfrm>
-            <a:off x="-3847965" y="1996311"/>
+            <a:off x="10884035" y="7546211"/>
             <a:ext cx="4827304" cy="1630728"/>
           </a:xfrm>
           <a:prstGeom prst="roundRect">
@@ -3449,10 +3101,10 @@
       </p:sp>
       <p:sp>
         <p:nvSpPr>
-          <p:cNvPr id="8" name="标注: 右箭头 7">
+          <p:cNvPr id="6" name="标注: 右箭头 5">
             <a:extLst>
               <a:ext uri="{FF2B5EF4-FFF2-40B4-BE49-F238E27FC236}">
-                <a16:creationId xmlns:a16="http://schemas.microsoft.com/office/drawing/2014/main" id="{EB8EDA9C-1D78-468D-9906-25BBE26B1B93}"/>
+                <a16:creationId xmlns:a16="http://schemas.microsoft.com/office/drawing/2014/main" id="{D6040AEF-15D7-44BA-8772-73BB842F31B0}"/>
               </a:ext>
             </a:extLst>
           </p:cNvPr>
@@ -3461,7 +3113,7 @@
         </p:nvSpPr>
         <p:spPr>
           <a:xfrm>
-            <a:off x="-8902699" y="1978859"/>
+            <a:off x="5829301" y="7528759"/>
             <a:ext cx="9849846" cy="5285841"/>
           </a:xfrm>
           <a:prstGeom prst="rightArrowCallout">
@@ -3515,10 +3167,10 @@
       </p:sp>
       <p:sp>
         <p:nvSpPr>
-          <p:cNvPr id="9" name="矩形: 圆角 8">
+          <p:cNvPr id="7" name="矩形: 圆角 6">
             <a:extLst>
               <a:ext uri="{FF2B5EF4-FFF2-40B4-BE49-F238E27FC236}">
-                <a16:creationId xmlns:a16="http://schemas.microsoft.com/office/drawing/2014/main" id="{0D763135-2BB0-421F-B859-50E0788A412B}"/>
+                <a16:creationId xmlns:a16="http://schemas.microsoft.com/office/drawing/2014/main" id="{D52CEDEA-F396-4034-97B3-DAA152E0CD2F}"/>
               </a:ext>
             </a:extLst>
           </p:cNvPr>
@@ -3527,7 +3179,7 @@
         </p:nvSpPr>
         <p:spPr>
           <a:xfrm>
-            <a:off x="-8902699" y="-1234993"/>
+            <a:off x="5829301" y="4314907"/>
             <a:ext cx="9882038" cy="2868210"/>
           </a:xfrm>
           <a:prstGeom prst="roundRect">
@@ -3578,10 +3230,10 @@
       </p:sp>
       <p:sp>
         <p:nvSpPr>
-          <p:cNvPr id="10" name="矩形: 圆角 9">
+          <p:cNvPr id="8" name="矩形: 圆角 7">
             <a:extLst>
               <a:ext uri="{FF2B5EF4-FFF2-40B4-BE49-F238E27FC236}">
-                <a16:creationId xmlns:a16="http://schemas.microsoft.com/office/drawing/2014/main" id="{DC560C6F-4F9F-4A90-8253-08B8415F223E}"/>
+                <a16:creationId xmlns:a16="http://schemas.microsoft.com/office/drawing/2014/main" id="{238BE9C3-7108-442D-9B15-8E4E6F141E0E}"/>
               </a:ext>
             </a:extLst>
           </p:cNvPr>
@@ -3590,7 +3242,7 @@
         </p:nvSpPr>
         <p:spPr>
           <a:xfrm>
-            <a:off x="9154331" y="-1323700"/>
+            <a:off x="23886331" y="4226200"/>
             <a:ext cx="5179520" cy="8588400"/>
           </a:xfrm>
           <a:prstGeom prst="roundRect">
@@ -3634,10 +3286,10 @@
       </p:sp>
       <p:sp>
         <p:nvSpPr>
-          <p:cNvPr id="11" name="矩形 10">
+          <p:cNvPr id="9" name="矩形 8">
             <a:extLst>
               <a:ext uri="{FF2B5EF4-FFF2-40B4-BE49-F238E27FC236}">
-                <a16:creationId xmlns:a16="http://schemas.microsoft.com/office/drawing/2014/main" id="{F5FA076B-AD07-475C-8EB9-E807F1040A6F}"/>
+                <a16:creationId xmlns:a16="http://schemas.microsoft.com/office/drawing/2014/main" id="{B9E1F193-F13E-4E57-9C6F-56BBD2FEFF83}"/>
               </a:ext>
             </a:extLst>
           </p:cNvPr>
@@ -3646,8 +3298,8 @@
         </p:nvSpPr>
         <p:spPr>
           <a:xfrm>
-            <a:off x="9358239" y="127063"/>
-            <a:ext cx="4790897" cy="6961676"/>
+            <a:off x="24002751" y="5212428"/>
+            <a:ext cx="4986787" cy="7478970"/>
           </a:xfrm>
           <a:prstGeom prst="rect">
             <a:avLst/>
@@ -3694,10 +3346,10 @@
       </p:sp>
       <p:sp>
         <p:nvSpPr>
-          <p:cNvPr id="12" name="矩形: 圆角 11">
+          <p:cNvPr id="10" name="矩形: 圆角 9">
             <a:extLst>
               <a:ext uri="{FF2B5EF4-FFF2-40B4-BE49-F238E27FC236}">
-                <a16:creationId xmlns:a16="http://schemas.microsoft.com/office/drawing/2014/main" id="{0A888CC4-AFA9-48D3-9865-790950A5A743}"/>
+                <a16:creationId xmlns:a16="http://schemas.microsoft.com/office/drawing/2014/main" id="{B274C5B0-3497-401C-B391-E27B8D760083}"/>
               </a:ext>
             </a:extLst>
           </p:cNvPr>
@@ -3706,8 +3358,8 @@
         </p:nvSpPr>
         <p:spPr>
           <a:xfrm>
-            <a:off x="2294598" y="-1323700"/>
-            <a:ext cx="5179520" cy="8588400"/>
+            <a:off x="17026598" y="4226200"/>
+            <a:ext cx="5249202" cy="8588400"/>
           </a:xfrm>
           <a:prstGeom prst="roundRect">
             <a:avLst>
@@ -3750,10 +3402,10 @@
       </p:sp>
       <p:sp>
         <p:nvSpPr>
-          <p:cNvPr id="13" name="矩形 12">
+          <p:cNvPr id="11" name="矩形 10">
             <a:extLst>
               <a:ext uri="{FF2B5EF4-FFF2-40B4-BE49-F238E27FC236}">
-                <a16:creationId xmlns:a16="http://schemas.microsoft.com/office/drawing/2014/main" id="{636F6756-6601-4790-8803-1334DC357261}"/>
+                <a16:creationId xmlns:a16="http://schemas.microsoft.com/office/drawing/2014/main" id="{212682F9-CFDA-4171-BEE7-91AB09130F60}"/>
               </a:ext>
             </a:extLst>
           </p:cNvPr>
@@ -3762,8 +3414,8 @@
         </p:nvSpPr>
         <p:spPr>
           <a:xfrm>
-            <a:off x="2424566" y="127063"/>
-            <a:ext cx="4940693" cy="6961676"/>
+            <a:off x="17156566" y="5212428"/>
+            <a:ext cx="4992184" cy="7478970"/>
           </a:xfrm>
           <a:prstGeom prst="rect">
             <a:avLst/>
@@ -3810,10 +3462,10 @@
       </p:sp>
       <p:sp>
         <p:nvSpPr>
-          <p:cNvPr id="14" name="矩形 13">
+          <p:cNvPr id="12" name="矩形 11">
             <a:extLst>
               <a:ext uri="{FF2B5EF4-FFF2-40B4-BE49-F238E27FC236}">
-                <a16:creationId xmlns:a16="http://schemas.microsoft.com/office/drawing/2014/main" id="{40D51172-6945-462B-BE9D-AC15AEBF8158}"/>
+                <a16:creationId xmlns:a16="http://schemas.microsoft.com/office/drawing/2014/main" id="{8E7728A4-6E98-46CC-8A18-E08161353BBC}"/>
               </a:ext>
             </a:extLst>
           </p:cNvPr>
@@ -3822,8 +3474,8 @@
         </p:nvSpPr>
         <p:spPr>
           <a:xfrm>
-            <a:off x="-8791555" y="2083791"/>
-            <a:ext cx="3869713" cy="1500965"/>
+            <a:off x="5940445" y="7633691"/>
+            <a:ext cx="4376934" cy="1500965"/>
           </a:xfrm>
           <a:prstGeom prst="rect">
             <a:avLst/>
@@ -3870,10 +3522,10 @@
       </p:sp>
       <p:sp>
         <p:nvSpPr>
-          <p:cNvPr id="15" name="文本框 146">
+          <p:cNvPr id="13" name="文本框 146">
             <a:extLst>
               <a:ext uri="{FF2B5EF4-FFF2-40B4-BE49-F238E27FC236}">
-                <a16:creationId xmlns:a16="http://schemas.microsoft.com/office/drawing/2014/main" id="{5A3F6328-1B35-446F-8058-EF3AC5F29B75}"/>
+                <a16:creationId xmlns:a16="http://schemas.microsoft.com/office/drawing/2014/main" id="{0548BD98-1BF0-440D-8383-8BCABAEA9EFF}"/>
               </a:ext>
             </a:extLst>
           </p:cNvPr>
@@ -3882,8 +3534,8 @@
         </p:nvSpPr>
         <p:spPr>
           <a:xfrm>
-            <a:off x="2487336" y="321587"/>
-            <a:ext cx="4742209" cy="6526338"/>
+            <a:off x="17182980" y="5182934"/>
+            <a:ext cx="5308375" cy="7478970"/>
           </a:xfrm>
           <a:prstGeom prst="rect">
             <a:avLst/>
@@ -3991,7 +3643,7 @@
           </a:lstStyle>
           <a:p>
             <a:r>
-              <a:rPr lang="en-US" altLang="zh-CN" sz="1401" dirty="0">
+              <a:rPr lang="en-US" altLang="zh-CN" sz="2000" dirty="0">
                 <a:latin typeface="Consolas" panose="020B0609020204030204" pitchFamily="49" charset="0"/>
               </a:rPr>
               <a:t>// rust/kernel/chrdev.rs</a:t>
@@ -3999,224 +3651,331 @@
           </a:p>
           <a:p>
             <a:r>
-              <a:rPr lang="en-US" altLang="zh-CN" sz="1401" dirty="0">
-                <a:latin typeface="Consolas" panose="020B0609020204030204" pitchFamily="49" charset="0"/>
-              </a:rPr>
-              <a:t>/// Character device.</a:t>
-            </a:r>
-          </a:p>
-          <a:p>
-            <a:r>
-              <a:rPr lang="en-US" altLang="zh-CN" sz="1401" dirty="0">
-                <a:latin typeface="Consolas" panose="020B0609020204030204" pitchFamily="49" charset="0"/>
-              </a:rPr>
-              <a:t>///</a:t>
-            </a:r>
-          </a:p>
-          <a:p>
-            <a:r>
-              <a:rPr lang="en-US" altLang="zh-CN" sz="1401" dirty="0">
-                <a:latin typeface="Consolas" panose="020B0609020204030204" pitchFamily="49" charset="0"/>
-              </a:rPr>
-              <a:t>/// # Invariants</a:t>
-            </a:r>
-          </a:p>
-          <a:p>
-            <a:r>
-              <a:rPr lang="en-US" altLang="zh-CN" sz="1401" dirty="0">
-                <a:latin typeface="Consolas" panose="020B0609020204030204" pitchFamily="49" charset="0"/>
-              </a:rPr>
-              <a:t>///   - [`self.0`] is valid and non-null.</a:t>
-            </a:r>
-          </a:p>
-          <a:p>
-            <a:r>
-              <a:rPr lang="en-US" altLang="zh-CN" sz="1401" dirty="0">
+              <a:rPr lang="en-US" altLang="zh-CN" sz="2000" dirty="0">
+                <a:latin typeface="Consolas" panose="020B0609020204030204" pitchFamily="49" charset="0"/>
+              </a:rPr>
+              <a:t>/// </a:t>
+            </a:r>
+            <a:r>
+              <a:rPr lang="en-US" altLang="zh-CN" sz="2000" b="1" dirty="0">
+                <a:latin typeface="Consolas" panose="020B0609020204030204" pitchFamily="49" charset="0"/>
+              </a:rPr>
+              <a:t># Invariants</a:t>
+            </a:r>
+          </a:p>
+          <a:p>
+            <a:r>
+              <a:rPr lang="en-US" altLang="zh-CN" sz="2000" dirty="0">
+                <a:latin typeface="Consolas" panose="020B0609020204030204" pitchFamily="49" charset="0"/>
+              </a:rPr>
+              <a:t>///   - self.0 is valid and ……</a:t>
+            </a:r>
+          </a:p>
+          <a:p>
+            <a:r>
+              <a:rPr lang="en-US" altLang="zh-CN" sz="2000" dirty="0">
                 <a:latin typeface="Consolas" panose="020B0609020204030204" pitchFamily="49" charset="0"/>
               </a:rPr>
               <a:t>struct </a:t>
             </a:r>
             <a:r>
-              <a:rPr lang="en-US" altLang="zh-CN" sz="1401" dirty="0" err="1">
+              <a:rPr lang="en-US" altLang="zh-CN" sz="2000" dirty="0" err="1">
                 <a:latin typeface="Consolas" panose="020B0609020204030204" pitchFamily="49" charset="0"/>
               </a:rPr>
               <a:t>Cdev</a:t>
             </a:r>
             <a:r>
-              <a:rPr lang="en-US" altLang="zh-CN" sz="1401" dirty="0">
+              <a:rPr lang="en-US" altLang="zh-CN" sz="2000" dirty="0">
                 <a:latin typeface="Consolas" panose="020B0609020204030204" pitchFamily="49" charset="0"/>
               </a:rPr>
               <a:t>(*mut bindings::</a:t>
             </a:r>
             <a:r>
-              <a:rPr lang="en-US" altLang="zh-CN" sz="1401" dirty="0" err="1">
+              <a:rPr lang="en-US" altLang="zh-CN" sz="2000" dirty="0" err="1">
                 <a:latin typeface="Consolas" panose="020B0609020204030204" pitchFamily="49" charset="0"/>
               </a:rPr>
               <a:t>cdev</a:t>
             </a:r>
             <a:r>
-              <a:rPr lang="en-US" altLang="zh-CN" sz="1401" dirty="0">
+              <a:rPr lang="en-US" altLang="zh-CN" sz="2000" dirty="0">
                 <a:latin typeface="Consolas" panose="020B0609020204030204" pitchFamily="49" charset="0"/>
               </a:rPr>
               <a:t>);</a:t>
             </a:r>
           </a:p>
           <a:p>
-            <a:endParaRPr lang="en-US" altLang="zh-CN" sz="1401" dirty="0">
+            <a:r>
+              <a:rPr lang="en-US" altLang="zh-CN" sz="2000" dirty="0">
+                <a:latin typeface="Consolas" panose="020B0609020204030204" pitchFamily="49" charset="0"/>
+              </a:rPr>
+              <a:t>struct </a:t>
+            </a:r>
+            <a:r>
+              <a:rPr lang="en-US" altLang="zh-CN" sz="2000" dirty="0" err="1">
+                <a:latin typeface="Consolas" panose="020B0609020204030204" pitchFamily="49" charset="0"/>
+              </a:rPr>
+              <a:t>RegInner</a:t>
+            </a:r>
+            <a:r>
+              <a:rPr lang="en-US" altLang="zh-CN" sz="2000" dirty="0">
+                <a:latin typeface="Consolas" panose="020B0609020204030204" pitchFamily="49" charset="0"/>
+              </a:rPr>
+              <a:t>&lt;const N: </a:t>
+            </a:r>
+            <a:r>
+              <a:rPr lang="en-US" altLang="zh-CN" sz="2000" dirty="0" err="1">
+                <a:latin typeface="Consolas" panose="020B0609020204030204" pitchFamily="49" charset="0"/>
+              </a:rPr>
+              <a:t>usize</a:t>
+            </a:r>
+            <a:r>
+              <a:rPr lang="en-US" altLang="zh-CN" sz="2000" dirty="0">
+                <a:latin typeface="Consolas" panose="020B0609020204030204" pitchFamily="49" charset="0"/>
+              </a:rPr>
+              <a:t>&gt; { </a:t>
+            </a:r>
+          </a:p>
+          <a:p>
+            <a:r>
+              <a:rPr lang="en-US" altLang="zh-CN" sz="2000" dirty="0">
+                <a:latin typeface="Consolas" panose="020B0609020204030204" pitchFamily="49" charset="0"/>
+              </a:rPr>
+              <a:t>   </a:t>
+            </a:r>
+            <a:r>
+              <a:rPr lang="en-US" altLang="zh-CN" sz="2000" dirty="0" err="1">
+                <a:latin typeface="Consolas" panose="020B0609020204030204" pitchFamily="49" charset="0"/>
+              </a:rPr>
+              <a:t>cdevs</a:t>
+            </a:r>
+            <a:r>
+              <a:rPr lang="en-US" altLang="zh-CN" sz="2000" dirty="0">
+                <a:latin typeface="Consolas" panose="020B0609020204030204" pitchFamily="49" charset="0"/>
+              </a:rPr>
+              <a:t>: [Option&lt;</a:t>
+            </a:r>
+            <a:r>
+              <a:rPr lang="en-US" altLang="zh-CN" sz="2000" dirty="0" err="1">
+                <a:latin typeface="Consolas" panose="020B0609020204030204" pitchFamily="49" charset="0"/>
+              </a:rPr>
+              <a:t>Cdev</a:t>
+            </a:r>
+            <a:r>
+              <a:rPr lang="en-US" altLang="zh-CN" sz="2000" dirty="0">
+                <a:latin typeface="Consolas" panose="020B0609020204030204" pitchFamily="49" charset="0"/>
+              </a:rPr>
+              <a:t>&gt;; N] </a:t>
+            </a:r>
+          </a:p>
+          <a:p>
+            <a:r>
+              <a:rPr lang="en-US" altLang="zh-CN" sz="2000" dirty="0">
+                <a:latin typeface="Consolas" panose="020B0609020204030204" pitchFamily="49" charset="0"/>
+              </a:rPr>
+              <a:t>}</a:t>
+            </a:r>
+          </a:p>
+          <a:p>
+            <a:r>
+              <a:rPr lang="en-US" altLang="zh-CN" sz="2000" dirty="0">
+                <a:latin typeface="Consolas" panose="020B0609020204030204" pitchFamily="49" charset="0"/>
+              </a:rPr>
+              <a:t>pub struct Reg&lt;const N: </a:t>
+            </a:r>
+            <a:r>
+              <a:rPr lang="en-US" altLang="zh-CN" sz="2000" dirty="0" err="1">
+                <a:latin typeface="Consolas" panose="020B0609020204030204" pitchFamily="49" charset="0"/>
+              </a:rPr>
+              <a:t>usize</a:t>
+            </a:r>
+            <a:r>
+              <a:rPr lang="en-US" altLang="zh-CN" sz="2000" dirty="0">
+                <a:latin typeface="Consolas" panose="020B0609020204030204" pitchFamily="49" charset="0"/>
+              </a:rPr>
+              <a:t>&gt; { </a:t>
+            </a:r>
+          </a:p>
+          <a:p>
+            <a:r>
+              <a:rPr lang="en-US" altLang="zh-CN" sz="2000" dirty="0">
+                <a:latin typeface="Consolas" panose="020B0609020204030204" pitchFamily="49" charset="0"/>
+              </a:rPr>
+              <a:t>   inner: Option&lt;</a:t>
+            </a:r>
+            <a:r>
+              <a:rPr lang="en-US" altLang="zh-CN" sz="2000" dirty="0" err="1">
+                <a:latin typeface="Consolas" panose="020B0609020204030204" pitchFamily="49" charset="0"/>
+              </a:rPr>
+              <a:t>RegInner</a:t>
+            </a:r>
+            <a:r>
+              <a:rPr lang="en-US" altLang="zh-CN" sz="2000" dirty="0">
+                <a:latin typeface="Consolas" panose="020B0609020204030204" pitchFamily="49" charset="0"/>
+              </a:rPr>
+              <a:t>&lt;N&gt;&gt; </a:t>
+            </a:r>
+          </a:p>
+          <a:p>
+            <a:r>
+              <a:rPr lang="en-US" altLang="zh-CN" sz="2000" dirty="0">
+                <a:latin typeface="Consolas" panose="020B0609020204030204" pitchFamily="49" charset="0"/>
+              </a:rPr>
+              <a:t>}</a:t>
+            </a:r>
+            <a:br>
+              <a:rPr lang="en-US" altLang="zh-CN" sz="2000" dirty="0">
+                <a:latin typeface="Consolas" panose="020B0609020204030204" pitchFamily="49" charset="0"/>
+              </a:rPr>
+            </a:br>
+            <a:endParaRPr lang="en-US" altLang="zh-CN" sz="2000" dirty="0">
               <a:latin typeface="Consolas" panose="020B0609020204030204" pitchFamily="49" charset="0"/>
             </a:endParaRPr>
           </a:p>
           <a:p>
             <a:r>
-              <a:rPr lang="en-US" altLang="zh-CN" sz="1401" dirty="0">
-                <a:latin typeface="Consolas" panose="020B0609020204030204" pitchFamily="49" charset="0"/>
-              </a:rPr>
-              <a:t>struct </a:t>
-            </a:r>
-            <a:r>
-              <a:rPr lang="en-US" altLang="zh-CN" sz="1401" dirty="0" err="1">
-                <a:latin typeface="Consolas" panose="020B0609020204030204" pitchFamily="49" charset="0"/>
-              </a:rPr>
-              <a:t>RegistrationInner</a:t>
-            </a:r>
-            <a:r>
-              <a:rPr lang="en-US" altLang="zh-CN" sz="1401" dirty="0">
-                <a:latin typeface="Consolas" panose="020B0609020204030204" pitchFamily="49" charset="0"/>
-              </a:rPr>
-              <a:t>&lt;const N: </a:t>
-            </a:r>
-            <a:r>
-              <a:rPr lang="en-US" altLang="zh-CN" sz="1401" dirty="0" err="1">
-                <a:latin typeface="Consolas" panose="020B0609020204030204" pitchFamily="49" charset="0"/>
-              </a:rPr>
-              <a:t>usize</a:t>
-            </a:r>
-            <a:r>
-              <a:rPr lang="en-US" altLang="zh-CN" sz="1401" dirty="0">
-                <a:latin typeface="Consolas" panose="020B0609020204030204" pitchFamily="49" charset="0"/>
-              </a:rPr>
-              <a:t>&gt; {</a:t>
-            </a:r>
-          </a:p>
-          <a:p>
-            <a:r>
-              <a:rPr lang="en-US" altLang="zh-CN" sz="1401" dirty="0">
+              <a:rPr lang="en-US" altLang="zh-CN" sz="2000" dirty="0" err="1">
+                <a:latin typeface="Consolas" panose="020B0609020204030204" pitchFamily="49" charset="0"/>
+              </a:rPr>
+              <a:t>impl</a:t>
+            </a:r>
+            <a:r>
+              <a:rPr lang="en-US" altLang="zh-CN" sz="2000" dirty="0">
+                <a:latin typeface="Consolas" panose="020B0609020204030204" pitchFamily="49" charset="0"/>
+              </a:rPr>
+              <a:t> </a:t>
+            </a:r>
+            <a:r>
+              <a:rPr lang="en-US" altLang="zh-CN" sz="2000" dirty="0" err="1">
+                <a:latin typeface="Consolas" panose="020B0609020204030204" pitchFamily="49" charset="0"/>
+              </a:rPr>
+              <a:t>Cdev</a:t>
+            </a:r>
+            <a:r>
+              <a:rPr lang="en-US" altLang="zh-CN" sz="2000" dirty="0">
+                <a:latin typeface="Consolas" panose="020B0609020204030204" pitchFamily="49" charset="0"/>
+              </a:rPr>
+              <a:t> {</a:t>
+            </a:r>
+          </a:p>
+          <a:p>
+            <a:r>
+              <a:rPr lang="en-US" altLang="zh-CN" sz="2000" dirty="0">
                 <a:latin typeface="Consolas" panose="020B0609020204030204" pitchFamily="49" charset="0"/>
               </a:rPr>
               <a:t>    </a:t>
             </a:r>
             <a:r>
-              <a:rPr lang="en-US" altLang="zh-CN" sz="1401" dirty="0" err="1">
-                <a:latin typeface="Consolas" panose="020B0609020204030204" pitchFamily="49" charset="0"/>
-              </a:rPr>
-              <a:t>cdevs</a:t>
-            </a:r>
-            <a:r>
-              <a:rPr lang="en-US" altLang="zh-CN" sz="1401" dirty="0">
-                <a:latin typeface="Consolas" panose="020B0609020204030204" pitchFamily="49" charset="0"/>
-              </a:rPr>
-              <a:t>: [Option&lt;</a:t>
-            </a:r>
-            <a:r>
-              <a:rPr lang="en-US" altLang="zh-CN" sz="1401" dirty="0" err="1">
-                <a:latin typeface="Consolas" panose="020B0609020204030204" pitchFamily="49" charset="0"/>
-              </a:rPr>
-              <a:t>Cdev</a:t>
-            </a:r>
-            <a:r>
-              <a:rPr lang="en-US" altLang="zh-CN" sz="1401" dirty="0">
-                <a:latin typeface="Consolas" panose="020B0609020204030204" pitchFamily="49" charset="0"/>
-              </a:rPr>
-              <a:t>&gt;; N],</a:t>
-            </a:r>
-          </a:p>
-          <a:p>
-            <a:r>
-              <a:rPr lang="en-US" altLang="zh-CN" sz="1401" dirty="0">
+              <a:rPr lang="en-US" altLang="zh-CN" sz="2000" dirty="0" err="1">
+                <a:latin typeface="Consolas" panose="020B0609020204030204" pitchFamily="49" charset="0"/>
+              </a:rPr>
+              <a:t>fn</a:t>
+            </a:r>
+            <a:r>
+              <a:rPr lang="en-US" altLang="zh-CN" sz="2000" dirty="0">
+                <a:latin typeface="Consolas" panose="020B0609020204030204" pitchFamily="49" charset="0"/>
+              </a:rPr>
+              <a:t> </a:t>
+            </a:r>
+            <a:r>
+              <a:rPr lang="en-US" altLang="zh-CN" sz="2000" dirty="0" err="1">
+                <a:latin typeface="Consolas" panose="020B0609020204030204" pitchFamily="49" charset="0"/>
+              </a:rPr>
+              <a:t>alloc</a:t>
+            </a:r>
+            <a:r>
+              <a:rPr lang="en-US" altLang="zh-CN" sz="2000" dirty="0">
+                <a:latin typeface="Consolas" panose="020B0609020204030204" pitchFamily="49" charset="0"/>
+              </a:rPr>
+              <a:t>(……) -&gt; Result&lt;Self&gt; {</a:t>
+            </a:r>
+          </a:p>
+          <a:p>
+            <a:r>
+              <a:rPr lang="en-US" altLang="zh-CN" sz="2000" dirty="0">
+                <a:latin typeface="Consolas" panose="020B0609020204030204" pitchFamily="49" charset="0"/>
+              </a:rPr>
+              <a:t>       </a:t>
+            </a:r>
+            <a:r>
+              <a:rPr lang="en-US" altLang="zh-CN" sz="2000" b="1" dirty="0">
+                <a:latin typeface="Consolas" panose="020B0609020204030204" pitchFamily="49" charset="0"/>
+              </a:rPr>
+              <a:t>// SAFETY</a:t>
+            </a:r>
+            <a:r>
+              <a:rPr lang="en-US" altLang="zh-CN" sz="2000" dirty="0">
+                <a:latin typeface="Consolas" panose="020B0609020204030204" pitchFamily="49" charset="0"/>
+              </a:rPr>
+              <a:t>: FFI call.</a:t>
+            </a:r>
+          </a:p>
+          <a:p>
+            <a:r>
+              <a:rPr lang="en-US" altLang="zh-CN" sz="2000" dirty="0">
+                <a:latin typeface="Consolas" panose="020B0609020204030204" pitchFamily="49" charset="0"/>
+              </a:rPr>
+              <a:t>	unsafe{bindings::</a:t>
+            </a:r>
+            <a:r>
+              <a:rPr lang="en-US" altLang="zh-CN" sz="2000" dirty="0" err="1">
+                <a:latin typeface="Consolas" panose="020B0609020204030204" pitchFamily="49" charset="0"/>
+              </a:rPr>
+              <a:t>cdev_alloc</a:t>
+            </a:r>
+            <a:r>
+              <a:rPr lang="en-US" altLang="zh-CN" sz="2000" dirty="0">
+                <a:latin typeface="Consolas" panose="020B0609020204030204" pitchFamily="49" charset="0"/>
+              </a:rPr>
+              <a:t>}       </a:t>
+            </a:r>
+          </a:p>
+          <a:p>
+            <a:r>
+              <a:rPr lang="en-US" altLang="zh-CN" sz="2000" dirty="0">
+                <a:latin typeface="Consolas" panose="020B0609020204030204" pitchFamily="49" charset="0"/>
+              </a:rPr>
+              <a:t>    };</a:t>
+            </a:r>
+          </a:p>
+          <a:p>
+            <a:r>
+              <a:rPr lang="en-US" altLang="zh-CN" sz="2000" dirty="0">
                 <a:latin typeface="Consolas" panose="020B0609020204030204" pitchFamily="49" charset="0"/>
               </a:rPr>
               <a:t>}</a:t>
             </a:r>
           </a:p>
           <a:p>
-            <a:endParaRPr lang="en-US" altLang="zh-CN" sz="1401" dirty="0">
+            <a:endParaRPr lang="en-US" altLang="zh-CN" sz="2000" dirty="0">
               <a:latin typeface="Consolas" panose="020B0609020204030204" pitchFamily="49" charset="0"/>
             </a:endParaRPr>
           </a:p>
           <a:p>
             <a:r>
-              <a:rPr lang="en-US" altLang="zh-CN" sz="1401" dirty="0">
-                <a:latin typeface="Consolas" panose="020B0609020204030204" pitchFamily="49" charset="0"/>
-              </a:rPr>
-              <a:t>pub struct Registration&lt;const N: </a:t>
-            </a:r>
-            <a:r>
-              <a:rPr lang="en-US" altLang="zh-CN" sz="1401" dirty="0" err="1">
-                <a:latin typeface="Consolas" panose="020B0609020204030204" pitchFamily="49" charset="0"/>
-              </a:rPr>
-              <a:t>usize</a:t>
-            </a:r>
-            <a:r>
-              <a:rPr lang="en-US" altLang="zh-CN" sz="1401" dirty="0">
-                <a:latin typeface="Consolas" panose="020B0609020204030204" pitchFamily="49" charset="0"/>
-              </a:rPr>
-              <a:t>&gt; {</a:t>
-            </a:r>
-          </a:p>
-          <a:p>
-            <a:r>
-              <a:rPr lang="en-US" altLang="zh-CN" sz="1401" dirty="0">
-                <a:latin typeface="Consolas" panose="020B0609020204030204" pitchFamily="49" charset="0"/>
-              </a:rPr>
-              <a:t>    inner: Option&lt;</a:t>
-            </a:r>
-            <a:r>
-              <a:rPr lang="en-US" altLang="zh-CN" sz="1401" dirty="0" err="1">
-                <a:latin typeface="Consolas" panose="020B0609020204030204" pitchFamily="49" charset="0"/>
-              </a:rPr>
-              <a:t>RegistrationInner</a:t>
-            </a:r>
-            <a:r>
-              <a:rPr lang="en-US" altLang="zh-CN" sz="1401" dirty="0">
-                <a:latin typeface="Consolas" panose="020B0609020204030204" pitchFamily="49" charset="0"/>
-              </a:rPr>
-              <a:t>&lt;N&gt;&gt;,</a:t>
-            </a:r>
-          </a:p>
-          <a:p>
-            <a:r>
-              <a:rPr lang="en-US" altLang="zh-CN" sz="1401" dirty="0">
-                <a:latin typeface="Consolas" panose="020B0609020204030204" pitchFamily="49" charset="0"/>
-              </a:rPr>
-              <a:t>}</a:t>
-            </a:r>
-          </a:p>
-          <a:p>
+              <a:rPr lang="en-US" altLang="zh-CN" sz="2000" dirty="0">
+                <a:latin typeface="Consolas" panose="020B0609020204030204" pitchFamily="49" charset="0"/>
+              </a:rPr>
+              <a:t>// rust/kernel/driver.rs</a:t>
+            </a:r>
             <a:br>
-              <a:rPr lang="en-US" altLang="zh-CN" sz="1192" dirty="0">
+              <a:rPr lang="en-US" altLang="zh-CN" sz="2000" dirty="0">
                 <a:latin typeface="Consolas" panose="020B0609020204030204" pitchFamily="49" charset="0"/>
               </a:rPr>
             </a:br>
             <a:r>
-              <a:rPr lang="en-US" altLang="zh-CN" sz="1401" dirty="0" err="1">
-                <a:latin typeface="Consolas" panose="020B0609020204030204" pitchFamily="49" charset="0"/>
-              </a:rPr>
-              <a:t>impl</a:t>
-            </a:r>
-            <a:r>
-              <a:rPr lang="en-US" altLang="zh-CN" sz="1401" dirty="0">
-                <a:latin typeface="Consolas" panose="020B0609020204030204" pitchFamily="49" charset="0"/>
-              </a:rPr>
-              <a:t> </a:t>
-            </a:r>
-            <a:r>
-              <a:rPr lang="en-US" altLang="zh-CN" sz="1401" dirty="0" err="1">
-                <a:latin typeface="Consolas" panose="020B0609020204030204" pitchFamily="49" charset="0"/>
-              </a:rPr>
-              <a:t>Cdev</a:t>
-            </a:r>
-            <a:r>
-              <a:rPr lang="en-US" altLang="zh-CN" sz="1401" dirty="0">
+              <a:rPr lang="en-US" altLang="zh-CN" sz="2000" dirty="0">
+                <a:latin typeface="Consolas" panose="020B0609020204030204" pitchFamily="49" charset="0"/>
+              </a:rPr>
+              <a:t>pub trait </a:t>
+            </a:r>
+            <a:r>
+              <a:rPr lang="en-US" altLang="zh-CN" sz="2000" dirty="0" err="1">
+                <a:latin typeface="Consolas" panose="020B0609020204030204" pitchFamily="49" charset="0"/>
+              </a:rPr>
+              <a:t>DriverOps</a:t>
+            </a:r>
+            <a:r>
+              <a:rPr lang="en-US" altLang="zh-CN" sz="2000" dirty="0">
                 <a:latin typeface="Consolas" panose="020B0609020204030204" pitchFamily="49" charset="0"/>
               </a:rPr>
               <a:t> {</a:t>
@@ -4224,184 +3983,61 @@
           </a:p>
           <a:p>
             <a:r>
-              <a:rPr lang="en-US" altLang="zh-CN" sz="1401" dirty="0">
-                <a:latin typeface="Consolas" panose="020B0609020204030204" pitchFamily="49" charset="0"/>
-              </a:rPr>
-              <a:t>    </a:t>
-            </a:r>
-            <a:r>
-              <a:rPr lang="en-US" altLang="zh-CN" sz="1401" dirty="0" err="1">
+              <a:rPr lang="en-US" altLang="zh-CN" sz="2000" dirty="0">
+                <a:latin typeface="Consolas" panose="020B0609020204030204" pitchFamily="49" charset="0"/>
+              </a:rPr>
+              <a:t>    /// </a:t>
+            </a:r>
+            <a:r>
+              <a:rPr lang="en-US" altLang="zh-CN" sz="2000" b="1" dirty="0">
+                <a:latin typeface="Consolas" panose="020B0609020204030204" pitchFamily="49" charset="0"/>
+              </a:rPr>
+              <a:t># Safety</a:t>
+            </a:r>
+          </a:p>
+          <a:p>
+            <a:r>
+              <a:rPr lang="en-US" altLang="zh-CN" sz="2000" dirty="0">
+                <a:latin typeface="Consolas" panose="020B0609020204030204" pitchFamily="49" charset="0"/>
+              </a:rPr>
+              <a:t>    /// `reg` must point to ……</a:t>
+            </a:r>
+          </a:p>
+          <a:p>
+            <a:r>
+              <a:rPr lang="en-US" altLang="zh-CN" sz="2000" dirty="0">
+                <a:latin typeface="Consolas" panose="020B0609020204030204" pitchFamily="49" charset="0"/>
+              </a:rPr>
+              <a:t>    unsafe </a:t>
+            </a:r>
+            <a:r>
+              <a:rPr lang="en-US" altLang="zh-CN" sz="2000" dirty="0" err="1">
                 <a:latin typeface="Consolas" panose="020B0609020204030204" pitchFamily="49" charset="0"/>
               </a:rPr>
               <a:t>fn</a:t>
             </a:r>
             <a:r>
-              <a:rPr lang="en-US" altLang="zh-CN" sz="1401" dirty="0">
-                <a:latin typeface="Consolas" panose="020B0609020204030204" pitchFamily="49" charset="0"/>
-              </a:rPr>
-              <a:t> </a:t>
-            </a:r>
-            <a:r>
-              <a:rPr lang="en-US" altLang="zh-CN" sz="1401" dirty="0" err="1">
-                <a:latin typeface="Consolas" panose="020B0609020204030204" pitchFamily="49" charset="0"/>
-              </a:rPr>
-              <a:t>alloc</a:t>
-            </a:r>
-            <a:r>
-              <a:rPr lang="en-US" altLang="zh-CN" sz="1401" dirty="0">
-                <a:latin typeface="Consolas" panose="020B0609020204030204" pitchFamily="49" charset="0"/>
-              </a:rPr>
-              <a:t>(……) -&gt; Result&lt;Self&gt; {</a:t>
-            </a:r>
-          </a:p>
-          <a:p>
-            <a:r>
-              <a:rPr lang="en-US" altLang="zh-CN" sz="1401" dirty="0">
-                <a:latin typeface="Consolas" panose="020B0609020204030204" pitchFamily="49" charset="0"/>
-              </a:rPr>
-              <a:t>        // SAFETY: FFI call.</a:t>
-            </a:r>
-          </a:p>
-          <a:p>
-            <a:r>
-              <a:rPr lang="en-US" altLang="zh-CN" sz="1401" dirty="0">
-                <a:latin typeface="Consolas" panose="020B0609020204030204" pitchFamily="49" charset="0"/>
-              </a:rPr>
-              <a:t>        let c=unsafe{bindings::</a:t>
-            </a:r>
-            <a:r>
-              <a:rPr lang="en-US" altLang="zh-CN" sz="1401" dirty="0" err="1">
-                <a:latin typeface="Consolas" panose="020B0609020204030204" pitchFamily="49" charset="0"/>
-              </a:rPr>
-              <a:t>cdev_alloc</a:t>
-            </a:r>
-            <a:r>
-              <a:rPr lang="en-US" altLang="zh-CN" sz="1401" dirty="0">
-                <a:latin typeface="Consolas" panose="020B0609020204030204" pitchFamily="49" charset="0"/>
-              </a:rPr>
-              <a:t>()};</a:t>
-            </a:r>
-          </a:p>
-          <a:p>
-            <a:r>
-              <a:rPr lang="en-US" altLang="zh-CN" sz="1401" dirty="0">
-                <a:latin typeface="Consolas" panose="020B0609020204030204" pitchFamily="49" charset="0"/>
-              </a:rPr>
-              <a:t>}</a:t>
-            </a:r>
-          </a:p>
-          <a:p>
-            <a:endParaRPr lang="en-US" altLang="zh-CN" sz="1401" dirty="0">
-              <a:latin typeface="Consolas" panose="020B0609020204030204" pitchFamily="49" charset="0"/>
-            </a:endParaRPr>
-          </a:p>
-          <a:p>
-            <a:endParaRPr lang="en-US" altLang="zh-CN" sz="1401" dirty="0">
-              <a:latin typeface="Consolas" panose="020B0609020204030204" pitchFamily="49" charset="0"/>
-            </a:endParaRPr>
-          </a:p>
-          <a:p>
-            <a:r>
-              <a:rPr lang="en-US" altLang="zh-CN" sz="1400" dirty="0">
-                <a:latin typeface="Consolas" panose="020B0609020204030204" pitchFamily="49" charset="0"/>
-              </a:rPr>
-              <a:t>// rust/kernel/driver.rs</a:t>
-            </a:r>
-            <a:br>
-              <a:rPr lang="en-US" altLang="zh-CN" sz="1100" dirty="0">
-                <a:latin typeface="Consolas" panose="020B0609020204030204" pitchFamily="49" charset="0"/>
-              </a:rPr>
-            </a:br>
-            <a:r>
-              <a:rPr lang="en-US" altLang="zh-CN" sz="1400" dirty="0">
-                <a:latin typeface="Consolas" panose="020B0609020204030204" pitchFamily="49" charset="0"/>
-              </a:rPr>
-              <a:t>pub trait </a:t>
-            </a:r>
-            <a:r>
-              <a:rPr lang="en-US" altLang="zh-CN" sz="1400" dirty="0" err="1">
-                <a:latin typeface="Consolas" panose="020B0609020204030204" pitchFamily="49" charset="0"/>
-              </a:rPr>
-              <a:t>DriverOps</a:t>
-            </a:r>
-            <a:r>
-              <a:rPr lang="en-US" altLang="zh-CN" sz="1400" dirty="0">
-                <a:latin typeface="Consolas" panose="020B0609020204030204" pitchFamily="49" charset="0"/>
-              </a:rPr>
-              <a:t> {</a:t>
-            </a:r>
-          </a:p>
-          <a:p>
-            <a:r>
-              <a:rPr lang="en-US" altLang="zh-CN" sz="1400" dirty="0">
-                <a:latin typeface="Consolas" panose="020B0609020204030204" pitchFamily="49" charset="0"/>
-              </a:rPr>
-              <a:t>    /// # Safety</a:t>
-            </a:r>
-          </a:p>
-          <a:p>
-            <a:r>
-              <a:rPr lang="en-US" altLang="zh-CN" sz="1400" dirty="0">
-                <a:latin typeface="Consolas" panose="020B0609020204030204" pitchFamily="49" charset="0"/>
-              </a:rPr>
-              <a:t>    /// `reg` must point to valid, </a:t>
-            </a:r>
-            <a:r>
-              <a:rPr lang="en-US" altLang="zh-CN" sz="1400" dirty="0" err="1">
-                <a:latin typeface="Consolas" panose="020B0609020204030204" pitchFamily="49" charset="0"/>
-              </a:rPr>
-              <a:t>initialised</a:t>
-            </a:r>
-            <a:r>
-              <a:rPr lang="en-US" altLang="zh-CN" sz="1400" dirty="0">
-                <a:latin typeface="Consolas" panose="020B0609020204030204" pitchFamily="49" charset="0"/>
-              </a:rPr>
-              <a:t>, and writable memory.</a:t>
-            </a:r>
-          </a:p>
-          <a:p>
-            <a:r>
-              <a:rPr lang="en-US" altLang="zh-CN" sz="1400" dirty="0">
-                <a:latin typeface="Consolas" panose="020B0609020204030204" pitchFamily="49" charset="0"/>
-              </a:rPr>
-              <a:t>    unsafe </a:t>
-            </a:r>
-            <a:r>
-              <a:rPr lang="en-US" altLang="zh-CN" sz="1400" dirty="0" err="1">
-                <a:latin typeface="Consolas" panose="020B0609020204030204" pitchFamily="49" charset="0"/>
-              </a:rPr>
-              <a:t>fn</a:t>
-            </a:r>
-            <a:r>
-              <a:rPr lang="en-US" altLang="zh-CN" sz="1400" dirty="0">
-                <a:latin typeface="Consolas" panose="020B0609020204030204" pitchFamily="49" charset="0"/>
-              </a:rPr>
-              <a:t> register(</a:t>
-            </a:r>
-          </a:p>
-          <a:p>
-            <a:r>
-              <a:rPr lang="en-US" altLang="zh-CN" sz="1400" dirty="0">
-                <a:latin typeface="Consolas" panose="020B0609020204030204" pitchFamily="49" charset="0"/>
-              </a:rPr>
-              <a:t>        reg: *mut Self::</a:t>
-            </a:r>
-            <a:r>
-              <a:rPr lang="en-US" altLang="zh-CN" sz="1400" dirty="0" err="1">
-                <a:latin typeface="Consolas" panose="020B0609020204030204" pitchFamily="49" charset="0"/>
-              </a:rPr>
-              <a:t>RegType</a:t>
-            </a:r>
-            <a:r>
-              <a:rPr lang="en-US" altLang="zh-CN" sz="1400" dirty="0">
-                <a:latin typeface="Consolas" panose="020B0609020204030204" pitchFamily="49" charset="0"/>
-              </a:rPr>
-              <a:t>,…) -&gt; Result;</a:t>
-            </a:r>
-          </a:p>
-          <a:p>
-            <a:r>
-              <a:rPr lang="en-US" altLang="zh-CN" sz="1400" dirty="0">
+              <a:rPr lang="en-US" altLang="zh-CN" sz="2000" dirty="0">
+                <a:latin typeface="Consolas" panose="020B0609020204030204" pitchFamily="49" charset="0"/>
+              </a:rPr>
+              <a:t> register(reg: </a:t>
+            </a:r>
+            <a:r>
+              <a:rPr lang="zh-CN" altLang="en-US" sz="2000" dirty="0">
+                <a:latin typeface="Consolas" panose="020B0609020204030204" pitchFamily="49" charset="0"/>
+              </a:rPr>
+              <a:t>*</a:t>
+            </a:r>
+            <a:r>
+              <a:rPr lang="en-US" altLang="zh-CN" sz="2000" dirty="0">
+                <a:latin typeface="Consolas" panose="020B0609020204030204" pitchFamily="49" charset="0"/>
+              </a:rPr>
+              <a:t>mut …)</a:t>
+            </a:r>
+          </a:p>
+          <a:p>
+            <a:r>
+              <a:rPr lang="en-US" altLang="zh-CN" sz="2000" dirty="0">
                 <a:latin typeface="Consolas" panose="020B0609020204030204" pitchFamily="49" charset="0"/>
               </a:rPr>
               <a:t>}</a:t>
@@ -4411,22 +4047,22 @@
       </p:sp>
       <p:cxnSp>
         <p:nvCxnSpPr>
-          <p:cNvPr id="16" name="连接符: 曲线 15">
+          <p:cNvPr id="14" name="连接符: 曲线 13">
             <a:extLst>
               <a:ext uri="{FF2B5EF4-FFF2-40B4-BE49-F238E27FC236}">
-                <a16:creationId xmlns:a16="http://schemas.microsoft.com/office/drawing/2014/main" id="{E093D2A6-6FE7-4E7B-9FF7-2633AB5A969A}"/>
+                <a16:creationId xmlns:a16="http://schemas.microsoft.com/office/drawing/2014/main" id="{86F11F82-4777-46F5-BBCB-FA6A97FC7D98}"/>
               </a:ext>
             </a:extLst>
           </p:cNvPr>
           <p:cNvCxnSpPr>
             <a:cxnSpLocks/>
-            <a:endCxn id="17" idx="2"/>
+            <a:endCxn id="15" idx="2"/>
           </p:cNvCxnSpPr>
           <p:nvPr/>
         </p:nvCxnSpPr>
         <p:spPr>
           <a:xfrm flipV="1">
-            <a:off x="979339" y="3504418"/>
+            <a:off x="15695970" y="9058477"/>
             <a:ext cx="496646" cy="1115104"/>
           </a:xfrm>
           <a:prstGeom prst="curvedConnector2">
@@ -4456,10 +4092,10 @@
       </p:cxnSp>
       <p:pic>
         <p:nvPicPr>
-          <p:cNvPr id="17" name="图片 16">
+          <p:cNvPr id="15" name="图片 14">
             <a:extLst>
               <a:ext uri="{FF2B5EF4-FFF2-40B4-BE49-F238E27FC236}">
-                <a16:creationId xmlns:a16="http://schemas.microsoft.com/office/drawing/2014/main" id="{2CD1ED21-A573-47CF-AEB7-77960755F621}"/>
+                <a16:creationId xmlns:a16="http://schemas.microsoft.com/office/drawing/2014/main" id="{7EAD6ADF-CE87-4306-92B7-C700CF7DCBE3}"/>
               </a:ext>
             </a:extLst>
           </p:cNvPr>
@@ -4476,7 +4112,7 @@
         </p:blipFill>
         <p:spPr>
           <a:xfrm>
-            <a:off x="947147" y="2446742"/>
+            <a:off x="15663778" y="8000801"/>
             <a:ext cx="1057676" cy="1057676"/>
           </a:xfrm>
           <a:prstGeom prst="rect">
@@ -4486,10 +4122,10 @@
       </p:pic>
       <p:grpSp>
         <p:nvGrpSpPr>
-          <p:cNvPr id="18" name="组合 17">
+          <p:cNvPr id="16" name="组合 15">
             <a:extLst>
               <a:ext uri="{FF2B5EF4-FFF2-40B4-BE49-F238E27FC236}">
-                <a16:creationId xmlns:a16="http://schemas.microsoft.com/office/drawing/2014/main" id="{A9ED69C0-3FDC-403B-A983-F27992583CC1}"/>
+                <a16:creationId xmlns:a16="http://schemas.microsoft.com/office/drawing/2014/main" id="{7163B2AB-F595-4C5F-8508-96259D16DF32}"/>
               </a:ext>
             </a:extLst>
           </p:cNvPr>
@@ -4498,18 +4134,18 @@
         </p:nvGrpSpPr>
         <p:grpSpPr>
           <a:xfrm>
-            <a:off x="-8840769" y="2169006"/>
-            <a:ext cx="4426148" cy="1175555"/>
+            <a:off x="5891231" y="7718906"/>
+            <a:ext cx="4524672" cy="1267888"/>
             <a:chOff x="995549" y="2471931"/>
-            <a:chExt cx="4426148" cy="1175555"/>
+            <a:chExt cx="4524672" cy="1267888"/>
           </a:xfrm>
         </p:grpSpPr>
         <p:sp>
           <p:nvSpPr>
-            <p:cNvPr id="19" name="文本框 18">
+            <p:cNvPr id="17" name="文本框 16">
               <a:extLst>
                 <a:ext uri="{FF2B5EF4-FFF2-40B4-BE49-F238E27FC236}">
-                  <a16:creationId xmlns:a16="http://schemas.microsoft.com/office/drawing/2014/main" id="{64B4034C-DD6F-4DDD-9856-DF5F9DE1B391}"/>
+                  <a16:creationId xmlns:a16="http://schemas.microsoft.com/office/drawing/2014/main" id="{919FDDB4-136A-43A3-A71C-4648FB0AA0CC}"/>
                 </a:ext>
               </a:extLst>
             </p:cNvPr>
@@ -4519,7 +4155,7 @@
           <p:spPr>
             <a:xfrm>
               <a:off x="995549" y="3278154"/>
-              <a:ext cx="4426148" cy="369332"/>
+              <a:ext cx="4426148" cy="461665"/>
             </a:xfrm>
             <a:prstGeom prst="rect">
               <a:avLst/>
@@ -4533,7 +4169,7 @@
             <a:lstStyle/>
             <a:p>
               <a:r>
-                <a:rPr lang="en-US" altLang="zh-CN" sz="1800" dirty="0" err="1">
+                <a:rPr lang="en-US" altLang="zh-CN" sz="2400" b="1" dirty="0" err="1">
                   <a:solidFill>
                     <a:srgbClr val="3B3B3B"/>
                   </a:solidFill>
@@ -4541,7 +4177,7 @@
                 </a:rPr>
                 <a:t>bindings_helper.h</a:t>
               </a:r>
-              <a:endParaRPr lang="en-US" altLang="zh-CN" sz="1800" dirty="0">
+              <a:endParaRPr lang="en-US" altLang="zh-CN" sz="2400" b="1" dirty="0">
                 <a:solidFill>
                   <a:srgbClr val="3B3B3B"/>
                 </a:solidFill>
@@ -4552,11 +4188,11 @@
         </p:sp>
         <p:sp>
           <p:nvSpPr>
-            <p:cNvPr id="20" name="动作按钮: 文档 19">
+            <p:cNvPr id="18" name="动作按钮: 文档 17">
               <a:hlinkClick r:id="" action="ppaction://noaction" highlightClick="1"/>
               <a:extLst>
                 <a:ext uri="{FF2B5EF4-FFF2-40B4-BE49-F238E27FC236}">
-                  <a16:creationId xmlns:a16="http://schemas.microsoft.com/office/drawing/2014/main" id="{C6AC964D-A58D-4BC8-901C-3756CE1D40FA}"/>
+                  <a16:creationId xmlns:a16="http://schemas.microsoft.com/office/drawing/2014/main" id="{DA3EFCD9-07B2-4AEE-8BC9-4ECAB1530FB0}"/>
                 </a:ext>
               </a:extLst>
             </p:cNvPr>
@@ -4619,10 +4255,10 @@
         </p:sp>
         <p:sp>
           <p:nvSpPr>
-            <p:cNvPr id="21" name="文本框 20">
+            <p:cNvPr id="19" name="文本框 18">
               <a:extLst>
                 <a:ext uri="{FF2B5EF4-FFF2-40B4-BE49-F238E27FC236}">
-                  <a16:creationId xmlns:a16="http://schemas.microsoft.com/office/drawing/2014/main" id="{65963A69-73BF-413E-9CBC-E05F5FB49207}"/>
+                  <a16:creationId xmlns:a16="http://schemas.microsoft.com/office/drawing/2014/main" id="{A7751361-A799-424F-B0D0-421DD2C103D4}"/>
                 </a:ext>
               </a:extLst>
             </p:cNvPr>
@@ -4631,8 +4267,8 @@
           </p:nvSpPr>
           <p:spPr>
             <a:xfrm>
-              <a:off x="2204400" y="2686981"/>
-              <a:ext cx="3144219" cy="307777"/>
+              <a:off x="2016700" y="2680154"/>
+              <a:ext cx="3503521" cy="400110"/>
             </a:xfrm>
             <a:prstGeom prst="rect">
               <a:avLst/>
@@ -4646,7 +4282,7 @@
             <a:lstStyle/>
             <a:p>
               <a:r>
-                <a:rPr lang="en-US" altLang="zh-CN" sz="1400" dirty="0">
+                <a:rPr lang="en-US" altLang="zh-CN" sz="2000" dirty="0">
                   <a:solidFill>
                     <a:schemeClr val="accent5">
                       <a:lumMod val="75000"/>
@@ -4657,7 +4293,7 @@
                 <a:t>#include &lt;</a:t>
               </a:r>
               <a:r>
-                <a:rPr lang="en-US" altLang="zh-CN" sz="1400" dirty="0" err="1">
+                <a:rPr lang="en-US" altLang="zh-CN" sz="2000" dirty="0" err="1">
                   <a:solidFill>
                     <a:schemeClr val="accent5">
                       <a:lumMod val="75000"/>
@@ -4668,7 +4304,7 @@
                 <a:t>linux</a:t>
               </a:r>
               <a:r>
-                <a:rPr lang="en-US" altLang="zh-CN" sz="1400" dirty="0">
+                <a:rPr lang="en-US" altLang="zh-CN" sz="2000" dirty="0">
                   <a:solidFill>
                     <a:schemeClr val="accent5">
                       <a:lumMod val="75000"/>
@@ -4679,7 +4315,7 @@
                 <a:t>/</a:t>
               </a:r>
               <a:r>
-                <a:rPr lang="en-US" altLang="zh-CN" sz="1400" dirty="0" err="1">
+                <a:rPr lang="en-US" altLang="zh-CN" sz="2000" dirty="0" err="1">
                   <a:solidFill>
                     <a:schemeClr val="accent5">
                       <a:lumMod val="75000"/>
@@ -4690,7 +4326,7 @@
                 <a:t>cdev.h</a:t>
               </a:r>
               <a:r>
-                <a:rPr lang="en-US" altLang="zh-CN" sz="1400" dirty="0">
+                <a:rPr lang="en-US" altLang="zh-CN" sz="2000" dirty="0">
                   <a:solidFill>
                     <a:schemeClr val="accent5">
                       <a:lumMod val="75000"/>
@@ -4706,10 +4342,10 @@
       </p:grpSp>
       <p:grpSp>
         <p:nvGrpSpPr>
-          <p:cNvPr id="22" name="组合 21">
+          <p:cNvPr id="20" name="组合 19">
             <a:extLst>
               <a:ext uri="{FF2B5EF4-FFF2-40B4-BE49-F238E27FC236}">
-                <a16:creationId xmlns:a16="http://schemas.microsoft.com/office/drawing/2014/main" id="{53075363-3583-4044-A472-46F1E681CBA5}"/>
+                <a16:creationId xmlns:a16="http://schemas.microsoft.com/office/drawing/2014/main" id="{746BF432-AD99-4E30-8662-90392AA38A22}"/>
               </a:ext>
             </a:extLst>
           </p:cNvPr>
@@ -4718,18 +4354,18 @@
         </p:nvGrpSpPr>
         <p:grpSpPr>
           <a:xfrm>
-            <a:off x="-8930333" y="-474183"/>
-            <a:ext cx="1316467" cy="1345562"/>
+            <a:off x="5668746" y="4914436"/>
+            <a:ext cx="1316467" cy="1899560"/>
             <a:chOff x="-6966059" y="-137947"/>
-            <a:chExt cx="1316467" cy="1345562"/>
+            <a:chExt cx="1316467" cy="1899560"/>
           </a:xfrm>
         </p:grpSpPr>
         <p:pic>
           <p:nvPicPr>
-            <p:cNvPr id="23" name="图形 22">
+            <p:cNvPr id="21" name="图形 20">
               <a:extLst>
                 <a:ext uri="{FF2B5EF4-FFF2-40B4-BE49-F238E27FC236}">
-                  <a16:creationId xmlns:a16="http://schemas.microsoft.com/office/drawing/2014/main" id="{4BB85C68-78BE-44A5-987A-BAD65C64932B}"/>
+                  <a16:creationId xmlns:a16="http://schemas.microsoft.com/office/drawing/2014/main" id="{DEB0ED8A-3C89-4940-A8F5-C0ED78537855}"/>
                 </a:ext>
               </a:extLst>
             </p:cNvPr>
@@ -4765,10 +4401,10 @@
         </p:pic>
         <p:sp>
           <p:nvSpPr>
-            <p:cNvPr id="24" name="文本框 23">
+            <p:cNvPr id="22" name="文本框 21">
               <a:extLst>
                 <a:ext uri="{FF2B5EF4-FFF2-40B4-BE49-F238E27FC236}">
-                  <a16:creationId xmlns:a16="http://schemas.microsoft.com/office/drawing/2014/main" id="{E3BB3040-26ED-4B04-9199-E593AE1B5C95}"/>
+                  <a16:creationId xmlns:a16="http://schemas.microsoft.com/office/drawing/2014/main" id="{40A99A7A-D362-40B0-A9A9-082669716674}"/>
                 </a:ext>
               </a:extLst>
             </p:cNvPr>
@@ -4778,7 +4414,7 @@
           <p:spPr>
             <a:xfrm>
               <a:off x="-6966059" y="561284"/>
-              <a:ext cx="1316467" cy="646331"/>
+              <a:ext cx="1316467" cy="1200329"/>
             </a:xfrm>
             <a:prstGeom prst="rect">
               <a:avLst/>
@@ -4793,19 +4429,31 @@
             <a:p>
               <a:pPr algn="ctr"/>
               <a:r>
-                <a:rPr lang="en-US" altLang="zh-CN" sz="1800" dirty="0">
+                <a:rPr lang="en-US" altLang="zh-CN" sz="2400" b="1" dirty="0">
                   <a:solidFill>
                     <a:srgbClr val="3B3B3B"/>
                   </a:solidFill>
                   <a:latin typeface="Consolas" panose="020B0609020204030204" pitchFamily="49" charset="0"/>
                 </a:rPr>
-                <a:t>Rust-Code </a:t>
+                <a:t>Rust</a:t>
               </a:r>
             </a:p>
             <a:p>
               <a:pPr algn="ctr"/>
               <a:r>
-                <a:rPr lang="en-US" altLang="zh-CN" sz="1800" dirty="0">
+                <a:rPr lang="en-US" altLang="zh-CN" sz="2400" b="1" dirty="0">
+                  <a:solidFill>
+                    <a:srgbClr val="3B3B3B"/>
+                  </a:solidFill>
+                  <a:latin typeface="Consolas" panose="020B0609020204030204" pitchFamily="49" charset="0"/>
+                </a:rPr>
+                <a:t>Code </a:t>
+              </a:r>
+            </a:p>
+            <a:p>
+              <a:pPr algn="ctr"/>
+              <a:r>
+                <a:rPr lang="en-US" altLang="zh-CN" sz="2400" b="1" dirty="0">
                   <a:solidFill>
                     <a:srgbClr val="3B3B3B"/>
                   </a:solidFill>
@@ -4819,24 +4467,24 @@
       </p:grpSp>
       <p:cxnSp>
         <p:nvCxnSpPr>
-          <p:cNvPr id="25" name="连接符: 曲线 24">
+          <p:cNvPr id="23" name="连接符: 曲线 22">
             <a:extLst>
               <a:ext uri="{FF2B5EF4-FFF2-40B4-BE49-F238E27FC236}">
-                <a16:creationId xmlns:a16="http://schemas.microsoft.com/office/drawing/2014/main" id="{02D8FC06-6975-4EB1-BF2C-128D563A48FA}"/>
+                <a16:creationId xmlns:a16="http://schemas.microsoft.com/office/drawing/2014/main" id="{DD2F5525-9897-476B-94CB-752AA57D3BC3}"/>
               </a:ext>
             </a:extLst>
           </p:cNvPr>
           <p:cNvCxnSpPr>
             <a:cxnSpLocks/>
-            <a:stCxn id="9" idx="3"/>
-            <a:endCxn id="17" idx="0"/>
+            <a:stCxn id="7" idx="3"/>
+            <a:endCxn id="15" idx="0"/>
           </p:cNvCxnSpPr>
           <p:nvPr/>
         </p:nvCxnSpPr>
         <p:spPr>
           <a:xfrm>
-            <a:off x="979339" y="199112"/>
-            <a:ext cx="496646" cy="2247630"/>
+            <a:off x="15711339" y="5749012"/>
+            <a:ext cx="481277" cy="2251789"/>
           </a:xfrm>
           <a:prstGeom prst="curvedConnector2">
             <a:avLst/>
@@ -4865,10 +4513,10 @@
       </p:cxnSp>
       <p:grpSp>
         <p:nvGrpSpPr>
-          <p:cNvPr id="26" name="组合 25">
+          <p:cNvPr id="24" name="组合 23">
             <a:extLst>
               <a:ext uri="{FF2B5EF4-FFF2-40B4-BE49-F238E27FC236}">
-                <a16:creationId xmlns:a16="http://schemas.microsoft.com/office/drawing/2014/main" id="{1CD1EAB0-ADD9-4D61-A099-852726EB50F7}"/>
+                <a16:creationId xmlns:a16="http://schemas.microsoft.com/office/drawing/2014/main" id="{35A16C61-93F9-4707-97FF-30A932CC48E2}"/>
               </a:ext>
             </a:extLst>
           </p:cNvPr>
@@ -4877,19 +4525,19 @@
         </p:nvGrpSpPr>
         <p:grpSpPr>
           <a:xfrm>
-            <a:off x="3763768" y="-1109540"/>
-            <a:ext cx="2170584" cy="1296634"/>
-            <a:chOff x="3176790" y="-1057701"/>
-            <a:chExt cx="2170584" cy="1296634"/>
+            <a:off x="17738323" y="4344200"/>
+            <a:ext cx="3756580" cy="733579"/>
+            <a:chOff x="3752985" y="-1057701"/>
+            <a:chExt cx="3756580" cy="733579"/>
           </a:xfrm>
         </p:grpSpPr>
         <p:sp>
           <p:nvSpPr>
-            <p:cNvPr id="27" name="动作按钮: 文档 26">
+            <p:cNvPr id="25" name="动作按钮: 文档 24">
               <a:hlinkClick r:id="" action="ppaction://noaction" highlightClick="1"/>
               <a:extLst>
                 <a:ext uri="{FF2B5EF4-FFF2-40B4-BE49-F238E27FC236}">
-                  <a16:creationId xmlns:a16="http://schemas.microsoft.com/office/drawing/2014/main" id="{740B6DF0-F576-4A55-A4ED-2912324721CF}"/>
+                  <a16:creationId xmlns:a16="http://schemas.microsoft.com/office/drawing/2014/main" id="{9FBDD1D9-CD1C-40C0-B169-C53D19B361E1}"/>
                 </a:ext>
               </a:extLst>
             </p:cNvPr>
@@ -5051,10 +4699,10 @@
         </p:sp>
         <p:sp>
           <p:nvSpPr>
-            <p:cNvPr id="28" name="文本框 145">
+            <p:cNvPr id="26" name="文本框 145">
               <a:extLst>
                 <a:ext uri="{FF2B5EF4-FFF2-40B4-BE49-F238E27FC236}">
-                  <a16:creationId xmlns:a16="http://schemas.microsoft.com/office/drawing/2014/main" id="{3FC1127A-0720-40B4-86E1-36D8C4A18788}"/>
+                  <a16:creationId xmlns:a16="http://schemas.microsoft.com/office/drawing/2014/main" id="{11DF6895-5E86-456C-B917-601900921576}"/>
                 </a:ext>
               </a:extLst>
             </p:cNvPr>
@@ -5063,8 +4711,8 @@
           </p:nvSpPr>
           <p:spPr>
             <a:xfrm>
-              <a:off x="3176790" y="-130399"/>
-              <a:ext cx="2170584" cy="369332"/>
+              <a:off x="4792634" y="-921745"/>
+              <a:ext cx="2716931" cy="461665"/>
             </a:xfrm>
             <a:prstGeom prst="rect">
               <a:avLst/>
@@ -5172,22 +4820,13 @@
             </a:lstStyle>
             <a:p>
               <a:r>
-                <a:rPr lang="en-US" altLang="zh-CN" dirty="0">
+                <a:rPr lang="en-US" altLang="zh-CN" sz="2400" b="1" dirty="0">
                   <a:solidFill>
                     <a:srgbClr val="3B3B3B"/>
                   </a:solidFill>
                   <a:latin typeface="Consolas" panose="020B0609020204030204" pitchFamily="49" charset="0"/>
                 </a:rPr>
-                <a:t>k</a:t>
-              </a:r>
-              <a:r>
-                <a:rPr lang="en-US" altLang="zh-CN" sz="1800" dirty="0">
-                  <a:solidFill>
-                    <a:srgbClr val="3B3B3B"/>
-                  </a:solidFill>
-                  <a:latin typeface="Consolas" panose="020B0609020204030204" pitchFamily="49" charset="0"/>
-                </a:rPr>
-                <a:t>ernel crate</a:t>
+                <a:t>kernel crate</a:t>
               </a:r>
             </a:p>
           </p:txBody>
@@ -5195,58 +4834,10 @@
       </p:grpSp>
       <p:cxnSp>
         <p:nvCxnSpPr>
-          <p:cNvPr id="29" name="连接符: 曲线 28">
+          <p:cNvPr id="27" name="连接符: 曲线 26">
             <a:extLst>
               <a:ext uri="{FF2B5EF4-FFF2-40B4-BE49-F238E27FC236}">
-                <a16:creationId xmlns:a16="http://schemas.microsoft.com/office/drawing/2014/main" id="{02EE26A2-5BB8-482D-9248-32E7D9623DDB}"/>
-              </a:ext>
-            </a:extLst>
-          </p:cNvPr>
-          <p:cNvCxnSpPr>
-            <a:cxnSpLocks/>
-            <a:stCxn id="17" idx="3"/>
-            <a:endCxn id="12" idx="1"/>
-          </p:cNvCxnSpPr>
-          <p:nvPr/>
-        </p:nvCxnSpPr>
-        <p:spPr>
-          <a:xfrm flipV="1">
-            <a:off x="2004823" y="2970500"/>
-            <a:ext cx="289775" cy="5080"/>
-          </a:xfrm>
-          <a:prstGeom prst="curvedConnector3">
-            <a:avLst>
-              <a:gd name="adj1" fmla="val 50000"/>
-            </a:avLst>
-          </a:prstGeom>
-          <a:ln w="57150">
-            <a:solidFill>
-              <a:schemeClr val="tx1"/>
-            </a:solidFill>
-            <a:tailEnd type="triangle"/>
-          </a:ln>
-        </p:spPr>
-        <p:style>
-          <a:lnRef idx="1">
-            <a:schemeClr val="accent1"/>
-          </a:lnRef>
-          <a:fillRef idx="0">
-            <a:schemeClr val="accent1"/>
-          </a:fillRef>
-          <a:effectRef idx="0">
-            <a:schemeClr val="accent1"/>
-          </a:effectRef>
-          <a:fontRef idx="minor">
-            <a:schemeClr val="tx1"/>
-          </a:fontRef>
-        </p:style>
-      </p:cxnSp>
-      <p:cxnSp>
-        <p:nvCxnSpPr>
-          <p:cNvPr id="30" name="连接符: 曲线 29">
-            <a:extLst>
-              <a:ext uri="{FF2B5EF4-FFF2-40B4-BE49-F238E27FC236}">
-                <a16:creationId xmlns:a16="http://schemas.microsoft.com/office/drawing/2014/main" id="{69E65F67-5683-46DB-B187-3601F306A916}"/>
+                <a16:creationId xmlns:a16="http://schemas.microsoft.com/office/drawing/2014/main" id="{4BA06D23-7F5C-4B0E-9045-90BCD5AA710A}"/>
               </a:ext>
             </a:extLst>
           </p:cNvPr>
@@ -5257,7 +4848,7 @@
         </p:nvCxnSpPr>
         <p:spPr>
           <a:xfrm flipV="1">
-            <a:off x="7474118" y="2975580"/>
+            <a:off x="22270295" y="8514050"/>
             <a:ext cx="337300" cy="12700"/>
           </a:xfrm>
           <a:prstGeom prst="curvedConnector3">
@@ -5289,22 +4880,22 @@
       </p:cxnSp>
       <p:cxnSp>
         <p:nvCxnSpPr>
-          <p:cNvPr id="31" name="连接符: 曲线 30">
+          <p:cNvPr id="28" name="连接符: 曲线 27">
             <a:extLst>
               <a:ext uri="{FF2B5EF4-FFF2-40B4-BE49-F238E27FC236}">
-                <a16:creationId xmlns:a16="http://schemas.microsoft.com/office/drawing/2014/main" id="{38685D3D-DD0E-4F5E-A568-A1F0A098778E}"/>
+                <a16:creationId xmlns:a16="http://schemas.microsoft.com/office/drawing/2014/main" id="{690DCE7B-0CB2-42FC-8882-003EE8C3EED9}"/>
               </a:ext>
             </a:extLst>
           </p:cNvPr>
           <p:cNvCxnSpPr>
             <a:cxnSpLocks/>
-            <a:endCxn id="10" idx="1"/>
+            <a:endCxn id="8" idx="1"/>
           </p:cNvCxnSpPr>
           <p:nvPr/>
         </p:nvCxnSpPr>
         <p:spPr>
           <a:xfrm flipV="1">
-            <a:off x="8869094" y="2970500"/>
+            <a:off x="23601094" y="8520400"/>
             <a:ext cx="285237" cy="5080"/>
           </a:xfrm>
           <a:prstGeom prst="curvedConnector3">
@@ -5336,11 +4927,11 @@
       </p:cxnSp>
       <p:sp>
         <p:nvSpPr>
-          <p:cNvPr id="32" name="动作按钮: 文档 31">
+          <p:cNvPr id="29" name="动作按钮: 文档 28">
             <a:hlinkClick r:id="" action="ppaction://noaction" highlightClick="1"/>
             <a:extLst>
               <a:ext uri="{FF2B5EF4-FFF2-40B4-BE49-F238E27FC236}">
-                <a16:creationId xmlns:a16="http://schemas.microsoft.com/office/drawing/2014/main" id="{D97FBF9F-C32E-4BB9-B97D-4BC76B703683}"/>
+                <a16:creationId xmlns:a16="http://schemas.microsoft.com/office/drawing/2014/main" id="{9292A23B-1010-4033-88A0-DEC3AFD8DF64}"/>
               </a:ext>
             </a:extLst>
           </p:cNvPr>
@@ -5349,7 +4940,7 @@
         </p:nvSpPr>
         <p:spPr>
           <a:xfrm>
-            <a:off x="11239616" y="-1071051"/>
+            <a:off x="24428312" y="4370119"/>
             <a:ext cx="696562" cy="733579"/>
           </a:xfrm>
           <a:prstGeom prst="actionButtonDocument">
@@ -5502,10 +5093,10 @@
       </p:sp>
       <p:sp>
         <p:nvSpPr>
-          <p:cNvPr id="33" name="文本框 145">
+          <p:cNvPr id="30" name="文本框 145">
             <a:extLst>
               <a:ext uri="{FF2B5EF4-FFF2-40B4-BE49-F238E27FC236}">
-                <a16:creationId xmlns:a16="http://schemas.microsoft.com/office/drawing/2014/main" id="{CD1D01B9-BF16-4F81-91AF-09BC90573AAB}"/>
+                <a16:creationId xmlns:a16="http://schemas.microsoft.com/office/drawing/2014/main" id="{262D766B-B3F3-4AF0-B8B3-99AF534C5957}"/>
               </a:ext>
             </a:extLst>
           </p:cNvPr>
@@ -5514,8 +5105,8 @@
         </p:nvSpPr>
         <p:spPr>
           <a:xfrm>
-            <a:off x="10658799" y="-187524"/>
-            <a:ext cx="2170584" cy="369332"/>
+            <a:off x="25630658" y="4506075"/>
+            <a:ext cx="2586684" cy="461665"/>
           </a:xfrm>
           <a:prstGeom prst="rect">
             <a:avLst/>
@@ -5623,7 +5214,7 @@
           </a:lstStyle>
           <a:p>
             <a:r>
-              <a:rPr lang="en-US" altLang="zh-CN" sz="1800" dirty="0">
+              <a:rPr lang="en-US" altLang="zh-CN" sz="2400" b="1" dirty="0">
                 <a:solidFill>
                   <a:srgbClr val="3B3B3B"/>
                 </a:solidFill>
@@ -5636,10 +5227,10 @@
       </p:sp>
       <p:sp>
         <p:nvSpPr>
-          <p:cNvPr id="34" name="文本框 33">
+          <p:cNvPr id="31" name="文本框 30">
             <a:extLst>
               <a:ext uri="{FF2B5EF4-FFF2-40B4-BE49-F238E27FC236}">
-                <a16:creationId xmlns:a16="http://schemas.microsoft.com/office/drawing/2014/main" id="{C388164A-A5B0-461E-BFF0-66F7B4E70AC4}"/>
+                <a16:creationId xmlns:a16="http://schemas.microsoft.com/office/drawing/2014/main" id="{51A309A5-A018-484D-8E44-71E8CA593E4C}"/>
               </a:ext>
             </a:extLst>
           </p:cNvPr>
@@ -5648,8 +5239,8 @@
         </p:nvSpPr>
         <p:spPr>
           <a:xfrm>
-            <a:off x="9439568" y="725644"/>
-            <a:ext cx="5909277" cy="5693866"/>
+            <a:off x="24001032" y="5182934"/>
+            <a:ext cx="5144064" cy="7478970"/>
           </a:xfrm>
           <a:prstGeom prst="rect">
             <a:avLst/>
@@ -5663,7 +5254,7 @@
           <a:lstStyle/>
           <a:p>
             <a:r>
-              <a:rPr lang="en-US" altLang="zh-CN" sz="1400" dirty="0">
+              <a:rPr lang="en-US" altLang="zh-CN" sz="2000" dirty="0">
                 <a:latin typeface="Consolas" panose="020B0609020204030204" pitchFamily="49" charset="0"/>
               </a:rPr>
               <a:t>// samples/rust/rust_chrdev.rs</a:t>
@@ -5671,7 +5262,7 @@
           </a:p>
           <a:p>
             <a:r>
-              <a:rPr lang="en-US" altLang="zh-CN" sz="1400" dirty="0">
+              <a:rPr lang="en-US" altLang="zh-CN" sz="2000" dirty="0">
                 <a:latin typeface="Consolas" panose="020B0609020204030204" pitchFamily="49" charset="0"/>
               </a:rPr>
               <a:t>module! {</a:t>
@@ -5679,105 +5270,131 @@
           </a:p>
           <a:p>
             <a:r>
-              <a:rPr lang="en-US" altLang="zh-CN" sz="1400" dirty="0">
+              <a:rPr lang="en-US" altLang="zh-CN" sz="2000" dirty="0">
                 <a:latin typeface="Consolas" panose="020B0609020204030204" pitchFamily="49" charset="0"/>
               </a:rPr>
               <a:t>    type: </a:t>
             </a:r>
             <a:r>
-              <a:rPr lang="en-US" altLang="zh-CN" sz="1400" dirty="0" err="1">
+              <a:rPr lang="en-US" altLang="zh-CN" sz="2000" dirty="0" err="1">
                 <a:latin typeface="Consolas" panose="020B0609020204030204" pitchFamily="49" charset="0"/>
               </a:rPr>
               <a:t>RustChrdev</a:t>
             </a:r>
             <a:r>
-              <a:rPr lang="en-US" altLang="zh-CN" sz="1400" dirty="0">
-                <a:latin typeface="Consolas" panose="020B0609020204030204" pitchFamily="49" charset="0"/>
-              </a:rPr>
-              <a:t>,</a:t>
-            </a:r>
-          </a:p>
-          <a:p>
-            <a:r>
-              <a:rPr lang="en-US" altLang="zh-CN" sz="1400" dirty="0">
-                <a:latin typeface="Consolas" panose="020B0609020204030204" pitchFamily="49" charset="0"/>
-              </a:rPr>
-              <a:t>    name: "</a:t>
-            </a:r>
-            <a:r>
-              <a:rPr lang="en-US" altLang="zh-CN" sz="1400" dirty="0" err="1">
-                <a:latin typeface="Consolas" panose="020B0609020204030204" pitchFamily="49" charset="0"/>
-              </a:rPr>
-              <a:t>rust_chrdev</a:t>
-            </a:r>
-            <a:r>
-              <a:rPr lang="en-US" altLang="zh-CN" sz="1400" dirty="0">
-                <a:latin typeface="Consolas" panose="020B0609020204030204" pitchFamily="49" charset="0"/>
-              </a:rPr>
-              <a:t>",</a:t>
-            </a:r>
-          </a:p>
-          <a:p>
-            <a:r>
-              <a:rPr lang="en-US" altLang="zh-CN" sz="1400" dirty="0">
-                <a:latin typeface="Consolas" panose="020B0609020204030204" pitchFamily="49" charset="0"/>
-              </a:rPr>
-              <a:t>    author: "Rust for Linux Contributors",</a:t>
-            </a:r>
-          </a:p>
-          <a:p>
-            <a:r>
-              <a:rPr lang="en-US" altLang="zh-CN" sz="1400" dirty="0">
+              <a:rPr lang="en-US" altLang="zh-CN" sz="2000" dirty="0">
+                <a:latin typeface="Consolas" panose="020B0609020204030204" pitchFamily="49" charset="0"/>
+              </a:rPr>
+              <a:t>, ……</a:t>
+            </a:r>
+          </a:p>
+          <a:p>
+            <a:r>
+              <a:rPr lang="en-US" altLang="zh-CN" sz="2000" dirty="0">
                 <a:latin typeface="Consolas" panose="020B0609020204030204" pitchFamily="49" charset="0"/>
               </a:rPr>
               <a:t>}</a:t>
             </a:r>
           </a:p>
           <a:p>
-            <a:endParaRPr lang="en-US" altLang="zh-CN" sz="1400" dirty="0">
+            <a:endParaRPr lang="en-US" altLang="zh-CN" sz="2000" dirty="0">
               <a:latin typeface="Consolas" panose="020B0609020204030204" pitchFamily="49" charset="0"/>
             </a:endParaRPr>
           </a:p>
           <a:p>
             <a:r>
-              <a:rPr lang="en-US" altLang="zh-CN" sz="1400" dirty="0">
+              <a:rPr lang="en-US" altLang="zh-CN" sz="2000" dirty="0">
                 <a:latin typeface="Consolas" panose="020B0609020204030204" pitchFamily="49" charset="0"/>
               </a:rPr>
               <a:t>struct </a:t>
             </a:r>
             <a:r>
-              <a:rPr lang="en-US" altLang="zh-CN" sz="1400" dirty="0" err="1">
+              <a:rPr lang="en-US" altLang="zh-CN" sz="2000" dirty="0" err="1">
                 <a:latin typeface="Consolas" panose="020B0609020204030204" pitchFamily="49" charset="0"/>
               </a:rPr>
               <a:t>RustFile</a:t>
             </a:r>
             <a:r>
-              <a:rPr lang="en-US" altLang="zh-CN" sz="1400" dirty="0">
+              <a:rPr lang="en-US" altLang="zh-CN" sz="2000" dirty="0">
                 <a:latin typeface="Consolas" panose="020B0609020204030204" pitchFamily="49" charset="0"/>
               </a:rPr>
               <a:t>;</a:t>
             </a:r>
           </a:p>
           <a:p>
-            <a:endParaRPr lang="en-US" altLang="zh-CN" sz="1400" dirty="0">
+            <a:r>
+              <a:rPr lang="en-US" altLang="zh-CN" sz="2000" dirty="0">
+                <a:latin typeface="Consolas" panose="020B0609020204030204" pitchFamily="49" charset="0"/>
+              </a:rPr>
+              <a:t>struct </a:t>
+            </a:r>
+            <a:r>
+              <a:rPr lang="en-US" altLang="zh-CN" sz="2000" dirty="0" err="1">
+                <a:latin typeface="Consolas" panose="020B0609020204030204" pitchFamily="49" charset="0"/>
+              </a:rPr>
+              <a:t>RustChrdev</a:t>
+            </a:r>
+            <a:r>
+              <a:rPr lang="en-US" altLang="zh-CN" sz="2000" dirty="0">
+                <a:latin typeface="Consolas" panose="020B0609020204030204" pitchFamily="49" charset="0"/>
+              </a:rPr>
+              <a:t> {</a:t>
+            </a:r>
+          </a:p>
+          <a:p>
+            <a:r>
+              <a:rPr lang="en-US" altLang="zh-CN" sz="2000" dirty="0">
+                <a:latin typeface="Consolas" panose="020B0609020204030204" pitchFamily="49" charset="0"/>
+              </a:rPr>
+              <a:t>    dev: Pin&lt;Box&lt;</a:t>
+            </a:r>
+            <a:r>
+              <a:rPr lang="en-US" altLang="zh-CN" sz="2000" dirty="0" err="1">
+                <a:latin typeface="Consolas" panose="020B0609020204030204" pitchFamily="49" charset="0"/>
+              </a:rPr>
+              <a:t>chrdev</a:t>
+            </a:r>
+            <a:r>
+              <a:rPr lang="en-US" altLang="zh-CN" sz="2000" dirty="0">
+                <a:latin typeface="Consolas" panose="020B0609020204030204" pitchFamily="49" charset="0"/>
+              </a:rPr>
+              <a:t>::Reg&lt;2&gt;&gt;&gt;</a:t>
+            </a:r>
+          </a:p>
+          <a:p>
+            <a:r>
+              <a:rPr lang="en-US" altLang="zh-CN" sz="2000" dirty="0">
+                <a:latin typeface="Consolas" panose="020B0609020204030204" pitchFamily="49" charset="0"/>
+              </a:rPr>
+              <a:t>}</a:t>
+            </a:r>
+          </a:p>
+          <a:p>
+            <a:endParaRPr lang="en-US" altLang="zh-CN" sz="2000" dirty="0">
               <a:latin typeface="Consolas" panose="020B0609020204030204" pitchFamily="49" charset="0"/>
             </a:endParaRPr>
           </a:p>
           <a:p>
             <a:r>
-              <a:rPr lang="en-US" altLang="zh-CN" sz="1400" dirty="0">
-                <a:latin typeface="Consolas" panose="020B0609020204030204" pitchFamily="49" charset="0"/>
-              </a:rPr>
-              <a:t>struct </a:t>
-            </a:r>
-            <a:r>
-              <a:rPr lang="en-US" altLang="zh-CN" sz="1400" dirty="0" err="1">
+              <a:rPr lang="en-US" altLang="zh-CN" sz="2000" dirty="0" err="1">
+                <a:latin typeface="Consolas" panose="020B0609020204030204" pitchFamily="49" charset="0"/>
+              </a:rPr>
+              <a:t>impl</a:t>
+            </a:r>
+            <a:r>
+              <a:rPr lang="en-US" altLang="zh-CN" sz="2000" dirty="0">
+                <a:latin typeface="Consolas" panose="020B0609020204030204" pitchFamily="49" charset="0"/>
+              </a:rPr>
+              <a:t> Module for </a:t>
+            </a:r>
+            <a:r>
+              <a:rPr lang="en-US" altLang="zh-CN" sz="2000" dirty="0" err="1">
                 <a:latin typeface="Consolas" panose="020B0609020204030204" pitchFamily="49" charset="0"/>
               </a:rPr>
               <a:t>RustChrdev</a:t>
             </a:r>
             <a:r>
-              <a:rPr lang="en-US" altLang="zh-CN" sz="1400" dirty="0">
+              <a:rPr lang="en-US" altLang="zh-CN" sz="2000" dirty="0">
                 <a:latin typeface="Consolas" panose="020B0609020204030204" pitchFamily="49" charset="0"/>
               </a:rPr>
               <a:t> {</a:t>
@@ -5785,58 +5402,216 @@
           </a:p>
           <a:p>
             <a:r>
-              <a:rPr lang="en-US" altLang="zh-CN" sz="1400" dirty="0">
-                <a:latin typeface="Consolas" panose="020B0609020204030204" pitchFamily="49" charset="0"/>
-              </a:rPr>
-              <a:t>    _dev: Pin&lt;Box&lt;</a:t>
-            </a:r>
-            <a:r>
-              <a:rPr lang="en-US" altLang="zh-CN" sz="1400" dirty="0" err="1">
+              <a:rPr lang="en-US" altLang="zh-CN" sz="2000" dirty="0">
+                <a:latin typeface="Consolas" panose="020B0609020204030204" pitchFamily="49" charset="0"/>
+              </a:rPr>
+              <a:t>    </a:t>
+            </a:r>
+            <a:r>
+              <a:rPr lang="en-US" altLang="zh-CN" sz="2000" dirty="0" err="1">
+                <a:latin typeface="Consolas" panose="020B0609020204030204" pitchFamily="49" charset="0"/>
+              </a:rPr>
+              <a:t>fn</a:t>
+            </a:r>
+            <a:r>
+              <a:rPr lang="en-US" altLang="zh-CN" sz="2000" dirty="0">
+                <a:latin typeface="Consolas" panose="020B0609020204030204" pitchFamily="49" charset="0"/>
+              </a:rPr>
+              <a:t> </a:t>
+            </a:r>
+            <a:r>
+              <a:rPr lang="en-US" altLang="zh-CN" sz="2000" dirty="0" err="1">
+                <a:latin typeface="Consolas" panose="020B0609020204030204" pitchFamily="49" charset="0"/>
+              </a:rPr>
+              <a:t>init</a:t>
+            </a:r>
+            <a:r>
+              <a:rPr lang="en-US" altLang="zh-CN" sz="2000" dirty="0">
+                <a:latin typeface="Consolas" panose="020B0609020204030204" pitchFamily="49" charset="0"/>
+              </a:rPr>
+              <a:t>(……) -&gt; Result&lt;Self&gt; {</a:t>
+            </a:r>
+            <a:br>
+              <a:rPr lang="en-US" altLang="zh-CN" sz="2000" dirty="0">
+                <a:latin typeface="Consolas" panose="020B0609020204030204" pitchFamily="49" charset="0"/>
+              </a:rPr>
+            </a:br>
+            <a:r>
+              <a:rPr lang="en-US" altLang="zh-CN" sz="2000" dirty="0">
+                <a:latin typeface="Consolas" panose="020B0609020204030204" pitchFamily="49" charset="0"/>
+              </a:rPr>
+              <a:t>        let mut </a:t>
+            </a:r>
+            <a:r>
+              <a:rPr lang="en-US" altLang="zh-CN" sz="2000" dirty="0" err="1">
+                <a:latin typeface="Consolas" panose="020B0609020204030204" pitchFamily="49" charset="0"/>
+              </a:rPr>
+              <a:t>chr</a:t>
+            </a:r>
+            <a:r>
+              <a:rPr lang="en-US" altLang="zh-CN" sz="2000" dirty="0">
+                <a:latin typeface="Consolas" panose="020B0609020204030204" pitchFamily="49" charset="0"/>
+              </a:rPr>
+              <a:t> = </a:t>
+            </a:r>
+            <a:r>
+              <a:rPr lang="en-US" altLang="zh-CN" sz="2000" dirty="0" err="1">
                 <a:latin typeface="Consolas" panose="020B0609020204030204" pitchFamily="49" charset="0"/>
               </a:rPr>
               <a:t>chrdev</a:t>
             </a:r>
             <a:r>
-              <a:rPr lang="en-US" altLang="zh-CN" sz="1400" dirty="0">
-                <a:latin typeface="Consolas" panose="020B0609020204030204" pitchFamily="49" charset="0"/>
-              </a:rPr>
-              <a:t>::Registration&lt;2&gt;&gt;&gt;,</a:t>
-            </a:r>
-          </a:p>
-          <a:p>
-            <a:r>
-              <a:rPr lang="en-US" altLang="zh-CN" sz="1400" dirty="0">
+              <a:rPr lang="en-US" altLang="zh-CN" sz="2000" dirty="0">
+                <a:latin typeface="Consolas" panose="020B0609020204030204" pitchFamily="49" charset="0"/>
+              </a:rPr>
+              <a:t>::Reg::</a:t>
+            </a:r>
+          </a:p>
+          <a:p>
+            <a:r>
+              <a:rPr lang="en-US" altLang="zh-CN" sz="2000" dirty="0">
+                <a:latin typeface="Consolas" panose="020B0609020204030204" pitchFamily="49" charset="0"/>
+              </a:rPr>
+              <a:t>        </a:t>
+            </a:r>
+            <a:r>
+              <a:rPr lang="en-US" altLang="zh-CN" sz="2000" dirty="0" err="1">
+                <a:latin typeface="Consolas" panose="020B0609020204030204" pitchFamily="49" charset="0"/>
+              </a:rPr>
+              <a:t>new_pinned</a:t>
+            </a:r>
+            <a:r>
+              <a:rPr lang="en-US" altLang="zh-CN" sz="2000" dirty="0">
+                <a:latin typeface="Consolas" panose="020B0609020204030204" pitchFamily="49" charset="0"/>
+              </a:rPr>
+              <a:t>(……)?;</a:t>
+            </a:r>
+          </a:p>
+          <a:p>
+            <a:r>
+              <a:rPr lang="en-US" altLang="zh-CN" sz="2000" dirty="0">
+                <a:latin typeface="Consolas" panose="020B0609020204030204" pitchFamily="49" charset="0"/>
+              </a:rPr>
+              <a:t>        </a:t>
+            </a:r>
+          </a:p>
+          <a:p>
+            <a:r>
+              <a:rPr lang="en-US" altLang="zh-CN" sz="2000" dirty="0">
+                <a:latin typeface="Consolas" panose="020B0609020204030204" pitchFamily="49" charset="0"/>
+              </a:rPr>
+              <a:t>        </a:t>
+            </a:r>
+            <a:r>
+              <a:rPr lang="en-US" altLang="zh-CN" sz="2000" dirty="0" err="1">
+                <a:latin typeface="Consolas" panose="020B0609020204030204" pitchFamily="49" charset="0"/>
+              </a:rPr>
+              <a:t>chr.as_mut</a:t>
+            </a:r>
+            <a:r>
+              <a:rPr lang="en-US" altLang="zh-CN" sz="2000" dirty="0">
+                <a:latin typeface="Consolas" panose="020B0609020204030204" pitchFamily="49" charset="0"/>
+              </a:rPr>
+              <a:t>().register::&lt;</a:t>
+            </a:r>
+          </a:p>
+          <a:p>
+            <a:r>
+              <a:rPr lang="en-US" altLang="zh-CN" sz="2000" dirty="0">
+                <a:latin typeface="Consolas" panose="020B0609020204030204" pitchFamily="49" charset="0"/>
+              </a:rPr>
+              <a:t>        </a:t>
+            </a:r>
+            <a:r>
+              <a:rPr lang="en-US" altLang="zh-CN" sz="2000" dirty="0" err="1">
+                <a:latin typeface="Consolas" panose="020B0609020204030204" pitchFamily="49" charset="0"/>
+              </a:rPr>
+              <a:t>RustFile</a:t>
+            </a:r>
+            <a:r>
+              <a:rPr lang="en-US" altLang="zh-CN" sz="2000" dirty="0">
+                <a:latin typeface="Consolas" panose="020B0609020204030204" pitchFamily="49" charset="0"/>
+              </a:rPr>
+              <a:t>&gt;()?;</a:t>
+            </a:r>
+            <a:br>
+              <a:rPr lang="en-US" altLang="zh-CN" sz="2000" dirty="0">
+                <a:latin typeface="Consolas" panose="020B0609020204030204" pitchFamily="49" charset="0"/>
+              </a:rPr>
+            </a:br>
+            <a:r>
+              <a:rPr lang="en-US" altLang="zh-CN" sz="2000" dirty="0">
+                <a:latin typeface="Consolas" panose="020B0609020204030204" pitchFamily="49" charset="0"/>
+              </a:rPr>
+              <a:t>        Ok(</a:t>
+            </a:r>
+            <a:r>
+              <a:rPr lang="en-US" altLang="zh-CN" sz="2000" dirty="0" err="1">
+                <a:latin typeface="Consolas" panose="020B0609020204030204" pitchFamily="49" charset="0"/>
+              </a:rPr>
+              <a:t>RustChrdev</a:t>
+            </a:r>
+            <a:r>
+              <a:rPr lang="en-US" altLang="zh-CN" sz="2000" dirty="0">
+                <a:latin typeface="Consolas" panose="020B0609020204030204" pitchFamily="49" charset="0"/>
+              </a:rPr>
+              <a:t> { dev: </a:t>
+            </a:r>
+            <a:r>
+              <a:rPr lang="en-US" altLang="zh-CN" sz="2000" dirty="0" err="1">
+                <a:latin typeface="Consolas" panose="020B0609020204030204" pitchFamily="49" charset="0"/>
+              </a:rPr>
+              <a:t>chr</a:t>
+            </a:r>
+            <a:r>
+              <a:rPr lang="en-US" altLang="zh-CN" sz="2000" dirty="0">
+                <a:latin typeface="Consolas" panose="020B0609020204030204" pitchFamily="49" charset="0"/>
+              </a:rPr>
+              <a:t> })</a:t>
+            </a:r>
+          </a:p>
+          <a:p>
+            <a:r>
+              <a:rPr lang="en-US" altLang="zh-CN" sz="2000" dirty="0">
+                <a:latin typeface="Consolas" panose="020B0609020204030204" pitchFamily="49" charset="0"/>
+              </a:rPr>
+              <a:t>    }</a:t>
+            </a:r>
+          </a:p>
+          <a:p>
+            <a:r>
+              <a:rPr lang="en-US" altLang="zh-CN" sz="2000" dirty="0">
                 <a:latin typeface="Consolas" panose="020B0609020204030204" pitchFamily="49" charset="0"/>
               </a:rPr>
               <a:t>}</a:t>
             </a:r>
           </a:p>
           <a:p>
-            <a:endParaRPr lang="en-US" altLang="zh-CN" sz="1400" dirty="0">
+            <a:endParaRPr lang="en-US" altLang="zh-CN" sz="2000" dirty="0">
               <a:latin typeface="Consolas" panose="020B0609020204030204" pitchFamily="49" charset="0"/>
             </a:endParaRPr>
           </a:p>
           <a:p>
             <a:r>
-              <a:rPr lang="en-US" altLang="zh-CN" sz="1400" dirty="0" err="1">
+              <a:rPr lang="en-US" altLang="zh-CN" sz="2000" dirty="0" err="1">
                 <a:latin typeface="Consolas" panose="020B0609020204030204" pitchFamily="49" charset="0"/>
               </a:rPr>
               <a:t>impl</a:t>
             </a:r>
             <a:r>
-              <a:rPr lang="en-US" altLang="zh-CN" sz="1400" dirty="0">
-                <a:latin typeface="Consolas" panose="020B0609020204030204" pitchFamily="49" charset="0"/>
-              </a:rPr>
-              <a:t> kernel::Module for </a:t>
-            </a:r>
-            <a:r>
-              <a:rPr lang="en-US" altLang="zh-CN" sz="1400" dirty="0" err="1">
+              <a:rPr lang="en-US" altLang="zh-CN" sz="2000" dirty="0">
+                <a:latin typeface="Consolas" panose="020B0609020204030204" pitchFamily="49" charset="0"/>
+              </a:rPr>
+              <a:t> Drop for </a:t>
+            </a:r>
+            <a:r>
+              <a:rPr lang="en-US" altLang="zh-CN" sz="2000" dirty="0" err="1">
                 <a:latin typeface="Consolas" panose="020B0609020204030204" pitchFamily="49" charset="0"/>
               </a:rPr>
               <a:t>RustChrdev</a:t>
             </a:r>
             <a:r>
-              <a:rPr lang="en-US" altLang="zh-CN" sz="1400" dirty="0">
+              <a:rPr lang="en-US" altLang="zh-CN" sz="2000" dirty="0">
                 <a:latin typeface="Consolas" panose="020B0609020204030204" pitchFamily="49" charset="0"/>
               </a:rPr>
               <a:t> {</a:t>
@@ -5844,235 +5619,40 @@
           </a:p>
           <a:p>
             <a:r>
-              <a:rPr lang="en-US" altLang="zh-CN" sz="1400" dirty="0">
+              <a:rPr lang="en-US" altLang="zh-CN" sz="2000" dirty="0">
                 <a:latin typeface="Consolas" panose="020B0609020204030204" pitchFamily="49" charset="0"/>
               </a:rPr>
               <a:t>    </a:t>
             </a:r>
             <a:r>
-              <a:rPr lang="en-US" altLang="zh-CN" sz="1400" dirty="0" err="1">
+              <a:rPr lang="en-US" altLang="zh-CN" sz="2000" dirty="0" err="1">
                 <a:latin typeface="Consolas" panose="020B0609020204030204" pitchFamily="49" charset="0"/>
               </a:rPr>
               <a:t>fn</a:t>
             </a:r>
             <a:r>
-              <a:rPr lang="en-US" altLang="zh-CN" sz="1400" dirty="0">
-                <a:latin typeface="Consolas" panose="020B0609020204030204" pitchFamily="49" charset="0"/>
-              </a:rPr>
-              <a:t> </a:t>
-            </a:r>
-            <a:r>
-              <a:rPr lang="en-US" altLang="zh-CN" sz="1400" dirty="0" err="1">
-                <a:latin typeface="Consolas" panose="020B0609020204030204" pitchFamily="49" charset="0"/>
-              </a:rPr>
-              <a:t>init</a:t>
-            </a:r>
-            <a:r>
-              <a:rPr lang="en-US" altLang="zh-CN" sz="1400" dirty="0">
-                <a:latin typeface="Consolas" panose="020B0609020204030204" pitchFamily="49" charset="0"/>
-              </a:rPr>
-              <a:t>(……) -&gt; Result&lt;Self&gt; {</a:t>
-            </a:r>
-            <a:br>
-              <a:rPr lang="en-US" altLang="zh-CN" sz="1400" dirty="0">
-                <a:latin typeface="Consolas" panose="020B0609020204030204" pitchFamily="49" charset="0"/>
-              </a:rPr>
-            </a:br>
-            <a:r>
-              <a:rPr lang="en-US" altLang="zh-CN" sz="1400" dirty="0">
-                <a:latin typeface="Consolas" panose="020B0609020204030204" pitchFamily="49" charset="0"/>
-              </a:rPr>
-              <a:t>        let mut </a:t>
-            </a:r>
-            <a:r>
-              <a:rPr lang="en-US" altLang="zh-CN" sz="1400" dirty="0" err="1">
-                <a:latin typeface="Consolas" panose="020B0609020204030204" pitchFamily="49" charset="0"/>
-              </a:rPr>
-              <a:t>chr</a:t>
-            </a:r>
-            <a:r>
-              <a:rPr lang="en-US" altLang="zh-CN" sz="1400" dirty="0">
-                <a:latin typeface="Consolas" panose="020B0609020204030204" pitchFamily="49" charset="0"/>
-              </a:rPr>
-              <a:t> = </a:t>
-            </a:r>
-            <a:r>
-              <a:rPr lang="en-US" altLang="zh-CN" sz="1400" dirty="0" err="1">
-                <a:latin typeface="Consolas" panose="020B0609020204030204" pitchFamily="49" charset="0"/>
-              </a:rPr>
-              <a:t>chrdev</a:t>
-            </a:r>
-            <a:r>
-              <a:rPr lang="en-US" altLang="zh-CN" sz="1400" dirty="0">
-                <a:latin typeface="Consolas" panose="020B0609020204030204" pitchFamily="49" charset="0"/>
-              </a:rPr>
-              <a:t>::Registration::</a:t>
-            </a:r>
-            <a:r>
-              <a:rPr lang="en-US" altLang="zh-CN" sz="1400" dirty="0" err="1">
-                <a:latin typeface="Consolas" panose="020B0609020204030204" pitchFamily="49" charset="0"/>
-              </a:rPr>
-              <a:t>new_pinned</a:t>
-            </a:r>
-            <a:r>
-              <a:rPr lang="en-US" altLang="zh-CN" sz="1400" dirty="0">
-                <a:latin typeface="Consolas" panose="020B0609020204030204" pitchFamily="49" charset="0"/>
-              </a:rPr>
-              <a:t>(……)?;</a:t>
-            </a:r>
-          </a:p>
-          <a:p>
-            <a:r>
-              <a:rPr lang="en-US" altLang="zh-CN" sz="1400" dirty="0">
-                <a:latin typeface="Consolas" panose="020B0609020204030204" pitchFamily="49" charset="0"/>
-              </a:rPr>
-              <a:t>        </a:t>
-            </a:r>
-            <a:r>
-              <a:rPr lang="en-US" altLang="zh-CN" sz="1400" dirty="0" err="1">
-                <a:latin typeface="Consolas" panose="020B0609020204030204" pitchFamily="49" charset="0"/>
-              </a:rPr>
-              <a:t>chr.as_mut</a:t>
-            </a:r>
-            <a:r>
-              <a:rPr lang="en-US" altLang="zh-CN" sz="1400" dirty="0">
-                <a:latin typeface="Consolas" panose="020B0609020204030204" pitchFamily="49" charset="0"/>
-              </a:rPr>
-              <a:t>().register::&lt;</a:t>
-            </a:r>
-            <a:r>
-              <a:rPr lang="en-US" altLang="zh-CN" sz="1400" dirty="0" err="1">
-                <a:latin typeface="Consolas" panose="020B0609020204030204" pitchFamily="49" charset="0"/>
-              </a:rPr>
-              <a:t>RustFile</a:t>
-            </a:r>
-            <a:r>
-              <a:rPr lang="en-US" altLang="zh-CN" sz="1400" dirty="0">
-                <a:latin typeface="Consolas" panose="020B0609020204030204" pitchFamily="49" charset="0"/>
-              </a:rPr>
-              <a:t>&gt;()?;</a:t>
-            </a:r>
-          </a:p>
-          <a:p>
-            <a:br>
-              <a:rPr lang="en-US" altLang="zh-CN" sz="1400" dirty="0">
-                <a:latin typeface="Consolas" panose="020B0609020204030204" pitchFamily="49" charset="0"/>
-              </a:rPr>
-            </a:br>
-            <a:r>
-              <a:rPr lang="en-US" altLang="zh-CN" sz="1400" dirty="0">
-                <a:latin typeface="Consolas" panose="020B0609020204030204" pitchFamily="49" charset="0"/>
-              </a:rPr>
-              <a:t>        Ok(</a:t>
-            </a:r>
-            <a:r>
-              <a:rPr lang="en-US" altLang="zh-CN" sz="1400" dirty="0" err="1">
-                <a:latin typeface="Consolas" panose="020B0609020204030204" pitchFamily="49" charset="0"/>
-              </a:rPr>
-              <a:t>RustChrdev</a:t>
-            </a:r>
-            <a:r>
-              <a:rPr lang="en-US" altLang="zh-CN" sz="1400" dirty="0">
-                <a:latin typeface="Consolas" panose="020B0609020204030204" pitchFamily="49" charset="0"/>
-              </a:rPr>
-              <a:t> { _dev: </a:t>
-            </a:r>
-            <a:r>
-              <a:rPr lang="en-US" altLang="zh-CN" sz="1400" dirty="0" err="1">
-                <a:latin typeface="Consolas" panose="020B0609020204030204" pitchFamily="49" charset="0"/>
-              </a:rPr>
-              <a:t>chr</a:t>
-            </a:r>
-            <a:r>
-              <a:rPr lang="en-US" altLang="zh-CN" sz="1400" dirty="0">
-                <a:latin typeface="Consolas" panose="020B0609020204030204" pitchFamily="49" charset="0"/>
-              </a:rPr>
-              <a:t> })</a:t>
-            </a:r>
-          </a:p>
-          <a:p>
-            <a:r>
-              <a:rPr lang="en-US" altLang="zh-CN" sz="1400" dirty="0">
-                <a:latin typeface="Consolas" panose="020B0609020204030204" pitchFamily="49" charset="0"/>
-              </a:rPr>
-              <a:t>    }</a:t>
-            </a:r>
-          </a:p>
-          <a:p>
-            <a:r>
-              <a:rPr lang="en-US" altLang="zh-CN" sz="1400" dirty="0">
+              <a:rPr lang="en-US" altLang="zh-CN" sz="2000" dirty="0">
+                <a:latin typeface="Consolas" panose="020B0609020204030204" pitchFamily="49" charset="0"/>
+              </a:rPr>
+              <a:t> drop(&amp;mut self) {……}</a:t>
+            </a:r>
+          </a:p>
+          <a:p>
+            <a:r>
+              <a:rPr lang="en-US" altLang="zh-CN" sz="2000" dirty="0">
                 <a:latin typeface="Consolas" panose="020B0609020204030204" pitchFamily="49" charset="0"/>
               </a:rPr>
               <a:t>}</a:t>
             </a:r>
           </a:p>
-          <a:p>
-            <a:endParaRPr lang="en-US" altLang="zh-CN" sz="1400" dirty="0">
-              <a:latin typeface="Consolas" panose="020B0609020204030204" pitchFamily="49" charset="0"/>
-            </a:endParaRPr>
-          </a:p>
-          <a:p>
-            <a:r>
-              <a:rPr lang="en-US" altLang="zh-CN" sz="1400" dirty="0" err="1">
-                <a:latin typeface="Consolas" panose="020B0609020204030204" pitchFamily="49" charset="0"/>
-              </a:rPr>
-              <a:t>impl</a:t>
-            </a:r>
-            <a:r>
-              <a:rPr lang="en-US" altLang="zh-CN" sz="1400" dirty="0">
-                <a:latin typeface="Consolas" panose="020B0609020204030204" pitchFamily="49" charset="0"/>
-              </a:rPr>
-              <a:t> Drop for </a:t>
-            </a:r>
-            <a:r>
-              <a:rPr lang="en-US" altLang="zh-CN" sz="1400" dirty="0" err="1">
-                <a:latin typeface="Consolas" panose="020B0609020204030204" pitchFamily="49" charset="0"/>
-              </a:rPr>
-              <a:t>RustChrdev</a:t>
-            </a:r>
-            <a:r>
-              <a:rPr lang="en-US" altLang="zh-CN" sz="1400" dirty="0">
-                <a:latin typeface="Consolas" panose="020B0609020204030204" pitchFamily="49" charset="0"/>
-              </a:rPr>
-              <a:t> {</a:t>
-            </a:r>
-          </a:p>
-          <a:p>
-            <a:r>
-              <a:rPr lang="en-US" altLang="zh-CN" sz="1400" dirty="0">
-                <a:latin typeface="Consolas" panose="020B0609020204030204" pitchFamily="49" charset="0"/>
-              </a:rPr>
-              <a:t>    </a:t>
-            </a:r>
-            <a:r>
-              <a:rPr lang="en-US" altLang="zh-CN" sz="1400" dirty="0" err="1">
-                <a:latin typeface="Consolas" panose="020B0609020204030204" pitchFamily="49" charset="0"/>
-              </a:rPr>
-              <a:t>fn</a:t>
-            </a:r>
-            <a:r>
-              <a:rPr lang="en-US" altLang="zh-CN" sz="1400" dirty="0">
-                <a:latin typeface="Consolas" panose="020B0609020204030204" pitchFamily="49" charset="0"/>
-              </a:rPr>
-              <a:t> drop(&amp;mut self) {……}</a:t>
-            </a:r>
-          </a:p>
-          <a:p>
-            <a:r>
-              <a:rPr lang="en-US" altLang="zh-CN" sz="1400" dirty="0">
-                <a:latin typeface="Consolas" panose="020B0609020204030204" pitchFamily="49" charset="0"/>
-              </a:rPr>
-              <a:t>}</a:t>
-            </a:r>
-          </a:p>
-        </p:txBody>
-      </p:sp>
-      <p:sp>
-        <p:nvSpPr>
-          <p:cNvPr id="35" name="文本框 34">
+        </p:txBody>
+      </p:sp>
+      <p:sp>
+        <p:nvSpPr>
+          <p:cNvPr id="32" name="文本框 31">
             <a:extLst>
               <a:ext uri="{FF2B5EF4-FFF2-40B4-BE49-F238E27FC236}">
-                <a16:creationId xmlns:a16="http://schemas.microsoft.com/office/drawing/2014/main" id="{F922B994-06EC-462F-B68A-78A5B17E6EA7}"/>
+                <a16:creationId xmlns:a16="http://schemas.microsoft.com/office/drawing/2014/main" id="{F7756EF6-36E2-4C89-B314-D64ADBB14360}"/>
               </a:ext>
             </a:extLst>
           </p:cNvPr>
@@ -6081,8 +5661,8 @@
         </p:nvSpPr>
         <p:spPr>
           <a:xfrm>
-            <a:off x="7678026" y="5610089"/>
-            <a:ext cx="2170584" cy="369332"/>
+            <a:off x="22219971" y="11137151"/>
+            <a:ext cx="2170584" cy="461665"/>
           </a:xfrm>
           <a:prstGeom prst="rect">
             <a:avLst/>
@@ -6096,7 +5676,7 @@
           <a:lstStyle/>
           <a:p>
             <a:r>
-              <a:rPr lang="en-US" altLang="zh-CN" sz="1800" b="1" dirty="0">
+              <a:rPr lang="en-US" altLang="zh-CN" sz="2400" b="1" dirty="0">
                 <a:solidFill>
                   <a:srgbClr val="3B3B3B"/>
                 </a:solidFill>
@@ -6109,10 +5689,10 @@
       </p:sp>
       <p:sp>
         <p:nvSpPr>
-          <p:cNvPr id="36" name="文本框 35">
+          <p:cNvPr id="33" name="文本框 32">
             <a:extLst>
               <a:ext uri="{FF2B5EF4-FFF2-40B4-BE49-F238E27FC236}">
-                <a16:creationId xmlns:a16="http://schemas.microsoft.com/office/drawing/2014/main" id="{60BF55EC-580D-4F22-AB9D-B292EE39967E}"/>
+                <a16:creationId xmlns:a16="http://schemas.microsoft.com/office/drawing/2014/main" id="{4FE71C40-B7FE-432A-B300-1413D2224D63}"/>
               </a:ext>
             </a:extLst>
           </p:cNvPr>
@@ -6121,8 +5701,8 @@
         </p:nvSpPr>
         <p:spPr>
           <a:xfrm>
-            <a:off x="1120957" y="5561962"/>
-            <a:ext cx="2170584" cy="369332"/>
+            <a:off x="15731735" y="11051472"/>
+            <a:ext cx="1194750" cy="461665"/>
           </a:xfrm>
           <a:prstGeom prst="rect">
             <a:avLst/>
@@ -6136,32 +5716,23 @@
           <a:lstStyle/>
           <a:p>
             <a:r>
-              <a:rPr lang="en-US" altLang="zh-CN" b="1" dirty="0">
+              <a:rPr lang="en-US" altLang="zh-CN" sz="2400" b="1" dirty="0">
                 <a:solidFill>
                   <a:srgbClr val="C00000"/>
                 </a:solidFill>
                 <a:latin typeface="Consolas" panose="020B0609020204030204" pitchFamily="49" charset="0"/>
               </a:rPr>
-              <a:t>U</a:t>
-            </a:r>
-            <a:r>
-              <a:rPr lang="en-US" altLang="zh-CN" sz="1800" b="1" dirty="0">
-                <a:solidFill>
-                  <a:srgbClr val="C00000"/>
-                </a:solidFill>
-                <a:latin typeface="Consolas" panose="020B0609020204030204" pitchFamily="49" charset="0"/>
-              </a:rPr>
-              <a:t>nsafe</a:t>
+              <a:t>Unsafe</a:t>
             </a:r>
           </a:p>
         </p:txBody>
       </p:sp>
       <p:pic>
         <p:nvPicPr>
-          <p:cNvPr id="37" name="图片 36">
+          <p:cNvPr id="34" name="图片 33">
             <a:extLst>
               <a:ext uri="{FF2B5EF4-FFF2-40B4-BE49-F238E27FC236}">
-                <a16:creationId xmlns:a16="http://schemas.microsoft.com/office/drawing/2014/main" id="{2D63511C-93F9-44BB-A43A-B14330EB1D22}"/>
+                <a16:creationId xmlns:a16="http://schemas.microsoft.com/office/drawing/2014/main" id="{088D621D-4DB0-4780-8FD6-ECCFA21B0102}"/>
               </a:ext>
             </a:extLst>
           </p:cNvPr>
@@ -6184,7 +5755,7 @@
         </p:blipFill>
         <p:spPr>
           <a:xfrm>
-            <a:off x="7920276" y="2457599"/>
+            <a:off x="22652276" y="8007499"/>
             <a:ext cx="744910" cy="886962"/>
           </a:xfrm>
           <a:prstGeom prst="rect">
@@ -6194,10 +5765,10 @@
       </p:pic>
       <p:sp>
         <p:nvSpPr>
-          <p:cNvPr id="38" name="箭头: 右 37">
+          <p:cNvPr id="35" name="箭头: 右 34">
             <a:extLst>
               <a:ext uri="{FF2B5EF4-FFF2-40B4-BE49-F238E27FC236}">
-                <a16:creationId xmlns:a16="http://schemas.microsoft.com/office/drawing/2014/main" id="{282C6679-945E-4ABE-938C-F73A2A7047A2}"/>
+                <a16:creationId xmlns:a16="http://schemas.microsoft.com/office/drawing/2014/main" id="{3A4D7126-0AB7-4BB7-A7AF-B46EB4A5C002}"/>
               </a:ext>
             </a:extLst>
           </p:cNvPr>
@@ -6206,8 +5777,8 @@
         </p:nvSpPr>
         <p:spPr>
           <a:xfrm>
-            <a:off x="-6781590" y="-697685"/>
-            <a:ext cx="854595" cy="418795"/>
+            <a:off x="6985214" y="4852215"/>
+            <a:ext cx="1819792" cy="418795"/>
           </a:xfrm>
           <a:prstGeom prst="rightArrow">
             <a:avLst>
@@ -6251,10 +5822,10 @@
       </p:sp>
       <p:sp>
         <p:nvSpPr>
-          <p:cNvPr id="39" name="箭头: 右 38">
+          <p:cNvPr id="36" name="箭头: 右 35">
             <a:extLst>
               <a:ext uri="{FF2B5EF4-FFF2-40B4-BE49-F238E27FC236}">
-                <a16:creationId xmlns:a16="http://schemas.microsoft.com/office/drawing/2014/main" id="{C9150C07-A285-48CF-BC1F-0950DA0F438E}"/>
+                <a16:creationId xmlns:a16="http://schemas.microsoft.com/office/drawing/2014/main" id="{7CFCD058-F87B-4043-B569-91C66B70139F}"/>
               </a:ext>
             </a:extLst>
           </p:cNvPr>
@@ -6263,8 +5834,8 @@
         </p:nvSpPr>
         <p:spPr>
           <a:xfrm>
-            <a:off x="-6766571" y="724599"/>
-            <a:ext cx="854595" cy="418795"/>
+            <a:off x="6962859" y="6434724"/>
+            <a:ext cx="1834811" cy="418795"/>
           </a:xfrm>
           <a:prstGeom prst="rightArrow">
             <a:avLst>
@@ -6308,10 +5879,10 @@
       </p:sp>
       <p:sp>
         <p:nvSpPr>
-          <p:cNvPr id="40" name="文本框 39">
+          <p:cNvPr id="37" name="文本框 36">
             <a:extLst>
               <a:ext uri="{FF2B5EF4-FFF2-40B4-BE49-F238E27FC236}">
-                <a16:creationId xmlns:a16="http://schemas.microsoft.com/office/drawing/2014/main" id="{AF3BBD4C-B535-48E9-96C3-0EEF7BA5998B}"/>
+                <a16:creationId xmlns:a16="http://schemas.microsoft.com/office/drawing/2014/main" id="{B2199F14-B639-4FF7-B7F1-E38BAC9ECB57}"/>
               </a:ext>
             </a:extLst>
           </p:cNvPr>
@@ -6320,8 +5891,8 @@
         </p:nvSpPr>
         <p:spPr>
           <a:xfrm>
-            <a:off x="-7757328" y="-736622"/>
-            <a:ext cx="953240" cy="646331"/>
+            <a:off x="6818899" y="4414989"/>
+            <a:ext cx="2022525" cy="461665"/>
           </a:xfrm>
           <a:prstGeom prst="rect">
             <a:avLst/>
@@ -6336,35 +5907,23 @@
           <a:p>
             <a:pPr algn="ctr"/>
             <a:r>
-              <a:rPr lang="en-US" altLang="zh-CN" sz="1800" dirty="0">
+              <a:rPr lang="en-US" altLang="zh-CN" sz="2400" dirty="0">
                 <a:solidFill>
                   <a:srgbClr val="3B3B3B"/>
                 </a:solidFill>
                 <a:latin typeface="Consolas" panose="020B0609020204030204" pitchFamily="49" charset="0"/>
               </a:rPr>
-              <a:t>RFL </a:t>
-            </a:r>
-          </a:p>
-          <a:p>
-            <a:pPr algn="ctr"/>
-            <a:r>
-              <a:rPr lang="en-US" altLang="zh-CN" sz="1800" dirty="0">
-                <a:solidFill>
-                  <a:srgbClr val="3B3B3B"/>
-                </a:solidFill>
-                <a:latin typeface="Consolas" panose="020B0609020204030204" pitchFamily="49" charset="0"/>
-              </a:rPr>
-              <a:t>modify</a:t>
-            </a:r>
-          </a:p>
-        </p:txBody>
-      </p:sp>
-      <p:sp>
-        <p:nvSpPr>
-          <p:cNvPr id="41" name="文本框 220">
+              <a:t>RFL modify</a:t>
+            </a:r>
+          </a:p>
+        </p:txBody>
+      </p:sp>
+      <p:sp>
+        <p:nvSpPr>
+          <p:cNvPr id="38" name="文本框 220">
             <a:extLst>
               <a:ext uri="{FF2B5EF4-FFF2-40B4-BE49-F238E27FC236}">
-                <a16:creationId xmlns:a16="http://schemas.microsoft.com/office/drawing/2014/main" id="{311CDFDE-B3B4-43A5-ACC8-5B419F3BAEF0}"/>
+                <a16:creationId xmlns:a16="http://schemas.microsoft.com/office/drawing/2014/main" id="{DBB75DDF-1CF5-4120-A1B2-728224B51648}"/>
               </a:ext>
             </a:extLst>
           </p:cNvPr>
@@ -6373,8 +5932,8 @@
         </p:nvSpPr>
         <p:spPr>
           <a:xfrm>
-            <a:off x="-8110325" y="693001"/>
-            <a:ext cx="1425328" cy="646331"/>
+            <a:off x="6717265" y="6031071"/>
+            <a:ext cx="2428163" cy="461665"/>
           </a:xfrm>
           <a:prstGeom prst="rect">
             <a:avLst/>
@@ -6483,35 +6042,23 @@
           <a:p>
             <a:pPr algn="ctr"/>
             <a:r>
-              <a:rPr lang="en-US" altLang="zh-CN" sz="1800" dirty="0">
+              <a:rPr lang="en-US" altLang="zh-CN" sz="2400" dirty="0">
                 <a:solidFill>
                   <a:srgbClr val="3B3B3B"/>
                 </a:solidFill>
                 <a:latin typeface="Consolas" panose="020B0609020204030204" pitchFamily="49" charset="0"/>
               </a:rPr>
-              <a:t>Use</a:t>
-            </a:r>
-          </a:p>
-          <a:p>
-            <a:pPr algn="ctr"/>
-            <a:r>
-              <a:rPr lang="en-US" altLang="zh-CN" sz="1800" dirty="0">
-                <a:solidFill>
-                  <a:srgbClr val="3B3B3B"/>
-                </a:solidFill>
-                <a:latin typeface="Consolas" panose="020B0609020204030204" pitchFamily="49" charset="0"/>
-              </a:rPr>
-              <a:t>Directly</a:t>
-            </a:r>
-          </a:p>
-        </p:txBody>
-      </p:sp>
-      <p:sp>
-        <p:nvSpPr>
-          <p:cNvPr id="42" name="矩形 41">
+              <a:t>Use Directly</a:t>
+            </a:r>
+          </a:p>
+        </p:txBody>
+      </p:sp>
+      <p:sp>
+        <p:nvSpPr>
+          <p:cNvPr id="39" name="矩形 38">
             <a:extLst>
               <a:ext uri="{FF2B5EF4-FFF2-40B4-BE49-F238E27FC236}">
-                <a16:creationId xmlns:a16="http://schemas.microsoft.com/office/drawing/2014/main" id="{3A70C44C-C091-4A4F-8F31-455CF54D8A01}"/>
+                <a16:creationId xmlns:a16="http://schemas.microsoft.com/office/drawing/2014/main" id="{DEE2174F-8D18-43A3-9F1A-00B5236A4EE0}"/>
               </a:ext>
             </a:extLst>
           </p:cNvPr>
@@ -6520,7 +6067,7 @@
         </p:nvSpPr>
         <p:spPr>
           <a:xfrm>
-            <a:off x="-5686620" y="-1165595"/>
+            <a:off x="9045380" y="4384305"/>
             <a:ext cx="6481371" cy="1386948"/>
           </a:xfrm>
           <a:prstGeom prst="rect">
@@ -6568,10 +6115,10 @@
       </p:sp>
       <p:grpSp>
         <p:nvGrpSpPr>
-          <p:cNvPr id="43" name="组合 42">
+          <p:cNvPr id="40" name="组合 39">
             <a:extLst>
               <a:ext uri="{FF2B5EF4-FFF2-40B4-BE49-F238E27FC236}">
-                <a16:creationId xmlns:a16="http://schemas.microsoft.com/office/drawing/2014/main" id="{6A5D5D9D-5A4F-49EA-B7AC-6DE4E29E65C8}"/>
+                <a16:creationId xmlns:a16="http://schemas.microsoft.com/office/drawing/2014/main" id="{B7243C91-D781-46A5-A2A4-4D0700D8EA37}"/>
               </a:ext>
             </a:extLst>
           </p:cNvPr>
@@ -6580,19 +6127,19 @@
         </p:nvGrpSpPr>
         <p:grpSpPr>
           <a:xfrm>
-            <a:off x="-5723806" y="-1148745"/>
-            <a:ext cx="7049779" cy="1387678"/>
+            <a:off x="9008194" y="4401155"/>
+            <a:ext cx="7049916" cy="1357618"/>
             <a:chOff x="-5723806" y="-1148745"/>
-            <a:chExt cx="7049779" cy="1387678"/>
+            <a:chExt cx="7049916" cy="1357618"/>
           </a:xfrm>
         </p:grpSpPr>
         <p:sp>
           <p:nvSpPr>
-            <p:cNvPr id="44" name="动作按钮: 文档 43">
+            <p:cNvPr id="41" name="动作按钮: 文档 40">
               <a:hlinkClick r:id="" action="ppaction://noaction" highlightClick="1"/>
               <a:extLst>
                 <a:ext uri="{FF2B5EF4-FFF2-40B4-BE49-F238E27FC236}">
-                  <a16:creationId xmlns:a16="http://schemas.microsoft.com/office/drawing/2014/main" id="{F1492A9C-8487-4D9B-8E81-E347BEE6A4D7}"/>
+                  <a16:creationId xmlns:a16="http://schemas.microsoft.com/office/drawing/2014/main" id="{A31C26C3-7B4E-41AE-96F3-15CF29ABE16B}"/>
                 </a:ext>
               </a:extLst>
             </p:cNvPr>
@@ -6655,10 +6202,10 @@
         </p:sp>
         <p:sp>
           <p:nvSpPr>
-            <p:cNvPr id="45" name="文本框 44">
+            <p:cNvPr id="42" name="文本框 41">
               <a:extLst>
                 <a:ext uri="{FF2B5EF4-FFF2-40B4-BE49-F238E27FC236}">
-                  <a16:creationId xmlns:a16="http://schemas.microsoft.com/office/drawing/2014/main" id="{BB734F4D-75F3-4EC3-AB7F-6448A87F7012}"/>
+                  <a16:creationId xmlns:a16="http://schemas.microsoft.com/office/drawing/2014/main" id="{230E482E-A434-4355-982E-A2CC7FF5830D}"/>
                 </a:ext>
               </a:extLst>
             </p:cNvPr>
@@ -6668,7 +6215,7 @@
           <p:spPr>
             <a:xfrm>
               <a:off x="-5723806" y="-284283"/>
-              <a:ext cx="2170584" cy="369332"/>
+              <a:ext cx="2170584" cy="461665"/>
             </a:xfrm>
             <a:prstGeom prst="rect">
               <a:avLst/>
@@ -6682,7 +6229,7 @@
             <a:lstStyle/>
             <a:p>
               <a:r>
-                <a:rPr lang="en-US" altLang="zh-CN" sz="1800" dirty="0" err="1">
+                <a:rPr lang="en-US" altLang="zh-CN" sz="2400" b="1" dirty="0" err="1">
                   <a:solidFill>
                     <a:srgbClr val="3B3B3B"/>
                   </a:solidFill>
@@ -6691,7 +6238,7 @@
                 <a:t>alloc</a:t>
               </a:r>
               <a:r>
-                <a:rPr lang="en-US" altLang="zh-CN" sz="1800" dirty="0">
+                <a:rPr lang="en-US" altLang="zh-CN" sz="2400" b="1" dirty="0">
                   <a:solidFill>
                     <a:srgbClr val="3B3B3B"/>
                   </a:solidFill>
@@ -6704,10 +6251,10 @@
         </p:sp>
         <p:sp>
           <p:nvSpPr>
-            <p:cNvPr id="46" name="文本框 45">
+            <p:cNvPr id="43" name="文本框 42">
               <a:extLst>
                 <a:ext uri="{FF2B5EF4-FFF2-40B4-BE49-F238E27FC236}">
-                  <a16:creationId xmlns:a16="http://schemas.microsoft.com/office/drawing/2014/main" id="{866CAB18-0FC3-4657-8376-C0DD346A47BB}"/>
+                  <a16:creationId xmlns:a16="http://schemas.microsoft.com/office/drawing/2014/main" id="{4B33B109-E48A-49B5-A9A3-4BA7A94077A1}"/>
                 </a:ext>
               </a:extLst>
             </p:cNvPr>
@@ -6716,8 +6263,8 @@
           </p:nvSpPr>
           <p:spPr>
             <a:xfrm>
-              <a:off x="-4162916" y="-715174"/>
-              <a:ext cx="5488889" cy="954107"/>
+              <a:off x="-4162779" y="-806790"/>
+              <a:ext cx="5488889" cy="1015663"/>
             </a:xfrm>
             <a:prstGeom prst="rect">
               <a:avLst/>
@@ -6731,58 +6278,64 @@
             <a:lstStyle/>
             <a:p>
               <a:r>
-                <a:rPr lang="en-US" altLang="zh-CN" sz="1400" b="0" dirty="0">
+                <a:rPr lang="en-US" altLang="zh-CN" sz="2000" b="0" dirty="0">
                   <a:effectLst/>
                   <a:latin typeface="Consolas" panose="020B0609020204030204" pitchFamily="49" charset="0"/>
                 </a:rPr>
-                <a:t>pub struct </a:t>
+                <a:t>    struct </a:t>
               </a:r>
               <a:r>
-                <a:rPr lang="en-US" altLang="zh-CN" sz="1400" b="0" dirty="0" err="1">
+                <a:rPr lang="en-US" altLang="zh-CN" sz="2000" b="0" dirty="0" err="1">
                   <a:effectLst/>
                   <a:latin typeface="Consolas" panose="020B0609020204030204" pitchFamily="49" charset="0"/>
                 </a:rPr>
                 <a:t>Vec</a:t>
               </a:r>
               <a:r>
-                <a:rPr lang="en-US" altLang="zh-CN" sz="1400" b="0" dirty="0">
+                <a:rPr lang="en-US" altLang="zh-CN" sz="2000" b="0" dirty="0">
                   <a:effectLst/>
                   <a:latin typeface="Consolas" panose="020B0609020204030204" pitchFamily="49" charset="0"/>
                 </a:rPr>
-                <a:t>&lt;T, A: Allocator = Global&gt; {</a:t>
+                <a:t>&lt;T, A&gt; {</a:t>
               </a:r>
             </a:p>
             <a:p>
               <a:r>
-                <a:rPr lang="en-US" altLang="zh-CN" sz="1400" b="0" dirty="0">
+                <a:rPr lang="en-US" altLang="zh-CN" sz="2000" b="0" dirty="0">
                   <a:effectLst/>
                   <a:latin typeface="Consolas" panose="020B0609020204030204" pitchFamily="49" charset="0"/>
                 </a:rPr>
                 <a:t>    </a:t>
               </a:r>
               <a:r>
-                <a:rPr lang="en-US" altLang="zh-CN" sz="1400" b="0" dirty="0" err="1">
+                <a:rPr lang="en-US" altLang="zh-CN" sz="2000" dirty="0">
+                  <a:latin typeface="Consolas" panose="020B0609020204030204" pitchFamily="49" charset="0"/>
+                </a:rPr>
+                <a:t>       </a:t>
+              </a:r>
+              <a:r>
+                <a:rPr lang="en-US" altLang="zh-CN" sz="2000" b="0" dirty="0" err="1">
                   <a:effectLst/>
                   <a:latin typeface="Consolas" panose="020B0609020204030204" pitchFamily="49" charset="0"/>
                 </a:rPr>
                 <a:t>buf</a:t>
               </a:r>
               <a:r>
-                <a:rPr lang="en-US" altLang="zh-CN" sz="1400" b="0" dirty="0">
+                <a:rPr lang="en-US" altLang="zh-CN" sz="2000" b="0" dirty="0">
                   <a:effectLst/>
                   <a:latin typeface="Consolas" panose="020B0609020204030204" pitchFamily="49" charset="0"/>
                 </a:rPr>
                 <a:t>: </a:t>
               </a:r>
               <a:r>
-                <a:rPr lang="en-US" altLang="zh-CN" sz="1400" b="0" dirty="0" err="1">
+                <a:rPr lang="en-US" altLang="zh-CN" sz="2000" b="0" dirty="0" err="1">
                   <a:effectLst/>
                   <a:latin typeface="Consolas" panose="020B0609020204030204" pitchFamily="49" charset="0"/>
                 </a:rPr>
                 <a:t>RawVec</a:t>
               </a:r>
               <a:r>
-                <a:rPr lang="en-US" altLang="zh-CN" sz="1400" b="0" dirty="0">
+                <a:rPr lang="en-US" altLang="zh-CN" sz="2000" b="0" dirty="0">
                   <a:effectLst/>
                   <a:latin typeface="Consolas" panose="020B0609020204030204" pitchFamily="49" charset="0"/>
                 </a:rPr>
@@ -6791,58 +6344,49 @@
             </a:p>
             <a:p>
               <a:r>
-                <a:rPr lang="en-US" altLang="zh-CN" sz="1400" b="0" dirty="0">
+                <a:rPr lang="en-US" altLang="zh-CN" sz="2000" b="0" dirty="0">
                   <a:effectLst/>
                   <a:latin typeface="Consolas" panose="020B0609020204030204" pitchFamily="49" charset="0"/>
                 </a:rPr>
-                <a:t>    </a:t>
+                <a:t>           </a:t>
               </a:r>
               <a:r>
-                <a:rPr lang="en-US" altLang="zh-CN" sz="1400" b="0" dirty="0" err="1">
+                <a:rPr lang="en-US" altLang="zh-CN" sz="2000" b="0" dirty="0" err="1">
                   <a:effectLst/>
                   <a:latin typeface="Consolas" panose="020B0609020204030204" pitchFamily="49" charset="0"/>
                 </a:rPr>
                 <a:t>len</a:t>
               </a:r>
               <a:r>
-                <a:rPr lang="en-US" altLang="zh-CN" sz="1400" b="0" dirty="0">
+                <a:rPr lang="en-US" altLang="zh-CN" sz="2000" b="0" dirty="0">
                   <a:effectLst/>
                   <a:latin typeface="Consolas" panose="020B0609020204030204" pitchFamily="49" charset="0"/>
                 </a:rPr>
                 <a:t>: </a:t>
               </a:r>
               <a:r>
-                <a:rPr lang="en-US" altLang="zh-CN" sz="1400" b="0" dirty="0" err="1">
+                <a:rPr lang="en-US" altLang="zh-CN" sz="2000" b="0" dirty="0" err="1">
                   <a:effectLst/>
                   <a:latin typeface="Consolas" panose="020B0609020204030204" pitchFamily="49" charset="0"/>
                 </a:rPr>
                 <a:t>usize</a:t>
               </a:r>
               <a:r>
-                <a:rPr lang="en-US" altLang="zh-CN" sz="1400" b="0" dirty="0">
+                <a:rPr lang="en-US" altLang="zh-CN" sz="2000" b="0" dirty="0">
                   <a:effectLst/>
                   <a:latin typeface="Consolas" panose="020B0609020204030204" pitchFamily="49" charset="0"/>
                 </a:rPr>
-                <a:t>,</a:t>
-              </a:r>
-            </a:p>
-            <a:p>
-              <a:r>
-                <a:rPr lang="en-US" altLang="zh-CN" sz="1400" b="0" dirty="0">
-                  <a:effectLst/>
-                  <a:latin typeface="Consolas" panose="020B0609020204030204" pitchFamily="49" charset="0"/>
-                </a:rPr>
-                <a:t>}</a:t>
+                <a:t>, }</a:t>
               </a:r>
             </a:p>
           </p:txBody>
         </p:sp>
         <p:sp>
           <p:nvSpPr>
-            <p:cNvPr id="47" name="文本框 46">
+            <p:cNvPr id="44" name="文本框 43">
               <a:extLst>
                 <a:ext uri="{FF2B5EF4-FFF2-40B4-BE49-F238E27FC236}">
-                  <a16:creationId xmlns:a16="http://schemas.microsoft.com/office/drawing/2014/main" id="{D42B5483-13A2-4860-8900-6FB7F73CCDA2}"/>
+                  <a16:creationId xmlns:a16="http://schemas.microsoft.com/office/drawing/2014/main" id="{B496EC36-C448-4B43-99F8-CBD8BA484E3A}"/>
                 </a:ext>
               </a:extLst>
             </p:cNvPr>
@@ -6852,7 +6396,7 @@
           <p:spPr>
             <a:xfrm>
               <a:off x="-4172728" y="-1148745"/>
-              <a:ext cx="4904317" cy="523220"/>
+              <a:ext cx="5119875" cy="400110"/>
             </a:xfrm>
             <a:prstGeom prst="rect">
               <a:avLst/>
@@ -6866,22 +6410,26 @@
             <a:lstStyle/>
             <a:p>
               <a:r>
-                <a:rPr lang="en-US" altLang="zh-CN" sz="1400" b="0" dirty="0">
+                <a:rPr lang="en-US" altLang="zh-CN" sz="2000" dirty="0">
+                  <a:latin typeface="Consolas" panose="020B0609020204030204" pitchFamily="49" charset="0"/>
+                </a:rPr>
+                <a:t>    </a:t>
+              </a:r>
+              <a:r>
+                <a:rPr lang="en-US" altLang="zh-CN" sz="2000" b="0" dirty="0">
                   <a:effectLst/>
                   <a:latin typeface="Consolas" panose="020B0609020204030204" pitchFamily="49" charset="0"/>
                 </a:rPr>
-                <a:t>pub struct Box&lt;T: ?Sized, A: Allocator = Global,</a:t>
+                <a:t>struct Box&lt;T, A</a:t>
               </a:r>
-            </a:p>
-            <a:p>
               <a:r>
-                <a:rPr lang="en-US" altLang="zh-CN" sz="1400" dirty="0">
+                <a:rPr lang="en-US" altLang="zh-CN" sz="2000" dirty="0">
                   <a:latin typeface="Consolas" panose="020B0609020204030204" pitchFamily="49" charset="0"/>
                 </a:rPr>
                 <a:t>&gt;</a:t>
               </a:r>
               <a:r>
-                <a:rPr lang="en-US" altLang="zh-CN" sz="1400" b="0" dirty="0">
+                <a:rPr lang="en-US" altLang="zh-CN" sz="2000" b="0" dirty="0">
                   <a:effectLst/>
                   <a:latin typeface="Consolas" panose="020B0609020204030204" pitchFamily="49" charset="0"/>
                 </a:rPr>
@@ -6893,10 +6441,10 @@
       </p:grpSp>
       <p:sp>
         <p:nvSpPr>
-          <p:cNvPr id="48" name="矩形 47">
+          <p:cNvPr id="45" name="矩形 44">
             <a:extLst>
               <a:ext uri="{FF2B5EF4-FFF2-40B4-BE49-F238E27FC236}">
-                <a16:creationId xmlns:a16="http://schemas.microsoft.com/office/drawing/2014/main" id="{102F0176-B68A-4A18-9B39-44ABE296ECDB}"/>
+                <a16:creationId xmlns:a16="http://schemas.microsoft.com/office/drawing/2014/main" id="{64477AE6-5C5C-4CD0-B328-3637085A36A9}"/>
               </a:ext>
             </a:extLst>
           </p:cNvPr>
@@ -6905,7 +6453,7 @@
         </p:nvSpPr>
         <p:spPr>
           <a:xfrm>
-            <a:off x="-5686621" y="295283"/>
+            <a:off x="9045379" y="5845183"/>
             <a:ext cx="6481371" cy="1257419"/>
           </a:xfrm>
           <a:prstGeom prst="rect">
@@ -6953,10 +6501,10 @@
       </p:sp>
       <p:grpSp>
         <p:nvGrpSpPr>
-          <p:cNvPr id="49" name="组合 48">
+          <p:cNvPr id="46" name="组合 45">
             <a:extLst>
               <a:ext uri="{FF2B5EF4-FFF2-40B4-BE49-F238E27FC236}">
-                <a16:creationId xmlns:a16="http://schemas.microsoft.com/office/drawing/2014/main" id="{068C5572-75FD-4095-9DE8-BD2D66E98550}"/>
+                <a16:creationId xmlns:a16="http://schemas.microsoft.com/office/drawing/2014/main" id="{D7DBB094-7DC8-4E4E-8971-955B28CC1D46}"/>
               </a:ext>
             </a:extLst>
           </p:cNvPr>
@@ -6965,19 +6513,19 @@
         </p:nvGrpSpPr>
         <p:grpSpPr>
           <a:xfrm>
-            <a:off x="-5737220" y="423960"/>
-            <a:ext cx="5285573" cy="1181052"/>
-            <a:chOff x="-5737220" y="423960"/>
-            <a:chExt cx="5285573" cy="1181052"/>
+            <a:off x="9008194" y="5885871"/>
+            <a:ext cx="6365845" cy="1282058"/>
+            <a:chOff x="-5723806" y="335971"/>
+            <a:chExt cx="6365845" cy="1282058"/>
           </a:xfrm>
         </p:grpSpPr>
         <p:sp>
           <p:nvSpPr>
-            <p:cNvPr id="50" name="动作按钮: 文档 49">
+            <p:cNvPr id="47" name="动作按钮: 文档 46">
               <a:hlinkClick r:id="" action="ppaction://noaction" highlightClick="1"/>
               <a:extLst>
                 <a:ext uri="{FF2B5EF4-FFF2-40B4-BE49-F238E27FC236}">
-                  <a16:creationId xmlns:a16="http://schemas.microsoft.com/office/drawing/2014/main" id="{75FDA972-5369-481B-8717-97262C87E0F1}"/>
+                  <a16:creationId xmlns:a16="http://schemas.microsoft.com/office/drawing/2014/main" id="{10438CC8-ABD1-40ED-8418-CCE04DADD306}"/>
                 </a:ext>
               </a:extLst>
             </p:cNvPr>
@@ -7040,10 +6588,10 @@
         </p:sp>
         <p:sp>
           <p:nvSpPr>
-            <p:cNvPr id="51" name="文本框 50">
+            <p:cNvPr id="48" name="文本框 47">
               <a:extLst>
                 <a:ext uri="{FF2B5EF4-FFF2-40B4-BE49-F238E27FC236}">
-                  <a16:creationId xmlns:a16="http://schemas.microsoft.com/office/drawing/2014/main" id="{A2E417E3-8CFE-4CA1-8C44-646F0F63444C}"/>
+                  <a16:creationId xmlns:a16="http://schemas.microsoft.com/office/drawing/2014/main" id="{88596393-EA85-4EED-8981-9AA929FC365C}"/>
                 </a:ext>
               </a:extLst>
             </p:cNvPr>
@@ -7052,8 +6600,8 @@
           </p:nvSpPr>
           <p:spPr>
             <a:xfrm>
-              <a:off x="-5737220" y="1235680"/>
-              <a:ext cx="2170584" cy="369332"/>
+              <a:off x="-5723806" y="1156364"/>
+              <a:ext cx="2170584" cy="461665"/>
             </a:xfrm>
             <a:prstGeom prst="rect">
               <a:avLst/>
@@ -7067,32 +6615,23 @@
             <a:lstStyle/>
             <a:p>
               <a:r>
-                <a:rPr lang="en-US" altLang="zh-CN" dirty="0">
+                <a:rPr lang="en-US" altLang="zh-CN" sz="2400" b="1" dirty="0">
                   <a:solidFill>
                     <a:srgbClr val="3B3B3B"/>
                   </a:solidFill>
                   <a:latin typeface="Consolas" panose="020B0609020204030204" pitchFamily="49" charset="0"/>
                 </a:rPr>
-                <a:t>c</a:t>
-              </a:r>
-              <a:r>
-                <a:rPr lang="en-US" altLang="zh-CN" sz="1800" dirty="0">
-                  <a:solidFill>
-                    <a:srgbClr val="3B3B3B"/>
-                  </a:solidFill>
-                  <a:latin typeface="Consolas" panose="020B0609020204030204" pitchFamily="49" charset="0"/>
-                </a:rPr>
-                <a:t>ore crate</a:t>
+                <a:t>core crate</a:t>
               </a:r>
             </a:p>
           </p:txBody>
         </p:sp>
         <p:sp>
           <p:nvSpPr>
-            <p:cNvPr id="52" name="文本框 51">
+            <p:cNvPr id="49" name="文本框 48">
               <a:extLst>
                 <a:ext uri="{FF2B5EF4-FFF2-40B4-BE49-F238E27FC236}">
-                  <a16:creationId xmlns:a16="http://schemas.microsoft.com/office/drawing/2014/main" id="{3DB4C5A3-3B64-41B3-9507-9535FA0F21FF}"/>
+                  <a16:creationId xmlns:a16="http://schemas.microsoft.com/office/drawing/2014/main" id="{BFEBDEC5-5785-495C-BC6D-7CC6CF364C39}"/>
                 </a:ext>
               </a:extLst>
             </p:cNvPr>
@@ -7101,8 +6640,8 @@
           </p:nvSpPr>
           <p:spPr>
             <a:xfrm>
-              <a:off x="-4134617" y="508961"/>
-              <a:ext cx="3471022" cy="307777"/>
+              <a:off x="-3573897" y="335971"/>
+              <a:ext cx="4215936" cy="400110"/>
             </a:xfrm>
             <a:prstGeom prst="rect">
               <a:avLst/>
@@ -7116,35 +6655,35 @@
             <a:lstStyle/>
             <a:p>
               <a:r>
-                <a:rPr lang="en-US" altLang="zh-CN" sz="1400" b="0" dirty="0">
+                <a:rPr lang="en-US" altLang="zh-CN" sz="2000" b="0" dirty="0">
                   <a:effectLst/>
                   <a:latin typeface="Consolas" panose="020B0609020204030204" pitchFamily="49" charset="0"/>
                 </a:rPr>
                 <a:t>pub struct </a:t>
               </a:r>
               <a:r>
-                <a:rPr lang="en-US" altLang="zh-CN" sz="1400" b="0" dirty="0" err="1">
+                <a:rPr lang="en-US" altLang="zh-CN" sz="2000" b="0" dirty="0" err="1">
                   <a:effectLst/>
                   <a:latin typeface="Consolas" panose="020B0609020204030204" pitchFamily="49" charset="0"/>
                 </a:rPr>
                 <a:t>PhantomData</a:t>
               </a:r>
               <a:r>
-                <a:rPr lang="en-US" altLang="zh-CN" sz="1400" b="0" dirty="0">
+                <a:rPr lang="en-US" altLang="zh-CN" sz="2000" b="0" dirty="0">
                   <a:effectLst/>
                   <a:latin typeface="Consolas" panose="020B0609020204030204" pitchFamily="49" charset="0"/>
                 </a:rPr>
-                <a:t>&lt;T: ?Sized&gt;;</a:t>
+                <a:t>&lt;T&gt;;</a:t>
               </a:r>
             </a:p>
           </p:txBody>
         </p:sp>
         <p:sp>
           <p:nvSpPr>
-            <p:cNvPr id="53" name="文本框 52">
+            <p:cNvPr id="50" name="文本框 49">
               <a:extLst>
                 <a:ext uri="{FF2B5EF4-FFF2-40B4-BE49-F238E27FC236}">
-                  <a16:creationId xmlns:a16="http://schemas.microsoft.com/office/drawing/2014/main" id="{96002B3B-83CD-4EEB-89AE-51BC0E916D75}"/>
+                  <a16:creationId xmlns:a16="http://schemas.microsoft.com/office/drawing/2014/main" id="{46871919-4874-40E3-8BDA-80315CE47267}"/>
                 </a:ext>
               </a:extLst>
             </p:cNvPr>
@@ -7153,8 +6692,8 @@
           </p:nvSpPr>
           <p:spPr>
             <a:xfrm>
-              <a:off x="-4144429" y="802063"/>
-              <a:ext cx="3692782" cy="738664"/>
+              <a:off x="-3574252" y="701398"/>
+              <a:ext cx="3692782" cy="707886"/>
             </a:xfrm>
             <a:prstGeom prst="rect">
               <a:avLst/>
@@ -7168,43 +6707,25 @@
             <a:lstStyle/>
             <a:p>
               <a:r>
-                <a:rPr lang="en-US" altLang="zh-CN" sz="1400" b="0" dirty="0">
+                <a:rPr lang="en-US" altLang="zh-CN" sz="2000" b="0" dirty="0">
                   <a:effectLst/>
                   <a:latin typeface="Consolas" panose="020B0609020204030204" pitchFamily="49" charset="0"/>
                 </a:rPr>
                 <a:t>pub struct </a:t>
               </a:r>
               <a:r>
-                <a:rPr lang="en-US" altLang="zh-CN" sz="1400" b="0" dirty="0" err="1">
+                <a:rPr lang="en-US" altLang="zh-CN" sz="2000" b="0" dirty="0" err="1">
                   <a:effectLst/>
                   <a:latin typeface="Consolas" panose="020B0609020204030204" pitchFamily="49" charset="0"/>
                 </a:rPr>
                 <a:t>UnsafeCell</a:t>
               </a:r>
               <a:r>
-                <a:rPr lang="en-US" altLang="zh-CN" sz="1400" b="0" dirty="0">
+                <a:rPr lang="en-US" altLang="zh-CN" sz="2000" b="0" dirty="0">
                   <a:effectLst/>
                   <a:latin typeface="Consolas" panose="020B0609020204030204" pitchFamily="49" charset="0"/>
                 </a:rPr>
-                <a:t>&lt;T: ?Sized&gt; {</a:t>
-              </a:r>
-            </a:p>
-            <a:p>
-              <a:r>
-                <a:rPr lang="en-US" altLang="zh-CN" sz="1400" b="0" dirty="0">
-                  <a:effectLst/>
-                  <a:latin typeface="Consolas" panose="020B0609020204030204" pitchFamily="49" charset="0"/>
-                </a:rPr>
-                <a:t>    value: T,</a:t>
-              </a:r>
-            </a:p>
-            <a:p>
-              <a:r>
-                <a:rPr lang="en-US" altLang="zh-CN" sz="1400" b="0" dirty="0">
-                  <a:effectLst/>
-                  <a:latin typeface="Consolas" panose="020B0609020204030204" pitchFamily="49" charset="0"/>
-                </a:rPr>
-                <a:t>}</a:t>
+                <a:t>&lt;T&gt; { value: T}</a:t>
               </a:r>
             </a:p>
           </p:txBody>
@@ -7212,10 +6733,10 @@
       </p:grpSp>
       <p:grpSp>
         <p:nvGrpSpPr>
-          <p:cNvPr id="54" name="组合 53">
+          <p:cNvPr id="51" name="组合 50">
             <a:extLst>
               <a:ext uri="{FF2B5EF4-FFF2-40B4-BE49-F238E27FC236}">
-                <a16:creationId xmlns:a16="http://schemas.microsoft.com/office/drawing/2014/main" id="{6A6F696E-E1F9-442B-BB72-F345E87017D9}"/>
+                <a16:creationId xmlns:a16="http://schemas.microsoft.com/office/drawing/2014/main" id="{C8F41101-05AE-4882-B22F-2CAE02AA91F6}"/>
               </a:ext>
             </a:extLst>
           </p:cNvPr>
@@ -7224,18 +6745,18 @@
         </p:nvGrpSpPr>
         <p:grpSpPr>
           <a:xfrm>
-            <a:off x="-3636094" y="3886322"/>
-            <a:ext cx="7112127" cy="1401538"/>
+            <a:off x="11095906" y="9436222"/>
+            <a:ext cx="4406951" cy="1432396"/>
             <a:chOff x="-3852884" y="3346928"/>
-            <a:chExt cx="7112127" cy="1401538"/>
+            <a:chExt cx="4406951" cy="1432396"/>
           </a:xfrm>
         </p:grpSpPr>
         <p:sp>
           <p:nvSpPr>
-            <p:cNvPr id="55" name="矩形 54">
+            <p:cNvPr id="52" name="矩形 51">
               <a:extLst>
                 <a:ext uri="{FF2B5EF4-FFF2-40B4-BE49-F238E27FC236}">
-                  <a16:creationId xmlns:a16="http://schemas.microsoft.com/office/drawing/2014/main" id="{BC7619A2-5692-4B87-9FB0-F2D5AF017CE1}"/>
+                  <a16:creationId xmlns:a16="http://schemas.microsoft.com/office/drawing/2014/main" id="{7D30BAF0-95F9-43E4-9452-54379D7CF741}"/>
                 </a:ext>
               </a:extLst>
             </p:cNvPr>
@@ -7292,10 +6813,10 @@
         </p:sp>
         <p:grpSp>
           <p:nvGrpSpPr>
-            <p:cNvPr id="56" name="组合 55">
+            <p:cNvPr id="53" name="组合 52">
               <a:extLst>
                 <a:ext uri="{FF2B5EF4-FFF2-40B4-BE49-F238E27FC236}">
-                  <a16:creationId xmlns:a16="http://schemas.microsoft.com/office/drawing/2014/main" id="{004F784D-8C4B-4F8C-A9BC-8938048F2DDE}"/>
+                  <a16:creationId xmlns:a16="http://schemas.microsoft.com/office/drawing/2014/main" id="{0BE3719A-6500-40F6-B426-C37E2F7C5A06}"/>
                 </a:ext>
               </a:extLst>
             </p:cNvPr>
@@ -7304,19 +6825,19 @@
           </p:nvGrpSpPr>
           <p:grpSpPr>
             <a:xfrm>
-              <a:off x="-3772483" y="3370772"/>
-              <a:ext cx="7031726" cy="1377694"/>
-              <a:chOff x="124239" y="8054696"/>
-              <a:chExt cx="7031726" cy="1377694"/>
+              <a:off x="-3748202" y="3515859"/>
+              <a:ext cx="3995072" cy="1263465"/>
+              <a:chOff x="148520" y="8199783"/>
+              <a:chExt cx="3995072" cy="1263465"/>
             </a:xfrm>
           </p:grpSpPr>
           <p:sp>
             <p:nvSpPr>
-              <p:cNvPr id="57" name="动作按钮: 文档 56">
+              <p:cNvPr id="54" name="动作按钮: 文档 53">
                 <a:hlinkClick r:id="" action="ppaction://noaction" highlightClick="1"/>
                 <a:extLst>
                   <a:ext uri="{FF2B5EF4-FFF2-40B4-BE49-F238E27FC236}">
-                    <a16:creationId xmlns:a16="http://schemas.microsoft.com/office/drawing/2014/main" id="{C4773C4E-BDCD-4F61-94B2-DEE539237879}"/>
+                    <a16:creationId xmlns:a16="http://schemas.microsoft.com/office/drawing/2014/main" id="{5228520F-874E-40F5-9485-A7376428A8A4}"/>
                   </a:ext>
                 </a:extLst>
               </p:cNvPr>
@@ -7379,10 +6900,10 @@
           </p:sp>
           <p:sp>
             <p:nvSpPr>
-              <p:cNvPr id="58" name="文本框 57">
+              <p:cNvPr id="55" name="文本框 54">
                 <a:extLst>
                   <a:ext uri="{FF2B5EF4-FFF2-40B4-BE49-F238E27FC236}">
-                    <a16:creationId xmlns:a16="http://schemas.microsoft.com/office/drawing/2014/main" id="{76B99B77-B479-4DB7-BE50-7956D282C82B}"/>
+                    <a16:creationId xmlns:a16="http://schemas.microsoft.com/office/drawing/2014/main" id="{D8048BF4-E02E-4724-A451-882CC1DC7CDB}"/>
                   </a:ext>
                 </a:extLst>
               </p:cNvPr>
@@ -7391,8 +6912,8 @@
             </p:nvSpPr>
             <p:spPr>
               <a:xfrm>
-                <a:off x="124239" y="9063058"/>
-                <a:ext cx="2170584" cy="369332"/>
+                <a:off x="148520" y="9001583"/>
+                <a:ext cx="2996437" cy="461665"/>
               </a:xfrm>
               <a:prstGeom prst="rect">
                 <a:avLst/>
@@ -7406,32 +6927,23 @@
               <a:lstStyle/>
               <a:p>
                 <a:r>
-                  <a:rPr lang="en-US" altLang="zh-CN" dirty="0">
+                  <a:rPr lang="en-US" altLang="zh-CN" sz="2400" b="1" dirty="0">
                     <a:solidFill>
                       <a:srgbClr val="3B3B3B"/>
                     </a:solidFill>
                     <a:latin typeface="Consolas" panose="020B0609020204030204" pitchFamily="49" charset="0"/>
                   </a:rPr>
-                  <a:t>b</a:t>
-                </a:r>
-                <a:r>
-                  <a:rPr lang="en-US" altLang="zh-CN" sz="1800" dirty="0">
-                    <a:solidFill>
-                      <a:srgbClr val="3B3B3B"/>
-                    </a:solidFill>
-                    <a:latin typeface="Consolas" panose="020B0609020204030204" pitchFamily="49" charset="0"/>
-                  </a:rPr>
-                  <a:t>indings crate</a:t>
+                  <a:t>bindings crate</a:t>
                 </a:r>
               </a:p>
             </p:txBody>
           </p:sp>
           <p:sp>
             <p:nvSpPr>
-              <p:cNvPr id="59" name="文本框 58">
+              <p:cNvPr id="56" name="文本框 55">
                 <a:extLst>
                   <a:ext uri="{FF2B5EF4-FFF2-40B4-BE49-F238E27FC236}">
-                    <a16:creationId xmlns:a16="http://schemas.microsoft.com/office/drawing/2014/main" id="{E379726B-502A-4FA2-9C7C-FDE4FCF4F7FA}"/>
+                    <a16:creationId xmlns:a16="http://schemas.microsoft.com/office/drawing/2014/main" id="{7028728F-3D54-452E-A900-22C548DAE8CB}"/>
                   </a:ext>
                 </a:extLst>
               </p:cNvPr>
@@ -7440,8 +6952,8 @@
             </p:nvSpPr>
             <p:spPr>
               <a:xfrm>
-                <a:off x="1667076" y="8054696"/>
-                <a:ext cx="5488889" cy="1169551"/>
+                <a:off x="1399147" y="8244570"/>
+                <a:ext cx="2744445" cy="400110"/>
               </a:xfrm>
               <a:prstGeom prst="rect">
                 <a:avLst/>
@@ -7455,29 +6967,13 @@
               <a:lstStyle/>
               <a:p>
                 <a:r>
-                  <a:rPr lang="en-US" altLang="zh-CN" sz="1400" dirty="0">
-                    <a:latin typeface="Consolas" panose="020B0609020204030204" pitchFamily="49" charset="0"/>
-                  </a:rPr>
-                  <a:t>#[repr(C)]</a:t>
-                </a:r>
-              </a:p>
-              <a:p>
-                <a:r>
-                  <a:rPr lang="en-US" altLang="zh-CN" sz="1400" dirty="0">
-                    <a:latin typeface="Consolas" panose="020B0609020204030204" pitchFamily="49" charset="0"/>
-                  </a:rPr>
-                  <a:t>#[derive(Copy, Clone)]</a:t>
-                </a:r>
-              </a:p>
-              <a:p>
-                <a:r>
-                  <a:rPr lang="en-US" altLang="zh-CN" sz="1400" dirty="0">
+                  <a:rPr lang="en-US" altLang="zh-CN" sz="2000" dirty="0">
                     <a:latin typeface="Consolas" panose="020B0609020204030204" pitchFamily="49" charset="0"/>
                   </a:rPr>
                   <a:t>pub struct </a:t>
                 </a:r>
                 <a:r>
-                  <a:rPr lang="en-US" altLang="zh-CN" sz="1400" dirty="0" err="1">
+                  <a:rPr lang="en-US" altLang="zh-CN" sz="2000" dirty="0" err="1">
                     <a:solidFill>
                       <a:schemeClr val="accent5">
                         <a:lumMod val="75000"/>
@@ -7488,26 +6984,10 @@
                   <a:t>cdev</a:t>
                 </a:r>
                 <a:r>
-                  <a:rPr lang="en-US" altLang="zh-CN" sz="1400" dirty="0">
+                  <a:rPr lang="en-US" altLang="zh-CN" sz="2000" dirty="0">
                     <a:latin typeface="Consolas" panose="020B0609020204030204" pitchFamily="49" charset="0"/>
                   </a:rPr>
-                  <a:t> {</a:t>
-                </a:r>
-              </a:p>
-              <a:p>
-                <a:r>
-                  <a:rPr lang="en-US" altLang="zh-CN" sz="1400" dirty="0">
-                    <a:latin typeface="Consolas" panose="020B0609020204030204" pitchFamily="49" charset="0"/>
-                  </a:rPr>
-                  <a:t>	……</a:t>
-                </a:r>
-              </a:p>
-              <a:p>
-                <a:r>
-                  <a:rPr lang="en-US" altLang="zh-CN" sz="1400" dirty="0">
-                    <a:latin typeface="Consolas" panose="020B0609020204030204" pitchFamily="49" charset="0"/>
-                  </a:rPr>
-                  <a:t>}</a:t>
+                  <a:t> {}</a:t>
                 </a:r>
               </a:p>
             </p:txBody>
@@ -7516,10 +6996,10 @@
       </p:grpSp>
       <p:grpSp>
         <p:nvGrpSpPr>
-          <p:cNvPr id="60" name="组合 59">
+          <p:cNvPr id="57" name="组合 56">
             <a:extLst>
               <a:ext uri="{FF2B5EF4-FFF2-40B4-BE49-F238E27FC236}">
-                <a16:creationId xmlns:a16="http://schemas.microsoft.com/office/drawing/2014/main" id="{7590BE7F-73D8-499F-982C-1ED281EB323E}"/>
+                <a16:creationId xmlns:a16="http://schemas.microsoft.com/office/drawing/2014/main" id="{0A22A5BA-1C04-4726-A571-6041C480A5C4}"/>
               </a:ext>
             </a:extLst>
           </p:cNvPr>
@@ -7528,18 +7008,18 @@
         </p:nvGrpSpPr>
         <p:grpSpPr>
           <a:xfrm>
-            <a:off x="-6219361" y="3751781"/>
-            <a:ext cx="1068380" cy="1479415"/>
-            <a:chOff x="-5710669" y="4892498"/>
-            <a:chExt cx="1068380" cy="1479415"/>
+            <a:off x="8430871" y="9295929"/>
+            <a:ext cx="1568273" cy="1587024"/>
+            <a:chOff x="-5710670" y="4892498"/>
+            <a:chExt cx="1568273" cy="1587024"/>
           </a:xfrm>
         </p:grpSpPr>
         <p:sp>
           <p:nvSpPr>
-            <p:cNvPr id="61" name="文本框 60">
+            <p:cNvPr id="58" name="文本框 57">
               <a:extLst>
                 <a:ext uri="{FF2B5EF4-FFF2-40B4-BE49-F238E27FC236}">
-                  <a16:creationId xmlns:a16="http://schemas.microsoft.com/office/drawing/2014/main" id="{214AB6C5-D627-4799-A924-3FEF4F8D3A42}"/>
+                  <a16:creationId xmlns:a16="http://schemas.microsoft.com/office/drawing/2014/main" id="{D89DF92B-DD09-4A20-B41E-F268D3714357}"/>
                 </a:ext>
               </a:extLst>
             </p:cNvPr>
@@ -7548,8 +7028,8 @@
           </p:nvSpPr>
           <p:spPr>
             <a:xfrm>
-              <a:off x="-5710669" y="4892498"/>
-              <a:ext cx="1068380" cy="646331"/>
+              <a:off x="-5710670" y="4892498"/>
+              <a:ext cx="1568273" cy="830997"/>
             </a:xfrm>
             <a:prstGeom prst="rect">
               <a:avLst/>
@@ -7564,7 +7044,7 @@
             <a:p>
               <a:pPr algn="ctr"/>
               <a:r>
-                <a:rPr lang="en-US" altLang="zh-CN" sz="1800" dirty="0">
+                <a:rPr lang="en-US" altLang="zh-CN" sz="2400" b="1" dirty="0">
                   <a:solidFill>
                     <a:srgbClr val="3B3B3B"/>
                   </a:solidFill>
@@ -7576,7 +7056,7 @@
             <a:p>
               <a:pPr algn="ctr"/>
               <a:r>
-                <a:rPr lang="en-US" altLang="zh-CN" sz="1800" dirty="0" err="1">
+                <a:rPr lang="en-US" altLang="zh-CN" sz="2400" b="1" dirty="0" err="1">
                   <a:solidFill>
                     <a:srgbClr val="3B3B3B"/>
                   </a:solidFill>
@@ -7584,7 +7064,7 @@
                 </a:rPr>
                 <a:t>bindgen</a:t>
               </a:r>
-              <a:endParaRPr lang="en-US" altLang="zh-CN" sz="1800" dirty="0">
+              <a:endParaRPr lang="en-US" altLang="zh-CN" sz="2400" b="1" dirty="0">
                 <a:solidFill>
                   <a:srgbClr val="3B3B3B"/>
                 </a:solidFill>
@@ -7595,10 +7075,10 @@
         </p:sp>
         <p:grpSp>
           <p:nvGrpSpPr>
-            <p:cNvPr id="62" name="组合 61">
+            <p:cNvPr id="59" name="组合 58">
               <a:extLst>
                 <a:ext uri="{FF2B5EF4-FFF2-40B4-BE49-F238E27FC236}">
-                  <a16:creationId xmlns:a16="http://schemas.microsoft.com/office/drawing/2014/main" id="{3E5FF5F0-A85F-42E9-B6FB-A535EABE607D}"/>
+                  <a16:creationId xmlns:a16="http://schemas.microsoft.com/office/drawing/2014/main" id="{8F628157-E6B6-401C-BE9D-644753447F98}"/>
                 </a:ext>
               </a:extLst>
             </p:cNvPr>
@@ -7607,18 +7087,18 @@
           </p:nvGrpSpPr>
           <p:grpSpPr>
             <a:xfrm>
-              <a:off x="-5512105" y="5685750"/>
+              <a:off x="-5280449" y="5793359"/>
               <a:ext cx="720269" cy="686163"/>
-              <a:chOff x="3538310" y="1109387"/>
-              <a:chExt cx="5956681" cy="5419216"/>
+              <a:chOff x="5454123" y="1959267"/>
+              <a:chExt cx="5956681" cy="5419217"/>
             </a:xfrm>
           </p:grpSpPr>
           <p:pic>
             <p:nvPicPr>
-              <p:cNvPr id="63" name="图片 62">
+              <p:cNvPr id="60" name="图片 59">
                 <a:extLst>
                   <a:ext uri="{FF2B5EF4-FFF2-40B4-BE49-F238E27FC236}">
-                    <a16:creationId xmlns:a16="http://schemas.microsoft.com/office/drawing/2014/main" id="{14B4EB70-FB39-4B9B-B06C-0B20B330110B}"/>
+                    <a16:creationId xmlns:a16="http://schemas.microsoft.com/office/drawing/2014/main" id="{79EED833-C06D-4090-802A-B30A89038121}"/>
                   </a:ext>
                 </a:extLst>
               </p:cNvPr>
@@ -7635,8 +7115,8 @@
             </p:blipFill>
             <p:spPr>
               <a:xfrm>
-                <a:off x="3538310" y="1109387"/>
-                <a:ext cx="5128797" cy="5128796"/>
+                <a:off x="5454123" y="1959267"/>
+                <a:ext cx="5128796" cy="5128797"/>
               </a:xfrm>
               <a:prstGeom prst="rect">
                 <a:avLst/>
@@ -7645,10 +7125,10 @@
           </p:pic>
           <p:pic>
             <p:nvPicPr>
-              <p:cNvPr id="64" name="图形 63">
+              <p:cNvPr id="61" name="图形 60">
                 <a:extLst>
                   <a:ext uri="{FF2B5EF4-FFF2-40B4-BE49-F238E27FC236}">
-                    <a16:creationId xmlns:a16="http://schemas.microsoft.com/office/drawing/2014/main" id="{4BE7E5E0-A9FF-4702-8319-971F00B7F082}"/>
+                    <a16:creationId xmlns:a16="http://schemas.microsoft.com/office/drawing/2014/main" id="{2E0130F3-39A6-497F-9458-1883323D080D}"/>
                   </a:ext>
                 </a:extLst>
               </p:cNvPr>
@@ -7674,7 +7154,7 @@
             </p:blipFill>
             <p:spPr>
               <a:xfrm>
-                <a:off x="7553615" y="4587231"/>
+                <a:off x="9469428" y="5437112"/>
                 <a:ext cx="1941376" cy="1941372"/>
               </a:xfrm>
               <a:prstGeom prst="rect">
@@ -7686,10 +7166,10 @@
       </p:grpSp>
       <p:sp>
         <p:nvSpPr>
-          <p:cNvPr id="65" name="矩形 64">
+          <p:cNvPr id="62" name="矩形 61">
             <a:extLst>
               <a:ext uri="{FF2B5EF4-FFF2-40B4-BE49-F238E27FC236}">
-                <a16:creationId xmlns:a16="http://schemas.microsoft.com/office/drawing/2014/main" id="{0578A4C3-2229-47A0-80A8-5744DD3C1847}"/>
+                <a16:creationId xmlns:a16="http://schemas.microsoft.com/office/drawing/2014/main" id="{A21B7B28-40F2-4990-95F7-724CC82315E0}"/>
               </a:ext>
             </a:extLst>
           </p:cNvPr>
@@ -7698,8 +7178,8 @@
         </p:nvSpPr>
         <p:spPr>
           <a:xfrm>
-            <a:off x="-8768388" y="5449895"/>
-            <a:ext cx="3866636" cy="1500965"/>
+            <a:off x="5963612" y="11217253"/>
+            <a:ext cx="4353767" cy="1500965"/>
           </a:xfrm>
           <a:prstGeom prst="rect">
             <a:avLst/>
@@ -7746,10 +7226,10 @@
       </p:sp>
       <p:grpSp>
         <p:nvGrpSpPr>
-          <p:cNvPr id="66" name="组合 65">
+          <p:cNvPr id="63" name="组合 62">
             <a:extLst>
               <a:ext uri="{FF2B5EF4-FFF2-40B4-BE49-F238E27FC236}">
-                <a16:creationId xmlns:a16="http://schemas.microsoft.com/office/drawing/2014/main" id="{2E0BF10B-CDE5-40C9-B576-35EF4A75B0DC}"/>
+                <a16:creationId xmlns:a16="http://schemas.microsoft.com/office/drawing/2014/main" id="{B0A8A91C-69D1-4F41-A447-B67E543B0790}"/>
               </a:ext>
             </a:extLst>
           </p:cNvPr>
@@ -7758,18 +7238,18 @@
         </p:nvGrpSpPr>
         <p:grpSpPr>
           <a:xfrm>
-            <a:off x="-8838486" y="5584797"/>
-            <a:ext cx="4694057" cy="1249756"/>
-            <a:chOff x="1659871" y="3943568"/>
-            <a:chExt cx="4694057" cy="1249756"/>
+            <a:off x="5893514" y="11352155"/>
+            <a:ext cx="4694058" cy="1342089"/>
+            <a:chOff x="1659870" y="3943568"/>
+            <a:chExt cx="4694058" cy="1342089"/>
           </a:xfrm>
         </p:grpSpPr>
         <p:sp>
           <p:nvSpPr>
-            <p:cNvPr id="67" name="文本框 66">
+            <p:cNvPr id="64" name="文本框 63">
               <a:extLst>
                 <a:ext uri="{FF2B5EF4-FFF2-40B4-BE49-F238E27FC236}">
-                  <a16:creationId xmlns:a16="http://schemas.microsoft.com/office/drawing/2014/main" id="{54B8AFA0-387C-49B8-B60D-DF5B31BA49D0}"/>
+                  <a16:creationId xmlns:a16="http://schemas.microsoft.com/office/drawing/2014/main" id="{9A9F1B21-847A-4CE5-B890-E1D7C78CC301}"/>
                 </a:ext>
               </a:extLst>
             </p:cNvPr>
@@ -7778,8 +7258,8 @@
           </p:nvSpPr>
           <p:spPr>
             <a:xfrm>
-              <a:off x="1659871" y="4823992"/>
-              <a:ext cx="3395662" cy="369332"/>
+              <a:off x="1659870" y="4823992"/>
+              <a:ext cx="3687505" cy="461665"/>
             </a:xfrm>
             <a:prstGeom prst="rect">
               <a:avLst/>
@@ -7793,7 +7273,7 @@
             <a:lstStyle/>
             <a:p>
               <a:r>
-                <a:rPr lang="en-US" altLang="zh-CN" sz="1800" dirty="0">
+                <a:rPr lang="en-US" altLang="zh-CN" sz="2400" b="1" dirty="0">
                   <a:solidFill>
                     <a:schemeClr val="accent5">
                       <a:lumMod val="75000"/>
@@ -7804,7 +7284,7 @@
                 <a:t>include/</a:t>
               </a:r>
               <a:r>
-                <a:rPr lang="en-US" altLang="zh-CN" sz="1800" dirty="0" err="1">
+                <a:rPr lang="en-US" altLang="zh-CN" sz="2400" b="1" dirty="0" err="1">
                   <a:solidFill>
                     <a:schemeClr val="accent5">
                       <a:lumMod val="75000"/>
@@ -7815,7 +7295,7 @@
                 <a:t>linux</a:t>
               </a:r>
               <a:r>
-                <a:rPr lang="en-US" altLang="zh-CN" sz="1800" dirty="0">
+                <a:rPr lang="en-US" altLang="zh-CN" sz="2400" b="1" dirty="0">
                   <a:solidFill>
                     <a:schemeClr val="accent5">
                       <a:lumMod val="75000"/>
@@ -7826,7 +7306,7 @@
                 <a:t>/</a:t>
               </a:r>
               <a:r>
-                <a:rPr lang="en-US" altLang="zh-CN" sz="1800" dirty="0" err="1">
+                <a:rPr lang="en-US" altLang="zh-CN" sz="2400" b="1" dirty="0" err="1">
                   <a:solidFill>
                     <a:schemeClr val="accent5">
                       <a:lumMod val="75000"/>
@@ -7836,7 +7316,7 @@
                 </a:rPr>
                 <a:t>cdev.h</a:t>
               </a:r>
-              <a:endParaRPr lang="en-US" altLang="zh-CN" sz="1800" dirty="0">
+              <a:endParaRPr lang="en-US" altLang="zh-CN" sz="2400" b="1" dirty="0">
                 <a:solidFill>
                   <a:schemeClr val="accent5">
                     <a:lumMod val="75000"/>
@@ -7849,11 +7329,11 @@
         </p:sp>
         <p:sp>
           <p:nvSpPr>
-            <p:cNvPr id="68" name="动作按钮: 文档 67">
+            <p:cNvPr id="65" name="动作按钮: 文档 64">
               <a:hlinkClick r:id="" action="ppaction://noaction" highlightClick="1"/>
               <a:extLst>
                 <a:ext uri="{FF2B5EF4-FFF2-40B4-BE49-F238E27FC236}">
-                  <a16:creationId xmlns:a16="http://schemas.microsoft.com/office/drawing/2014/main" id="{FE014353-4519-4DBB-A38F-FBA55B836B9E}"/>
+                  <a16:creationId xmlns:a16="http://schemas.microsoft.com/office/drawing/2014/main" id="{6CB002C8-0A2E-4F4D-B4DB-1236A3EC437F}"/>
                 </a:ext>
               </a:extLst>
             </p:cNvPr>
@@ -7916,10 +7396,10 @@
         </p:sp>
         <p:sp>
           <p:nvSpPr>
-            <p:cNvPr id="69" name="文本框 68">
+            <p:cNvPr id="66" name="文本框 65">
               <a:extLst>
                 <a:ext uri="{FF2B5EF4-FFF2-40B4-BE49-F238E27FC236}">
-                  <a16:creationId xmlns:a16="http://schemas.microsoft.com/office/drawing/2014/main" id="{80F6B8B9-72F9-402A-86C3-4D5CEF670786}"/>
+                  <a16:creationId xmlns:a16="http://schemas.microsoft.com/office/drawing/2014/main" id="{4BEEE927-D4B2-459E-94CD-BD93105890DC}"/>
                 </a:ext>
               </a:extLst>
             </p:cNvPr>
@@ -7929,7 +7409,7 @@
           <p:spPr>
             <a:xfrm>
               <a:off x="2958266" y="3959397"/>
-              <a:ext cx="3395662" cy="738664"/>
+              <a:ext cx="3395662" cy="707886"/>
             </a:xfrm>
             <a:prstGeom prst="rect">
               <a:avLst/>
@@ -7943,7 +7423,7 @@
             <a:lstStyle/>
             <a:p>
               <a:r>
-                <a:rPr lang="en-US" altLang="zh-CN" sz="1400" dirty="0">
+                <a:rPr lang="en-US" altLang="zh-CN" sz="2000" dirty="0">
                   <a:solidFill>
                     <a:schemeClr val="accent5">
                       <a:lumMod val="75000"/>
@@ -7954,7 +7434,7 @@
                 <a:t>struct </a:t>
               </a:r>
               <a:r>
-                <a:rPr lang="en-US" altLang="zh-CN" sz="1400" dirty="0" err="1">
+                <a:rPr lang="en-US" altLang="zh-CN" sz="2000" dirty="0" err="1">
                   <a:solidFill>
                     <a:schemeClr val="accent5">
                       <a:lumMod val="75000"/>
@@ -7965,7 +7445,7 @@
                 <a:t>cdev</a:t>
               </a:r>
               <a:r>
-                <a:rPr lang="en-US" altLang="zh-CN" sz="1400" dirty="0">
+                <a:rPr lang="en-US" altLang="zh-CN" sz="2000" dirty="0">
                   <a:solidFill>
                     <a:schemeClr val="accent5">
                       <a:lumMod val="75000"/>
@@ -7976,35 +7456,19 @@
                 <a:t> </a:t>
               </a:r>
               <a:r>
-                <a:rPr lang="en-US" altLang="zh-CN" sz="1400" dirty="0">
+                <a:rPr lang="en-US" altLang="zh-CN" sz="2000" dirty="0">
                   <a:latin typeface="Consolas" panose="020B0609020204030204" pitchFamily="49" charset="0"/>
                 </a:rPr>
-                <a:t>{</a:t>
-              </a:r>
-            </a:p>
-            <a:p>
-              <a:r>
-                <a:rPr lang="en-US" altLang="zh-CN" sz="1400" dirty="0">
-                  <a:latin typeface="Consolas" panose="020B0609020204030204" pitchFamily="49" charset="0"/>
-                </a:rPr>
-                <a:t>        ……</a:t>
-              </a:r>
-            </a:p>
-            <a:p>
-              <a:r>
-                <a:rPr lang="en-US" altLang="zh-CN" sz="1400" dirty="0">
-                  <a:latin typeface="Consolas" panose="020B0609020204030204" pitchFamily="49" charset="0"/>
-                </a:rPr>
-                <a:t>} __</a:t>
+                <a:t>{……} __</a:t>
               </a:r>
               <a:r>
-                <a:rPr lang="en-US" altLang="zh-CN" sz="1400" dirty="0" err="1">
+                <a:rPr lang="en-US" altLang="zh-CN" sz="2000" dirty="0" err="1">
                   <a:latin typeface="Consolas" panose="020B0609020204030204" pitchFamily="49" charset="0"/>
                 </a:rPr>
                 <a:t>randomize_layout</a:t>
               </a:r>
               <a:r>
-                <a:rPr lang="en-US" altLang="zh-CN" sz="1400" dirty="0">
+                <a:rPr lang="en-US" altLang="zh-CN" sz="2000" dirty="0">
                   <a:latin typeface="Consolas" panose="020B0609020204030204" pitchFamily="49" charset="0"/>
                 </a:rPr>
                 <a:t>;</a:t>
@@ -8015,10 +7479,10 @@
       </p:grpSp>
       <p:pic>
         <p:nvPicPr>
-          <p:cNvPr id="70" name="图片 69">
+          <p:cNvPr id="67" name="图片 66">
             <a:extLst>
               <a:ext uri="{FF2B5EF4-FFF2-40B4-BE49-F238E27FC236}">
-                <a16:creationId xmlns:a16="http://schemas.microsoft.com/office/drawing/2014/main" id="{647D3D8C-3CD6-4819-B54B-C482A4FEAB19}"/>
+                <a16:creationId xmlns:a16="http://schemas.microsoft.com/office/drawing/2014/main" id="{D0D8E288-88D3-4840-AB5C-DED7A1449C3E}"/>
               </a:ext>
             </a:extLst>
           </p:cNvPr>
@@ -8041,8 +7505,8 @@
         </p:blipFill>
         <p:spPr>
           <a:xfrm>
-            <a:off x="-8430922" y="4299519"/>
-            <a:ext cx="531529" cy="531529"/>
+            <a:off x="5898966" y="9689550"/>
+            <a:ext cx="799783" cy="799783"/>
           </a:xfrm>
           <a:prstGeom prst="rect">
             <a:avLst/>
@@ -8051,10 +7515,10 @@
       </p:pic>
       <p:sp>
         <p:nvSpPr>
-          <p:cNvPr id="71" name="文本框 70">
+          <p:cNvPr id="68" name="文本框 67">
             <a:extLst>
               <a:ext uri="{FF2B5EF4-FFF2-40B4-BE49-F238E27FC236}">
-                <a16:creationId xmlns:a16="http://schemas.microsoft.com/office/drawing/2014/main" id="{2C67EB74-3B49-4A1F-8F57-B118F581DE30}"/>
+                <a16:creationId xmlns:a16="http://schemas.microsoft.com/office/drawing/2014/main" id="{A7FBAA4B-EC88-4C13-B17C-A264DC5A736D}"/>
               </a:ext>
             </a:extLst>
           </p:cNvPr>
@@ -8063,8 +7527,8 @@
         </p:nvSpPr>
         <p:spPr>
           <a:xfrm>
-            <a:off x="-8028878" y="4131026"/>
-            <a:ext cx="988196" cy="923330"/>
+            <a:off x="6524479" y="9506707"/>
+            <a:ext cx="1343078" cy="1200329"/>
           </a:xfrm>
           <a:prstGeom prst="rect">
             <a:avLst/>
@@ -8079,7 +7543,7 @@
           <a:p>
             <a:pPr algn="ctr"/>
             <a:r>
-              <a:rPr lang="en-US" altLang="zh-CN" sz="1800" dirty="0">
+              <a:rPr lang="en-US" altLang="zh-CN" sz="2400" b="1" dirty="0">
                 <a:solidFill>
                   <a:srgbClr val="3B3B3B"/>
                 </a:solidFill>
@@ -8091,7 +7555,7 @@
           <a:p>
             <a:pPr algn="ctr"/>
             <a:r>
-              <a:rPr lang="en-US" altLang="zh-CN" sz="1800" dirty="0">
+              <a:rPr lang="en-US" altLang="zh-CN" sz="2400" b="1" dirty="0">
                 <a:solidFill>
                   <a:srgbClr val="3B3B3B"/>
                 </a:solidFill>
@@ -8103,7 +7567,7 @@
           <a:p>
             <a:pPr algn="ctr"/>
             <a:r>
-              <a:rPr lang="en-US" altLang="zh-CN" sz="1800" dirty="0">
+              <a:rPr lang="en-US" altLang="zh-CN" sz="2400" b="1" dirty="0">
                 <a:solidFill>
                   <a:srgbClr val="3B3B3B"/>
                 </a:solidFill>
@@ -8116,10 +7580,10 @@
       </p:sp>
       <p:sp>
         <p:nvSpPr>
-          <p:cNvPr id="72" name="加号 71">
+          <p:cNvPr id="69" name="加号 68">
             <a:extLst>
               <a:ext uri="{FF2B5EF4-FFF2-40B4-BE49-F238E27FC236}">
-                <a16:creationId xmlns:a16="http://schemas.microsoft.com/office/drawing/2014/main" id="{39398A2D-5546-4E3F-8377-4103CD3C0715}"/>
+                <a16:creationId xmlns:a16="http://schemas.microsoft.com/office/drawing/2014/main" id="{1860B9A4-685A-4B6B-825C-4D3567A9D4A4}"/>
               </a:ext>
             </a:extLst>
           </p:cNvPr>
@@ -8128,7 +7592,7 @@
         </p:nvSpPr>
         <p:spPr>
           <a:xfrm>
-            <a:off x="-6939687" y="4158816"/>
+            <a:off x="7792313" y="9708716"/>
             <a:ext cx="715954" cy="796312"/>
           </a:xfrm>
           <a:prstGeom prst="mathPlus">
@@ -8182,10 +7646,10 @@
       </p:sp>
       <p:sp>
         <p:nvSpPr>
-          <p:cNvPr id="73" name="等号 72">
+          <p:cNvPr id="70" name="等号 69">
             <a:extLst>
               <a:ext uri="{FF2B5EF4-FFF2-40B4-BE49-F238E27FC236}">
-                <a16:creationId xmlns:a16="http://schemas.microsoft.com/office/drawing/2014/main" id="{23834EAF-528C-448A-BD81-0938B1655BCD}"/>
+                <a16:creationId xmlns:a16="http://schemas.microsoft.com/office/drawing/2014/main" id="{381E24A8-C631-4CCC-AF3F-7F4EB268FA7B}"/>
               </a:ext>
             </a:extLst>
           </p:cNvPr>
@@ -8194,7 +7658,7 @@
         </p:nvSpPr>
         <p:spPr>
           <a:xfrm>
-            <a:off x="-4833978" y="4222435"/>
+            <a:off x="9898022" y="9772335"/>
             <a:ext cx="832127" cy="738664"/>
           </a:xfrm>
           <a:prstGeom prst="mathEqual">
@@ -8240,10 +7704,10 @@
       </p:sp>
       <p:grpSp>
         <p:nvGrpSpPr>
-          <p:cNvPr id="74" name="组合 73">
+          <p:cNvPr id="71" name="组合 70">
             <a:extLst>
               <a:ext uri="{FF2B5EF4-FFF2-40B4-BE49-F238E27FC236}">
-                <a16:creationId xmlns:a16="http://schemas.microsoft.com/office/drawing/2014/main" id="{FC9C5148-F77A-4882-A53B-37BEC92A6482}"/>
+                <a16:creationId xmlns:a16="http://schemas.microsoft.com/office/drawing/2014/main" id="{0F37FB3A-73CC-4166-8665-F56C81B06A9C}"/>
               </a:ext>
             </a:extLst>
           </p:cNvPr>
@@ -8252,18 +7716,18 @@
         </p:nvGrpSpPr>
         <p:grpSpPr>
           <a:xfrm>
-            <a:off x="-3650605" y="2142498"/>
-            <a:ext cx="4490947" cy="1401538"/>
+            <a:off x="11081395" y="7692398"/>
+            <a:ext cx="4406951" cy="1404285"/>
             <a:chOff x="-3852884" y="3346928"/>
-            <a:chExt cx="4490947" cy="1401538"/>
+            <a:chExt cx="4406951" cy="1404285"/>
           </a:xfrm>
         </p:grpSpPr>
         <p:sp>
           <p:nvSpPr>
-            <p:cNvPr id="75" name="矩形 74">
+            <p:cNvPr id="72" name="矩形 71">
               <a:extLst>
                 <a:ext uri="{FF2B5EF4-FFF2-40B4-BE49-F238E27FC236}">
-                  <a16:creationId xmlns:a16="http://schemas.microsoft.com/office/drawing/2014/main" id="{4332C58E-CD6A-4B93-A20F-A500A9BF700E}"/>
+                  <a16:creationId xmlns:a16="http://schemas.microsoft.com/office/drawing/2014/main" id="{3E2C53CB-7975-463C-9BB3-488709E23C7C}"/>
                 </a:ext>
               </a:extLst>
             </p:cNvPr>
@@ -8320,10 +7784,10 @@
         </p:sp>
         <p:grpSp>
           <p:nvGrpSpPr>
-            <p:cNvPr id="76" name="组合 75">
+            <p:cNvPr id="73" name="组合 72">
               <a:extLst>
                 <a:ext uri="{FF2B5EF4-FFF2-40B4-BE49-F238E27FC236}">
-                  <a16:creationId xmlns:a16="http://schemas.microsoft.com/office/drawing/2014/main" id="{CE1A0FF5-3498-44BC-9FF8-D8E701C574D1}"/>
+                  <a16:creationId xmlns:a16="http://schemas.microsoft.com/office/drawing/2014/main" id="{D783ACDE-37BF-426E-BC1A-38951D3FEED0}"/>
                 </a:ext>
               </a:extLst>
             </p:cNvPr>
@@ -8332,19 +7796,19 @@
           </p:nvGrpSpPr>
           <p:grpSpPr>
             <a:xfrm>
-              <a:off x="-3772483" y="3445191"/>
-              <a:ext cx="4410546" cy="1303275"/>
-              <a:chOff x="124239" y="8129115"/>
-              <a:chExt cx="4410546" cy="1303275"/>
+              <a:off x="-3733507" y="3467044"/>
+              <a:ext cx="4116204" cy="1284169"/>
+              <a:chOff x="163215" y="8150968"/>
+              <a:chExt cx="4116204" cy="1284169"/>
             </a:xfrm>
           </p:grpSpPr>
           <p:sp>
             <p:nvSpPr>
-              <p:cNvPr id="77" name="动作按钮: 文档 76">
+              <p:cNvPr id="74" name="动作按钮: 文档 73">
                 <a:hlinkClick r:id="" action="ppaction://noaction" highlightClick="1"/>
                 <a:extLst>
                   <a:ext uri="{FF2B5EF4-FFF2-40B4-BE49-F238E27FC236}">
-                    <a16:creationId xmlns:a16="http://schemas.microsoft.com/office/drawing/2014/main" id="{8D47513A-2910-4EDB-9DBC-C19C161A298E}"/>
+                    <a16:creationId xmlns:a16="http://schemas.microsoft.com/office/drawing/2014/main" id="{DD911671-5126-40F2-AADD-56166DB9E131}"/>
                   </a:ext>
                 </a:extLst>
               </p:cNvPr>
@@ -8407,10 +7871,10 @@
           </p:sp>
           <p:sp>
             <p:nvSpPr>
-              <p:cNvPr id="78" name="文本框 77">
+              <p:cNvPr id="75" name="文本框 74">
                 <a:extLst>
                   <a:ext uri="{FF2B5EF4-FFF2-40B4-BE49-F238E27FC236}">
-                    <a16:creationId xmlns:a16="http://schemas.microsoft.com/office/drawing/2014/main" id="{361481A7-4A35-438F-AE7B-F412039AAD3A}"/>
+                    <a16:creationId xmlns:a16="http://schemas.microsoft.com/office/drawing/2014/main" id="{6BC0CC24-0D97-43EE-9C12-DC1C099E22D3}"/>
                   </a:ext>
                 </a:extLst>
               </p:cNvPr>
@@ -8419,8 +7883,8 @@
             </p:nvSpPr>
             <p:spPr>
               <a:xfrm>
-                <a:off x="124239" y="9063058"/>
-                <a:ext cx="2170584" cy="369332"/>
+                <a:off x="163215" y="8973472"/>
+                <a:ext cx="2170584" cy="461665"/>
               </a:xfrm>
               <a:prstGeom prst="rect">
                 <a:avLst/>
@@ -8434,7 +7898,7 @@
               <a:lstStyle/>
               <a:p>
                 <a:r>
-                  <a:rPr lang="en-US" altLang="zh-CN" sz="1800" dirty="0">
+                  <a:rPr lang="en-US" altLang="zh-CN" sz="2400" b="1" dirty="0">
                     <a:solidFill>
                       <a:srgbClr val="3B3B3B"/>
                     </a:solidFill>
@@ -8447,10 +7911,10 @@
           </p:sp>
           <p:sp>
             <p:nvSpPr>
-              <p:cNvPr id="79" name="文本框 78">
+              <p:cNvPr id="76" name="文本框 75">
                 <a:extLst>
                   <a:ext uri="{FF2B5EF4-FFF2-40B4-BE49-F238E27FC236}">
-                    <a16:creationId xmlns:a16="http://schemas.microsoft.com/office/drawing/2014/main" id="{58960F19-84D8-44F6-B070-A52A40D997C1}"/>
+                    <a16:creationId xmlns:a16="http://schemas.microsoft.com/office/drawing/2014/main" id="{53EDB48F-69BB-4BC5-AD86-E11DA2105FA1}"/>
                   </a:ext>
                 </a:extLst>
               </p:cNvPr>
@@ -8459,8 +7923,8 @@
             </p:nvSpPr>
             <p:spPr>
               <a:xfrm>
-                <a:off x="1651771" y="8129115"/>
-                <a:ext cx="2883014" cy="1169551"/>
+                <a:off x="1396405" y="8150968"/>
+                <a:ext cx="2883014" cy="707886"/>
               </a:xfrm>
               <a:prstGeom prst="rect">
                 <a:avLst/>
@@ -8474,99 +7938,55 @@
               <a:lstStyle/>
               <a:p>
                 <a:r>
-                  <a:rPr lang="en-US" altLang="zh-CN" sz="1400" b="0" dirty="0">
-                    <a:effectLst/>
-                    <a:latin typeface="Consolas" panose="020B0609020204030204" pitchFamily="49" charset="0"/>
-                  </a:rPr>
-                  <a:t>pub </a:t>
-                </a:r>
-                <a:r>
-                  <a:rPr lang="en-US" altLang="zh-CN" sz="1400" b="0" dirty="0" err="1">
+                  <a:rPr lang="en-US" altLang="zh-CN" sz="2000" b="0" dirty="0" err="1">
                     <a:effectLst/>
                     <a:latin typeface="Consolas" panose="020B0609020204030204" pitchFamily="49" charset="0"/>
                   </a:rPr>
                   <a:t>fn</a:t>
                 </a:r>
                 <a:r>
-                  <a:rPr lang="en-US" altLang="zh-CN" sz="1400" b="0" dirty="0">
+                  <a:rPr lang="en-US" altLang="zh-CN" sz="2000" b="0" dirty="0">
                     <a:effectLst/>
                     <a:latin typeface="Consolas" panose="020B0609020204030204" pitchFamily="49" charset="0"/>
                   </a:rPr>
                   <a:t> module(</a:t>
                 </a:r>
                 <a:r>
-                  <a:rPr lang="en-US" altLang="zh-CN" sz="1400" b="0" dirty="0" err="1">
+                  <a:rPr lang="en-US" altLang="zh-CN" sz="2000" b="0" dirty="0" err="1">
                     <a:effectLst/>
                     <a:latin typeface="Consolas" panose="020B0609020204030204" pitchFamily="49" charset="0"/>
                   </a:rPr>
                   <a:t>ts</a:t>
                 </a:r>
                 <a:r>
-                  <a:rPr lang="en-US" altLang="zh-CN" sz="1400" b="0" dirty="0">
+                  <a:rPr lang="en-US" altLang="zh-CN" sz="2000" b="0" dirty="0">
                     <a:effectLst/>
                     <a:latin typeface="Consolas" panose="020B0609020204030204" pitchFamily="49" charset="0"/>
                   </a:rPr>
-                  <a:t>: </a:t>
-                </a:r>
-                <a:r>
-                  <a:rPr lang="en-US" altLang="zh-CN" sz="1400" b="0" dirty="0" err="1">
-                    <a:effectLst/>
-                    <a:latin typeface="Consolas" panose="020B0609020204030204" pitchFamily="49" charset="0"/>
-                  </a:rPr>
-                  <a:t>TokenStream</a:t>
-                </a:r>
-                <a:r>
-                  <a:rPr lang="en-US" altLang="zh-CN" sz="1400" b="0" dirty="0">
-                    <a:effectLst/>
-                    <a:latin typeface="Consolas" panose="020B0609020204030204" pitchFamily="49" charset="0"/>
-                  </a:rPr>
-                  <a:t>) -&gt; </a:t>
-                </a:r>
-                <a:r>
-                  <a:rPr lang="en-US" altLang="zh-CN" sz="1400" b="0" dirty="0" err="1">
-                    <a:effectLst/>
-                    <a:latin typeface="Consolas" panose="020B0609020204030204" pitchFamily="49" charset="0"/>
-                  </a:rPr>
-                  <a:t>TokenStream</a:t>
-                </a:r>
-                <a:r>
-                  <a:rPr lang="en-US" altLang="zh-CN" sz="1400" b="0" dirty="0">
-                    <a:effectLst/>
-                    <a:latin typeface="Consolas" panose="020B0609020204030204" pitchFamily="49" charset="0"/>
-                  </a:rPr>
-                  <a:t> {</a:t>
+                  <a:t>: TS) </a:t>
                 </a:r>
               </a:p>
               <a:p>
                 <a:r>
-                  <a:rPr lang="en-US" altLang="zh-CN" sz="1400" b="0" dirty="0">
+                  <a:rPr lang="en-US" altLang="zh-CN" sz="2000" b="0" dirty="0">
                     <a:effectLst/>
                     <a:latin typeface="Consolas" panose="020B0609020204030204" pitchFamily="49" charset="0"/>
                   </a:rPr>
-                  <a:t>    module::module(</a:t>
+                  <a:t>-&gt; TS { inner(</a:t>
                 </a:r>
                 <a:r>
-                  <a:rPr lang="en-US" altLang="zh-CN" sz="1400" b="0" dirty="0" err="1">
+                  <a:rPr lang="en-US" altLang="zh-CN" sz="2000" b="0" dirty="0" err="1">
                     <a:effectLst/>
                     <a:latin typeface="Consolas" panose="020B0609020204030204" pitchFamily="49" charset="0"/>
                   </a:rPr>
                   <a:t>ts</a:t>
                 </a:r>
                 <a:r>
-                  <a:rPr lang="en-US" altLang="zh-CN" sz="1400" b="0" dirty="0">
+                  <a:rPr lang="en-US" altLang="zh-CN" sz="2000" b="0" dirty="0">
                     <a:effectLst/>
                     <a:latin typeface="Consolas" panose="020B0609020204030204" pitchFamily="49" charset="0"/>
                   </a:rPr>
-                  <a:t>)</a:t>
-                </a:r>
-              </a:p>
-              <a:p>
-                <a:r>
-                  <a:rPr lang="en-US" altLang="zh-CN" sz="1400" b="0" dirty="0">
-                    <a:effectLst/>
-                    <a:latin typeface="Consolas" panose="020B0609020204030204" pitchFamily="49" charset="0"/>
-                  </a:rPr>
-                  <a:t>}</a:t>
+                  <a:t>) }</a:t>
                 </a:r>
               </a:p>
             </p:txBody>
@@ -8575,10 +7995,10 @@
       </p:grpSp>
       <p:grpSp>
         <p:nvGrpSpPr>
-          <p:cNvPr id="80" name="组合 79">
+          <p:cNvPr id="77" name="组合 76">
             <a:extLst>
               <a:ext uri="{FF2B5EF4-FFF2-40B4-BE49-F238E27FC236}">
-                <a16:creationId xmlns:a16="http://schemas.microsoft.com/office/drawing/2014/main" id="{9F77306A-0461-49C2-A34D-D66BA75445E2}"/>
+                <a16:creationId xmlns:a16="http://schemas.microsoft.com/office/drawing/2014/main" id="{C1A28262-5C4C-4924-9425-28A08B6A2C35}"/>
               </a:ext>
             </a:extLst>
           </p:cNvPr>
@@ -8587,18 +8007,18 @@
         </p:nvGrpSpPr>
         <p:grpSpPr>
           <a:xfrm>
-            <a:off x="-3630003" y="5779773"/>
-            <a:ext cx="4468880" cy="1401538"/>
+            <a:off x="11101997" y="11329673"/>
+            <a:ext cx="4414516" cy="1384306"/>
             <a:chOff x="-3852884" y="3346928"/>
-            <a:chExt cx="4468880" cy="1401538"/>
+            <a:chExt cx="4414516" cy="1384306"/>
           </a:xfrm>
         </p:grpSpPr>
         <p:sp>
           <p:nvSpPr>
-            <p:cNvPr id="81" name="矩形 80">
+            <p:cNvPr id="78" name="矩形 77">
               <a:extLst>
                 <a:ext uri="{FF2B5EF4-FFF2-40B4-BE49-F238E27FC236}">
-                  <a16:creationId xmlns:a16="http://schemas.microsoft.com/office/drawing/2014/main" id="{10D71FAA-4141-4DF1-ACC8-5E41F4BDF63D}"/>
+                  <a16:creationId xmlns:a16="http://schemas.microsoft.com/office/drawing/2014/main" id="{5BB7614D-1A06-45D2-A86F-236AAD3C2862}"/>
                 </a:ext>
               </a:extLst>
             </p:cNvPr>
@@ -8655,10 +8075,10 @@
         </p:sp>
         <p:grpSp>
           <p:nvGrpSpPr>
-            <p:cNvPr id="82" name="组合 81">
+            <p:cNvPr id="79" name="组合 78">
               <a:extLst>
                 <a:ext uri="{FF2B5EF4-FFF2-40B4-BE49-F238E27FC236}">
-                  <a16:creationId xmlns:a16="http://schemas.microsoft.com/office/drawing/2014/main" id="{9FABD818-5D53-4258-A4D5-B85621CB4DC1}"/>
+                  <a16:creationId xmlns:a16="http://schemas.microsoft.com/office/drawing/2014/main" id="{BD924E83-FF0D-4E37-922F-5ACBED1EFB74}"/>
                 </a:ext>
               </a:extLst>
             </p:cNvPr>
@@ -8667,19 +8087,19 @@
           </p:nvGrpSpPr>
           <p:grpSpPr>
             <a:xfrm>
-              <a:off x="-3772483" y="3454757"/>
-              <a:ext cx="4388479" cy="1293709"/>
-              <a:chOff x="124239" y="8138681"/>
-              <a:chExt cx="4388479" cy="1293709"/>
+              <a:off x="-3747963" y="3440797"/>
+              <a:ext cx="4309595" cy="1290437"/>
+              <a:chOff x="148759" y="8124721"/>
+              <a:chExt cx="4309595" cy="1290437"/>
             </a:xfrm>
           </p:grpSpPr>
           <p:sp>
             <p:nvSpPr>
-              <p:cNvPr id="83" name="动作按钮: 文档 82">
+              <p:cNvPr id="80" name="动作按钮: 文档 79">
                 <a:hlinkClick r:id="" action="ppaction://noaction" highlightClick="1"/>
                 <a:extLst>
                   <a:ext uri="{FF2B5EF4-FFF2-40B4-BE49-F238E27FC236}">
-                    <a16:creationId xmlns:a16="http://schemas.microsoft.com/office/drawing/2014/main" id="{8B4C7B4F-0426-474E-9B0F-608FE9917901}"/>
+                    <a16:creationId xmlns:a16="http://schemas.microsoft.com/office/drawing/2014/main" id="{78186B4C-47E9-40EE-8730-36D2E643B2F2}"/>
                   </a:ext>
                 </a:extLst>
               </p:cNvPr>
@@ -8742,10 +8162,10 @@
           </p:sp>
           <p:sp>
             <p:nvSpPr>
-              <p:cNvPr id="84" name="文本框 83">
+              <p:cNvPr id="81" name="文本框 80">
                 <a:extLst>
                   <a:ext uri="{FF2B5EF4-FFF2-40B4-BE49-F238E27FC236}">
-                    <a16:creationId xmlns:a16="http://schemas.microsoft.com/office/drawing/2014/main" id="{9A714F78-A54A-45B3-9D5A-E666F9E1C046}"/>
+                    <a16:creationId xmlns:a16="http://schemas.microsoft.com/office/drawing/2014/main" id="{30CE2EFF-1C7C-4E56-BDDB-A2EC5CB55377}"/>
                   </a:ext>
                 </a:extLst>
               </p:cNvPr>
@@ -8754,8 +8174,8 @@
             </p:nvSpPr>
             <p:spPr>
               <a:xfrm>
-                <a:off x="124239" y="9063058"/>
-                <a:ext cx="2170584" cy="369332"/>
+                <a:off x="148759" y="8953493"/>
+                <a:ext cx="3023391" cy="461665"/>
               </a:xfrm>
               <a:prstGeom prst="rect">
                 <a:avLst/>
@@ -8769,7 +8189,7 @@
               <a:lstStyle/>
               <a:p>
                 <a:r>
-                  <a:rPr lang="en-US" altLang="zh-CN" sz="1800" dirty="0" err="1">
+                  <a:rPr lang="en-US" altLang="zh-CN" sz="2400" b="1" dirty="0" err="1">
                     <a:solidFill>
                       <a:srgbClr val="3B3B3B"/>
                     </a:solidFill>
@@ -8778,7 +8198,7 @@
                   <a:t>builtin</a:t>
                 </a:r>
                 <a:r>
-                  <a:rPr lang="en-US" altLang="zh-CN" sz="1800" dirty="0">
+                  <a:rPr lang="en-US" altLang="zh-CN" sz="2400" b="1" dirty="0">
                     <a:solidFill>
                       <a:srgbClr val="3B3B3B"/>
                     </a:solidFill>
@@ -8791,10 +8211,10 @@
           </p:sp>
           <p:sp>
             <p:nvSpPr>
-              <p:cNvPr id="85" name="文本框 84">
+              <p:cNvPr id="82" name="文本框 81">
                 <a:extLst>
                   <a:ext uri="{FF2B5EF4-FFF2-40B4-BE49-F238E27FC236}">
-                    <a16:creationId xmlns:a16="http://schemas.microsoft.com/office/drawing/2014/main" id="{236E69CD-01A2-4416-B386-917CAF3AC9FA}"/>
+                    <a16:creationId xmlns:a16="http://schemas.microsoft.com/office/drawing/2014/main" id="{F0DAF8F4-3CFB-42F0-9F75-258A03F36F6F}"/>
                   </a:ext>
                 </a:extLst>
               </p:cNvPr>
@@ -8803,8 +8223,8 @@
             </p:nvSpPr>
             <p:spPr>
               <a:xfrm>
-                <a:off x="1389030" y="8138681"/>
-                <a:ext cx="3123688" cy="954107"/>
+                <a:off x="1328599" y="8124721"/>
+                <a:ext cx="3129755" cy="707886"/>
               </a:xfrm>
               <a:prstGeom prst="rect">
                 <a:avLst/>
@@ -8818,51 +8238,18 @@
               <a:lstStyle/>
               <a:p>
                 <a:r>
-                  <a:rPr lang="en-US" altLang="zh-CN" sz="1400" b="0" dirty="0" err="1">
-                    <a:effectLst/>
-                    <a:latin typeface="Consolas" panose="020B0609020204030204" pitchFamily="49" charset="0"/>
-                  </a:rPr>
-                  <a:t>macro_rules</a:t>
-                </a:r>
-                <a:r>
-                  <a:rPr lang="en-US" altLang="zh-CN" sz="1400" b="0" dirty="0">
-                    <a:effectLst/>
-                    <a:latin typeface="Consolas" panose="020B0609020204030204" pitchFamily="49" charset="0"/>
-                  </a:rPr>
-                  <a:t>! </a:t>
-                </a:r>
-              </a:p>
-              <a:p>
-                <a:r>
-                  <a:rPr lang="en-US" altLang="zh-CN" sz="1400" b="0" dirty="0" err="1">
+                  <a:rPr lang="en-US" altLang="zh-CN" sz="2000" b="0" dirty="0" err="1">
                     <a:effectLst/>
                     <a:latin typeface="Consolas" panose="020B0609020204030204" pitchFamily="49" charset="0"/>
                   </a:rPr>
                   <a:t>define_panicking_intrinsics</a:t>
                 </a:r>
                 <a:r>
-                  <a:rPr lang="en-US" altLang="zh-CN" sz="1400" b="0" dirty="0">
+                  <a:rPr lang="en-US" altLang="zh-CN" sz="2000" b="0" dirty="0">
                     <a:effectLst/>
                     <a:latin typeface="Consolas" panose="020B0609020204030204" pitchFamily="49" charset="0"/>
                   </a:rPr>
-                  <a:t> (</a:t>
-                </a:r>
-              </a:p>
-              <a:p>
-                <a:r>
-                  <a:rPr lang="en-US" altLang="zh-CN" sz="1400" dirty="0">
-                    <a:latin typeface="Consolas" panose="020B0609020204030204" pitchFamily="49" charset="0"/>
-                  </a:rPr>
-                  <a:t>    	……</a:t>
-                </a:r>
-              </a:p>
-              <a:p>
-                <a:r>
-                  <a:rPr lang="en-US" altLang="zh-CN" sz="1400" b="0" dirty="0">
-                    <a:effectLst/>
-                    <a:latin typeface="Consolas" panose="020B0609020204030204" pitchFamily="49" charset="0"/>
-                  </a:rPr>
-                  <a:t>);</a:t>
+                  <a:t> (……);</a:t>
                 </a:r>
               </a:p>
             </p:txBody>
@@ -8871,10 +8258,10 @@
       </p:grpSp>
       <p:sp>
         <p:nvSpPr>
-          <p:cNvPr id="86" name="文本框 85">
+          <p:cNvPr id="83" name="文本框 82">
             <a:extLst>
               <a:ext uri="{FF2B5EF4-FFF2-40B4-BE49-F238E27FC236}">
-                <a16:creationId xmlns:a16="http://schemas.microsoft.com/office/drawing/2014/main" id="{4CF7B981-F56D-45EB-AD7A-7A9A4C879946}"/>
+                <a16:creationId xmlns:a16="http://schemas.microsoft.com/office/drawing/2014/main" id="{7AF20F28-61AF-43E8-AF0D-4C6814F1F042}"/>
               </a:ext>
             </a:extLst>
           </p:cNvPr>
@@ -8883,8 +8270,8 @@
         </p:nvSpPr>
         <p:spPr>
           <a:xfrm>
-            <a:off x="-4528360" y="7337344"/>
-            <a:ext cx="2170584" cy="369332"/>
+            <a:off x="10203640" y="12887244"/>
+            <a:ext cx="2170584" cy="461665"/>
           </a:xfrm>
           <a:prstGeom prst="rect">
             <a:avLst/>
@@ -8898,7 +8285,7 @@
           <a:lstStyle/>
           <a:p>
             <a:r>
-              <a:rPr lang="en-US" altLang="zh-CN" sz="1800" dirty="0">
+              <a:rPr lang="en-US" altLang="zh-CN" sz="2400" dirty="0">
                 <a:solidFill>
                   <a:srgbClr val="3B3B3B"/>
                 </a:solidFill>
@@ -8911,10 +8298,10 @@
       </p:sp>
       <p:sp>
         <p:nvSpPr>
-          <p:cNvPr id="87" name="文本框 86">
+          <p:cNvPr id="84" name="文本框 83">
             <a:extLst>
               <a:ext uri="{FF2B5EF4-FFF2-40B4-BE49-F238E27FC236}">
-                <a16:creationId xmlns:a16="http://schemas.microsoft.com/office/drawing/2014/main" id="{7EF450FA-09EC-480E-8651-D5EBDBFE1767}"/>
+                <a16:creationId xmlns:a16="http://schemas.microsoft.com/office/drawing/2014/main" id="{3314D2B4-06D9-480D-AC3F-2A6DB4A18B04}"/>
               </a:ext>
             </a:extLst>
           </p:cNvPr>
@@ -8923,8 +8310,8 @@
         </p:nvSpPr>
         <p:spPr>
           <a:xfrm>
-            <a:off x="4590240" y="7294194"/>
-            <a:ext cx="2170584" cy="369332"/>
+            <a:off x="19322240" y="12844094"/>
+            <a:ext cx="2170584" cy="461665"/>
           </a:xfrm>
           <a:prstGeom prst="rect">
             <a:avLst/>
@@ -8938,7 +8325,7 @@
           <a:lstStyle/>
           <a:p>
             <a:r>
-              <a:rPr lang="en-US" altLang="zh-CN" sz="1800" dirty="0">
+              <a:rPr lang="en-US" altLang="zh-CN" sz="2400" dirty="0">
                 <a:solidFill>
                   <a:srgbClr val="3B3B3B"/>
                 </a:solidFill>
@@ -8951,10 +8338,10 @@
       </p:sp>
       <p:sp>
         <p:nvSpPr>
-          <p:cNvPr id="88" name="文本框 87">
+          <p:cNvPr id="85" name="文本框 84">
             <a:extLst>
               <a:ext uri="{FF2B5EF4-FFF2-40B4-BE49-F238E27FC236}">
-                <a16:creationId xmlns:a16="http://schemas.microsoft.com/office/drawing/2014/main" id="{B32343B9-EAE1-4B5A-A0BB-352813C335F2}"/>
+                <a16:creationId xmlns:a16="http://schemas.microsoft.com/office/drawing/2014/main" id="{1E0891DD-934E-4399-8B5F-EDDA52AF7F5F}"/>
               </a:ext>
             </a:extLst>
           </p:cNvPr>
@@ -8963,8 +8350,8 @@
         </p:nvSpPr>
         <p:spPr>
           <a:xfrm>
-            <a:off x="11445708" y="7294194"/>
-            <a:ext cx="2170584" cy="369332"/>
+            <a:off x="26177708" y="12844094"/>
+            <a:ext cx="2170584" cy="461665"/>
           </a:xfrm>
           <a:prstGeom prst="rect">
             <a:avLst/>
@@ -8978,7 +8365,7 @@
           <a:lstStyle/>
           <a:p>
             <a:r>
-              <a:rPr lang="en-US" altLang="zh-CN" sz="1800" dirty="0">
+              <a:rPr lang="en-US" altLang="zh-CN" sz="2400" dirty="0">
                 <a:solidFill>
                   <a:srgbClr val="3B3B3B"/>
                 </a:solidFill>
@@ -8989,10 +8376,58 @@
           </a:p>
         </p:txBody>
       </p:sp>
+      <p:cxnSp>
+        <p:nvCxnSpPr>
+          <p:cNvPr id="86" name="连接符: 曲线 85">
+            <a:extLst>
+              <a:ext uri="{FF2B5EF4-FFF2-40B4-BE49-F238E27FC236}">
+                <a16:creationId xmlns:a16="http://schemas.microsoft.com/office/drawing/2014/main" id="{1CC0AEB9-F3B4-46E7-9833-C1F55A26150A}"/>
+              </a:ext>
+            </a:extLst>
+          </p:cNvPr>
+          <p:cNvCxnSpPr>
+            <a:cxnSpLocks/>
+            <a:stCxn id="15" idx="3"/>
+            <a:endCxn id="10" idx="1"/>
+          </p:cNvCxnSpPr>
+          <p:nvPr/>
+        </p:nvCxnSpPr>
+        <p:spPr>
+          <a:xfrm flipV="1">
+            <a:off x="16721454" y="8520400"/>
+            <a:ext cx="305144" cy="9239"/>
+          </a:xfrm>
+          <a:prstGeom prst="curvedConnector3">
+            <a:avLst>
+              <a:gd name="adj1" fmla="val 50000"/>
+            </a:avLst>
+          </a:prstGeom>
+          <a:ln w="57150">
+            <a:solidFill>
+              <a:schemeClr val="tx1"/>
+            </a:solidFill>
+            <a:tailEnd type="triangle"/>
+          </a:ln>
+        </p:spPr>
+        <p:style>
+          <a:lnRef idx="1">
+            <a:schemeClr val="accent1"/>
+          </a:lnRef>
+          <a:fillRef idx="0">
+            <a:schemeClr val="accent1"/>
+          </a:fillRef>
+          <a:effectRef idx="0">
+            <a:schemeClr val="accent1"/>
+          </a:effectRef>
+          <a:fontRef idx="minor">
+            <a:schemeClr val="tx1"/>
+          </a:fontRef>
+        </p:style>
+      </p:cxnSp>
     </p:spTree>
     <p:extLst>
       <p:ext uri="{BB962C8B-B14F-4D97-AF65-F5344CB8AC3E}">
-        <p14:creationId xmlns:p14="http://schemas.microsoft.com/office/powerpoint/2010/main" val="1976586759"/>
+        <p14:creationId xmlns:p14="http://schemas.microsoft.com/office/powerpoint/2010/main" val="3365343919"/>
       </p:ext>
     </p:extLst>
   </p:cSld>
@@ -9005,7 +8440,7 @@
 <file path=ppt/theme/theme1.xml><?xml version="1.0" encoding="utf-8"?>
 <a:theme xmlns:a="http://schemas.openxmlformats.org/drawingml/2006/main" name="Office 主题​​">
   <a:themeElements>
-    <a:clrScheme name="Office">
+    <a:clrScheme name="Office 主题​​">
       <a:dk1>
         <a:sysClr val="windowText" lastClr="000000"/>
       </a:dk1>
@@ -9043,9 +8478,9 @@
         <a:srgbClr val="954F72"/>
       </a:folHlink>
     </a:clrScheme>
-    <a:fontScheme name="Office">
+    <a:fontScheme name="Office 主题​​">
       <a:majorFont>
-        <a:latin typeface="等线 Light" panose="020F0302020204030204"/>
+        <a:latin typeface="Calibri Light" panose="020F0302020204030204"/>
         <a:ea typeface=""/>
         <a:cs typeface=""/>
         <a:font script="Jpan" typeface="游ゴシック Light"/>
@@ -9078,26 +8513,9 @@
         <a:font script="Viet" typeface="Times New Roman"/>
         <a:font script="Uigh" typeface="Microsoft Uighur"/>
         <a:font script="Geor" typeface="Sylfaen"/>
-        <a:font script="Armn" typeface="Arial"/>
-        <a:font script="Bugi" typeface="Leelawadee UI"/>
-        <a:font script="Bopo" typeface="Microsoft JhengHei"/>
-        <a:font script="Java" typeface="Javanese Text"/>
-        <a:font script="Lisu" typeface="Segoe UI"/>
-        <a:font script="Mymr" typeface="Myanmar Text"/>
-        <a:font script="Nkoo" typeface="Ebrima"/>
-        <a:font script="Olck" typeface="Nirmala UI"/>
-        <a:font script="Osma" typeface="Ebrima"/>
-        <a:font script="Phag" typeface="Phagspa"/>
-        <a:font script="Syrn" typeface="Estrangelo Edessa"/>
-        <a:font script="Syrj" typeface="Estrangelo Edessa"/>
-        <a:font script="Syre" typeface="Estrangelo Edessa"/>
-        <a:font script="Sora" typeface="Nirmala UI"/>
-        <a:font script="Tale" typeface="Microsoft Tai Le"/>
-        <a:font script="Talu" typeface="Microsoft New Tai Lue"/>
-        <a:font script="Tfng" typeface="Ebrima"/>
       </a:majorFont>
       <a:minorFont>
-        <a:latin typeface="等线" panose="020F0502020204030204"/>
+        <a:latin typeface="Calibri" panose="020F0502020204030204"/>
         <a:ea typeface=""/>
         <a:cs typeface=""/>
         <a:font script="Jpan" typeface="游ゴシック"/>
@@ -9130,26 +8548,9 @@
         <a:font script="Viet" typeface="Arial"/>
         <a:font script="Uigh" typeface="Microsoft Uighur"/>
         <a:font script="Geor" typeface="Sylfaen"/>
-        <a:font script="Armn" typeface="Arial"/>
-        <a:font script="Bugi" typeface="Leelawadee UI"/>
-        <a:font script="Bopo" typeface="Microsoft JhengHei"/>
-        <a:font script="Java" typeface="Javanese Text"/>
-        <a:font script="Lisu" typeface="Segoe UI"/>
-        <a:font script="Mymr" typeface="Myanmar Text"/>
-        <a:font script="Nkoo" typeface="Ebrima"/>
-        <a:font script="Olck" typeface="Nirmala UI"/>
-        <a:font script="Osma" typeface="Ebrima"/>
-        <a:font script="Phag" typeface="Phagspa"/>
-        <a:font script="Syrn" typeface="Estrangelo Edessa"/>
-        <a:font script="Syrj" typeface="Estrangelo Edessa"/>
-        <a:font script="Syre" typeface="Estrangelo Edessa"/>
-        <a:font script="Sora" typeface="Nirmala UI"/>
-        <a:font script="Tale" typeface="Microsoft Tai Le"/>
-        <a:font script="Talu" typeface="Microsoft New Tai Lue"/>
-        <a:font script="Tfng" typeface="Ebrima"/>
       </a:minorFont>
     </a:fontScheme>
-    <a:fmtScheme name="Office">
+    <a:fmtScheme name="Office 主题​​">
       <a:fillStyleLst>
         <a:solidFill>
           <a:schemeClr val="phClr"/>
@@ -9295,4 +8696,257 @@
     </a:ext>
   </a:extLst>
 </a:theme>
+</file>
+
+<file path=customXml/item1.xml><?xml version="1.0" encoding="utf-8"?>
+<p:properties xmlns:p="http://schemas.microsoft.com/office/2006/metadata/properties" xmlns:xsi="http://www.w3.org/2001/XMLSchema-instance" xmlns:pc="http://schemas.microsoft.com/office/infopath/2007/PartnerControls">
+  <documentManagement>
+    <_activity xmlns="7f1e91d4-8965-4162-96ab-05d4f423f3e9" xsi:nil="true"/>
+  </documentManagement>
+</p:properties>
+</file>
+
+<file path=customXml/item2.xml><?xml version="1.0" encoding="utf-8"?>
+<?mso-contentType ?>
+<FormTemplates xmlns="http://schemas.microsoft.com/sharepoint/v3/contenttype/forms">
+  <Display>DocumentLibraryForm</Display>
+  <Edit>DocumentLibraryForm</Edit>
+  <New>DocumentLibraryForm</New>
+</FormTemplates>
+</file>
+
+<file path=customXml/item3.xml><?xml version="1.0" encoding="utf-8"?>
+<ct:contentTypeSchema xmlns:ct="http://schemas.microsoft.com/office/2006/metadata/contentType" xmlns:ma="http://schemas.microsoft.com/office/2006/metadata/properties/metaAttributes" ct:_="" ma:_="" ma:contentTypeName="文档" ma:contentTypeID="0x0101001FA2FAB868093B48B49369FF899BC4E9" ma:contentTypeVersion="12" ma:contentTypeDescription="新建文档。" ma:contentTypeScope="" ma:versionID="611d5f9003961d08b5f0892d6bb2d7da">
+  <xsd:schema xmlns:xsd="http://www.w3.org/2001/XMLSchema" xmlns:xs="http://www.w3.org/2001/XMLSchema" xmlns:p="http://schemas.microsoft.com/office/2006/metadata/properties" xmlns:ns3="7f1e91d4-8965-4162-96ab-05d4f423f3e9" targetNamespace="http://schemas.microsoft.com/office/2006/metadata/properties" ma:root="true" ma:fieldsID="723836bf041ddf392754109e4833b2b2" ns3:_="">
+    <xsd:import namespace="7f1e91d4-8965-4162-96ab-05d4f423f3e9"/>
+    <xsd:element name="properties">
+      <xsd:complexType>
+        <xsd:sequence>
+          <xsd:element name="documentManagement">
+            <xsd:complexType>
+              <xsd:all>
+                <xsd:element ref="ns3:MediaServiceMetadata" minOccurs="0"/>
+                <xsd:element ref="ns3:MediaServiceFastMetadata" minOccurs="0"/>
+                <xsd:element ref="ns3:MediaServiceObjectDetectorVersions" minOccurs="0"/>
+                <xsd:element ref="ns3:MediaServiceAutoTags" minOccurs="0"/>
+                <xsd:element ref="ns3:MediaServiceOCR" minOccurs="0"/>
+                <xsd:element ref="ns3:MediaServiceGenerationTime" minOccurs="0"/>
+                <xsd:element ref="ns3:MediaServiceEventHashCode" minOccurs="0"/>
+                <xsd:element ref="ns3:MediaServiceSystemTags" minOccurs="0"/>
+                <xsd:element ref="ns3:MediaServiceDateTaken" minOccurs="0"/>
+                <xsd:element ref="ns3:MediaLengthInSeconds" minOccurs="0"/>
+                <xsd:element ref="ns3:MediaServiceLocation" minOccurs="0"/>
+                <xsd:element ref="ns3:_activity" minOccurs="0"/>
+              </xsd:all>
+            </xsd:complexType>
+          </xsd:element>
+        </xsd:sequence>
+      </xsd:complexType>
+    </xsd:element>
+  </xsd:schema>
+  <xsd:schema xmlns:xsd="http://www.w3.org/2001/XMLSchema" xmlns:xs="http://www.w3.org/2001/XMLSchema" xmlns:dms="http://schemas.microsoft.com/office/2006/documentManagement/types" xmlns:pc="http://schemas.microsoft.com/office/infopath/2007/PartnerControls" targetNamespace="7f1e91d4-8965-4162-96ab-05d4f423f3e9" elementFormDefault="qualified">
+    <xsd:import namespace="http://schemas.microsoft.com/office/2006/documentManagement/types"/>
+    <xsd:import namespace="http://schemas.microsoft.com/office/infopath/2007/PartnerControls"/>
+    <xsd:element name="MediaServiceMetadata" ma:index="8" nillable="true" ma:displayName="MediaServiceMetadata" ma:hidden="true" ma:internalName="MediaServiceMetadata" ma:readOnly="true">
+      <xsd:simpleType>
+        <xsd:restriction base="dms:Note"/>
+      </xsd:simpleType>
+    </xsd:element>
+    <xsd:element name="MediaServiceFastMetadata" ma:index="9" nillable="true" ma:displayName="MediaServiceFastMetadata" ma:hidden="true" ma:internalName="MediaServiceFastMetadata" ma:readOnly="true">
+      <xsd:simpleType>
+        <xsd:restriction base="dms:Note"/>
+      </xsd:simpleType>
+    </xsd:element>
+    <xsd:element name="MediaServiceObjectDetectorVersions" ma:index="10" nillable="true" ma:displayName="MediaServiceObjectDetectorVersions" ma:hidden="true" ma:indexed="true" ma:internalName="MediaServiceObjectDetectorVersions" ma:readOnly="true">
+      <xsd:simpleType>
+        <xsd:restriction base="dms:Text"/>
+      </xsd:simpleType>
+    </xsd:element>
+    <xsd:element name="MediaServiceAutoTags" ma:index="11" nillable="true" ma:displayName="Tags" ma:internalName="MediaServiceAutoTags" ma:readOnly="true">
+      <xsd:simpleType>
+        <xsd:restriction base="dms:Text"/>
+      </xsd:simpleType>
+    </xsd:element>
+    <xsd:element name="MediaServiceOCR" ma:index="12" nillable="true" ma:displayName="Extracted Text" ma:internalName="MediaServiceOCR" ma:readOnly="true">
+      <xsd:simpleType>
+        <xsd:restriction base="dms:Note">
+          <xsd:maxLength value="255"/>
+        </xsd:restriction>
+      </xsd:simpleType>
+    </xsd:element>
+    <xsd:element name="MediaServiceGenerationTime" ma:index="13" nillable="true" ma:displayName="MediaServiceGenerationTime" ma:hidden="true" ma:internalName="MediaServiceGenerationTime" ma:readOnly="true">
+      <xsd:simpleType>
+        <xsd:restriction base="dms:Text"/>
+      </xsd:simpleType>
+    </xsd:element>
+    <xsd:element name="MediaServiceEventHashCode" ma:index="14" nillable="true" ma:displayName="MediaServiceEventHashCode" ma:hidden="true" ma:internalName="MediaServiceEventHashCode" ma:readOnly="true">
+      <xsd:simpleType>
+        <xsd:restriction base="dms:Text"/>
+      </xsd:simpleType>
+    </xsd:element>
+    <xsd:element name="MediaServiceSystemTags" ma:index="15" nillable="true" ma:displayName="MediaServiceSystemTags" ma:hidden="true" ma:internalName="MediaServiceSystemTags" ma:readOnly="true">
+      <xsd:simpleType>
+        <xsd:restriction base="dms:Note"/>
+      </xsd:simpleType>
+    </xsd:element>
+    <xsd:element name="MediaServiceDateTaken" ma:index="16" nillable="true" ma:displayName="MediaServiceDateTaken" ma:hidden="true" ma:indexed="true" ma:internalName="MediaServiceDateTaken" ma:readOnly="true">
+      <xsd:simpleType>
+        <xsd:restriction base="dms:Text"/>
+      </xsd:simpleType>
+    </xsd:element>
+    <xsd:element name="MediaLengthInSeconds" ma:index="17" nillable="true" ma:displayName="MediaLengthInSeconds" ma:hidden="true" ma:internalName="MediaLengthInSeconds" ma:readOnly="true">
+      <xsd:simpleType>
+        <xsd:restriction base="dms:Unknown"/>
+      </xsd:simpleType>
+    </xsd:element>
+    <xsd:element name="MediaServiceLocation" ma:index="18" nillable="true" ma:displayName="Location" ma:indexed="true" ma:internalName="MediaServiceLocation" ma:readOnly="true">
+      <xsd:simpleType>
+        <xsd:restriction base="dms:Text"/>
+      </xsd:simpleType>
+    </xsd:element>
+    <xsd:element name="_activity" ma:index="19" nillable="true" ma:displayName="_activity" ma:hidden="true" ma:internalName="_activity">
+      <xsd:simpleType>
+        <xsd:restriction base="dms:Note"/>
+      </xsd:simpleType>
+    </xsd:element>
+  </xsd:schema>
+  <xsd:schema xmlns="http://schemas.openxmlformats.org/package/2006/metadata/core-properties" xmlns:xsd="http://www.w3.org/2001/XMLSchema" xmlns:xsi="http://www.w3.org/2001/XMLSchema-instance" xmlns:dc="http://purl.org/dc/elements/1.1/" xmlns:dcterms="http://purl.org/dc/terms/" xmlns:odoc="http://schemas.microsoft.com/internal/obd" targetNamespace="http://schemas.openxmlformats.org/package/2006/metadata/core-properties" elementFormDefault="qualified" attributeFormDefault="unqualified" blockDefault="#all">
+    <xsd:import namespace="http://purl.org/dc/elements/1.1/" schemaLocation="http://dublincore.org/schemas/xmls/qdc/2003/04/02/dc.xsd"/>
+    <xsd:import namespace="http://purl.org/dc/terms/" schemaLocation="http://dublincore.org/schemas/xmls/qdc/2003/04/02/dcterms.xsd"/>
+    <xsd:element name="coreProperties" type="CT_coreProperties"/>
+    <xsd:complexType name="CT_coreProperties">
+      <xsd:all>
+        <xsd:element ref="dc:creator" minOccurs="0" maxOccurs="1"/>
+        <xsd:element ref="dcterms:created" minOccurs="0" maxOccurs="1"/>
+        <xsd:element ref="dc:identifier" minOccurs="0" maxOccurs="1"/>
+        <xsd:element name="contentType" minOccurs="0" maxOccurs="1" type="xsd:string" ma:index="0" ma:displayName="内容类型"/>
+        <xsd:element ref="dc:title" minOccurs="0" maxOccurs="1" ma:index="4" ma:displayName="标题"/>
+        <xsd:element ref="dc:subject" minOccurs="0" maxOccurs="1"/>
+        <xsd:element ref="dc:description" minOccurs="0" maxOccurs="1"/>
+        <xsd:element name="keywords" minOccurs="0" maxOccurs="1" type="xsd:string"/>
+        <xsd:element ref="dc:language" minOccurs="0" maxOccurs="1"/>
+        <xsd:element name="category" minOccurs="0" maxOccurs="1" type="xsd:string"/>
+        <xsd:element name="version" minOccurs="0" maxOccurs="1" type="xsd:string"/>
+        <xsd:element name="revision" minOccurs="0" maxOccurs="1" type="xsd:string">
+          <xsd:annotation>
+            <xsd:documentation>
+                        This value indicates the number of saves or revisions. The application is responsible for updating this value after each revision.
+                    </xsd:documentation>
+          </xsd:annotation>
+        </xsd:element>
+        <xsd:element name="lastModifiedBy" minOccurs="0" maxOccurs="1" type="xsd:string"/>
+        <xsd:element ref="dcterms:modified" minOccurs="0" maxOccurs="1"/>
+        <xsd:element name="contentStatus" minOccurs="0" maxOccurs="1" type="xsd:string"/>
+      </xsd:all>
+    </xsd:complexType>
+  </xsd:schema>
+  <xs:schema xmlns:pc="http://schemas.microsoft.com/office/infopath/2007/PartnerControls" xmlns:xs="http://www.w3.org/2001/XMLSchema" targetNamespace="http://schemas.microsoft.com/office/infopath/2007/PartnerControls" elementFormDefault="qualified" attributeFormDefault="unqualified">
+    <xs:element name="Person">
+      <xs:complexType>
+        <xs:sequence>
+          <xs:element ref="pc:DisplayName" minOccurs="0"/>
+          <xs:element ref="pc:AccountId" minOccurs="0"/>
+          <xs:element ref="pc:AccountType" minOccurs="0"/>
+        </xs:sequence>
+      </xs:complexType>
+    </xs:element>
+    <xs:element name="DisplayName" type="xs:string"/>
+    <xs:element name="AccountId" type="xs:string"/>
+    <xs:element name="AccountType" type="xs:string"/>
+    <xs:element name="BDCAssociatedEntity">
+      <xs:complexType>
+        <xs:sequence>
+          <xs:element ref="pc:BDCEntity" minOccurs="0" maxOccurs="unbounded"/>
+        </xs:sequence>
+        <xs:attribute ref="pc:EntityNamespace"/>
+        <xs:attribute ref="pc:EntityName"/>
+        <xs:attribute ref="pc:SystemInstanceName"/>
+        <xs:attribute ref="pc:AssociationName"/>
+      </xs:complexType>
+    </xs:element>
+    <xs:attribute name="EntityNamespace" type="xs:string"/>
+    <xs:attribute name="EntityName" type="xs:string"/>
+    <xs:attribute name="SystemInstanceName" type="xs:string"/>
+    <xs:attribute name="AssociationName" type="xs:string"/>
+    <xs:element name="BDCEntity">
+      <xs:complexType>
+        <xs:sequence>
+          <xs:element ref="pc:EntityDisplayName" minOccurs="0"/>
+          <xs:element ref="pc:EntityInstanceReference" minOccurs="0"/>
+          <xs:element ref="pc:EntityId1" minOccurs="0"/>
+          <xs:element ref="pc:EntityId2" minOccurs="0"/>
+          <xs:element ref="pc:EntityId3" minOccurs="0"/>
+          <xs:element ref="pc:EntityId4" minOccurs="0"/>
+          <xs:element ref="pc:EntityId5" minOccurs="0"/>
+        </xs:sequence>
+      </xs:complexType>
+    </xs:element>
+    <xs:element name="EntityDisplayName" type="xs:string"/>
+    <xs:element name="EntityInstanceReference" type="xs:string"/>
+    <xs:element name="EntityId1" type="xs:string"/>
+    <xs:element name="EntityId2" type="xs:string"/>
+    <xs:element name="EntityId3" type="xs:string"/>
+    <xs:element name="EntityId4" type="xs:string"/>
+    <xs:element name="EntityId5" type="xs:string"/>
+    <xs:element name="Terms">
+      <xs:complexType>
+        <xs:sequence>
+          <xs:element ref="pc:TermInfo" minOccurs="0" maxOccurs="unbounded"/>
+        </xs:sequence>
+      </xs:complexType>
+    </xs:element>
+    <xs:element name="TermInfo">
+      <xs:complexType>
+        <xs:sequence>
+          <xs:element ref="pc:TermName" minOccurs="0"/>
+          <xs:element ref="pc:TermId" minOccurs="0"/>
+        </xs:sequence>
+      </xs:complexType>
+    </xs:element>
+    <xs:element name="TermName" type="xs:string"/>
+    <xs:element name="TermId" type="xs:string"/>
+  </xs:schema>
+</ct:contentTypeSchema>
+</file>
+
+<file path=customXml/itemProps1.xml><?xml version="1.0" encoding="utf-8"?>
+<ds:datastoreItem xmlns:ds="http://schemas.openxmlformats.org/officeDocument/2006/customXml" ds:itemID="{529E9D58-E641-47EC-8917-518285736DE5}">
+  <ds:schemaRefs>
+    <ds:schemaRef ds:uri="http://schemas.microsoft.com/office/2006/documentManagement/types"/>
+    <ds:schemaRef ds:uri="http://purl.org/dc/dcmitype/"/>
+    <ds:schemaRef ds:uri="http://schemas.microsoft.com/office/2006/metadata/properties"/>
+    <ds:schemaRef ds:uri="7f1e91d4-8965-4162-96ab-05d4f423f3e9"/>
+    <ds:schemaRef ds:uri="http://purl.org/dc/terms/"/>
+    <ds:schemaRef ds:uri="http://purl.org/dc/elements/1.1/"/>
+    <ds:schemaRef ds:uri="http://schemas.microsoft.com/office/infopath/2007/PartnerControls"/>
+    <ds:schemaRef ds:uri="http://schemas.openxmlformats.org/package/2006/metadata/core-properties"/>
+    <ds:schemaRef ds:uri="http://www.w3.org/XML/1998/namespace"/>
+  </ds:schemaRefs>
+</ds:datastoreItem>
+</file>
+
+<file path=customXml/itemProps2.xml><?xml version="1.0" encoding="utf-8"?>
+<ds:datastoreItem xmlns:ds="http://schemas.openxmlformats.org/officeDocument/2006/customXml" ds:itemID="{AE752F95-5A3B-4114-A7FE-E348DD38F056}">
+  <ds:schemaRefs>
+    <ds:schemaRef ds:uri="http://schemas.microsoft.com/sharepoint/v3/contenttype/forms"/>
+  </ds:schemaRefs>
+</ds:datastoreItem>
+</file>
+
+<file path=customXml/itemProps3.xml><?xml version="1.0" encoding="utf-8"?>
+<ds:datastoreItem xmlns:ds="http://schemas.openxmlformats.org/officeDocument/2006/customXml" ds:itemID="{F75E3408-2F66-4DF3-8266-01B647E1D9B8}">
+  <ds:schemaRefs>
+    <ds:schemaRef ds:uri="http://schemas.microsoft.com/office/2006/metadata/contentType"/>
+    <ds:schemaRef ds:uri="http://schemas.microsoft.com/office/2006/metadata/properties/metaAttributes"/>
+    <ds:schemaRef ds:uri="http://www.w3.org/2001/XMLSchema"/>
+    <ds:schemaRef ds:uri="http://schemas.microsoft.com/office/2006/metadata/properties"/>
+    <ds:schemaRef ds:uri="7f1e91d4-8965-4162-96ab-05d4f423f3e9"/>
+    <ds:schemaRef ds:uri="http://schemas.microsoft.com/office/2006/documentManagement/types"/>
+    <ds:schemaRef ds:uri="http://schemas.microsoft.com/office/infopath/2007/PartnerControls"/>
+    <ds:schemaRef ds:uri="http://schemas.openxmlformats.org/package/2006/metadata/core-properties"/>
+    <ds:schemaRef ds:uri="http://purl.org/dc/elements/1.1/"/>
+    <ds:schemaRef ds:uri="http://purl.org/dc/terms/"/>
+    <ds:schemaRef ds:uri="http://schemas.microsoft.com/internal/obd"/>
+  </ds:schemaRefs>
+</ds:datastoreItem>
 </file>
--- a/figures_ppt/figure2.pptx
+++ b/figures_ppt/figure2.pptx
@@ -7543,14 +7543,20 @@
           <a:p>
             <a:pPr algn="ctr"/>
             <a:r>
-              <a:rPr lang="en-US" altLang="zh-CN" sz="2400" b="1" dirty="0">
+              <a:rPr lang="en-US" altLang="zh-CN" sz="2400" b="1">
                 <a:solidFill>
                   <a:srgbClr val="3B3B3B"/>
                 </a:solidFill>
                 <a:latin typeface="Consolas" panose="020B0609020204030204" pitchFamily="49" charset="0"/>
               </a:rPr>
-              <a:t>Linux-</a:t>
-            </a:r>
+              <a:t>Linux</a:t>
+            </a:r>
+            <a:endParaRPr lang="en-US" altLang="zh-CN" sz="2400" b="1" dirty="0">
+              <a:solidFill>
+                <a:srgbClr val="3B3B3B"/>
+              </a:solidFill>
+              <a:latin typeface="Consolas" panose="020B0609020204030204" pitchFamily="49" charset="0"/>
+            </a:endParaRPr>
           </a:p>
           <a:p>
             <a:pPr algn="ctr"/>
@@ -8699,23 +8705,6 @@
 </file>
 
 <file path=customXml/item1.xml><?xml version="1.0" encoding="utf-8"?>
-<p:properties xmlns:p="http://schemas.microsoft.com/office/2006/metadata/properties" xmlns:xsi="http://www.w3.org/2001/XMLSchema-instance" xmlns:pc="http://schemas.microsoft.com/office/infopath/2007/PartnerControls">
-  <documentManagement>
-    <_activity xmlns="7f1e91d4-8965-4162-96ab-05d4f423f3e9" xsi:nil="true"/>
-  </documentManagement>
-</p:properties>
-</file>
-
-<file path=customXml/item2.xml><?xml version="1.0" encoding="utf-8"?>
-<?mso-contentType ?>
-<FormTemplates xmlns="http://schemas.microsoft.com/sharepoint/v3/contenttype/forms">
-  <Display>DocumentLibraryForm</Display>
-  <Edit>DocumentLibraryForm</Edit>
-  <New>DocumentLibraryForm</New>
-</FormTemplates>
-</file>
-
-<file path=customXml/item3.xml><?xml version="1.0" encoding="utf-8"?>
 <ct:contentTypeSchema xmlns:ct="http://schemas.microsoft.com/office/2006/metadata/contentType" xmlns:ma="http://schemas.microsoft.com/office/2006/metadata/properties/metaAttributes" ct:_="" ma:_="" ma:contentTypeName="文档" ma:contentTypeID="0x0101001FA2FAB868093B48B49369FF899BC4E9" ma:contentTypeVersion="12" ma:contentTypeDescription="新建文档。" ma:contentTypeScope="" ma:versionID="611d5f9003961d08b5f0892d6bb2d7da">
   <xsd:schema xmlns:xsd="http://www.w3.org/2001/XMLSchema" xmlns:xs="http://www.w3.org/2001/XMLSchema" xmlns:p="http://schemas.microsoft.com/office/2006/metadata/properties" xmlns:ns3="7f1e91d4-8965-4162-96ab-05d4f423f3e9" targetNamespace="http://schemas.microsoft.com/office/2006/metadata/properties" ma:root="true" ma:fieldsID="723836bf041ddf392754109e4833b2b2" ns3:_="">
     <xsd:import namespace="7f1e91d4-8965-4162-96ab-05d4f423f3e9"/>
@@ -8909,31 +8898,24 @@
 </ct:contentTypeSchema>
 </file>
 
-<file path=customXml/itemProps1.xml><?xml version="1.0" encoding="utf-8"?>
-<ds:datastoreItem xmlns:ds="http://schemas.openxmlformats.org/officeDocument/2006/customXml" ds:itemID="{529E9D58-E641-47EC-8917-518285736DE5}">
-  <ds:schemaRefs>
-    <ds:schemaRef ds:uri="http://schemas.microsoft.com/office/2006/documentManagement/types"/>
-    <ds:schemaRef ds:uri="http://purl.org/dc/dcmitype/"/>
-    <ds:schemaRef ds:uri="http://schemas.microsoft.com/office/2006/metadata/properties"/>
-    <ds:schemaRef ds:uri="7f1e91d4-8965-4162-96ab-05d4f423f3e9"/>
-    <ds:schemaRef ds:uri="http://purl.org/dc/terms/"/>
-    <ds:schemaRef ds:uri="http://purl.org/dc/elements/1.1/"/>
-    <ds:schemaRef ds:uri="http://schemas.microsoft.com/office/infopath/2007/PartnerControls"/>
-    <ds:schemaRef ds:uri="http://schemas.openxmlformats.org/package/2006/metadata/core-properties"/>
-    <ds:schemaRef ds:uri="http://www.w3.org/XML/1998/namespace"/>
-  </ds:schemaRefs>
-</ds:datastoreItem>
+<file path=customXml/item2.xml><?xml version="1.0" encoding="utf-8"?>
+<?mso-contentType ?>
+<FormTemplates xmlns="http://schemas.microsoft.com/sharepoint/v3/contenttype/forms">
+  <Display>DocumentLibraryForm</Display>
+  <Edit>DocumentLibraryForm</Edit>
+  <New>DocumentLibraryForm</New>
+</FormTemplates>
 </file>
 
-<file path=customXml/itemProps2.xml><?xml version="1.0" encoding="utf-8"?>
-<ds:datastoreItem xmlns:ds="http://schemas.openxmlformats.org/officeDocument/2006/customXml" ds:itemID="{AE752F95-5A3B-4114-A7FE-E348DD38F056}">
-  <ds:schemaRefs>
-    <ds:schemaRef ds:uri="http://schemas.microsoft.com/sharepoint/v3/contenttype/forms"/>
-  </ds:schemaRefs>
-</ds:datastoreItem>
+<file path=customXml/item3.xml><?xml version="1.0" encoding="utf-8"?>
+<p:properties xmlns:p="http://schemas.microsoft.com/office/2006/metadata/properties" xmlns:xsi="http://www.w3.org/2001/XMLSchema-instance" xmlns:pc="http://schemas.microsoft.com/office/infopath/2007/PartnerControls">
+  <documentManagement>
+    <_activity xmlns="7f1e91d4-8965-4162-96ab-05d4f423f3e9" xsi:nil="true"/>
+  </documentManagement>
+</p:properties>
 </file>
 
-<file path=customXml/itemProps3.xml><?xml version="1.0" encoding="utf-8"?>
+<file path=customXml/itemProps1.xml><?xml version="1.0" encoding="utf-8"?>
 <ds:datastoreItem xmlns:ds="http://schemas.openxmlformats.org/officeDocument/2006/customXml" ds:itemID="{F75E3408-2F66-4DF3-8266-01B647E1D9B8}">
   <ds:schemaRefs>
     <ds:schemaRef ds:uri="http://schemas.microsoft.com/office/2006/metadata/contentType"/>
@@ -8949,4 +8931,28 @@
     <ds:schemaRef ds:uri="http://schemas.microsoft.com/internal/obd"/>
   </ds:schemaRefs>
 </ds:datastoreItem>
+</file>
+
+<file path=customXml/itemProps2.xml><?xml version="1.0" encoding="utf-8"?>
+<ds:datastoreItem xmlns:ds="http://schemas.openxmlformats.org/officeDocument/2006/customXml" ds:itemID="{AE752F95-5A3B-4114-A7FE-E348DD38F056}">
+  <ds:schemaRefs>
+    <ds:schemaRef ds:uri="http://schemas.microsoft.com/sharepoint/v3/contenttype/forms"/>
+  </ds:schemaRefs>
+</ds:datastoreItem>
+</file>
+
+<file path=customXml/itemProps3.xml><?xml version="1.0" encoding="utf-8"?>
+<ds:datastoreItem xmlns:ds="http://schemas.openxmlformats.org/officeDocument/2006/customXml" ds:itemID="{529E9D58-E641-47EC-8917-518285736DE5}">
+  <ds:schemaRefs>
+    <ds:schemaRef ds:uri="http://schemas.microsoft.com/office/2006/documentManagement/types"/>
+    <ds:schemaRef ds:uri="http://purl.org/dc/dcmitype/"/>
+    <ds:schemaRef ds:uri="http://schemas.microsoft.com/office/2006/metadata/properties"/>
+    <ds:schemaRef ds:uri="7f1e91d4-8965-4162-96ab-05d4f423f3e9"/>
+    <ds:schemaRef ds:uri="http://purl.org/dc/terms/"/>
+    <ds:schemaRef ds:uri="http://purl.org/dc/elements/1.1/"/>
+    <ds:schemaRef ds:uri="http://schemas.microsoft.com/office/infopath/2007/PartnerControls"/>
+    <ds:schemaRef ds:uri="http://schemas.openxmlformats.org/package/2006/metadata/core-properties"/>
+    <ds:schemaRef ds:uri="http://www.w3.org/XML/1998/namespace"/>
+  </ds:schemaRefs>
+</ds:datastoreItem>
 </file>
--- a/figures_ppt/figure2.pptx
+++ b/figures_ppt/figure2.pptx
@@ -6,6 +6,7 @@
   </p:sldMasterIdLst>
   <p:sldIdLst>
     <p:sldId id="256" r:id="rId5"/>
+    <p:sldId id="257" r:id="rId6"/>
   </p:sldIdLst>
   <p:sldSz cx="35999738" cy="18000663"/>
   <p:notesSz cx="9144000" cy="6858000"/>
@@ -243,7 +244,7 @@
           <a:p>
             <a:fld id="{E66086C0-BB06-4E14-89A8-640D00472A98}" type="datetimeFigureOut">
               <a:rPr lang="zh-CN" altLang="en-US" smtClean="0"/>
-              <a:t>2024/1/7</a:t>
+              <a:t>2024/1/22</a:t>
             </a:fld>
             <a:endParaRPr lang="zh-CN" altLang="en-US"/>
           </a:p>
@@ -413,7 +414,7 @@
           <a:p>
             <a:fld id="{E66086C0-BB06-4E14-89A8-640D00472A98}" type="datetimeFigureOut">
               <a:rPr lang="zh-CN" altLang="en-US" smtClean="0"/>
-              <a:t>2024/1/7</a:t>
+              <a:t>2024/1/22</a:t>
             </a:fld>
             <a:endParaRPr lang="zh-CN" altLang="en-US"/>
           </a:p>
@@ -593,7 +594,7 @@
           <a:p>
             <a:fld id="{E66086C0-BB06-4E14-89A8-640D00472A98}" type="datetimeFigureOut">
               <a:rPr lang="zh-CN" altLang="en-US" smtClean="0"/>
-              <a:t>2024/1/7</a:t>
+              <a:t>2024/1/22</a:t>
             </a:fld>
             <a:endParaRPr lang="zh-CN" altLang="en-US"/>
           </a:p>
@@ -763,7 +764,7 @@
           <a:p>
             <a:fld id="{E66086C0-BB06-4E14-89A8-640D00472A98}" type="datetimeFigureOut">
               <a:rPr lang="zh-CN" altLang="en-US" smtClean="0"/>
-              <a:t>2024/1/7</a:t>
+              <a:t>2024/1/22</a:t>
             </a:fld>
             <a:endParaRPr lang="zh-CN" altLang="en-US"/>
           </a:p>
@@ -1009,7 +1010,7 @@
           <a:p>
             <a:fld id="{E66086C0-BB06-4E14-89A8-640D00472A98}" type="datetimeFigureOut">
               <a:rPr lang="zh-CN" altLang="en-US" smtClean="0"/>
-              <a:t>2024/1/7</a:t>
+              <a:t>2024/1/22</a:t>
             </a:fld>
             <a:endParaRPr lang="zh-CN" altLang="en-US"/>
           </a:p>
@@ -1241,7 +1242,7 @@
           <a:p>
             <a:fld id="{E66086C0-BB06-4E14-89A8-640D00472A98}" type="datetimeFigureOut">
               <a:rPr lang="zh-CN" altLang="en-US" smtClean="0"/>
-              <a:t>2024/1/7</a:t>
+              <a:t>2024/1/22</a:t>
             </a:fld>
             <a:endParaRPr lang="zh-CN" altLang="en-US"/>
           </a:p>
@@ -1608,7 +1609,7 @@
           <a:p>
             <a:fld id="{E66086C0-BB06-4E14-89A8-640D00472A98}" type="datetimeFigureOut">
               <a:rPr lang="zh-CN" altLang="en-US" smtClean="0"/>
-              <a:t>2024/1/7</a:t>
+              <a:t>2024/1/22</a:t>
             </a:fld>
             <a:endParaRPr lang="zh-CN" altLang="en-US"/>
           </a:p>
@@ -1726,7 +1727,7 @@
           <a:p>
             <a:fld id="{E66086C0-BB06-4E14-89A8-640D00472A98}" type="datetimeFigureOut">
               <a:rPr lang="zh-CN" altLang="en-US" smtClean="0"/>
-              <a:t>2024/1/7</a:t>
+              <a:t>2024/1/22</a:t>
             </a:fld>
             <a:endParaRPr lang="zh-CN" altLang="en-US"/>
           </a:p>
@@ -1821,7 +1822,7 @@
           <a:p>
             <a:fld id="{E66086C0-BB06-4E14-89A8-640D00472A98}" type="datetimeFigureOut">
               <a:rPr lang="zh-CN" altLang="en-US" smtClean="0"/>
-              <a:t>2024/1/7</a:t>
+              <a:t>2024/1/22</a:t>
             </a:fld>
             <a:endParaRPr lang="zh-CN" altLang="en-US"/>
           </a:p>
@@ -2098,7 +2099,7 @@
           <a:p>
             <a:fld id="{E66086C0-BB06-4E14-89A8-640D00472A98}" type="datetimeFigureOut">
               <a:rPr lang="zh-CN" altLang="en-US" smtClean="0"/>
-              <a:t>2024/1/7</a:t>
+              <a:t>2024/1/22</a:t>
             </a:fld>
             <a:endParaRPr lang="zh-CN" altLang="en-US"/>
           </a:p>
@@ -2355,7 +2356,7 @@
           <a:p>
             <a:fld id="{E66086C0-BB06-4E14-89A8-640D00472A98}" type="datetimeFigureOut">
               <a:rPr lang="zh-CN" altLang="en-US" smtClean="0"/>
-              <a:t>2024/1/7</a:t>
+              <a:t>2024/1/22</a:t>
             </a:fld>
             <a:endParaRPr lang="zh-CN" altLang="en-US"/>
           </a:p>
@@ -2568,7 +2569,7 @@
           <a:p>
             <a:fld id="{E66086C0-BB06-4E14-89A8-640D00472A98}" type="datetimeFigureOut">
               <a:rPr lang="zh-CN" altLang="en-US" smtClean="0"/>
-              <a:t>2024/1/7</a:t>
+              <a:t>2024/1/22</a:t>
             </a:fld>
             <a:endParaRPr lang="zh-CN" altLang="en-US"/>
           </a:p>
@@ -2987,7 +2988,7 @@
         </p:nvSpPr>
         <p:spPr>
           <a:xfrm>
-            <a:off x="10837015" y="11176393"/>
+            <a:off x="10466900" y="7083352"/>
             <a:ext cx="4827304" cy="1630728"/>
           </a:xfrm>
           <a:prstGeom prst="roundRect">
@@ -3050,7 +3051,7 @@
         </p:nvSpPr>
         <p:spPr>
           <a:xfrm>
-            <a:off x="10884035" y="7546211"/>
+            <a:off x="10513920" y="3453170"/>
             <a:ext cx="4827304" cy="1630728"/>
           </a:xfrm>
           <a:prstGeom prst="roundRect">
@@ -3113,7 +3114,7 @@
         </p:nvSpPr>
         <p:spPr>
           <a:xfrm>
-            <a:off x="5829301" y="7528759"/>
+            <a:off x="5459186" y="3435718"/>
             <a:ext cx="9849846" cy="5285841"/>
           </a:xfrm>
           <a:prstGeom prst="rightArrowCallout">
@@ -3179,7 +3180,7 @@
         </p:nvSpPr>
         <p:spPr>
           <a:xfrm>
-            <a:off x="5829301" y="4314907"/>
+            <a:off x="5459186" y="221866"/>
             <a:ext cx="9882038" cy="2868210"/>
           </a:xfrm>
           <a:prstGeom prst="roundRect">
@@ -3242,7 +3243,7 @@
         </p:nvSpPr>
         <p:spPr>
           <a:xfrm>
-            <a:off x="23886331" y="4226200"/>
+            <a:off x="23516216" y="133159"/>
             <a:ext cx="5179520" cy="8588400"/>
           </a:xfrm>
           <a:prstGeom prst="roundRect">
@@ -3298,7 +3299,7 @@
         </p:nvSpPr>
         <p:spPr>
           <a:xfrm>
-            <a:off x="24002751" y="5212428"/>
+            <a:off x="23632636" y="1119387"/>
             <a:ext cx="4986787" cy="7478970"/>
           </a:xfrm>
           <a:prstGeom prst="rect">
@@ -3358,7 +3359,7 @@
         </p:nvSpPr>
         <p:spPr>
           <a:xfrm>
-            <a:off x="17026598" y="4226200"/>
+            <a:off x="16656483" y="133159"/>
             <a:ext cx="5249202" cy="8588400"/>
           </a:xfrm>
           <a:prstGeom prst="roundRect">
@@ -3414,7 +3415,7 @@
         </p:nvSpPr>
         <p:spPr>
           <a:xfrm>
-            <a:off x="17156566" y="5212428"/>
+            <a:off x="16786451" y="1119387"/>
             <a:ext cx="4992184" cy="7478970"/>
           </a:xfrm>
           <a:prstGeom prst="rect">
@@ -3474,7 +3475,7 @@
         </p:nvSpPr>
         <p:spPr>
           <a:xfrm>
-            <a:off x="5940445" y="7633691"/>
+            <a:off x="5570330" y="3540650"/>
             <a:ext cx="4376934" cy="1500965"/>
           </a:xfrm>
           <a:prstGeom prst="rect">
@@ -3534,7 +3535,7 @@
         </p:nvSpPr>
         <p:spPr>
           <a:xfrm>
-            <a:off x="17182980" y="5182934"/>
+            <a:off x="16812865" y="1089893"/>
             <a:ext cx="5308375" cy="7478970"/>
           </a:xfrm>
           <a:prstGeom prst="rect">
@@ -4062,7 +4063,7 @@
         </p:nvCxnSpPr>
         <p:spPr>
           <a:xfrm flipV="1">
-            <a:off x="15695970" y="9058477"/>
+            <a:off x="15325855" y="4965436"/>
             <a:ext cx="496646" cy="1115104"/>
           </a:xfrm>
           <a:prstGeom prst="curvedConnector2">
@@ -4112,7 +4113,7 @@
         </p:blipFill>
         <p:spPr>
           <a:xfrm>
-            <a:off x="15663778" y="8000801"/>
+            <a:off x="15293663" y="3907760"/>
             <a:ext cx="1057676" cy="1057676"/>
           </a:xfrm>
           <a:prstGeom prst="rect">
@@ -4134,7 +4135,7 @@
         </p:nvGrpSpPr>
         <p:grpSpPr>
           <a:xfrm>
-            <a:off x="5891231" y="7718906"/>
+            <a:off x="5521116" y="3625865"/>
             <a:ext cx="4524672" cy="1267888"/>
             <a:chOff x="995549" y="2471931"/>
             <a:chExt cx="4524672" cy="1267888"/>
@@ -4340,131 +4341,45 @@
           </p:txBody>
         </p:sp>
       </p:grpSp>
-      <p:grpSp>
-        <p:nvGrpSpPr>
-          <p:cNvPr id="20" name="组合 19">
+      <p:pic>
+        <p:nvPicPr>
+          <p:cNvPr id="21" name="图形 20">
             <a:extLst>
               <a:ext uri="{FF2B5EF4-FFF2-40B4-BE49-F238E27FC236}">
-                <a16:creationId xmlns:a16="http://schemas.microsoft.com/office/drawing/2014/main" id="{746BF432-AD99-4E30-8662-90392AA38A22}"/>
+                <a16:creationId xmlns:a16="http://schemas.microsoft.com/office/drawing/2014/main" id="{DEB0ED8A-3C89-4940-A8F5-C0ED78537855}"/>
               </a:ext>
             </a:extLst>
           </p:cNvPr>
-          <p:cNvGrpSpPr/>
+          <p:cNvPicPr>
+            <a:picLocks noChangeAspect="1"/>
+          </p:cNvPicPr>
           <p:nvPr/>
-        </p:nvGrpSpPr>
-        <p:grpSpPr>
+        </p:nvPicPr>
+        <p:blipFill>
+          <a:blip r:embed="rId3">
+            <a:extLst>
+              <a:ext uri="{28A0092B-C50C-407E-A947-70E740481C1C}">
+                <a14:useLocalDpi xmlns:a14="http://schemas.microsoft.com/office/drawing/2010/main" val="0"/>
+              </a:ext>
+              <a:ext uri="{96DAC541-7B7A-43D3-8B79-37D633B846F1}">
+                <asvg:svgBlip xmlns:asvg="http://schemas.microsoft.com/office/drawing/2016/SVG/main" r:embed="rId4"/>
+              </a:ext>
+            </a:extLst>
+          </a:blip>
+          <a:stretch>
+            <a:fillRect/>
+          </a:stretch>
+        </p:blipFill>
+        <p:spPr>
           <a:xfrm>
-            <a:off x="5668746" y="4914436"/>
-            <a:ext cx="1316467" cy="1899560"/>
-            <a:chOff x="-6966059" y="-137947"/>
-            <a:chExt cx="1316467" cy="1899560"/>
+            <a:off x="9716001" y="14921136"/>
+            <a:ext cx="609600" cy="609600"/>
           </a:xfrm>
-        </p:grpSpPr>
-        <p:pic>
-          <p:nvPicPr>
-            <p:cNvPr id="21" name="图形 20">
-              <a:extLst>
-                <a:ext uri="{FF2B5EF4-FFF2-40B4-BE49-F238E27FC236}">
-                  <a16:creationId xmlns:a16="http://schemas.microsoft.com/office/drawing/2014/main" id="{DEB0ED8A-3C89-4940-A8F5-C0ED78537855}"/>
-                </a:ext>
-              </a:extLst>
-            </p:cNvPr>
-            <p:cNvPicPr>
-              <a:picLocks noChangeAspect="1"/>
-            </p:cNvPicPr>
-            <p:nvPr/>
-          </p:nvPicPr>
-          <p:blipFill>
-            <a:blip r:embed="rId3">
-              <a:extLst>
-                <a:ext uri="{28A0092B-C50C-407E-A947-70E740481C1C}">
-                  <a14:useLocalDpi xmlns:a14="http://schemas.microsoft.com/office/drawing/2010/main" val="0"/>
-                </a:ext>
-                <a:ext uri="{96DAC541-7B7A-43D3-8B79-37D633B846F1}">
-                  <asvg:svgBlip xmlns:asvg="http://schemas.microsoft.com/office/drawing/2016/SVG/main" r:embed="rId4"/>
-                </a:ext>
-              </a:extLst>
-            </a:blip>
-            <a:stretch>
-              <a:fillRect/>
-            </a:stretch>
-          </p:blipFill>
-          <p:spPr>
-            <a:xfrm>
-              <a:off x="-6612625" y="-137947"/>
-              <a:ext cx="609600" cy="609600"/>
-            </a:xfrm>
-            <a:prstGeom prst="rect">
-              <a:avLst/>
-            </a:prstGeom>
-          </p:spPr>
-        </p:pic>
-        <p:sp>
-          <p:nvSpPr>
-            <p:cNvPr id="22" name="文本框 21">
-              <a:extLst>
-                <a:ext uri="{FF2B5EF4-FFF2-40B4-BE49-F238E27FC236}">
-                  <a16:creationId xmlns:a16="http://schemas.microsoft.com/office/drawing/2014/main" id="{40A99A7A-D362-40B0-A9A9-082669716674}"/>
-                </a:ext>
-              </a:extLst>
-            </p:cNvPr>
-            <p:cNvSpPr txBox="1"/>
-            <p:nvPr/>
-          </p:nvSpPr>
-          <p:spPr>
-            <a:xfrm>
-              <a:off x="-6966059" y="561284"/>
-              <a:ext cx="1316467" cy="1200329"/>
-            </a:xfrm>
-            <a:prstGeom prst="rect">
-              <a:avLst/>
-            </a:prstGeom>
-            <a:noFill/>
-          </p:spPr>
-          <p:txBody>
-            <a:bodyPr wrap="square">
-              <a:spAutoFit/>
-            </a:bodyPr>
-            <a:lstStyle/>
-            <a:p>
-              <a:pPr algn="ctr"/>
-              <a:r>
-                <a:rPr lang="en-US" altLang="zh-CN" sz="2400" b="1" dirty="0">
-                  <a:solidFill>
-                    <a:srgbClr val="3B3B3B"/>
-                  </a:solidFill>
-                  <a:latin typeface="Consolas" panose="020B0609020204030204" pitchFamily="49" charset="0"/>
-                </a:rPr>
-                <a:t>Rust</a:t>
-              </a:r>
-            </a:p>
-            <a:p>
-              <a:pPr algn="ctr"/>
-              <a:r>
-                <a:rPr lang="en-US" altLang="zh-CN" sz="2400" b="1" dirty="0">
-                  <a:solidFill>
-                    <a:srgbClr val="3B3B3B"/>
-                  </a:solidFill>
-                  <a:latin typeface="Consolas" panose="020B0609020204030204" pitchFamily="49" charset="0"/>
-                </a:rPr>
-                <a:t>Code </a:t>
-              </a:r>
-            </a:p>
-            <a:p>
-              <a:pPr algn="ctr"/>
-              <a:r>
-                <a:rPr lang="en-US" altLang="zh-CN" sz="2400" b="1" dirty="0">
-                  <a:solidFill>
-                    <a:srgbClr val="3B3B3B"/>
-                  </a:solidFill>
-                  <a:latin typeface="Consolas" panose="020B0609020204030204" pitchFamily="49" charset="0"/>
-                </a:rPr>
-                <a:t>Tree</a:t>
-              </a:r>
-            </a:p>
-          </p:txBody>
-        </p:sp>
-      </p:grpSp>
+          <a:prstGeom prst="rect">
+            <a:avLst/>
+          </a:prstGeom>
+        </p:spPr>
+      </p:pic>
       <p:cxnSp>
         <p:nvCxnSpPr>
           <p:cNvPr id="23" name="连接符: 曲线 22">
@@ -4483,7 +4398,7 @@
         </p:nvCxnSpPr>
         <p:spPr>
           <a:xfrm>
-            <a:off x="15711339" y="5749012"/>
+            <a:off x="15341224" y="1655971"/>
             <a:ext cx="481277" cy="2251789"/>
           </a:xfrm>
           <a:prstGeom prst="curvedConnector2">
@@ -4525,7 +4440,7 @@
         </p:nvGrpSpPr>
         <p:grpSpPr>
           <a:xfrm>
-            <a:off x="17738323" y="4344200"/>
+            <a:off x="17368208" y="251159"/>
             <a:ext cx="3756580" cy="733579"/>
             <a:chOff x="3752985" y="-1057701"/>
             <a:chExt cx="3756580" cy="733579"/>
@@ -4848,7 +4763,7 @@
         </p:nvCxnSpPr>
         <p:spPr>
           <a:xfrm flipV="1">
-            <a:off x="22270295" y="8514050"/>
+            <a:off x="21900180" y="4421009"/>
             <a:ext cx="337300" cy="12700"/>
           </a:xfrm>
           <a:prstGeom prst="curvedConnector3">
@@ -4895,7 +4810,7 @@
         </p:nvCxnSpPr>
         <p:spPr>
           <a:xfrm flipV="1">
-            <a:off x="23601094" y="8520400"/>
+            <a:off x="23230979" y="4427359"/>
             <a:ext cx="285237" cy="5080"/>
           </a:xfrm>
           <a:prstGeom prst="curvedConnector3">
@@ -4940,7 +4855,7 @@
         </p:nvSpPr>
         <p:spPr>
           <a:xfrm>
-            <a:off x="24428312" y="4370119"/>
+            <a:off x="24058197" y="277078"/>
             <a:ext cx="696562" cy="733579"/>
           </a:xfrm>
           <a:prstGeom prst="actionButtonDocument">
@@ -5105,7 +5020,7 @@
         </p:nvSpPr>
         <p:spPr>
           <a:xfrm>
-            <a:off x="25630658" y="4506075"/>
+            <a:off x="25260543" y="413034"/>
             <a:ext cx="2586684" cy="461665"/>
           </a:xfrm>
           <a:prstGeom prst="rect">
@@ -5239,7 +5154,7 @@
         </p:nvSpPr>
         <p:spPr>
           <a:xfrm>
-            <a:off x="24001032" y="5182934"/>
+            <a:off x="23630917" y="1089893"/>
             <a:ext cx="5144064" cy="7478970"/>
           </a:xfrm>
           <a:prstGeom prst="rect">
@@ -5661,7 +5576,7 @@
         </p:nvSpPr>
         <p:spPr>
           <a:xfrm>
-            <a:off x="22219971" y="11137151"/>
+            <a:off x="21849856" y="7044110"/>
             <a:ext cx="2170584" cy="461665"/>
           </a:xfrm>
           <a:prstGeom prst="rect">
@@ -5701,7 +5616,7 @@
         </p:nvSpPr>
         <p:spPr>
           <a:xfrm>
-            <a:off x="15731735" y="11051472"/>
+            <a:off x="15361620" y="6958431"/>
             <a:ext cx="1194750" cy="461665"/>
           </a:xfrm>
           <a:prstGeom prst="rect">
@@ -5755,7 +5670,7 @@
         </p:blipFill>
         <p:spPr>
           <a:xfrm>
-            <a:off x="22652276" y="8007499"/>
+            <a:off x="22282161" y="3914458"/>
             <a:ext cx="744910" cy="886962"/>
           </a:xfrm>
           <a:prstGeom prst="rect">
@@ -5777,7 +5692,7 @@
         </p:nvSpPr>
         <p:spPr>
           <a:xfrm>
-            <a:off x="6985214" y="4852215"/>
+            <a:off x="6615099" y="759174"/>
             <a:ext cx="1819792" cy="418795"/>
           </a:xfrm>
           <a:prstGeom prst="rightArrow">
@@ -5834,7 +5749,7 @@
         </p:nvSpPr>
         <p:spPr>
           <a:xfrm>
-            <a:off x="6962859" y="6434724"/>
+            <a:off x="6592744" y="2341683"/>
             <a:ext cx="1834811" cy="418795"/>
           </a:xfrm>
           <a:prstGeom prst="rightArrow">
@@ -5891,7 +5806,7 @@
         </p:nvSpPr>
         <p:spPr>
           <a:xfrm>
-            <a:off x="6818899" y="4414989"/>
+            <a:off x="6448784" y="321948"/>
             <a:ext cx="2022525" cy="461665"/>
           </a:xfrm>
           <a:prstGeom prst="rect">
@@ -5932,7 +5847,7 @@
         </p:nvSpPr>
         <p:spPr>
           <a:xfrm>
-            <a:off x="6717265" y="6031071"/>
+            <a:off x="6347150" y="1938030"/>
             <a:ext cx="2428163" cy="461665"/>
           </a:xfrm>
           <a:prstGeom prst="rect">
@@ -6067,17 +5982,14 @@
         </p:nvSpPr>
         <p:spPr>
           <a:xfrm>
-            <a:off x="9045380" y="4384305"/>
-            <a:ext cx="6481371" cy="1386948"/>
+            <a:off x="14535078" y="14856015"/>
+            <a:ext cx="2562386" cy="739842"/>
           </a:xfrm>
           <a:prstGeom prst="rect">
             <a:avLst/>
           </a:prstGeom>
           <a:solidFill>
-            <a:schemeClr val="accent2">
-              <a:lumMod val="40000"/>
-              <a:lumOff val="60000"/>
-            </a:schemeClr>
+            <a:schemeClr val="accent3"/>
           </a:solidFill>
           <a:ln>
             <a:solidFill>
@@ -6109,7 +6021,11 @@
           <a:lstStyle/>
           <a:p>
             <a:pPr algn="ctr"/>
-            <a:endParaRPr lang="zh-CN" altLang="en-US"/>
+            <a:r>
+              <a:rPr lang="en-US" altLang="zh-CN" dirty="0" err="1"/>
+              <a:t>alloc</a:t>
+            </a:r>
+            <a:endParaRPr lang="zh-CN" altLang="en-US" dirty="0"/>
           </a:p>
         </p:txBody>
       </p:sp>
@@ -6127,7 +6043,7 @@
         </p:nvGrpSpPr>
         <p:grpSpPr>
           <a:xfrm>
-            <a:off x="9008194" y="4401155"/>
+            <a:off x="8638079" y="308114"/>
             <a:ext cx="7049916" cy="1357618"/>
             <a:chOff x="-5723806" y="-1148745"/>
             <a:chExt cx="7049916" cy="1357618"/>
@@ -6453,8 +6369,8 @@
         </p:nvSpPr>
         <p:spPr>
           <a:xfrm>
-            <a:off x="9045379" y="5845183"/>
-            <a:ext cx="6481371" cy="1257419"/>
+            <a:off x="10896220" y="14856015"/>
+            <a:ext cx="3497842" cy="739842"/>
           </a:xfrm>
           <a:prstGeom prst="rect">
             <a:avLst/>
@@ -6495,7 +6411,11 @@
           <a:lstStyle/>
           <a:p>
             <a:pPr algn="ctr"/>
-            <a:endParaRPr lang="zh-CN" altLang="en-US"/>
+            <a:r>
+              <a:rPr lang="en-US" altLang="zh-CN" dirty="0"/>
+              <a:t>core</a:t>
+            </a:r>
+            <a:endParaRPr lang="zh-CN" altLang="en-US" dirty="0"/>
           </a:p>
         </p:txBody>
       </p:sp>
@@ -6513,7 +6433,7 @@
         </p:nvGrpSpPr>
         <p:grpSpPr>
           <a:xfrm>
-            <a:off x="9008194" y="5885871"/>
+            <a:off x="8638079" y="1792830"/>
             <a:ext cx="6365845" cy="1282058"/>
             <a:chOff x="-5723806" y="335971"/>
             <a:chExt cx="6365845" cy="1282058"/>
@@ -6745,7 +6665,7 @@
         </p:nvGrpSpPr>
         <p:grpSpPr>
           <a:xfrm>
-            <a:off x="11095906" y="9436222"/>
+            <a:off x="10725791" y="5343181"/>
             <a:ext cx="4406951" cy="1432396"/>
             <a:chOff x="-3852884" y="3346928"/>
             <a:chExt cx="4406951" cy="1432396"/>
@@ -7008,7 +6928,7 @@
         </p:nvGrpSpPr>
         <p:grpSpPr>
           <a:xfrm>
-            <a:off x="8430871" y="9295929"/>
+            <a:off x="8060756" y="5202888"/>
             <a:ext cx="1568273" cy="1587024"/>
             <a:chOff x="-5710670" y="4892498"/>
             <a:chExt cx="1568273" cy="1587024"/>
@@ -7178,24 +7098,18 @@
         </p:nvSpPr>
         <p:spPr>
           <a:xfrm>
-            <a:off x="5963612" y="11217253"/>
-            <a:ext cx="4353767" cy="1500965"/>
+            <a:off x="10896220" y="10363388"/>
+            <a:ext cx="3497842" cy="1036584"/>
           </a:xfrm>
           <a:prstGeom prst="rect">
             <a:avLst/>
           </a:prstGeom>
           <a:solidFill>
-            <a:schemeClr val="accent4">
-              <a:lumMod val="40000"/>
-              <a:lumOff val="60000"/>
-            </a:schemeClr>
+            <a:schemeClr val="bg1"/>
           </a:solidFill>
           <a:ln>
             <a:solidFill>
-              <a:schemeClr val="accent4">
-                <a:lumMod val="40000"/>
-                <a:lumOff val="60000"/>
-              </a:schemeClr>
+              <a:schemeClr val="tx1"/>
             </a:solidFill>
           </a:ln>
         </p:spPr>
@@ -7220,7 +7134,57 @@
           <a:lstStyle/>
           <a:p>
             <a:pPr algn="ctr"/>
-            <a:endParaRPr lang="zh-CN" altLang="en-US"/>
+            <a:r>
+              <a:rPr lang="en-US" altLang="zh-CN" dirty="0">
+                <a:solidFill>
+                  <a:srgbClr val="FF0000"/>
+                </a:solidFill>
+              </a:rPr>
+              <a:t>Struct </a:t>
+            </a:r>
+            <a:r>
+              <a:rPr lang="en-US" altLang="zh-CN" dirty="0" err="1">
+                <a:solidFill>
+                  <a:srgbClr val="FF0000"/>
+                </a:solidFill>
+              </a:rPr>
+              <a:t>cdev</a:t>
+            </a:r>
+            <a:r>
+              <a:rPr lang="en-US" altLang="zh-CN" dirty="0">
+                <a:solidFill>
+                  <a:srgbClr val="FF0000"/>
+                </a:solidFill>
+              </a:rPr>
+              <a:t> </a:t>
+            </a:r>
+          </a:p>
+          <a:p>
+            <a:pPr algn="ctr"/>
+            <a:r>
+              <a:rPr lang="en-US" altLang="zh-CN" dirty="0">
+                <a:solidFill>
+                  <a:srgbClr val="FF0000"/>
+                </a:solidFill>
+              </a:rPr>
+              <a:t>{</a:t>
+            </a:r>
+          </a:p>
+          <a:p>
+            <a:pPr algn="ctr"/>
+            <a:r>
+              <a:rPr lang="en-US" altLang="zh-CN" dirty="0">
+                <a:solidFill>
+                  <a:srgbClr val="FF0000"/>
+                </a:solidFill>
+              </a:rPr>
+              <a:t>}; </a:t>
+            </a:r>
+            <a:endParaRPr lang="zh-CN" altLang="en-US" dirty="0">
+              <a:solidFill>
+                <a:srgbClr val="FF0000"/>
+              </a:solidFill>
+            </a:endParaRPr>
           </a:p>
         </p:txBody>
       </p:sp>
@@ -7238,7 +7202,7 @@
         </p:nvGrpSpPr>
         <p:grpSpPr>
           <a:xfrm>
-            <a:off x="5893514" y="11352155"/>
+            <a:off x="5523399" y="7259114"/>
             <a:ext cx="4694058" cy="1342089"/>
             <a:chOff x="1659870" y="3943568"/>
             <a:chExt cx="4694058" cy="1342089"/>
@@ -7505,7 +7469,7 @@
         </p:blipFill>
         <p:spPr>
           <a:xfrm>
-            <a:off x="5898966" y="9689550"/>
+            <a:off x="9632519" y="10713977"/>
             <a:ext cx="799783" cy="799783"/>
           </a:xfrm>
           <a:prstGeom prst="rect">
@@ -7527,7 +7491,7 @@
         </p:nvSpPr>
         <p:spPr>
           <a:xfrm>
-            <a:off x="6524479" y="9506707"/>
+            <a:off x="6154364" y="5413666"/>
             <a:ext cx="1343078" cy="1200329"/>
           </a:xfrm>
           <a:prstGeom prst="rect">
@@ -7598,7 +7562,7 @@
         </p:nvSpPr>
         <p:spPr>
           <a:xfrm>
-            <a:off x="7792313" y="9708716"/>
+            <a:off x="7422198" y="5615675"/>
             <a:ext cx="715954" cy="796312"/>
           </a:xfrm>
           <a:prstGeom prst="mathPlus">
@@ -7664,7 +7628,7 @@
         </p:nvSpPr>
         <p:spPr>
           <a:xfrm>
-            <a:off x="9898022" y="9772335"/>
+            <a:off x="9527907" y="5679294"/>
             <a:ext cx="832127" cy="738664"/>
           </a:xfrm>
           <a:prstGeom prst="mathEqual">
@@ -7722,7 +7686,7 @@
         </p:nvGrpSpPr>
         <p:grpSpPr>
           <a:xfrm>
-            <a:off x="11081395" y="7692398"/>
+            <a:off x="10711280" y="3599357"/>
             <a:ext cx="4406951" cy="1404285"/>
             <a:chOff x="-3852884" y="3346928"/>
             <a:chExt cx="4406951" cy="1404285"/>
@@ -8013,7 +7977,7 @@
         </p:nvGrpSpPr>
         <p:grpSpPr>
           <a:xfrm>
-            <a:off x="11101997" y="11329673"/>
+            <a:off x="10731882" y="7236632"/>
             <a:ext cx="4414516" cy="1384306"/>
             <a:chOff x="-3852884" y="3346928"/>
             <a:chExt cx="4414516" cy="1384306"/>
@@ -8276,6 +8240,6429 @@
         </p:nvSpPr>
         <p:spPr>
           <a:xfrm>
+            <a:off x="9999967" y="8751053"/>
+            <a:ext cx="2170584" cy="461665"/>
+          </a:xfrm>
+          <a:prstGeom prst="rect">
+            <a:avLst/>
+          </a:prstGeom>
+          <a:noFill/>
+        </p:spPr>
+        <p:txBody>
+          <a:bodyPr wrap="square">
+            <a:spAutoFit/>
+          </a:bodyPr>
+          <a:lstStyle/>
+          <a:p>
+            <a:r>
+              <a:rPr lang="en-US" altLang="zh-CN" sz="2400" dirty="0">
+                <a:solidFill>
+                  <a:srgbClr val="3B3B3B"/>
+                </a:solidFill>
+                <a:latin typeface="Consolas" panose="020B0609020204030204" pitchFamily="49" charset="0"/>
+              </a:rPr>
+              <a:t>(a)</a:t>
+            </a:r>
+          </a:p>
+        </p:txBody>
+      </p:sp>
+      <p:sp>
+        <p:nvSpPr>
+          <p:cNvPr id="84" name="文本框 83">
+            <a:extLst>
+              <a:ext uri="{FF2B5EF4-FFF2-40B4-BE49-F238E27FC236}">
+                <a16:creationId xmlns:a16="http://schemas.microsoft.com/office/drawing/2014/main" id="{3314D2B4-06D9-480D-AC3F-2A6DB4A18B04}"/>
+              </a:ext>
+            </a:extLst>
+          </p:cNvPr>
+          <p:cNvSpPr txBox="1"/>
+          <p:nvPr/>
+        </p:nvSpPr>
+        <p:spPr>
+          <a:xfrm>
+            <a:off x="18952125" y="8751053"/>
+            <a:ext cx="2170584" cy="461665"/>
+          </a:xfrm>
+          <a:prstGeom prst="rect">
+            <a:avLst/>
+          </a:prstGeom>
+          <a:noFill/>
+        </p:spPr>
+        <p:txBody>
+          <a:bodyPr wrap="square">
+            <a:spAutoFit/>
+          </a:bodyPr>
+          <a:lstStyle/>
+          <a:p>
+            <a:r>
+              <a:rPr lang="en-US" altLang="zh-CN" sz="2400" dirty="0">
+                <a:solidFill>
+                  <a:srgbClr val="3B3B3B"/>
+                </a:solidFill>
+                <a:latin typeface="Consolas" panose="020B0609020204030204" pitchFamily="49" charset="0"/>
+              </a:rPr>
+              <a:t>(b)</a:t>
+            </a:r>
+          </a:p>
+        </p:txBody>
+      </p:sp>
+      <p:sp>
+        <p:nvSpPr>
+          <p:cNvPr id="85" name="文本框 84">
+            <a:extLst>
+              <a:ext uri="{FF2B5EF4-FFF2-40B4-BE49-F238E27FC236}">
+                <a16:creationId xmlns:a16="http://schemas.microsoft.com/office/drawing/2014/main" id="{1E0891DD-934E-4399-8B5F-EDDA52AF7F5F}"/>
+              </a:ext>
+            </a:extLst>
+          </p:cNvPr>
+          <p:cNvSpPr txBox="1"/>
+          <p:nvPr/>
+        </p:nvSpPr>
+        <p:spPr>
+          <a:xfrm>
+            <a:off x="25807593" y="8751053"/>
+            <a:ext cx="2170584" cy="461665"/>
+          </a:xfrm>
+          <a:prstGeom prst="rect">
+            <a:avLst/>
+          </a:prstGeom>
+          <a:noFill/>
+        </p:spPr>
+        <p:txBody>
+          <a:bodyPr wrap="square">
+            <a:spAutoFit/>
+          </a:bodyPr>
+          <a:lstStyle/>
+          <a:p>
+            <a:r>
+              <a:rPr lang="en-US" altLang="zh-CN" sz="2400" dirty="0">
+                <a:solidFill>
+                  <a:srgbClr val="3B3B3B"/>
+                </a:solidFill>
+                <a:latin typeface="Consolas" panose="020B0609020204030204" pitchFamily="49" charset="0"/>
+              </a:rPr>
+              <a:t>(c)</a:t>
+            </a:r>
+          </a:p>
+        </p:txBody>
+      </p:sp>
+      <p:cxnSp>
+        <p:nvCxnSpPr>
+          <p:cNvPr id="86" name="连接符: 曲线 85">
+            <a:extLst>
+              <a:ext uri="{FF2B5EF4-FFF2-40B4-BE49-F238E27FC236}">
+                <a16:creationId xmlns:a16="http://schemas.microsoft.com/office/drawing/2014/main" id="{1CC0AEB9-F3B4-46E7-9833-C1F55A26150A}"/>
+              </a:ext>
+            </a:extLst>
+          </p:cNvPr>
+          <p:cNvCxnSpPr>
+            <a:cxnSpLocks/>
+            <a:stCxn id="15" idx="3"/>
+            <a:endCxn id="10" idx="1"/>
+          </p:cNvCxnSpPr>
+          <p:nvPr/>
+        </p:nvCxnSpPr>
+        <p:spPr>
+          <a:xfrm flipV="1">
+            <a:off x="16351339" y="4427359"/>
+            <a:ext cx="305144" cy="9239"/>
+          </a:xfrm>
+          <a:prstGeom prst="curvedConnector3">
+            <a:avLst>
+              <a:gd name="adj1" fmla="val 50000"/>
+            </a:avLst>
+          </a:prstGeom>
+          <a:ln w="57150">
+            <a:solidFill>
+              <a:schemeClr val="tx1"/>
+            </a:solidFill>
+            <a:tailEnd type="triangle"/>
+          </a:ln>
+        </p:spPr>
+        <p:style>
+          <a:lnRef idx="1">
+            <a:schemeClr val="accent1"/>
+          </a:lnRef>
+          <a:fillRef idx="0">
+            <a:schemeClr val="accent1"/>
+          </a:fillRef>
+          <a:effectRef idx="0">
+            <a:schemeClr val="accent1"/>
+          </a:effectRef>
+          <a:fontRef idx="minor">
+            <a:schemeClr val="tx1"/>
+          </a:fontRef>
+        </p:style>
+      </p:cxnSp>
+      <p:sp>
+        <p:nvSpPr>
+          <p:cNvPr id="91" name="矩形 38">
+            <a:extLst>
+              <a:ext uri="{FF2B5EF4-FFF2-40B4-BE49-F238E27FC236}">
+                <a16:creationId xmlns:a16="http://schemas.microsoft.com/office/drawing/2014/main" id="{E261B08E-4F16-3198-A51A-43E32703BFBC}"/>
+              </a:ext>
+            </a:extLst>
+          </p:cNvPr>
+          <p:cNvSpPr/>
+          <p:nvPr/>
+        </p:nvSpPr>
+        <p:spPr>
+          <a:xfrm>
+            <a:off x="10898697" y="11564229"/>
+            <a:ext cx="6201243" cy="820642"/>
+          </a:xfrm>
+          <a:prstGeom prst="rect">
+            <a:avLst/>
+          </a:prstGeom>
+          <a:solidFill>
+            <a:schemeClr val="accent3"/>
+          </a:solidFill>
+          <a:ln>
+            <a:solidFill>
+              <a:schemeClr val="accent2">
+                <a:lumMod val="40000"/>
+                <a:lumOff val="60000"/>
+              </a:schemeClr>
+            </a:solidFill>
+          </a:ln>
+        </p:spPr>
+        <p:style>
+          <a:lnRef idx="2">
+            <a:schemeClr val="accent1">
+              <a:shade val="50000"/>
+            </a:schemeClr>
+          </a:lnRef>
+          <a:fillRef idx="1">
+            <a:schemeClr val="accent1"/>
+          </a:fillRef>
+          <a:effectRef idx="0">
+            <a:schemeClr val="accent1"/>
+          </a:effectRef>
+          <a:fontRef idx="minor">
+            <a:schemeClr val="lt1"/>
+          </a:fontRef>
+        </p:style>
+        <p:txBody>
+          <a:bodyPr rtlCol="0" anchor="ctr"/>
+          <a:lstStyle/>
+          <a:p>
+            <a:pPr algn="ctr"/>
+            <a:r>
+              <a:rPr lang="en-US" altLang="zh-CN" dirty="0"/>
+              <a:t>pub struct </a:t>
+            </a:r>
+            <a:r>
+              <a:rPr lang="en-US" altLang="zh-CN" dirty="0" err="1"/>
+              <a:t>cdev</a:t>
+            </a:r>
+            <a:r>
+              <a:rPr lang="en-US" altLang="zh-CN" dirty="0"/>
+              <a:t> {}; </a:t>
+            </a:r>
+            <a:r>
+              <a:rPr lang="en-US" altLang="zh-CN" dirty="0" err="1"/>
+              <a:t>fn</a:t>
+            </a:r>
+            <a:r>
+              <a:rPr lang="en-US" altLang="zh-CN" dirty="0"/>
+              <a:t> </a:t>
+            </a:r>
+            <a:r>
+              <a:rPr lang="en-US" altLang="zh-CN" dirty="0" err="1"/>
+              <a:t>cdev_alloc</a:t>
+            </a:r>
+            <a:endParaRPr lang="zh-CN" altLang="en-US" dirty="0"/>
+          </a:p>
+        </p:txBody>
+      </p:sp>
+      <p:sp>
+        <p:nvSpPr>
+          <p:cNvPr id="94" name="矩形 61">
+            <a:extLst>
+              <a:ext uri="{FF2B5EF4-FFF2-40B4-BE49-F238E27FC236}">
+                <a16:creationId xmlns:a16="http://schemas.microsoft.com/office/drawing/2014/main" id="{7E9DD37E-9F6C-C4F9-B29C-5098AFC7D35A}"/>
+              </a:ext>
+            </a:extLst>
+          </p:cNvPr>
+          <p:cNvSpPr/>
+          <p:nvPr/>
+        </p:nvSpPr>
+        <p:spPr>
+          <a:xfrm>
+            <a:off x="14570364" y="10363387"/>
+            <a:ext cx="2527100" cy="1063217"/>
+          </a:xfrm>
+          <a:prstGeom prst="rect">
+            <a:avLst/>
+          </a:prstGeom>
+          <a:solidFill>
+            <a:schemeClr val="bg1"/>
+          </a:solidFill>
+          <a:ln>
+            <a:solidFill>
+              <a:schemeClr val="tx1"/>
+            </a:solidFill>
+          </a:ln>
+        </p:spPr>
+        <p:style>
+          <a:lnRef idx="2">
+            <a:schemeClr val="accent1">
+              <a:shade val="50000"/>
+            </a:schemeClr>
+          </a:lnRef>
+          <a:fillRef idx="1">
+            <a:schemeClr val="accent1"/>
+          </a:fillRef>
+          <a:effectRef idx="0">
+            <a:schemeClr val="accent1"/>
+          </a:effectRef>
+          <a:fontRef idx="minor">
+            <a:schemeClr val="lt1"/>
+          </a:fontRef>
+        </p:style>
+        <p:txBody>
+          <a:bodyPr rtlCol="0" anchor="ctr"/>
+          <a:lstStyle/>
+          <a:p>
+            <a:pPr algn="ctr"/>
+            <a:r>
+              <a:rPr lang="en-US" altLang="zh-CN" dirty="0">
+                <a:solidFill>
+                  <a:srgbClr val="FF0000"/>
+                </a:solidFill>
+              </a:rPr>
+              <a:t>void </a:t>
+            </a:r>
+            <a:r>
+              <a:rPr lang="en-US" altLang="zh-CN" dirty="0" err="1">
+                <a:solidFill>
+                  <a:srgbClr val="FF0000"/>
+                </a:solidFill>
+              </a:rPr>
+              <a:t>cdev_alloc</a:t>
+            </a:r>
+            <a:r>
+              <a:rPr lang="en-US" altLang="zh-CN" dirty="0">
+                <a:solidFill>
+                  <a:srgbClr val="FF0000"/>
+                </a:solidFill>
+              </a:rPr>
+              <a:t>(…) </a:t>
+            </a:r>
+            <a:endParaRPr lang="zh-CN" altLang="en-US" dirty="0">
+              <a:solidFill>
+                <a:srgbClr val="FF0000"/>
+              </a:solidFill>
+            </a:endParaRPr>
+          </a:p>
+        </p:txBody>
+      </p:sp>
+      <p:sp>
+        <p:nvSpPr>
+          <p:cNvPr id="95" name="矩形 38">
+            <a:extLst>
+              <a:ext uri="{FF2B5EF4-FFF2-40B4-BE49-F238E27FC236}">
+                <a16:creationId xmlns:a16="http://schemas.microsoft.com/office/drawing/2014/main" id="{211B0BC8-35E8-1221-0D91-B8D1288771EC}"/>
+              </a:ext>
+            </a:extLst>
+          </p:cNvPr>
+          <p:cNvSpPr/>
+          <p:nvPr/>
+        </p:nvSpPr>
+        <p:spPr>
+          <a:xfrm>
+            <a:off x="17997992" y="11169609"/>
+            <a:ext cx="6201243" cy="4426248"/>
+          </a:xfrm>
+          <a:prstGeom prst="rect">
+            <a:avLst/>
+          </a:prstGeom>
+          <a:solidFill>
+            <a:srgbClr val="00B0F0"/>
+          </a:solidFill>
+          <a:ln>
+            <a:solidFill>
+              <a:schemeClr val="accent2">
+                <a:lumMod val="40000"/>
+                <a:lumOff val="60000"/>
+              </a:schemeClr>
+            </a:solidFill>
+          </a:ln>
+        </p:spPr>
+        <p:style>
+          <a:lnRef idx="2">
+            <a:schemeClr val="accent1">
+              <a:shade val="50000"/>
+            </a:schemeClr>
+          </a:lnRef>
+          <a:fillRef idx="1">
+            <a:schemeClr val="accent1"/>
+          </a:fillRef>
+          <a:effectRef idx="0">
+            <a:schemeClr val="accent1"/>
+          </a:effectRef>
+          <a:fontRef idx="minor">
+            <a:schemeClr val="lt1"/>
+          </a:fontRef>
+        </p:style>
+        <p:txBody>
+          <a:bodyPr rtlCol="0" anchor="ctr"/>
+          <a:lstStyle/>
+          <a:p>
+            <a:pPr algn="ctr"/>
+            <a:r>
+              <a:rPr lang="en-US" altLang="zh-CN" dirty="0">
+                <a:solidFill>
+                  <a:schemeClr val="tx1"/>
+                </a:solidFill>
+              </a:rPr>
+              <a:t>Struct</a:t>
+            </a:r>
+            <a:r>
+              <a:rPr lang="zh-CN" altLang="en-US" dirty="0">
+                <a:solidFill>
+                  <a:schemeClr val="tx1"/>
+                </a:solidFill>
+              </a:rPr>
+              <a:t> </a:t>
+            </a:r>
+            <a:r>
+              <a:rPr lang="en-US" altLang="zh-CN" dirty="0" err="1">
+                <a:solidFill>
+                  <a:schemeClr val="tx1"/>
+                </a:solidFill>
+              </a:rPr>
+              <a:t>RustChrDev</a:t>
+            </a:r>
+            <a:r>
+              <a:rPr lang="en-US" altLang="zh-CN" dirty="0">
+                <a:solidFill>
+                  <a:schemeClr val="tx1"/>
+                </a:solidFill>
+              </a:rPr>
+              <a:t> {</a:t>
+            </a:r>
+          </a:p>
+          <a:p>
+            <a:pPr algn="ctr"/>
+            <a:r>
+              <a:rPr lang="en-US" altLang="zh-CN" dirty="0">
+                <a:solidFill>
+                  <a:schemeClr val="tx1"/>
+                </a:solidFill>
+              </a:rPr>
+              <a:t>Dev: Pin&lt;box&lt;</a:t>
+            </a:r>
+            <a:r>
+              <a:rPr lang="en-US" altLang="zh-CN" dirty="0" err="1">
+                <a:solidFill>
+                  <a:schemeClr val="tx1"/>
+                </a:solidFill>
+              </a:rPr>
+              <a:t>chrdev</a:t>
+            </a:r>
+            <a:r>
+              <a:rPr lang="en-US" altLang="zh-CN" dirty="0">
+                <a:solidFill>
+                  <a:schemeClr val="tx1"/>
+                </a:solidFill>
+              </a:rPr>
+              <a:t>::Reg&lt;2&gt;&gt;&gt; </a:t>
+            </a:r>
+          </a:p>
+          <a:p>
+            <a:pPr algn="ctr"/>
+            <a:r>
+              <a:rPr lang="en-US" altLang="zh-CN" dirty="0">
+                <a:solidFill>
+                  <a:schemeClr val="tx1"/>
+                </a:solidFill>
+              </a:rPr>
+              <a:t>}</a:t>
+            </a:r>
+          </a:p>
+          <a:p>
+            <a:pPr algn="ctr"/>
+            <a:r>
+              <a:rPr lang="en-US" altLang="zh-CN" dirty="0" err="1">
+                <a:solidFill>
+                  <a:schemeClr val="tx1"/>
+                </a:solidFill>
+              </a:rPr>
+              <a:t>Impl</a:t>
+            </a:r>
+            <a:r>
+              <a:rPr lang="en-US" altLang="zh-CN" dirty="0">
+                <a:solidFill>
+                  <a:schemeClr val="tx1"/>
+                </a:solidFill>
+              </a:rPr>
+              <a:t> Module for </a:t>
+            </a:r>
+            <a:r>
+              <a:rPr lang="en-US" altLang="zh-CN" dirty="0" err="1">
+                <a:solidFill>
+                  <a:schemeClr val="tx1"/>
+                </a:solidFill>
+              </a:rPr>
+              <a:t>RustChrdev</a:t>
+            </a:r>
+            <a:r>
+              <a:rPr lang="en-US" altLang="zh-CN" dirty="0">
+                <a:solidFill>
+                  <a:schemeClr val="tx1"/>
+                </a:solidFill>
+              </a:rPr>
+              <a:t> {</a:t>
+            </a:r>
+          </a:p>
+          <a:p>
+            <a:pPr algn="ctr"/>
+            <a:r>
+              <a:rPr lang="en-US" altLang="zh-CN" dirty="0" err="1">
+                <a:solidFill>
+                  <a:schemeClr val="tx1"/>
+                </a:solidFill>
+              </a:rPr>
+              <a:t>Fn</a:t>
+            </a:r>
+            <a:r>
+              <a:rPr lang="en-US" altLang="zh-CN" dirty="0">
+                <a:solidFill>
+                  <a:schemeClr val="tx1"/>
+                </a:solidFill>
+              </a:rPr>
+              <a:t> </a:t>
+            </a:r>
+            <a:r>
+              <a:rPr lang="en-US" altLang="zh-CN" dirty="0" err="1">
+                <a:solidFill>
+                  <a:schemeClr val="tx1"/>
+                </a:solidFill>
+              </a:rPr>
+              <a:t>init</a:t>
+            </a:r>
+            <a:r>
+              <a:rPr lang="en-US" altLang="zh-CN" dirty="0">
+                <a:solidFill>
+                  <a:schemeClr val="tx1"/>
+                </a:solidFill>
+              </a:rPr>
+              <a:t> (…) -&gt; Result &lt;Self&gt;</a:t>
+            </a:r>
+          </a:p>
+          <a:p>
+            <a:pPr algn="ctr"/>
+            <a:r>
+              <a:rPr lang="en-US" altLang="zh-CN" dirty="0">
+                <a:solidFill>
+                  <a:schemeClr val="tx1"/>
+                </a:solidFill>
+              </a:rPr>
+              <a:t>}</a:t>
+            </a:r>
+          </a:p>
+        </p:txBody>
+      </p:sp>
+      <p:sp>
+        <p:nvSpPr>
+          <p:cNvPr id="96" name="矩形 38">
+            <a:extLst>
+              <a:ext uri="{FF2B5EF4-FFF2-40B4-BE49-F238E27FC236}">
+                <a16:creationId xmlns:a16="http://schemas.microsoft.com/office/drawing/2014/main" id="{38CE87B0-CB25-2411-55B7-46472C7D5EAF}"/>
+              </a:ext>
+            </a:extLst>
+          </p:cNvPr>
+          <p:cNvSpPr/>
+          <p:nvPr/>
+        </p:nvSpPr>
+        <p:spPr>
+          <a:xfrm>
+            <a:off x="10898696" y="12567830"/>
+            <a:ext cx="6201243" cy="1948377"/>
+          </a:xfrm>
+          <a:prstGeom prst="rect">
+            <a:avLst/>
+          </a:prstGeom>
+          <a:solidFill>
+            <a:schemeClr val="accent3"/>
+          </a:solidFill>
+          <a:ln>
+            <a:solidFill>
+              <a:schemeClr val="accent2">
+                <a:lumMod val="40000"/>
+                <a:lumOff val="60000"/>
+              </a:schemeClr>
+            </a:solidFill>
+          </a:ln>
+        </p:spPr>
+        <p:style>
+          <a:lnRef idx="2">
+            <a:schemeClr val="accent1">
+              <a:shade val="50000"/>
+            </a:schemeClr>
+          </a:lnRef>
+          <a:fillRef idx="1">
+            <a:schemeClr val="accent1"/>
+          </a:fillRef>
+          <a:effectRef idx="0">
+            <a:schemeClr val="accent1"/>
+          </a:effectRef>
+          <a:fontRef idx="minor">
+            <a:schemeClr val="lt1"/>
+          </a:fontRef>
+        </p:style>
+        <p:txBody>
+          <a:bodyPr rtlCol="0" anchor="ctr"/>
+          <a:lstStyle/>
+          <a:p>
+            <a:pPr algn="ctr"/>
+            <a:r>
+              <a:rPr lang="en-US" altLang="zh-CN" dirty="0" err="1"/>
+              <a:t>Impl</a:t>
+            </a:r>
+            <a:r>
+              <a:rPr lang="en-US" altLang="zh-CN" dirty="0"/>
+              <a:t> </a:t>
+            </a:r>
+            <a:r>
+              <a:rPr lang="en-US" altLang="zh-CN" dirty="0" err="1"/>
+              <a:t>Cdev</a:t>
+            </a:r>
+            <a:r>
+              <a:rPr lang="en-US" altLang="zh-CN" dirty="0"/>
+              <a:t> {</a:t>
+            </a:r>
+          </a:p>
+          <a:p>
+            <a:pPr algn="ctr"/>
+            <a:r>
+              <a:rPr lang="en-US" altLang="zh-CN" dirty="0"/>
+              <a:t>Unsafe{bindings::</a:t>
+            </a:r>
+            <a:r>
+              <a:rPr lang="en-US" altLang="zh-CN" dirty="0" err="1"/>
+              <a:t>cdev_alloc</a:t>
+            </a:r>
+            <a:r>
+              <a:rPr lang="en-US" altLang="zh-CN" dirty="0"/>
+              <a:t>} </a:t>
+            </a:r>
+          </a:p>
+          <a:p>
+            <a:pPr algn="ctr"/>
+            <a:r>
+              <a:rPr lang="en-US" altLang="zh-CN" dirty="0"/>
+              <a:t>}</a:t>
+            </a:r>
+            <a:endParaRPr lang="zh-CN" altLang="en-US" dirty="0"/>
+          </a:p>
+        </p:txBody>
+      </p:sp>
+      <p:sp>
+        <p:nvSpPr>
+          <p:cNvPr id="97" name="Freeform 96">
+            <a:extLst>
+              <a:ext uri="{FF2B5EF4-FFF2-40B4-BE49-F238E27FC236}">
+                <a16:creationId xmlns:a16="http://schemas.microsoft.com/office/drawing/2014/main" id="{2B7175B9-265E-3871-3E37-7502ACB1219A}"/>
+              </a:ext>
+            </a:extLst>
+          </p:cNvPr>
+          <p:cNvSpPr/>
+          <p:nvPr/>
+        </p:nvSpPr>
+        <p:spPr>
+          <a:xfrm>
+            <a:off x="13069703" y="12204208"/>
+            <a:ext cx="1763485" cy="544286"/>
+          </a:xfrm>
+          <a:custGeom>
+            <a:avLst/>
+            <a:gdLst>
+              <a:gd name="connsiteX0" fmla="*/ 0 w 1763485"/>
+              <a:gd name="connsiteY0" fmla="*/ 65315 h 544286"/>
+              <a:gd name="connsiteX1" fmla="*/ 130628 w 1763485"/>
+              <a:gd name="connsiteY1" fmla="*/ 304800 h 544286"/>
+              <a:gd name="connsiteX2" fmla="*/ 174171 w 1763485"/>
+              <a:gd name="connsiteY2" fmla="*/ 435429 h 544286"/>
+              <a:gd name="connsiteX3" fmla="*/ 217714 w 1763485"/>
+              <a:gd name="connsiteY3" fmla="*/ 261257 h 544286"/>
+              <a:gd name="connsiteX4" fmla="*/ 239485 w 1763485"/>
+              <a:gd name="connsiteY4" fmla="*/ 195943 h 544286"/>
+              <a:gd name="connsiteX5" fmla="*/ 261257 w 1763485"/>
+              <a:gd name="connsiteY5" fmla="*/ 108857 h 544286"/>
+              <a:gd name="connsiteX6" fmla="*/ 283028 w 1763485"/>
+              <a:gd name="connsiteY6" fmla="*/ 283029 h 544286"/>
+              <a:gd name="connsiteX7" fmla="*/ 304800 w 1763485"/>
+              <a:gd name="connsiteY7" fmla="*/ 348343 h 544286"/>
+              <a:gd name="connsiteX8" fmla="*/ 326571 w 1763485"/>
+              <a:gd name="connsiteY8" fmla="*/ 435429 h 544286"/>
+              <a:gd name="connsiteX9" fmla="*/ 348342 w 1763485"/>
+              <a:gd name="connsiteY9" fmla="*/ 500743 h 544286"/>
+              <a:gd name="connsiteX10" fmla="*/ 413657 w 1763485"/>
+              <a:gd name="connsiteY10" fmla="*/ 544286 h 544286"/>
+              <a:gd name="connsiteX11" fmla="*/ 435428 w 1763485"/>
+              <a:gd name="connsiteY11" fmla="*/ 413657 h 544286"/>
+              <a:gd name="connsiteX12" fmla="*/ 457200 w 1763485"/>
+              <a:gd name="connsiteY12" fmla="*/ 217715 h 544286"/>
+              <a:gd name="connsiteX13" fmla="*/ 500742 w 1763485"/>
+              <a:gd name="connsiteY13" fmla="*/ 152400 h 544286"/>
+              <a:gd name="connsiteX14" fmla="*/ 587828 w 1763485"/>
+              <a:gd name="connsiteY14" fmla="*/ 304800 h 544286"/>
+              <a:gd name="connsiteX15" fmla="*/ 631371 w 1763485"/>
+              <a:gd name="connsiteY15" fmla="*/ 370115 h 544286"/>
+              <a:gd name="connsiteX16" fmla="*/ 696685 w 1763485"/>
+              <a:gd name="connsiteY16" fmla="*/ 522515 h 544286"/>
+              <a:gd name="connsiteX17" fmla="*/ 740228 w 1763485"/>
+              <a:gd name="connsiteY17" fmla="*/ 348343 h 544286"/>
+              <a:gd name="connsiteX18" fmla="*/ 783771 w 1763485"/>
+              <a:gd name="connsiteY18" fmla="*/ 0 h 544286"/>
+              <a:gd name="connsiteX19" fmla="*/ 827314 w 1763485"/>
+              <a:gd name="connsiteY19" fmla="*/ 108857 h 544286"/>
+              <a:gd name="connsiteX20" fmla="*/ 870857 w 1763485"/>
+              <a:gd name="connsiteY20" fmla="*/ 195943 h 544286"/>
+              <a:gd name="connsiteX21" fmla="*/ 914400 w 1763485"/>
+              <a:gd name="connsiteY21" fmla="*/ 326572 h 544286"/>
+              <a:gd name="connsiteX22" fmla="*/ 936171 w 1763485"/>
+              <a:gd name="connsiteY22" fmla="*/ 239486 h 544286"/>
+              <a:gd name="connsiteX23" fmla="*/ 1023257 w 1763485"/>
+              <a:gd name="connsiteY23" fmla="*/ 283029 h 544286"/>
+              <a:gd name="connsiteX24" fmla="*/ 1066800 w 1763485"/>
+              <a:gd name="connsiteY24" fmla="*/ 152400 h 544286"/>
+              <a:gd name="connsiteX25" fmla="*/ 1110342 w 1763485"/>
+              <a:gd name="connsiteY25" fmla="*/ 283029 h 544286"/>
+              <a:gd name="connsiteX26" fmla="*/ 1132114 w 1763485"/>
+              <a:gd name="connsiteY26" fmla="*/ 348343 h 544286"/>
+              <a:gd name="connsiteX27" fmla="*/ 1175657 w 1763485"/>
+              <a:gd name="connsiteY27" fmla="*/ 413657 h 544286"/>
+              <a:gd name="connsiteX28" fmla="*/ 1284514 w 1763485"/>
+              <a:gd name="connsiteY28" fmla="*/ 261257 h 544286"/>
+              <a:gd name="connsiteX29" fmla="*/ 1349828 w 1763485"/>
+              <a:gd name="connsiteY29" fmla="*/ 326572 h 544286"/>
+              <a:gd name="connsiteX30" fmla="*/ 1436914 w 1763485"/>
+              <a:gd name="connsiteY30" fmla="*/ 283029 h 544286"/>
+              <a:gd name="connsiteX31" fmla="*/ 1458685 w 1763485"/>
+              <a:gd name="connsiteY31" fmla="*/ 195943 h 544286"/>
+              <a:gd name="connsiteX32" fmla="*/ 1480457 w 1763485"/>
+              <a:gd name="connsiteY32" fmla="*/ 130629 h 544286"/>
+              <a:gd name="connsiteX33" fmla="*/ 1545771 w 1763485"/>
+              <a:gd name="connsiteY33" fmla="*/ 65315 h 544286"/>
+              <a:gd name="connsiteX34" fmla="*/ 1676400 w 1763485"/>
+              <a:gd name="connsiteY34" fmla="*/ 152400 h 544286"/>
+              <a:gd name="connsiteX35" fmla="*/ 1741714 w 1763485"/>
+              <a:gd name="connsiteY35" fmla="*/ 217715 h 544286"/>
+              <a:gd name="connsiteX36" fmla="*/ 1763485 w 1763485"/>
+              <a:gd name="connsiteY36" fmla="*/ 283029 h 544286"/>
+            </a:gdLst>
+            <a:ahLst/>
+            <a:cxnLst>
+              <a:cxn ang="0">
+                <a:pos x="connsiteX0" y="connsiteY0"/>
+              </a:cxn>
+              <a:cxn ang="0">
+                <a:pos x="connsiteX1" y="connsiteY1"/>
+              </a:cxn>
+              <a:cxn ang="0">
+                <a:pos x="connsiteX2" y="connsiteY2"/>
+              </a:cxn>
+              <a:cxn ang="0">
+                <a:pos x="connsiteX3" y="connsiteY3"/>
+              </a:cxn>
+              <a:cxn ang="0">
+                <a:pos x="connsiteX4" y="connsiteY4"/>
+              </a:cxn>
+              <a:cxn ang="0">
+                <a:pos x="connsiteX5" y="connsiteY5"/>
+              </a:cxn>
+              <a:cxn ang="0">
+                <a:pos x="connsiteX6" y="connsiteY6"/>
+              </a:cxn>
+              <a:cxn ang="0">
+                <a:pos x="connsiteX7" y="connsiteY7"/>
+              </a:cxn>
+              <a:cxn ang="0">
+                <a:pos x="connsiteX8" y="connsiteY8"/>
+              </a:cxn>
+              <a:cxn ang="0">
+                <a:pos x="connsiteX9" y="connsiteY9"/>
+              </a:cxn>
+              <a:cxn ang="0">
+                <a:pos x="connsiteX10" y="connsiteY10"/>
+              </a:cxn>
+              <a:cxn ang="0">
+                <a:pos x="connsiteX11" y="connsiteY11"/>
+              </a:cxn>
+              <a:cxn ang="0">
+                <a:pos x="connsiteX12" y="connsiteY12"/>
+              </a:cxn>
+              <a:cxn ang="0">
+                <a:pos x="connsiteX13" y="connsiteY13"/>
+              </a:cxn>
+              <a:cxn ang="0">
+                <a:pos x="connsiteX14" y="connsiteY14"/>
+              </a:cxn>
+              <a:cxn ang="0">
+                <a:pos x="connsiteX15" y="connsiteY15"/>
+              </a:cxn>
+              <a:cxn ang="0">
+                <a:pos x="connsiteX16" y="connsiteY16"/>
+              </a:cxn>
+              <a:cxn ang="0">
+                <a:pos x="connsiteX17" y="connsiteY17"/>
+              </a:cxn>
+              <a:cxn ang="0">
+                <a:pos x="connsiteX18" y="connsiteY18"/>
+              </a:cxn>
+              <a:cxn ang="0">
+                <a:pos x="connsiteX19" y="connsiteY19"/>
+              </a:cxn>
+              <a:cxn ang="0">
+                <a:pos x="connsiteX20" y="connsiteY20"/>
+              </a:cxn>
+              <a:cxn ang="0">
+                <a:pos x="connsiteX21" y="connsiteY21"/>
+              </a:cxn>
+              <a:cxn ang="0">
+                <a:pos x="connsiteX22" y="connsiteY22"/>
+              </a:cxn>
+              <a:cxn ang="0">
+                <a:pos x="connsiteX23" y="connsiteY23"/>
+              </a:cxn>
+              <a:cxn ang="0">
+                <a:pos x="connsiteX24" y="connsiteY24"/>
+              </a:cxn>
+              <a:cxn ang="0">
+                <a:pos x="connsiteX25" y="connsiteY25"/>
+              </a:cxn>
+              <a:cxn ang="0">
+                <a:pos x="connsiteX26" y="connsiteY26"/>
+              </a:cxn>
+              <a:cxn ang="0">
+                <a:pos x="connsiteX27" y="connsiteY27"/>
+              </a:cxn>
+              <a:cxn ang="0">
+                <a:pos x="connsiteX28" y="connsiteY28"/>
+              </a:cxn>
+              <a:cxn ang="0">
+                <a:pos x="connsiteX29" y="connsiteY29"/>
+              </a:cxn>
+              <a:cxn ang="0">
+                <a:pos x="connsiteX30" y="connsiteY30"/>
+              </a:cxn>
+              <a:cxn ang="0">
+                <a:pos x="connsiteX31" y="connsiteY31"/>
+              </a:cxn>
+              <a:cxn ang="0">
+                <a:pos x="connsiteX32" y="connsiteY32"/>
+              </a:cxn>
+              <a:cxn ang="0">
+                <a:pos x="connsiteX33" y="connsiteY33"/>
+              </a:cxn>
+              <a:cxn ang="0">
+                <a:pos x="connsiteX34" y="connsiteY34"/>
+              </a:cxn>
+              <a:cxn ang="0">
+                <a:pos x="connsiteX35" y="connsiteY35"/>
+              </a:cxn>
+              <a:cxn ang="0">
+                <a:pos x="connsiteX36" y="connsiteY36"/>
+              </a:cxn>
+            </a:cxnLst>
+            <a:rect l="l" t="t" r="r" b="b"/>
+            <a:pathLst>
+              <a:path w="1763485" h="544286">
+                <a:moveTo>
+                  <a:pt x="0" y="65315"/>
+                </a:moveTo>
+                <a:cubicBezTo>
+                  <a:pt x="19402" y="99268"/>
+                  <a:pt x="107394" y="246716"/>
+                  <a:pt x="130628" y="304800"/>
+                </a:cubicBezTo>
+                <a:cubicBezTo>
+                  <a:pt x="147674" y="347416"/>
+                  <a:pt x="174171" y="435429"/>
+                  <a:pt x="174171" y="435429"/>
+                </a:cubicBezTo>
+                <a:cubicBezTo>
+                  <a:pt x="223936" y="286130"/>
+                  <a:pt x="165170" y="471434"/>
+                  <a:pt x="217714" y="261257"/>
+                </a:cubicBezTo>
+                <a:cubicBezTo>
+                  <a:pt x="223280" y="238993"/>
+                  <a:pt x="233180" y="218009"/>
+                  <a:pt x="239485" y="195943"/>
+                </a:cubicBezTo>
+                <a:cubicBezTo>
+                  <a:pt x="247705" y="167172"/>
+                  <a:pt x="254000" y="137886"/>
+                  <a:pt x="261257" y="108857"/>
+                </a:cubicBezTo>
+                <a:cubicBezTo>
+                  <a:pt x="268514" y="166914"/>
+                  <a:pt x="272562" y="225464"/>
+                  <a:pt x="283028" y="283029"/>
+                </a:cubicBezTo>
+                <a:cubicBezTo>
+                  <a:pt x="287133" y="305608"/>
+                  <a:pt x="298495" y="326277"/>
+                  <a:pt x="304800" y="348343"/>
+                </a:cubicBezTo>
+                <a:cubicBezTo>
+                  <a:pt x="313020" y="377114"/>
+                  <a:pt x="318351" y="406658"/>
+                  <a:pt x="326571" y="435429"/>
+                </a:cubicBezTo>
+                <a:cubicBezTo>
+                  <a:pt x="332875" y="457495"/>
+                  <a:pt x="334006" y="482823"/>
+                  <a:pt x="348342" y="500743"/>
+                </a:cubicBezTo>
+                <a:cubicBezTo>
+                  <a:pt x="364688" y="521175"/>
+                  <a:pt x="391885" y="529772"/>
+                  <a:pt x="413657" y="544286"/>
+                </a:cubicBezTo>
+                <a:cubicBezTo>
+                  <a:pt x="420914" y="500743"/>
+                  <a:pt x="429594" y="457413"/>
+                  <a:pt x="435428" y="413657"/>
+                </a:cubicBezTo>
+                <a:cubicBezTo>
+                  <a:pt x="444113" y="348518"/>
+                  <a:pt x="441262" y="281469"/>
+                  <a:pt x="457200" y="217715"/>
+                </a:cubicBezTo>
+                <a:cubicBezTo>
+                  <a:pt x="463546" y="192330"/>
+                  <a:pt x="486228" y="174172"/>
+                  <a:pt x="500742" y="152400"/>
+                </a:cubicBezTo>
+                <a:cubicBezTo>
+                  <a:pt x="606828" y="311530"/>
+                  <a:pt x="477338" y="111443"/>
+                  <a:pt x="587828" y="304800"/>
+                </a:cubicBezTo>
+                <a:cubicBezTo>
+                  <a:pt x="600810" y="327519"/>
+                  <a:pt x="618389" y="347396"/>
+                  <a:pt x="631371" y="370115"/>
+                </a:cubicBezTo>
+                <a:cubicBezTo>
+                  <a:pt x="674418" y="445446"/>
+                  <a:pt x="672260" y="449236"/>
+                  <a:pt x="696685" y="522515"/>
+                </a:cubicBezTo>
+                <a:cubicBezTo>
+                  <a:pt x="711199" y="464458"/>
+                  <a:pt x="735638" y="408011"/>
+                  <a:pt x="740228" y="348343"/>
+                </a:cubicBezTo>
+                <a:cubicBezTo>
+                  <a:pt x="763760" y="42433"/>
+                  <a:pt x="732079" y="155081"/>
+                  <a:pt x="783771" y="0"/>
+                </a:cubicBezTo>
+                <a:cubicBezTo>
+                  <a:pt x="798285" y="36286"/>
+                  <a:pt x="811442" y="73144"/>
+                  <a:pt x="827314" y="108857"/>
+                </a:cubicBezTo>
+                <a:cubicBezTo>
+                  <a:pt x="840495" y="138515"/>
+                  <a:pt x="858804" y="165809"/>
+                  <a:pt x="870857" y="195943"/>
+                </a:cubicBezTo>
+                <a:cubicBezTo>
+                  <a:pt x="887903" y="238559"/>
+                  <a:pt x="914400" y="326572"/>
+                  <a:pt x="914400" y="326572"/>
+                </a:cubicBezTo>
+                <a:cubicBezTo>
+                  <a:pt x="921657" y="297543"/>
+                  <a:pt x="908389" y="250599"/>
+                  <a:pt x="936171" y="239486"/>
+                </a:cubicBezTo>
+                <a:cubicBezTo>
+                  <a:pt x="966305" y="227432"/>
+                  <a:pt x="996253" y="301032"/>
+                  <a:pt x="1023257" y="283029"/>
+                </a:cubicBezTo>
+                <a:cubicBezTo>
+                  <a:pt x="1061447" y="257569"/>
+                  <a:pt x="1066800" y="152400"/>
+                  <a:pt x="1066800" y="152400"/>
+                </a:cubicBezTo>
+                <a:lnTo>
+                  <a:pt x="1110342" y="283029"/>
+                </a:lnTo>
+                <a:cubicBezTo>
+                  <a:pt x="1117599" y="304800"/>
+                  <a:pt x="1119384" y="329248"/>
+                  <a:pt x="1132114" y="348343"/>
+                </a:cubicBezTo>
+                <a:lnTo>
+                  <a:pt x="1175657" y="413657"/>
+                </a:lnTo>
+                <a:cubicBezTo>
+                  <a:pt x="1224766" y="217222"/>
+                  <a:pt x="1162427" y="220562"/>
+                  <a:pt x="1284514" y="261257"/>
+                </a:cubicBezTo>
+                <a:cubicBezTo>
+                  <a:pt x="1306285" y="283029"/>
+                  <a:pt x="1319348" y="322218"/>
+                  <a:pt x="1349828" y="326572"/>
+                </a:cubicBezTo>
+                <a:cubicBezTo>
+                  <a:pt x="1381957" y="331162"/>
+                  <a:pt x="1416137" y="307962"/>
+                  <a:pt x="1436914" y="283029"/>
+                </a:cubicBezTo>
+                <a:cubicBezTo>
+                  <a:pt x="1456070" y="260042"/>
+                  <a:pt x="1450465" y="224714"/>
+                  <a:pt x="1458685" y="195943"/>
+                </a:cubicBezTo>
+                <a:cubicBezTo>
+                  <a:pt x="1464990" y="173877"/>
+                  <a:pt x="1467727" y="149724"/>
+                  <a:pt x="1480457" y="130629"/>
+                </a:cubicBezTo>
+                <a:cubicBezTo>
+                  <a:pt x="1497536" y="105011"/>
+                  <a:pt x="1524000" y="87086"/>
+                  <a:pt x="1545771" y="65315"/>
+                </a:cubicBezTo>
+                <a:cubicBezTo>
+                  <a:pt x="1754133" y="273677"/>
+                  <a:pt x="1487348" y="26366"/>
+                  <a:pt x="1676400" y="152400"/>
+                </a:cubicBezTo>
+                <a:cubicBezTo>
+                  <a:pt x="1702018" y="169479"/>
+                  <a:pt x="1719943" y="195943"/>
+                  <a:pt x="1741714" y="217715"/>
+                </a:cubicBezTo>
+                <a:lnTo>
+                  <a:pt x="1763485" y="283029"/>
+                </a:lnTo>
+              </a:path>
+            </a:pathLst>
+          </a:custGeom>
+          <a:noFill/>
+        </p:spPr>
+        <p:style>
+          <a:lnRef idx="2">
+            <a:schemeClr val="accent1">
+              <a:shade val="15000"/>
+            </a:schemeClr>
+          </a:lnRef>
+          <a:fillRef idx="1">
+            <a:schemeClr val="accent1"/>
+          </a:fillRef>
+          <a:effectRef idx="0">
+            <a:schemeClr val="accent1"/>
+          </a:effectRef>
+          <a:fontRef idx="minor">
+            <a:schemeClr val="lt1"/>
+          </a:fontRef>
+        </p:style>
+        <p:txBody>
+          <a:bodyPr rtlCol="0" anchor="ctr"/>
+          <a:lstStyle/>
+          <a:p>
+            <a:pPr algn="ctr"/>
+            <a:endParaRPr lang="en-US"/>
+          </a:p>
+        </p:txBody>
+      </p:sp>
+      <p:sp>
+        <p:nvSpPr>
+          <p:cNvPr id="100" name="Right Arrow Callout 99">
+            <a:extLst>
+              <a:ext uri="{FF2B5EF4-FFF2-40B4-BE49-F238E27FC236}">
+                <a16:creationId xmlns:a16="http://schemas.microsoft.com/office/drawing/2014/main" id="{5DAEEA4D-58AA-59D3-BA5F-E5CB2C16C23F}"/>
+              </a:ext>
+            </a:extLst>
+          </p:cNvPr>
+          <p:cNvSpPr/>
+          <p:nvPr/>
+        </p:nvSpPr>
+        <p:spPr>
+          <a:xfrm>
+            <a:off x="17171499" y="12567830"/>
+            <a:ext cx="995675" cy="1764925"/>
+          </a:xfrm>
+          <a:prstGeom prst="rightArrowCallout">
+            <a:avLst/>
+          </a:prstGeom>
+        </p:spPr>
+        <p:style>
+          <a:lnRef idx="2">
+            <a:schemeClr val="accent1">
+              <a:shade val="15000"/>
+            </a:schemeClr>
+          </a:lnRef>
+          <a:fillRef idx="1">
+            <a:schemeClr val="accent1"/>
+          </a:fillRef>
+          <a:effectRef idx="0">
+            <a:schemeClr val="accent1"/>
+          </a:effectRef>
+          <a:fontRef idx="minor">
+            <a:schemeClr val="lt1"/>
+          </a:fontRef>
+        </p:style>
+        <p:txBody>
+          <a:bodyPr rtlCol="0" anchor="ctr"/>
+          <a:lstStyle/>
+          <a:p>
+            <a:pPr algn="ctr"/>
+            <a:endParaRPr lang="en-US"/>
+          </a:p>
+        </p:txBody>
+      </p:sp>
+    </p:spTree>
+    <p:extLst>
+      <p:ext uri="{BB962C8B-B14F-4D97-AF65-F5344CB8AC3E}">
+        <p14:creationId xmlns:p14="http://schemas.microsoft.com/office/powerpoint/2010/main" val="3365343919"/>
+      </p:ext>
+    </p:extLst>
+  </p:cSld>
+  <p:clrMapOvr>
+    <a:masterClrMapping/>
+  </p:clrMapOvr>
+</p:sld>
+</file>
+
+<file path=ppt/slides/slide2.xml><?xml version="1.0" encoding="utf-8"?>
+<p:sld xmlns:a="http://schemas.openxmlformats.org/drawingml/2006/main" xmlns:r="http://schemas.openxmlformats.org/officeDocument/2006/relationships" xmlns:p="http://schemas.openxmlformats.org/presentationml/2006/main">
+  <p:cSld>
+    <p:spTree>
+      <p:nvGrpSpPr>
+        <p:cNvPr id="1" name="">
+          <a:extLst>
+            <a:ext uri="{FF2B5EF4-FFF2-40B4-BE49-F238E27FC236}">
+              <a16:creationId xmlns:a16="http://schemas.microsoft.com/office/drawing/2014/main" id="{933AF308-B5AD-2890-3ED3-2C2744673E99}"/>
+            </a:ext>
+          </a:extLst>
+        </p:cNvPr>
+        <p:cNvGrpSpPr/>
+        <p:nvPr/>
+      </p:nvGrpSpPr>
+      <p:grpSpPr>
+        <a:xfrm>
+          <a:off x="0" y="0"/>
+          <a:ext cx="0" cy="0"/>
+          <a:chOff x="0" y="0"/>
+          <a:chExt cx="0" cy="0"/>
+        </a:xfrm>
+      </p:grpSpPr>
+      <p:sp>
+        <p:nvSpPr>
+          <p:cNvPr id="4" name="矩形: 圆角 3">
+            <a:extLst>
+              <a:ext uri="{FF2B5EF4-FFF2-40B4-BE49-F238E27FC236}">
+                <a16:creationId xmlns:a16="http://schemas.microsoft.com/office/drawing/2014/main" id="{64E4C8C8-BA74-6872-B7F9-0A0FFB641158}"/>
+              </a:ext>
+            </a:extLst>
+          </p:cNvPr>
+          <p:cNvSpPr/>
+          <p:nvPr/>
+        </p:nvSpPr>
+        <p:spPr>
+          <a:xfrm>
+            <a:off x="10837015" y="11176393"/>
+            <a:ext cx="4827304" cy="1630728"/>
+          </a:xfrm>
+          <a:prstGeom prst="roundRect">
+            <a:avLst>
+              <a:gd name="adj" fmla="val 0"/>
+            </a:avLst>
+          </a:prstGeom>
+          <a:solidFill>
+            <a:schemeClr val="bg1"/>
+          </a:solidFill>
+          <a:ln w="38100">
+            <a:solidFill>
+              <a:schemeClr val="tx1"/>
+            </a:solidFill>
+          </a:ln>
+        </p:spPr>
+        <p:style>
+          <a:lnRef idx="2">
+            <a:schemeClr val="accent1">
+              <a:shade val="50000"/>
+            </a:schemeClr>
+          </a:lnRef>
+          <a:fillRef idx="1">
+            <a:schemeClr val="accent1"/>
+          </a:fillRef>
+          <a:effectRef idx="0">
+            <a:schemeClr val="accent1"/>
+          </a:effectRef>
+          <a:fontRef idx="minor">
+            <a:schemeClr val="lt1"/>
+          </a:fontRef>
+        </p:style>
+        <p:txBody>
+          <a:bodyPr rtlCol="0" anchor="ctr"/>
+          <a:lstStyle/>
+          <a:p>
+            <a:endParaRPr lang="en-US" altLang="zh-CN" sz="2400" dirty="0">
+              <a:solidFill>
+                <a:schemeClr val="tx2">
+                  <a:lumMod val="20000"/>
+                  <a:lumOff val="80000"/>
+                </a:schemeClr>
+              </a:solidFill>
+              <a:latin typeface="Consolas" panose="020B0609020204030204" pitchFamily="49" charset="0"/>
+            </a:endParaRPr>
+          </a:p>
+        </p:txBody>
+      </p:sp>
+      <p:sp>
+        <p:nvSpPr>
+          <p:cNvPr id="5" name="矩形: 圆角 4">
+            <a:extLst>
+              <a:ext uri="{FF2B5EF4-FFF2-40B4-BE49-F238E27FC236}">
+                <a16:creationId xmlns:a16="http://schemas.microsoft.com/office/drawing/2014/main" id="{531132E5-8E3F-3A9A-AD43-05E4BDA6F0E6}"/>
+              </a:ext>
+            </a:extLst>
+          </p:cNvPr>
+          <p:cNvSpPr/>
+          <p:nvPr/>
+        </p:nvSpPr>
+        <p:spPr>
+          <a:xfrm>
+            <a:off x="10884035" y="7546211"/>
+            <a:ext cx="4827304" cy="1630728"/>
+          </a:xfrm>
+          <a:prstGeom prst="roundRect">
+            <a:avLst>
+              <a:gd name="adj" fmla="val 0"/>
+            </a:avLst>
+          </a:prstGeom>
+          <a:solidFill>
+            <a:schemeClr val="bg1"/>
+          </a:solidFill>
+          <a:ln w="38100">
+            <a:solidFill>
+              <a:schemeClr val="tx1"/>
+            </a:solidFill>
+          </a:ln>
+        </p:spPr>
+        <p:style>
+          <a:lnRef idx="2">
+            <a:schemeClr val="accent1">
+              <a:shade val="50000"/>
+            </a:schemeClr>
+          </a:lnRef>
+          <a:fillRef idx="1">
+            <a:schemeClr val="accent1"/>
+          </a:fillRef>
+          <a:effectRef idx="0">
+            <a:schemeClr val="accent1"/>
+          </a:effectRef>
+          <a:fontRef idx="minor">
+            <a:schemeClr val="lt1"/>
+          </a:fontRef>
+        </p:style>
+        <p:txBody>
+          <a:bodyPr rtlCol="0" anchor="ctr"/>
+          <a:lstStyle/>
+          <a:p>
+            <a:endParaRPr lang="en-US" altLang="zh-CN" sz="2400" dirty="0">
+              <a:solidFill>
+                <a:schemeClr val="tx2">
+                  <a:lumMod val="20000"/>
+                  <a:lumOff val="80000"/>
+                </a:schemeClr>
+              </a:solidFill>
+              <a:latin typeface="Consolas" panose="020B0609020204030204" pitchFamily="49" charset="0"/>
+            </a:endParaRPr>
+          </a:p>
+        </p:txBody>
+      </p:sp>
+      <p:sp>
+        <p:nvSpPr>
+          <p:cNvPr id="6" name="标注: 右箭头 5">
+            <a:extLst>
+              <a:ext uri="{FF2B5EF4-FFF2-40B4-BE49-F238E27FC236}">
+                <a16:creationId xmlns:a16="http://schemas.microsoft.com/office/drawing/2014/main" id="{9A65FCAC-BDB8-63BC-FDE6-87D69CF2BFB5}"/>
+              </a:ext>
+            </a:extLst>
+          </p:cNvPr>
+          <p:cNvSpPr/>
+          <p:nvPr/>
+        </p:nvSpPr>
+        <p:spPr>
+          <a:xfrm>
+            <a:off x="5829301" y="7528759"/>
+            <a:ext cx="9849846" cy="5285841"/>
+          </a:xfrm>
+          <a:prstGeom prst="rightArrowCallout">
+            <a:avLst>
+              <a:gd name="adj1" fmla="val 50000"/>
+              <a:gd name="adj2" fmla="val 16831"/>
+              <a:gd name="adj3" fmla="val 0"/>
+              <a:gd name="adj4" fmla="val 47957"/>
+            </a:avLst>
+          </a:prstGeom>
+          <a:solidFill>
+            <a:schemeClr val="bg1"/>
+          </a:solidFill>
+          <a:ln w="38100">
+            <a:solidFill>
+              <a:schemeClr val="tx1"/>
+            </a:solidFill>
+          </a:ln>
+        </p:spPr>
+        <p:style>
+          <a:lnRef idx="2">
+            <a:schemeClr val="accent1">
+              <a:shade val="50000"/>
+            </a:schemeClr>
+          </a:lnRef>
+          <a:fillRef idx="1">
+            <a:schemeClr val="accent1"/>
+          </a:fillRef>
+          <a:effectRef idx="0">
+            <a:schemeClr val="accent1"/>
+          </a:effectRef>
+          <a:fontRef idx="minor">
+            <a:schemeClr val="lt1"/>
+          </a:fontRef>
+        </p:style>
+        <p:txBody>
+          <a:bodyPr rtlCol="0" anchor="ctr"/>
+          <a:lstStyle/>
+          <a:p>
+            <a:endParaRPr lang="zh-CN" altLang="en-US" sz="2400">
+              <a:solidFill>
+                <a:schemeClr val="tx2">
+                  <a:lumMod val="20000"/>
+                  <a:lumOff val="80000"/>
+                </a:schemeClr>
+              </a:solidFill>
+              <a:latin typeface="Consolas" panose="020B0609020204030204" pitchFamily="49" charset="0"/>
+            </a:endParaRPr>
+          </a:p>
+        </p:txBody>
+      </p:sp>
+      <p:sp>
+        <p:nvSpPr>
+          <p:cNvPr id="7" name="矩形: 圆角 6">
+            <a:extLst>
+              <a:ext uri="{FF2B5EF4-FFF2-40B4-BE49-F238E27FC236}">
+                <a16:creationId xmlns:a16="http://schemas.microsoft.com/office/drawing/2014/main" id="{BA835BAF-1DB7-01C6-C4C1-A8DBA2E99BB1}"/>
+              </a:ext>
+            </a:extLst>
+          </p:cNvPr>
+          <p:cNvSpPr/>
+          <p:nvPr/>
+        </p:nvSpPr>
+        <p:spPr>
+          <a:xfrm>
+            <a:off x="5829301" y="4314907"/>
+            <a:ext cx="9882038" cy="2868210"/>
+          </a:xfrm>
+          <a:prstGeom prst="roundRect">
+            <a:avLst>
+              <a:gd name="adj" fmla="val 0"/>
+            </a:avLst>
+          </a:prstGeom>
+          <a:solidFill>
+            <a:schemeClr val="bg1"/>
+          </a:solidFill>
+          <a:ln w="38100">
+            <a:solidFill>
+              <a:schemeClr val="tx1"/>
+            </a:solidFill>
+          </a:ln>
+        </p:spPr>
+        <p:style>
+          <a:lnRef idx="2">
+            <a:schemeClr val="accent1">
+              <a:shade val="50000"/>
+            </a:schemeClr>
+          </a:lnRef>
+          <a:fillRef idx="1">
+            <a:schemeClr val="accent1"/>
+          </a:fillRef>
+          <a:effectRef idx="0">
+            <a:schemeClr val="accent1"/>
+          </a:effectRef>
+          <a:fontRef idx="minor">
+            <a:schemeClr val="lt1"/>
+          </a:fontRef>
+        </p:style>
+        <p:txBody>
+          <a:bodyPr rtlCol="0" anchor="ctr"/>
+          <a:lstStyle/>
+          <a:p>
+            <a:endParaRPr lang="en-US" altLang="zh-CN" sz="2400" dirty="0">
+              <a:solidFill>
+                <a:schemeClr val="tx2">
+                  <a:lumMod val="20000"/>
+                  <a:lumOff val="80000"/>
+                </a:schemeClr>
+              </a:solidFill>
+              <a:latin typeface="Consolas" panose="020B0609020204030204" pitchFamily="49" charset="0"/>
+            </a:endParaRPr>
+          </a:p>
+        </p:txBody>
+      </p:sp>
+      <p:sp>
+        <p:nvSpPr>
+          <p:cNvPr id="8" name="矩形: 圆角 7">
+            <a:extLst>
+              <a:ext uri="{FF2B5EF4-FFF2-40B4-BE49-F238E27FC236}">
+                <a16:creationId xmlns:a16="http://schemas.microsoft.com/office/drawing/2014/main" id="{51A40B23-E08C-716D-6D8F-A033C5069132}"/>
+              </a:ext>
+            </a:extLst>
+          </p:cNvPr>
+          <p:cNvSpPr/>
+          <p:nvPr/>
+        </p:nvSpPr>
+        <p:spPr>
+          <a:xfrm>
+            <a:off x="23886331" y="4226200"/>
+            <a:ext cx="5179520" cy="8588400"/>
+          </a:xfrm>
+          <a:prstGeom prst="roundRect">
+            <a:avLst>
+              <a:gd name="adj" fmla="val 0"/>
+            </a:avLst>
+          </a:prstGeom>
+          <a:solidFill>
+            <a:schemeClr val="bg1"/>
+          </a:solidFill>
+          <a:ln w="38100">
+            <a:solidFill>
+              <a:schemeClr val="tx1"/>
+            </a:solidFill>
+          </a:ln>
+        </p:spPr>
+        <p:style>
+          <a:lnRef idx="2">
+            <a:schemeClr val="accent1">
+              <a:shade val="50000"/>
+            </a:schemeClr>
+          </a:lnRef>
+          <a:fillRef idx="1">
+            <a:schemeClr val="accent1"/>
+          </a:fillRef>
+          <a:effectRef idx="0">
+            <a:schemeClr val="accent1"/>
+          </a:effectRef>
+          <a:fontRef idx="minor">
+            <a:schemeClr val="lt1"/>
+          </a:fontRef>
+        </p:style>
+        <p:txBody>
+          <a:bodyPr rtlCol="0" anchor="ctr"/>
+          <a:lstStyle/>
+          <a:p>
+            <a:pPr algn="ctr"/>
+            <a:endParaRPr lang="zh-CN" altLang="en-US" u="sng" dirty="0"/>
+          </a:p>
+        </p:txBody>
+      </p:sp>
+      <p:sp>
+        <p:nvSpPr>
+          <p:cNvPr id="9" name="矩形 8">
+            <a:extLst>
+              <a:ext uri="{FF2B5EF4-FFF2-40B4-BE49-F238E27FC236}">
+                <a16:creationId xmlns:a16="http://schemas.microsoft.com/office/drawing/2014/main" id="{E7DD98D1-F517-0081-EF82-0DED9A58DCC6}"/>
+              </a:ext>
+            </a:extLst>
+          </p:cNvPr>
+          <p:cNvSpPr/>
+          <p:nvPr/>
+        </p:nvSpPr>
+        <p:spPr>
+          <a:xfrm>
+            <a:off x="24002751" y="5212428"/>
+            <a:ext cx="4986787" cy="7478970"/>
+          </a:xfrm>
+          <a:prstGeom prst="rect">
+            <a:avLst/>
+          </a:prstGeom>
+          <a:solidFill>
+            <a:schemeClr val="accent5">
+              <a:lumMod val="40000"/>
+              <a:lumOff val="60000"/>
+            </a:schemeClr>
+          </a:solidFill>
+          <a:ln>
+            <a:solidFill>
+              <a:schemeClr val="accent5">
+                <a:lumMod val="40000"/>
+                <a:lumOff val="60000"/>
+              </a:schemeClr>
+            </a:solidFill>
+          </a:ln>
+        </p:spPr>
+        <p:style>
+          <a:lnRef idx="2">
+            <a:schemeClr val="accent1">
+              <a:shade val="50000"/>
+            </a:schemeClr>
+          </a:lnRef>
+          <a:fillRef idx="1">
+            <a:schemeClr val="accent1"/>
+          </a:fillRef>
+          <a:effectRef idx="0">
+            <a:schemeClr val="accent1"/>
+          </a:effectRef>
+          <a:fontRef idx="minor">
+            <a:schemeClr val="lt1"/>
+          </a:fontRef>
+        </p:style>
+        <p:txBody>
+          <a:bodyPr rtlCol="0" anchor="ctr"/>
+          <a:lstStyle/>
+          <a:p>
+            <a:pPr algn="ctr"/>
+            <a:endParaRPr lang="zh-CN" altLang="en-US"/>
+          </a:p>
+        </p:txBody>
+      </p:sp>
+      <p:sp>
+        <p:nvSpPr>
+          <p:cNvPr id="10" name="矩形: 圆角 9">
+            <a:extLst>
+              <a:ext uri="{FF2B5EF4-FFF2-40B4-BE49-F238E27FC236}">
+                <a16:creationId xmlns:a16="http://schemas.microsoft.com/office/drawing/2014/main" id="{B382F04A-847D-7869-DAE8-ECDAA9E0314C}"/>
+              </a:ext>
+            </a:extLst>
+          </p:cNvPr>
+          <p:cNvSpPr/>
+          <p:nvPr/>
+        </p:nvSpPr>
+        <p:spPr>
+          <a:xfrm>
+            <a:off x="17026598" y="4226200"/>
+            <a:ext cx="5249202" cy="8588400"/>
+          </a:xfrm>
+          <a:prstGeom prst="roundRect">
+            <a:avLst>
+              <a:gd name="adj" fmla="val 0"/>
+            </a:avLst>
+          </a:prstGeom>
+          <a:solidFill>
+            <a:schemeClr val="bg1"/>
+          </a:solidFill>
+          <a:ln w="38100">
+            <a:solidFill>
+              <a:schemeClr val="tx1"/>
+            </a:solidFill>
+          </a:ln>
+        </p:spPr>
+        <p:style>
+          <a:lnRef idx="2">
+            <a:schemeClr val="accent1">
+              <a:shade val="50000"/>
+            </a:schemeClr>
+          </a:lnRef>
+          <a:fillRef idx="1">
+            <a:schemeClr val="accent1"/>
+          </a:fillRef>
+          <a:effectRef idx="0">
+            <a:schemeClr val="accent1"/>
+          </a:effectRef>
+          <a:fontRef idx="minor">
+            <a:schemeClr val="lt1"/>
+          </a:fontRef>
+        </p:style>
+        <p:txBody>
+          <a:bodyPr rtlCol="0" anchor="ctr"/>
+          <a:lstStyle/>
+          <a:p>
+            <a:pPr algn="ctr"/>
+            <a:endParaRPr lang="zh-CN" altLang="en-US" u="sng" dirty="0"/>
+          </a:p>
+        </p:txBody>
+      </p:sp>
+      <p:sp>
+        <p:nvSpPr>
+          <p:cNvPr id="11" name="矩形 10">
+            <a:extLst>
+              <a:ext uri="{FF2B5EF4-FFF2-40B4-BE49-F238E27FC236}">
+                <a16:creationId xmlns:a16="http://schemas.microsoft.com/office/drawing/2014/main" id="{3D2D938C-2028-36D6-0704-35EA7CF879F8}"/>
+              </a:ext>
+            </a:extLst>
+          </p:cNvPr>
+          <p:cNvSpPr/>
+          <p:nvPr/>
+        </p:nvSpPr>
+        <p:spPr>
+          <a:xfrm>
+            <a:off x="17156566" y="5212428"/>
+            <a:ext cx="4992184" cy="7478970"/>
+          </a:xfrm>
+          <a:prstGeom prst="rect">
+            <a:avLst/>
+          </a:prstGeom>
+          <a:solidFill>
+            <a:schemeClr val="accent2">
+              <a:lumMod val="40000"/>
+              <a:lumOff val="60000"/>
+            </a:schemeClr>
+          </a:solidFill>
+          <a:ln>
+            <a:solidFill>
+              <a:schemeClr val="accent2">
+                <a:lumMod val="40000"/>
+                <a:lumOff val="60000"/>
+              </a:schemeClr>
+            </a:solidFill>
+          </a:ln>
+        </p:spPr>
+        <p:style>
+          <a:lnRef idx="2">
+            <a:schemeClr val="accent1">
+              <a:shade val="50000"/>
+            </a:schemeClr>
+          </a:lnRef>
+          <a:fillRef idx="1">
+            <a:schemeClr val="accent1"/>
+          </a:fillRef>
+          <a:effectRef idx="0">
+            <a:schemeClr val="accent1"/>
+          </a:effectRef>
+          <a:fontRef idx="minor">
+            <a:schemeClr val="lt1"/>
+          </a:fontRef>
+        </p:style>
+        <p:txBody>
+          <a:bodyPr rtlCol="0" anchor="ctr"/>
+          <a:lstStyle/>
+          <a:p>
+            <a:pPr algn="ctr"/>
+            <a:endParaRPr lang="zh-CN" altLang="en-US"/>
+          </a:p>
+        </p:txBody>
+      </p:sp>
+      <p:sp>
+        <p:nvSpPr>
+          <p:cNvPr id="12" name="矩形 11">
+            <a:extLst>
+              <a:ext uri="{FF2B5EF4-FFF2-40B4-BE49-F238E27FC236}">
+                <a16:creationId xmlns:a16="http://schemas.microsoft.com/office/drawing/2014/main" id="{A7968D8F-2A72-4FC1-34B7-E00C00E83364}"/>
+              </a:ext>
+            </a:extLst>
+          </p:cNvPr>
+          <p:cNvSpPr/>
+          <p:nvPr/>
+        </p:nvSpPr>
+        <p:spPr>
+          <a:xfrm>
+            <a:off x="5940445" y="7633691"/>
+            <a:ext cx="4376934" cy="1500965"/>
+          </a:xfrm>
+          <a:prstGeom prst="rect">
+            <a:avLst/>
+          </a:prstGeom>
+          <a:solidFill>
+            <a:schemeClr val="accent4">
+              <a:lumMod val="40000"/>
+              <a:lumOff val="60000"/>
+            </a:schemeClr>
+          </a:solidFill>
+          <a:ln>
+            <a:solidFill>
+              <a:schemeClr val="accent4">
+                <a:lumMod val="40000"/>
+                <a:lumOff val="60000"/>
+              </a:schemeClr>
+            </a:solidFill>
+          </a:ln>
+        </p:spPr>
+        <p:style>
+          <a:lnRef idx="2">
+            <a:schemeClr val="accent1">
+              <a:shade val="50000"/>
+            </a:schemeClr>
+          </a:lnRef>
+          <a:fillRef idx="1">
+            <a:schemeClr val="accent1"/>
+          </a:fillRef>
+          <a:effectRef idx="0">
+            <a:schemeClr val="accent1"/>
+          </a:effectRef>
+          <a:fontRef idx="minor">
+            <a:schemeClr val="lt1"/>
+          </a:fontRef>
+        </p:style>
+        <p:txBody>
+          <a:bodyPr rtlCol="0" anchor="ctr"/>
+          <a:lstStyle/>
+          <a:p>
+            <a:pPr algn="ctr"/>
+            <a:endParaRPr lang="zh-CN" altLang="en-US"/>
+          </a:p>
+        </p:txBody>
+      </p:sp>
+      <p:sp>
+        <p:nvSpPr>
+          <p:cNvPr id="13" name="文本框 146">
+            <a:extLst>
+              <a:ext uri="{FF2B5EF4-FFF2-40B4-BE49-F238E27FC236}">
+                <a16:creationId xmlns:a16="http://schemas.microsoft.com/office/drawing/2014/main" id="{603F173D-651E-76AC-608E-DDF6892D9CAD}"/>
+              </a:ext>
+            </a:extLst>
+          </p:cNvPr>
+          <p:cNvSpPr txBox="1"/>
+          <p:nvPr/>
+        </p:nvSpPr>
+        <p:spPr>
+          <a:xfrm>
+            <a:off x="17182980" y="5182934"/>
+            <a:ext cx="5308375" cy="7478970"/>
+          </a:xfrm>
+          <a:prstGeom prst="rect">
+            <a:avLst/>
+          </a:prstGeom>
+          <a:noFill/>
+        </p:spPr>
+        <p:txBody>
+          <a:bodyPr wrap="square">
+            <a:spAutoFit/>
+          </a:bodyPr>
+          <a:lstStyle>
+            <a:defPPr>
+              <a:defRPr lang="zh-CN"/>
+            </a:defPPr>
+            <a:lvl1pPr marL="0" algn="l" defTabSz="914345" rtl="0" eaLnBrk="1" latinLnBrk="0" hangingPunct="1">
+              <a:defRPr sz="1800" kern="1200">
+                <a:solidFill>
+                  <a:schemeClr val="tx1"/>
+                </a:solidFill>
+                <a:latin typeface="+mn-lt"/>
+                <a:ea typeface="+mn-ea"/>
+                <a:cs typeface="+mn-cs"/>
+              </a:defRPr>
+            </a:lvl1pPr>
+            <a:lvl2pPr marL="457173" algn="l" defTabSz="914345" rtl="0" eaLnBrk="1" latinLnBrk="0" hangingPunct="1">
+              <a:defRPr sz="1800" kern="1200">
+                <a:solidFill>
+                  <a:schemeClr val="tx1"/>
+                </a:solidFill>
+                <a:latin typeface="+mn-lt"/>
+                <a:ea typeface="+mn-ea"/>
+                <a:cs typeface="+mn-cs"/>
+              </a:defRPr>
+            </a:lvl2pPr>
+            <a:lvl3pPr marL="914345" algn="l" defTabSz="914345" rtl="0" eaLnBrk="1" latinLnBrk="0" hangingPunct="1">
+              <a:defRPr sz="1800" kern="1200">
+                <a:solidFill>
+                  <a:schemeClr val="tx1"/>
+                </a:solidFill>
+                <a:latin typeface="+mn-lt"/>
+                <a:ea typeface="+mn-ea"/>
+                <a:cs typeface="+mn-cs"/>
+              </a:defRPr>
+            </a:lvl3pPr>
+            <a:lvl4pPr marL="1371519" algn="l" defTabSz="914345" rtl="0" eaLnBrk="1" latinLnBrk="0" hangingPunct="1">
+              <a:defRPr sz="1800" kern="1200">
+                <a:solidFill>
+                  <a:schemeClr val="tx1"/>
+                </a:solidFill>
+                <a:latin typeface="+mn-lt"/>
+                <a:ea typeface="+mn-ea"/>
+                <a:cs typeface="+mn-cs"/>
+              </a:defRPr>
+            </a:lvl4pPr>
+            <a:lvl5pPr marL="1828691" algn="l" defTabSz="914345" rtl="0" eaLnBrk="1" latinLnBrk="0" hangingPunct="1">
+              <a:defRPr sz="1800" kern="1200">
+                <a:solidFill>
+                  <a:schemeClr val="tx1"/>
+                </a:solidFill>
+                <a:latin typeface="+mn-lt"/>
+                <a:ea typeface="+mn-ea"/>
+                <a:cs typeface="+mn-cs"/>
+              </a:defRPr>
+            </a:lvl5pPr>
+            <a:lvl6pPr marL="2285864" algn="l" defTabSz="914345" rtl="0" eaLnBrk="1" latinLnBrk="0" hangingPunct="1">
+              <a:defRPr sz="1800" kern="1200">
+                <a:solidFill>
+                  <a:schemeClr val="tx1"/>
+                </a:solidFill>
+                <a:latin typeface="+mn-lt"/>
+                <a:ea typeface="+mn-ea"/>
+                <a:cs typeface="+mn-cs"/>
+              </a:defRPr>
+            </a:lvl6pPr>
+            <a:lvl7pPr marL="2743036" algn="l" defTabSz="914345" rtl="0" eaLnBrk="1" latinLnBrk="0" hangingPunct="1">
+              <a:defRPr sz="1800" kern="1200">
+                <a:solidFill>
+                  <a:schemeClr val="tx1"/>
+                </a:solidFill>
+                <a:latin typeface="+mn-lt"/>
+                <a:ea typeface="+mn-ea"/>
+                <a:cs typeface="+mn-cs"/>
+              </a:defRPr>
+            </a:lvl7pPr>
+            <a:lvl8pPr marL="3200210" algn="l" defTabSz="914345" rtl="0" eaLnBrk="1" latinLnBrk="0" hangingPunct="1">
+              <a:defRPr sz="1800" kern="1200">
+                <a:solidFill>
+                  <a:schemeClr val="tx1"/>
+                </a:solidFill>
+                <a:latin typeface="+mn-lt"/>
+                <a:ea typeface="+mn-ea"/>
+                <a:cs typeface="+mn-cs"/>
+              </a:defRPr>
+            </a:lvl8pPr>
+            <a:lvl9pPr marL="3657382" algn="l" defTabSz="914345" rtl="0" eaLnBrk="1" latinLnBrk="0" hangingPunct="1">
+              <a:defRPr sz="1800" kern="1200">
+                <a:solidFill>
+                  <a:schemeClr val="tx1"/>
+                </a:solidFill>
+                <a:latin typeface="+mn-lt"/>
+                <a:ea typeface="+mn-ea"/>
+                <a:cs typeface="+mn-cs"/>
+              </a:defRPr>
+            </a:lvl9pPr>
+          </a:lstStyle>
+          <a:p>
+            <a:r>
+              <a:rPr lang="en-US" altLang="zh-CN" sz="2000" dirty="0">
+                <a:latin typeface="Consolas" panose="020B0609020204030204" pitchFamily="49" charset="0"/>
+              </a:rPr>
+              <a:t>// rust/kernel/chrdev.rs</a:t>
+            </a:r>
+          </a:p>
+          <a:p>
+            <a:r>
+              <a:rPr lang="en-US" altLang="zh-CN" sz="2000" dirty="0">
+                <a:latin typeface="Consolas" panose="020B0609020204030204" pitchFamily="49" charset="0"/>
+              </a:rPr>
+              <a:t>/// </a:t>
+            </a:r>
+            <a:r>
+              <a:rPr lang="en-US" altLang="zh-CN" sz="2000" b="1" dirty="0">
+                <a:latin typeface="Consolas" panose="020B0609020204030204" pitchFamily="49" charset="0"/>
+              </a:rPr>
+              <a:t># Invariants</a:t>
+            </a:r>
+          </a:p>
+          <a:p>
+            <a:r>
+              <a:rPr lang="en-US" altLang="zh-CN" sz="2000" dirty="0">
+                <a:latin typeface="Consolas" panose="020B0609020204030204" pitchFamily="49" charset="0"/>
+              </a:rPr>
+              <a:t>///   - self.0 is valid and ……</a:t>
+            </a:r>
+          </a:p>
+          <a:p>
+            <a:r>
+              <a:rPr lang="en-US" altLang="zh-CN" sz="2000" dirty="0">
+                <a:latin typeface="Consolas" panose="020B0609020204030204" pitchFamily="49" charset="0"/>
+              </a:rPr>
+              <a:t>struct </a:t>
+            </a:r>
+            <a:r>
+              <a:rPr lang="en-US" altLang="zh-CN" sz="2000" dirty="0" err="1">
+                <a:latin typeface="Consolas" panose="020B0609020204030204" pitchFamily="49" charset="0"/>
+              </a:rPr>
+              <a:t>Cdev</a:t>
+            </a:r>
+            <a:r>
+              <a:rPr lang="en-US" altLang="zh-CN" sz="2000" dirty="0">
+                <a:latin typeface="Consolas" panose="020B0609020204030204" pitchFamily="49" charset="0"/>
+              </a:rPr>
+              <a:t>(*mut bindings::</a:t>
+            </a:r>
+            <a:r>
+              <a:rPr lang="en-US" altLang="zh-CN" sz="2000" dirty="0" err="1">
+                <a:latin typeface="Consolas" panose="020B0609020204030204" pitchFamily="49" charset="0"/>
+              </a:rPr>
+              <a:t>cdev</a:t>
+            </a:r>
+            <a:r>
+              <a:rPr lang="en-US" altLang="zh-CN" sz="2000" dirty="0">
+                <a:latin typeface="Consolas" panose="020B0609020204030204" pitchFamily="49" charset="0"/>
+              </a:rPr>
+              <a:t>);</a:t>
+            </a:r>
+          </a:p>
+          <a:p>
+            <a:r>
+              <a:rPr lang="en-US" altLang="zh-CN" sz="2000" dirty="0">
+                <a:latin typeface="Consolas" panose="020B0609020204030204" pitchFamily="49" charset="0"/>
+              </a:rPr>
+              <a:t>struct </a:t>
+            </a:r>
+            <a:r>
+              <a:rPr lang="en-US" altLang="zh-CN" sz="2000" dirty="0" err="1">
+                <a:latin typeface="Consolas" panose="020B0609020204030204" pitchFamily="49" charset="0"/>
+              </a:rPr>
+              <a:t>RegInner</a:t>
+            </a:r>
+            <a:r>
+              <a:rPr lang="en-US" altLang="zh-CN" sz="2000" dirty="0">
+                <a:latin typeface="Consolas" panose="020B0609020204030204" pitchFamily="49" charset="0"/>
+              </a:rPr>
+              <a:t>&lt;const N: </a:t>
+            </a:r>
+            <a:r>
+              <a:rPr lang="en-US" altLang="zh-CN" sz="2000" dirty="0" err="1">
+                <a:latin typeface="Consolas" panose="020B0609020204030204" pitchFamily="49" charset="0"/>
+              </a:rPr>
+              <a:t>usize</a:t>
+            </a:r>
+            <a:r>
+              <a:rPr lang="en-US" altLang="zh-CN" sz="2000" dirty="0">
+                <a:latin typeface="Consolas" panose="020B0609020204030204" pitchFamily="49" charset="0"/>
+              </a:rPr>
+              <a:t>&gt; { </a:t>
+            </a:r>
+          </a:p>
+          <a:p>
+            <a:r>
+              <a:rPr lang="en-US" altLang="zh-CN" sz="2000" dirty="0">
+                <a:latin typeface="Consolas" panose="020B0609020204030204" pitchFamily="49" charset="0"/>
+              </a:rPr>
+              <a:t>   </a:t>
+            </a:r>
+            <a:r>
+              <a:rPr lang="en-US" altLang="zh-CN" sz="2000" dirty="0" err="1">
+                <a:latin typeface="Consolas" panose="020B0609020204030204" pitchFamily="49" charset="0"/>
+              </a:rPr>
+              <a:t>cdevs</a:t>
+            </a:r>
+            <a:r>
+              <a:rPr lang="en-US" altLang="zh-CN" sz="2000" dirty="0">
+                <a:latin typeface="Consolas" panose="020B0609020204030204" pitchFamily="49" charset="0"/>
+              </a:rPr>
+              <a:t>: [Option&lt;</a:t>
+            </a:r>
+            <a:r>
+              <a:rPr lang="en-US" altLang="zh-CN" sz="2000" dirty="0" err="1">
+                <a:latin typeface="Consolas" panose="020B0609020204030204" pitchFamily="49" charset="0"/>
+              </a:rPr>
+              <a:t>Cdev</a:t>
+            </a:r>
+            <a:r>
+              <a:rPr lang="en-US" altLang="zh-CN" sz="2000" dirty="0">
+                <a:latin typeface="Consolas" panose="020B0609020204030204" pitchFamily="49" charset="0"/>
+              </a:rPr>
+              <a:t>&gt;; N] </a:t>
+            </a:r>
+          </a:p>
+          <a:p>
+            <a:r>
+              <a:rPr lang="en-US" altLang="zh-CN" sz="2000" dirty="0">
+                <a:latin typeface="Consolas" panose="020B0609020204030204" pitchFamily="49" charset="0"/>
+              </a:rPr>
+              <a:t>}</a:t>
+            </a:r>
+          </a:p>
+          <a:p>
+            <a:r>
+              <a:rPr lang="en-US" altLang="zh-CN" sz="2000" dirty="0">
+                <a:latin typeface="Consolas" panose="020B0609020204030204" pitchFamily="49" charset="0"/>
+              </a:rPr>
+              <a:t>pub struct Reg&lt;const N: </a:t>
+            </a:r>
+            <a:r>
+              <a:rPr lang="en-US" altLang="zh-CN" sz="2000" dirty="0" err="1">
+                <a:latin typeface="Consolas" panose="020B0609020204030204" pitchFamily="49" charset="0"/>
+              </a:rPr>
+              <a:t>usize</a:t>
+            </a:r>
+            <a:r>
+              <a:rPr lang="en-US" altLang="zh-CN" sz="2000" dirty="0">
+                <a:latin typeface="Consolas" panose="020B0609020204030204" pitchFamily="49" charset="0"/>
+              </a:rPr>
+              <a:t>&gt; { </a:t>
+            </a:r>
+          </a:p>
+          <a:p>
+            <a:r>
+              <a:rPr lang="en-US" altLang="zh-CN" sz="2000" dirty="0">
+                <a:latin typeface="Consolas" panose="020B0609020204030204" pitchFamily="49" charset="0"/>
+              </a:rPr>
+              <a:t>   inner: Option&lt;</a:t>
+            </a:r>
+            <a:r>
+              <a:rPr lang="en-US" altLang="zh-CN" sz="2000" dirty="0" err="1">
+                <a:latin typeface="Consolas" panose="020B0609020204030204" pitchFamily="49" charset="0"/>
+              </a:rPr>
+              <a:t>RegInner</a:t>
+            </a:r>
+            <a:r>
+              <a:rPr lang="en-US" altLang="zh-CN" sz="2000" dirty="0">
+                <a:latin typeface="Consolas" panose="020B0609020204030204" pitchFamily="49" charset="0"/>
+              </a:rPr>
+              <a:t>&lt;N&gt;&gt; </a:t>
+            </a:r>
+          </a:p>
+          <a:p>
+            <a:r>
+              <a:rPr lang="en-US" altLang="zh-CN" sz="2000" dirty="0">
+                <a:latin typeface="Consolas" panose="020B0609020204030204" pitchFamily="49" charset="0"/>
+              </a:rPr>
+              <a:t>}</a:t>
+            </a:r>
+            <a:br>
+              <a:rPr lang="en-US" altLang="zh-CN" sz="2000" dirty="0">
+                <a:latin typeface="Consolas" panose="020B0609020204030204" pitchFamily="49" charset="0"/>
+              </a:rPr>
+            </a:br>
+            <a:endParaRPr lang="en-US" altLang="zh-CN" sz="2000" dirty="0">
+              <a:latin typeface="Consolas" panose="020B0609020204030204" pitchFamily="49" charset="0"/>
+            </a:endParaRPr>
+          </a:p>
+          <a:p>
+            <a:r>
+              <a:rPr lang="en-US" altLang="zh-CN" sz="2000" dirty="0" err="1">
+                <a:latin typeface="Consolas" panose="020B0609020204030204" pitchFamily="49" charset="0"/>
+              </a:rPr>
+              <a:t>impl</a:t>
+            </a:r>
+            <a:r>
+              <a:rPr lang="en-US" altLang="zh-CN" sz="2000" dirty="0">
+                <a:latin typeface="Consolas" panose="020B0609020204030204" pitchFamily="49" charset="0"/>
+              </a:rPr>
+              <a:t> </a:t>
+            </a:r>
+            <a:r>
+              <a:rPr lang="en-US" altLang="zh-CN" sz="2000" dirty="0" err="1">
+                <a:latin typeface="Consolas" panose="020B0609020204030204" pitchFamily="49" charset="0"/>
+              </a:rPr>
+              <a:t>Cdev</a:t>
+            </a:r>
+            <a:r>
+              <a:rPr lang="en-US" altLang="zh-CN" sz="2000" dirty="0">
+                <a:latin typeface="Consolas" panose="020B0609020204030204" pitchFamily="49" charset="0"/>
+              </a:rPr>
+              <a:t> {</a:t>
+            </a:r>
+          </a:p>
+          <a:p>
+            <a:r>
+              <a:rPr lang="en-US" altLang="zh-CN" sz="2000" dirty="0">
+                <a:latin typeface="Consolas" panose="020B0609020204030204" pitchFamily="49" charset="0"/>
+              </a:rPr>
+              <a:t>    </a:t>
+            </a:r>
+            <a:r>
+              <a:rPr lang="en-US" altLang="zh-CN" sz="2000" dirty="0" err="1">
+                <a:latin typeface="Consolas" panose="020B0609020204030204" pitchFamily="49" charset="0"/>
+              </a:rPr>
+              <a:t>fn</a:t>
+            </a:r>
+            <a:r>
+              <a:rPr lang="en-US" altLang="zh-CN" sz="2000" dirty="0">
+                <a:latin typeface="Consolas" panose="020B0609020204030204" pitchFamily="49" charset="0"/>
+              </a:rPr>
+              <a:t> </a:t>
+            </a:r>
+            <a:r>
+              <a:rPr lang="en-US" altLang="zh-CN" sz="2000" dirty="0" err="1">
+                <a:latin typeface="Consolas" panose="020B0609020204030204" pitchFamily="49" charset="0"/>
+              </a:rPr>
+              <a:t>alloc</a:t>
+            </a:r>
+            <a:r>
+              <a:rPr lang="en-US" altLang="zh-CN" sz="2000" dirty="0">
+                <a:latin typeface="Consolas" panose="020B0609020204030204" pitchFamily="49" charset="0"/>
+              </a:rPr>
+              <a:t>(……) -&gt; Result&lt;Self&gt; {</a:t>
+            </a:r>
+          </a:p>
+          <a:p>
+            <a:r>
+              <a:rPr lang="en-US" altLang="zh-CN" sz="2000" dirty="0">
+                <a:latin typeface="Consolas" panose="020B0609020204030204" pitchFamily="49" charset="0"/>
+              </a:rPr>
+              <a:t>       </a:t>
+            </a:r>
+            <a:r>
+              <a:rPr lang="en-US" altLang="zh-CN" sz="2000" b="1" dirty="0">
+                <a:latin typeface="Consolas" panose="020B0609020204030204" pitchFamily="49" charset="0"/>
+              </a:rPr>
+              <a:t>// SAFETY</a:t>
+            </a:r>
+            <a:r>
+              <a:rPr lang="en-US" altLang="zh-CN" sz="2000" dirty="0">
+                <a:latin typeface="Consolas" panose="020B0609020204030204" pitchFamily="49" charset="0"/>
+              </a:rPr>
+              <a:t>: FFI call.</a:t>
+            </a:r>
+          </a:p>
+          <a:p>
+            <a:r>
+              <a:rPr lang="en-US" altLang="zh-CN" sz="2000" dirty="0">
+                <a:latin typeface="Consolas" panose="020B0609020204030204" pitchFamily="49" charset="0"/>
+              </a:rPr>
+              <a:t>	unsafe{bindings::</a:t>
+            </a:r>
+            <a:r>
+              <a:rPr lang="en-US" altLang="zh-CN" sz="2000" dirty="0" err="1">
+                <a:latin typeface="Consolas" panose="020B0609020204030204" pitchFamily="49" charset="0"/>
+              </a:rPr>
+              <a:t>cdev_alloc</a:t>
+            </a:r>
+            <a:r>
+              <a:rPr lang="en-US" altLang="zh-CN" sz="2000" dirty="0">
+                <a:latin typeface="Consolas" panose="020B0609020204030204" pitchFamily="49" charset="0"/>
+              </a:rPr>
+              <a:t>}       </a:t>
+            </a:r>
+          </a:p>
+          <a:p>
+            <a:r>
+              <a:rPr lang="en-US" altLang="zh-CN" sz="2000" dirty="0">
+                <a:latin typeface="Consolas" panose="020B0609020204030204" pitchFamily="49" charset="0"/>
+              </a:rPr>
+              <a:t>    };</a:t>
+            </a:r>
+          </a:p>
+          <a:p>
+            <a:r>
+              <a:rPr lang="en-US" altLang="zh-CN" sz="2000" dirty="0">
+                <a:latin typeface="Consolas" panose="020B0609020204030204" pitchFamily="49" charset="0"/>
+              </a:rPr>
+              <a:t>}</a:t>
+            </a:r>
+          </a:p>
+          <a:p>
+            <a:endParaRPr lang="en-US" altLang="zh-CN" sz="2000" dirty="0">
+              <a:latin typeface="Consolas" panose="020B0609020204030204" pitchFamily="49" charset="0"/>
+            </a:endParaRPr>
+          </a:p>
+          <a:p>
+            <a:r>
+              <a:rPr lang="en-US" altLang="zh-CN" sz="2000" dirty="0">
+                <a:latin typeface="Consolas" panose="020B0609020204030204" pitchFamily="49" charset="0"/>
+              </a:rPr>
+              <a:t>// rust/kernel/driver.rs</a:t>
+            </a:r>
+            <a:br>
+              <a:rPr lang="en-US" altLang="zh-CN" sz="2000" dirty="0">
+                <a:latin typeface="Consolas" panose="020B0609020204030204" pitchFamily="49" charset="0"/>
+              </a:rPr>
+            </a:br>
+            <a:r>
+              <a:rPr lang="en-US" altLang="zh-CN" sz="2000" dirty="0">
+                <a:latin typeface="Consolas" panose="020B0609020204030204" pitchFamily="49" charset="0"/>
+              </a:rPr>
+              <a:t>pub trait </a:t>
+            </a:r>
+            <a:r>
+              <a:rPr lang="en-US" altLang="zh-CN" sz="2000" dirty="0" err="1">
+                <a:latin typeface="Consolas" panose="020B0609020204030204" pitchFamily="49" charset="0"/>
+              </a:rPr>
+              <a:t>DriverOps</a:t>
+            </a:r>
+            <a:r>
+              <a:rPr lang="en-US" altLang="zh-CN" sz="2000" dirty="0">
+                <a:latin typeface="Consolas" panose="020B0609020204030204" pitchFamily="49" charset="0"/>
+              </a:rPr>
+              <a:t> {</a:t>
+            </a:r>
+          </a:p>
+          <a:p>
+            <a:r>
+              <a:rPr lang="en-US" altLang="zh-CN" sz="2000" dirty="0">
+                <a:latin typeface="Consolas" panose="020B0609020204030204" pitchFamily="49" charset="0"/>
+              </a:rPr>
+              <a:t>    /// </a:t>
+            </a:r>
+            <a:r>
+              <a:rPr lang="en-US" altLang="zh-CN" sz="2000" b="1" dirty="0">
+                <a:latin typeface="Consolas" panose="020B0609020204030204" pitchFamily="49" charset="0"/>
+              </a:rPr>
+              <a:t># Safety</a:t>
+            </a:r>
+          </a:p>
+          <a:p>
+            <a:r>
+              <a:rPr lang="en-US" altLang="zh-CN" sz="2000" dirty="0">
+                <a:latin typeface="Consolas" panose="020B0609020204030204" pitchFamily="49" charset="0"/>
+              </a:rPr>
+              <a:t>    /// `reg` must point to ……</a:t>
+            </a:r>
+          </a:p>
+          <a:p>
+            <a:r>
+              <a:rPr lang="en-US" altLang="zh-CN" sz="2000" dirty="0">
+                <a:latin typeface="Consolas" panose="020B0609020204030204" pitchFamily="49" charset="0"/>
+              </a:rPr>
+              <a:t>    unsafe </a:t>
+            </a:r>
+            <a:r>
+              <a:rPr lang="en-US" altLang="zh-CN" sz="2000" dirty="0" err="1">
+                <a:latin typeface="Consolas" panose="020B0609020204030204" pitchFamily="49" charset="0"/>
+              </a:rPr>
+              <a:t>fn</a:t>
+            </a:r>
+            <a:r>
+              <a:rPr lang="en-US" altLang="zh-CN" sz="2000" dirty="0">
+                <a:latin typeface="Consolas" panose="020B0609020204030204" pitchFamily="49" charset="0"/>
+              </a:rPr>
+              <a:t> register(reg: </a:t>
+            </a:r>
+            <a:r>
+              <a:rPr lang="zh-CN" altLang="en-US" sz="2000" dirty="0">
+                <a:latin typeface="Consolas" panose="020B0609020204030204" pitchFamily="49" charset="0"/>
+              </a:rPr>
+              <a:t>*</a:t>
+            </a:r>
+            <a:r>
+              <a:rPr lang="en-US" altLang="zh-CN" sz="2000" dirty="0">
+                <a:latin typeface="Consolas" panose="020B0609020204030204" pitchFamily="49" charset="0"/>
+              </a:rPr>
+              <a:t>mut …)</a:t>
+            </a:r>
+          </a:p>
+          <a:p>
+            <a:r>
+              <a:rPr lang="en-US" altLang="zh-CN" sz="2000" dirty="0">
+                <a:latin typeface="Consolas" panose="020B0609020204030204" pitchFamily="49" charset="0"/>
+              </a:rPr>
+              <a:t>}</a:t>
+            </a:r>
+          </a:p>
+        </p:txBody>
+      </p:sp>
+      <p:cxnSp>
+        <p:nvCxnSpPr>
+          <p:cNvPr id="14" name="连接符: 曲线 13">
+            <a:extLst>
+              <a:ext uri="{FF2B5EF4-FFF2-40B4-BE49-F238E27FC236}">
+                <a16:creationId xmlns:a16="http://schemas.microsoft.com/office/drawing/2014/main" id="{44D46409-7D76-3BBA-8A5F-FCE45B235640}"/>
+              </a:ext>
+            </a:extLst>
+          </p:cNvPr>
+          <p:cNvCxnSpPr>
+            <a:cxnSpLocks/>
+            <a:endCxn id="15" idx="2"/>
+          </p:cNvCxnSpPr>
+          <p:nvPr/>
+        </p:nvCxnSpPr>
+        <p:spPr>
+          <a:xfrm flipV="1">
+            <a:off x="15695970" y="9058477"/>
+            <a:ext cx="496646" cy="1115104"/>
+          </a:xfrm>
+          <a:prstGeom prst="curvedConnector2">
+            <a:avLst/>
+          </a:prstGeom>
+          <a:ln w="57150">
+            <a:solidFill>
+              <a:schemeClr val="tx1"/>
+            </a:solidFill>
+            <a:tailEnd type="triangle"/>
+          </a:ln>
+        </p:spPr>
+        <p:style>
+          <a:lnRef idx="1">
+            <a:schemeClr val="accent1"/>
+          </a:lnRef>
+          <a:fillRef idx="0">
+            <a:schemeClr val="accent1"/>
+          </a:fillRef>
+          <a:effectRef idx="0">
+            <a:schemeClr val="accent1"/>
+          </a:effectRef>
+          <a:fontRef idx="minor">
+            <a:schemeClr val="tx1"/>
+          </a:fontRef>
+        </p:style>
+      </p:cxnSp>
+      <p:pic>
+        <p:nvPicPr>
+          <p:cNvPr id="15" name="图片 14">
+            <a:extLst>
+              <a:ext uri="{FF2B5EF4-FFF2-40B4-BE49-F238E27FC236}">
+                <a16:creationId xmlns:a16="http://schemas.microsoft.com/office/drawing/2014/main" id="{B4AE75F5-D546-7BAC-3A89-5E6B76661A3D}"/>
+              </a:ext>
+            </a:extLst>
+          </p:cNvPr>
+          <p:cNvPicPr>
+            <a:picLocks noChangeAspect="1"/>
+          </p:cNvPicPr>
+          <p:nvPr/>
+        </p:nvPicPr>
+        <p:blipFill>
+          <a:blip r:embed="rId2"/>
+          <a:stretch>
+            <a:fillRect/>
+          </a:stretch>
+        </p:blipFill>
+        <p:spPr>
+          <a:xfrm>
+            <a:off x="15663778" y="8000801"/>
+            <a:ext cx="1057676" cy="1057676"/>
+          </a:xfrm>
+          <a:prstGeom prst="rect">
+            <a:avLst/>
+          </a:prstGeom>
+        </p:spPr>
+      </p:pic>
+      <p:grpSp>
+        <p:nvGrpSpPr>
+          <p:cNvPr id="16" name="组合 15">
+            <a:extLst>
+              <a:ext uri="{FF2B5EF4-FFF2-40B4-BE49-F238E27FC236}">
+                <a16:creationId xmlns:a16="http://schemas.microsoft.com/office/drawing/2014/main" id="{DF3A886F-C26E-1116-799C-2BF58112A77A}"/>
+              </a:ext>
+            </a:extLst>
+          </p:cNvPr>
+          <p:cNvGrpSpPr/>
+          <p:nvPr/>
+        </p:nvGrpSpPr>
+        <p:grpSpPr>
+          <a:xfrm>
+            <a:off x="5891231" y="7718906"/>
+            <a:ext cx="4524672" cy="1267888"/>
+            <a:chOff x="995549" y="2471931"/>
+            <a:chExt cx="4524672" cy="1267888"/>
+          </a:xfrm>
+        </p:grpSpPr>
+        <p:sp>
+          <p:nvSpPr>
+            <p:cNvPr id="17" name="文本框 16">
+              <a:extLst>
+                <a:ext uri="{FF2B5EF4-FFF2-40B4-BE49-F238E27FC236}">
+                  <a16:creationId xmlns:a16="http://schemas.microsoft.com/office/drawing/2014/main" id="{3912C79B-6810-6A5F-1F73-4E244E08B9DA}"/>
+                </a:ext>
+              </a:extLst>
+            </p:cNvPr>
+            <p:cNvSpPr txBox="1"/>
+            <p:nvPr/>
+          </p:nvSpPr>
+          <p:spPr>
+            <a:xfrm>
+              <a:off x="995549" y="3278154"/>
+              <a:ext cx="4426148" cy="461665"/>
+            </a:xfrm>
+            <a:prstGeom prst="rect">
+              <a:avLst/>
+            </a:prstGeom>
+            <a:noFill/>
+          </p:spPr>
+          <p:txBody>
+            <a:bodyPr wrap="square">
+              <a:spAutoFit/>
+            </a:bodyPr>
+            <a:lstStyle/>
+            <a:p>
+              <a:r>
+                <a:rPr lang="en-US" altLang="zh-CN" sz="2400" b="1" dirty="0" err="1">
+                  <a:solidFill>
+                    <a:srgbClr val="3B3B3B"/>
+                  </a:solidFill>
+                  <a:latin typeface="Consolas" panose="020B0609020204030204" pitchFamily="49" charset="0"/>
+                </a:rPr>
+                <a:t>bindings_helper.h</a:t>
+              </a:r>
+              <a:endParaRPr lang="en-US" altLang="zh-CN" sz="2400" b="1" dirty="0">
+                <a:solidFill>
+                  <a:srgbClr val="3B3B3B"/>
+                </a:solidFill>
+                <a:latin typeface="Consolas" panose="020B0609020204030204" pitchFamily="49" charset="0"/>
+              </a:endParaRPr>
+            </a:p>
+          </p:txBody>
+        </p:sp>
+        <p:sp>
+          <p:nvSpPr>
+            <p:cNvPr id="18" name="动作按钮: 文档 17">
+              <a:hlinkClick r:id="" action="ppaction://noaction" highlightClick="1"/>
+              <a:extLst>
+                <a:ext uri="{FF2B5EF4-FFF2-40B4-BE49-F238E27FC236}">
+                  <a16:creationId xmlns:a16="http://schemas.microsoft.com/office/drawing/2014/main" id="{BA090B2D-D2E3-6FF9-62FB-095CCC530162}"/>
+                </a:ext>
+              </a:extLst>
+            </p:cNvPr>
+            <p:cNvSpPr/>
+            <p:nvPr/>
+          </p:nvSpPr>
+          <p:spPr>
+            <a:xfrm>
+              <a:off x="1287946" y="2471931"/>
+              <a:ext cx="696562" cy="733579"/>
+            </a:xfrm>
+            <a:prstGeom prst="actionButtonDocument">
+              <a:avLst/>
+            </a:prstGeom>
+            <a:solidFill>
+              <a:schemeClr val="bg1"/>
+            </a:solidFill>
+            <a:ln>
+              <a:solidFill>
+                <a:schemeClr val="tx1"/>
+              </a:solidFill>
+            </a:ln>
+          </p:spPr>
+          <p:style>
+            <a:lnRef idx="2">
+              <a:schemeClr val="accent1">
+                <a:shade val="50000"/>
+              </a:schemeClr>
+            </a:lnRef>
+            <a:fillRef idx="1">
+              <a:schemeClr val="accent1"/>
+            </a:fillRef>
+            <a:effectRef idx="0">
+              <a:schemeClr val="accent1"/>
+            </a:effectRef>
+            <a:fontRef idx="minor">
+              <a:schemeClr val="lt1"/>
+            </a:fontRef>
+          </p:style>
+          <p:txBody>
+            <a:bodyPr rtlCol="0" anchor="ctr"/>
+            <a:lstStyle/>
+            <a:p>
+              <a:pPr algn="ctr"/>
+              <a:r>
+                <a:rPr lang="en-US" altLang="zh-CN" sz="2800" dirty="0">
+                  <a:solidFill>
+                    <a:schemeClr val="tx1"/>
+                  </a:solidFill>
+                </a:rPr>
+                <a:t>C</a:t>
+              </a:r>
+              <a:endParaRPr lang="zh-CN" altLang="en-US" sz="2800" dirty="0">
+                <a:solidFill>
+                  <a:schemeClr val="tx1"/>
+                </a:solidFill>
+              </a:endParaRPr>
+            </a:p>
+          </p:txBody>
+        </p:sp>
+        <p:sp>
+          <p:nvSpPr>
+            <p:cNvPr id="19" name="文本框 18">
+              <a:extLst>
+                <a:ext uri="{FF2B5EF4-FFF2-40B4-BE49-F238E27FC236}">
+                  <a16:creationId xmlns:a16="http://schemas.microsoft.com/office/drawing/2014/main" id="{BDC542A2-6C60-3252-D907-FB893E6ACC55}"/>
+                </a:ext>
+              </a:extLst>
+            </p:cNvPr>
+            <p:cNvSpPr txBox="1"/>
+            <p:nvPr/>
+          </p:nvSpPr>
+          <p:spPr>
+            <a:xfrm>
+              <a:off x="2016700" y="2680154"/>
+              <a:ext cx="3503521" cy="400110"/>
+            </a:xfrm>
+            <a:prstGeom prst="rect">
+              <a:avLst/>
+            </a:prstGeom>
+            <a:noFill/>
+          </p:spPr>
+          <p:txBody>
+            <a:bodyPr wrap="square">
+              <a:spAutoFit/>
+            </a:bodyPr>
+            <a:lstStyle/>
+            <a:p>
+              <a:r>
+                <a:rPr lang="en-US" altLang="zh-CN" sz="2000" dirty="0">
+                  <a:solidFill>
+                    <a:schemeClr val="accent5">
+                      <a:lumMod val="75000"/>
+                    </a:schemeClr>
+                  </a:solidFill>
+                  <a:latin typeface="Consolas" panose="020B0609020204030204" pitchFamily="49" charset="0"/>
+                </a:rPr>
+                <a:t>#include &lt;</a:t>
+              </a:r>
+              <a:r>
+                <a:rPr lang="en-US" altLang="zh-CN" sz="2000" dirty="0" err="1">
+                  <a:solidFill>
+                    <a:schemeClr val="accent5">
+                      <a:lumMod val="75000"/>
+                    </a:schemeClr>
+                  </a:solidFill>
+                  <a:latin typeface="Consolas" panose="020B0609020204030204" pitchFamily="49" charset="0"/>
+                </a:rPr>
+                <a:t>linux</a:t>
+              </a:r>
+              <a:r>
+                <a:rPr lang="en-US" altLang="zh-CN" sz="2000" dirty="0">
+                  <a:solidFill>
+                    <a:schemeClr val="accent5">
+                      <a:lumMod val="75000"/>
+                    </a:schemeClr>
+                  </a:solidFill>
+                  <a:latin typeface="Consolas" panose="020B0609020204030204" pitchFamily="49" charset="0"/>
+                </a:rPr>
+                <a:t>/</a:t>
+              </a:r>
+              <a:r>
+                <a:rPr lang="en-US" altLang="zh-CN" sz="2000" dirty="0" err="1">
+                  <a:solidFill>
+                    <a:schemeClr val="accent5">
+                      <a:lumMod val="75000"/>
+                    </a:schemeClr>
+                  </a:solidFill>
+                  <a:latin typeface="Consolas" panose="020B0609020204030204" pitchFamily="49" charset="0"/>
+                </a:rPr>
+                <a:t>cdev.h</a:t>
+              </a:r>
+              <a:r>
+                <a:rPr lang="en-US" altLang="zh-CN" sz="2000" dirty="0">
+                  <a:solidFill>
+                    <a:schemeClr val="accent5">
+                      <a:lumMod val="75000"/>
+                    </a:schemeClr>
+                  </a:solidFill>
+                  <a:latin typeface="Consolas" panose="020B0609020204030204" pitchFamily="49" charset="0"/>
+                </a:rPr>
+                <a:t>&gt;</a:t>
+              </a:r>
+            </a:p>
+          </p:txBody>
+        </p:sp>
+      </p:grpSp>
+      <p:grpSp>
+        <p:nvGrpSpPr>
+          <p:cNvPr id="20" name="组合 19">
+            <a:extLst>
+              <a:ext uri="{FF2B5EF4-FFF2-40B4-BE49-F238E27FC236}">
+                <a16:creationId xmlns:a16="http://schemas.microsoft.com/office/drawing/2014/main" id="{F4F7EFFA-8E2E-8388-E736-20AA804AC15F}"/>
+              </a:ext>
+            </a:extLst>
+          </p:cNvPr>
+          <p:cNvGrpSpPr/>
+          <p:nvPr/>
+        </p:nvGrpSpPr>
+        <p:grpSpPr>
+          <a:xfrm>
+            <a:off x="5668746" y="4914436"/>
+            <a:ext cx="1316467" cy="1899560"/>
+            <a:chOff x="-6966059" y="-137947"/>
+            <a:chExt cx="1316467" cy="1899560"/>
+          </a:xfrm>
+        </p:grpSpPr>
+        <p:pic>
+          <p:nvPicPr>
+            <p:cNvPr id="21" name="图形 20">
+              <a:extLst>
+                <a:ext uri="{FF2B5EF4-FFF2-40B4-BE49-F238E27FC236}">
+                  <a16:creationId xmlns:a16="http://schemas.microsoft.com/office/drawing/2014/main" id="{1755FC8A-2AB3-1F63-262F-6E6D1E09D263}"/>
+                </a:ext>
+              </a:extLst>
+            </p:cNvPr>
+            <p:cNvPicPr>
+              <a:picLocks noChangeAspect="1"/>
+            </p:cNvPicPr>
+            <p:nvPr/>
+          </p:nvPicPr>
+          <p:blipFill>
+            <a:blip r:embed="rId3">
+              <a:extLst>
+                <a:ext uri="{28A0092B-C50C-407E-A947-70E740481C1C}">
+                  <a14:useLocalDpi xmlns:a14="http://schemas.microsoft.com/office/drawing/2010/main" val="0"/>
+                </a:ext>
+                <a:ext uri="{96DAC541-7B7A-43D3-8B79-37D633B846F1}">
+                  <asvg:svgBlip xmlns:asvg="http://schemas.microsoft.com/office/drawing/2016/SVG/main" r:embed="rId4"/>
+                </a:ext>
+              </a:extLst>
+            </a:blip>
+            <a:stretch>
+              <a:fillRect/>
+            </a:stretch>
+          </p:blipFill>
+          <p:spPr>
+            <a:xfrm>
+              <a:off x="-6612625" y="-137947"/>
+              <a:ext cx="609600" cy="609600"/>
+            </a:xfrm>
+            <a:prstGeom prst="rect">
+              <a:avLst/>
+            </a:prstGeom>
+          </p:spPr>
+        </p:pic>
+        <p:sp>
+          <p:nvSpPr>
+            <p:cNvPr id="22" name="文本框 21">
+              <a:extLst>
+                <a:ext uri="{FF2B5EF4-FFF2-40B4-BE49-F238E27FC236}">
+                  <a16:creationId xmlns:a16="http://schemas.microsoft.com/office/drawing/2014/main" id="{ABE0FEAF-853C-95A4-369A-F34FF66D69F3}"/>
+                </a:ext>
+              </a:extLst>
+            </p:cNvPr>
+            <p:cNvSpPr txBox="1"/>
+            <p:nvPr/>
+          </p:nvSpPr>
+          <p:spPr>
+            <a:xfrm>
+              <a:off x="-6966059" y="561284"/>
+              <a:ext cx="1316467" cy="1200329"/>
+            </a:xfrm>
+            <a:prstGeom prst="rect">
+              <a:avLst/>
+            </a:prstGeom>
+            <a:noFill/>
+          </p:spPr>
+          <p:txBody>
+            <a:bodyPr wrap="square">
+              <a:spAutoFit/>
+            </a:bodyPr>
+            <a:lstStyle/>
+            <a:p>
+              <a:pPr algn="ctr"/>
+              <a:r>
+                <a:rPr lang="en-US" altLang="zh-CN" sz="2400" b="1" dirty="0">
+                  <a:solidFill>
+                    <a:srgbClr val="3B3B3B"/>
+                  </a:solidFill>
+                  <a:latin typeface="Consolas" panose="020B0609020204030204" pitchFamily="49" charset="0"/>
+                </a:rPr>
+                <a:t>Rust</a:t>
+              </a:r>
+            </a:p>
+            <a:p>
+              <a:pPr algn="ctr"/>
+              <a:r>
+                <a:rPr lang="en-US" altLang="zh-CN" sz="2400" b="1" dirty="0">
+                  <a:solidFill>
+                    <a:srgbClr val="3B3B3B"/>
+                  </a:solidFill>
+                  <a:latin typeface="Consolas" panose="020B0609020204030204" pitchFamily="49" charset="0"/>
+                </a:rPr>
+                <a:t>Code </a:t>
+              </a:r>
+            </a:p>
+            <a:p>
+              <a:pPr algn="ctr"/>
+              <a:r>
+                <a:rPr lang="en-US" altLang="zh-CN" sz="2400" b="1" dirty="0">
+                  <a:solidFill>
+                    <a:srgbClr val="3B3B3B"/>
+                  </a:solidFill>
+                  <a:latin typeface="Consolas" panose="020B0609020204030204" pitchFamily="49" charset="0"/>
+                </a:rPr>
+                <a:t>Tree</a:t>
+              </a:r>
+            </a:p>
+          </p:txBody>
+        </p:sp>
+      </p:grpSp>
+      <p:cxnSp>
+        <p:nvCxnSpPr>
+          <p:cNvPr id="23" name="连接符: 曲线 22">
+            <a:extLst>
+              <a:ext uri="{FF2B5EF4-FFF2-40B4-BE49-F238E27FC236}">
+                <a16:creationId xmlns:a16="http://schemas.microsoft.com/office/drawing/2014/main" id="{33FA31BF-1FAC-D0FB-0B65-B642BB85E5E3}"/>
+              </a:ext>
+            </a:extLst>
+          </p:cNvPr>
+          <p:cNvCxnSpPr>
+            <a:cxnSpLocks/>
+            <a:stCxn id="7" idx="3"/>
+            <a:endCxn id="15" idx="0"/>
+          </p:cNvCxnSpPr>
+          <p:nvPr/>
+        </p:nvCxnSpPr>
+        <p:spPr>
+          <a:xfrm>
+            <a:off x="15711339" y="5749012"/>
+            <a:ext cx="481277" cy="2251789"/>
+          </a:xfrm>
+          <a:prstGeom prst="curvedConnector2">
+            <a:avLst/>
+          </a:prstGeom>
+          <a:ln w="57150">
+            <a:solidFill>
+              <a:schemeClr val="tx1"/>
+            </a:solidFill>
+            <a:tailEnd type="triangle"/>
+          </a:ln>
+        </p:spPr>
+        <p:style>
+          <a:lnRef idx="1">
+            <a:schemeClr val="accent1"/>
+          </a:lnRef>
+          <a:fillRef idx="0">
+            <a:schemeClr val="accent1"/>
+          </a:fillRef>
+          <a:effectRef idx="0">
+            <a:schemeClr val="accent1"/>
+          </a:effectRef>
+          <a:fontRef idx="minor">
+            <a:schemeClr val="tx1"/>
+          </a:fontRef>
+        </p:style>
+      </p:cxnSp>
+      <p:grpSp>
+        <p:nvGrpSpPr>
+          <p:cNvPr id="24" name="组合 23">
+            <a:extLst>
+              <a:ext uri="{FF2B5EF4-FFF2-40B4-BE49-F238E27FC236}">
+                <a16:creationId xmlns:a16="http://schemas.microsoft.com/office/drawing/2014/main" id="{D7A21C9B-317A-2E00-F64B-F4B6B4F91D00}"/>
+              </a:ext>
+            </a:extLst>
+          </p:cNvPr>
+          <p:cNvGrpSpPr/>
+          <p:nvPr/>
+        </p:nvGrpSpPr>
+        <p:grpSpPr>
+          <a:xfrm>
+            <a:off x="17738323" y="4344200"/>
+            <a:ext cx="3756580" cy="733579"/>
+            <a:chOff x="3752985" y="-1057701"/>
+            <a:chExt cx="3756580" cy="733579"/>
+          </a:xfrm>
+        </p:grpSpPr>
+        <p:sp>
+          <p:nvSpPr>
+            <p:cNvPr id="25" name="动作按钮: 文档 24">
+              <a:hlinkClick r:id="" action="ppaction://noaction" highlightClick="1"/>
+              <a:extLst>
+                <a:ext uri="{FF2B5EF4-FFF2-40B4-BE49-F238E27FC236}">
+                  <a16:creationId xmlns:a16="http://schemas.microsoft.com/office/drawing/2014/main" id="{049F6B35-3D28-C74C-11E8-9B4245C7A15E}"/>
+                </a:ext>
+              </a:extLst>
+            </p:cNvPr>
+            <p:cNvSpPr/>
+            <p:nvPr/>
+          </p:nvSpPr>
+          <p:spPr>
+            <a:xfrm>
+              <a:off x="3752985" y="-1057701"/>
+              <a:ext cx="696562" cy="733579"/>
+            </a:xfrm>
+            <a:prstGeom prst="actionButtonDocument">
+              <a:avLst/>
+            </a:prstGeom>
+            <a:solidFill>
+              <a:schemeClr val="bg1"/>
+            </a:solidFill>
+            <a:ln>
+              <a:solidFill>
+                <a:schemeClr val="tx1"/>
+              </a:solidFill>
+            </a:ln>
+          </p:spPr>
+          <p:style>
+            <a:lnRef idx="2">
+              <a:schemeClr val="accent1">
+                <a:shade val="50000"/>
+              </a:schemeClr>
+            </a:lnRef>
+            <a:fillRef idx="1">
+              <a:schemeClr val="accent1"/>
+            </a:fillRef>
+            <a:effectRef idx="0">
+              <a:schemeClr val="accent1"/>
+            </a:effectRef>
+            <a:fontRef idx="minor">
+              <a:schemeClr val="lt1"/>
+            </a:fontRef>
+          </p:style>
+          <p:txBody>
+            <a:bodyPr rot="0" spcFirstLastPara="0" vert="horz" wrap="square" lIns="91440" tIns="45720" rIns="91440" bIns="45720" numCol="1" spcCol="0" rtlCol="0" fromWordArt="0" anchor="ctr" anchorCtr="0" forceAA="0" compatLnSpc="1">
+              <a:prstTxWarp prst="textNoShape">
+                <a:avLst/>
+              </a:prstTxWarp>
+              <a:noAutofit/>
+            </a:bodyPr>
+            <a:lstStyle>
+              <a:defPPr>
+                <a:defRPr lang="zh-CN"/>
+              </a:defPPr>
+              <a:lvl1pPr marL="0" algn="l" defTabSz="914345" rtl="0" eaLnBrk="1" latinLnBrk="0" hangingPunct="1">
+                <a:defRPr sz="1800" kern="1200">
+                  <a:solidFill>
+                    <a:schemeClr val="lt1"/>
+                  </a:solidFill>
+                  <a:latin typeface="+mn-lt"/>
+                  <a:ea typeface="+mn-ea"/>
+                  <a:cs typeface="+mn-cs"/>
+                </a:defRPr>
+              </a:lvl1pPr>
+              <a:lvl2pPr marL="457173" algn="l" defTabSz="914345" rtl="0" eaLnBrk="1" latinLnBrk="0" hangingPunct="1">
+                <a:defRPr sz="1800" kern="1200">
+                  <a:solidFill>
+                    <a:schemeClr val="lt1"/>
+                  </a:solidFill>
+                  <a:latin typeface="+mn-lt"/>
+                  <a:ea typeface="+mn-ea"/>
+                  <a:cs typeface="+mn-cs"/>
+                </a:defRPr>
+              </a:lvl2pPr>
+              <a:lvl3pPr marL="914345" algn="l" defTabSz="914345" rtl="0" eaLnBrk="1" latinLnBrk="0" hangingPunct="1">
+                <a:defRPr sz="1800" kern="1200">
+                  <a:solidFill>
+                    <a:schemeClr val="lt1"/>
+                  </a:solidFill>
+                  <a:latin typeface="+mn-lt"/>
+                  <a:ea typeface="+mn-ea"/>
+                  <a:cs typeface="+mn-cs"/>
+                </a:defRPr>
+              </a:lvl3pPr>
+              <a:lvl4pPr marL="1371519" algn="l" defTabSz="914345" rtl="0" eaLnBrk="1" latinLnBrk="0" hangingPunct="1">
+                <a:defRPr sz="1800" kern="1200">
+                  <a:solidFill>
+                    <a:schemeClr val="lt1"/>
+                  </a:solidFill>
+                  <a:latin typeface="+mn-lt"/>
+                  <a:ea typeface="+mn-ea"/>
+                  <a:cs typeface="+mn-cs"/>
+                </a:defRPr>
+              </a:lvl4pPr>
+              <a:lvl5pPr marL="1828691" algn="l" defTabSz="914345" rtl="0" eaLnBrk="1" latinLnBrk="0" hangingPunct="1">
+                <a:defRPr sz="1800" kern="1200">
+                  <a:solidFill>
+                    <a:schemeClr val="lt1"/>
+                  </a:solidFill>
+                  <a:latin typeface="+mn-lt"/>
+                  <a:ea typeface="+mn-ea"/>
+                  <a:cs typeface="+mn-cs"/>
+                </a:defRPr>
+              </a:lvl5pPr>
+              <a:lvl6pPr marL="2285864" algn="l" defTabSz="914345" rtl="0" eaLnBrk="1" latinLnBrk="0" hangingPunct="1">
+                <a:defRPr sz="1800" kern="1200">
+                  <a:solidFill>
+                    <a:schemeClr val="lt1"/>
+                  </a:solidFill>
+                  <a:latin typeface="+mn-lt"/>
+                  <a:ea typeface="+mn-ea"/>
+                  <a:cs typeface="+mn-cs"/>
+                </a:defRPr>
+              </a:lvl6pPr>
+              <a:lvl7pPr marL="2743036" algn="l" defTabSz="914345" rtl="0" eaLnBrk="1" latinLnBrk="0" hangingPunct="1">
+                <a:defRPr sz="1800" kern="1200">
+                  <a:solidFill>
+                    <a:schemeClr val="lt1"/>
+                  </a:solidFill>
+                  <a:latin typeface="+mn-lt"/>
+                  <a:ea typeface="+mn-ea"/>
+                  <a:cs typeface="+mn-cs"/>
+                </a:defRPr>
+              </a:lvl7pPr>
+              <a:lvl8pPr marL="3200210" algn="l" defTabSz="914345" rtl="0" eaLnBrk="1" latinLnBrk="0" hangingPunct="1">
+                <a:defRPr sz="1800" kern="1200">
+                  <a:solidFill>
+                    <a:schemeClr val="lt1"/>
+                  </a:solidFill>
+                  <a:latin typeface="+mn-lt"/>
+                  <a:ea typeface="+mn-ea"/>
+                  <a:cs typeface="+mn-cs"/>
+                </a:defRPr>
+              </a:lvl8pPr>
+              <a:lvl9pPr marL="3657382" algn="l" defTabSz="914345" rtl="0" eaLnBrk="1" latinLnBrk="0" hangingPunct="1">
+                <a:defRPr sz="1800" kern="1200">
+                  <a:solidFill>
+                    <a:schemeClr val="lt1"/>
+                  </a:solidFill>
+                  <a:latin typeface="+mn-lt"/>
+                  <a:ea typeface="+mn-ea"/>
+                  <a:cs typeface="+mn-cs"/>
+                </a:defRPr>
+              </a:lvl9pPr>
+            </a:lstStyle>
+            <a:p>
+              <a:pPr algn="ctr"/>
+              <a:r>
+                <a:rPr lang="en-US" altLang="zh-CN" sz="2800" dirty="0">
+                  <a:solidFill>
+                    <a:schemeClr val="tx1"/>
+                  </a:solidFill>
+                </a:rPr>
+                <a:t>R</a:t>
+              </a:r>
+              <a:endParaRPr lang="zh-CN" altLang="en-US" sz="2800" dirty="0">
+                <a:solidFill>
+                  <a:schemeClr val="tx1"/>
+                </a:solidFill>
+              </a:endParaRPr>
+            </a:p>
+          </p:txBody>
+        </p:sp>
+        <p:sp>
+          <p:nvSpPr>
+            <p:cNvPr id="26" name="文本框 145">
+              <a:extLst>
+                <a:ext uri="{FF2B5EF4-FFF2-40B4-BE49-F238E27FC236}">
+                  <a16:creationId xmlns:a16="http://schemas.microsoft.com/office/drawing/2014/main" id="{EF1CE763-7A48-9FDC-466C-BA9B249D49C3}"/>
+                </a:ext>
+              </a:extLst>
+            </p:cNvPr>
+            <p:cNvSpPr txBox="1"/>
+            <p:nvPr/>
+          </p:nvSpPr>
+          <p:spPr>
+            <a:xfrm>
+              <a:off x="4792634" y="-921745"/>
+              <a:ext cx="2716931" cy="461665"/>
+            </a:xfrm>
+            <a:prstGeom prst="rect">
+              <a:avLst/>
+            </a:prstGeom>
+            <a:noFill/>
+          </p:spPr>
+          <p:txBody>
+            <a:bodyPr wrap="square">
+              <a:spAutoFit/>
+            </a:bodyPr>
+            <a:lstStyle>
+              <a:defPPr>
+                <a:defRPr lang="zh-CN"/>
+              </a:defPPr>
+              <a:lvl1pPr marL="0" algn="l" defTabSz="914345" rtl="0" eaLnBrk="1" latinLnBrk="0" hangingPunct="1">
+                <a:defRPr sz="1800" kern="1200">
+                  <a:solidFill>
+                    <a:schemeClr val="tx1"/>
+                  </a:solidFill>
+                  <a:latin typeface="+mn-lt"/>
+                  <a:ea typeface="+mn-ea"/>
+                  <a:cs typeface="+mn-cs"/>
+                </a:defRPr>
+              </a:lvl1pPr>
+              <a:lvl2pPr marL="457173" algn="l" defTabSz="914345" rtl="0" eaLnBrk="1" latinLnBrk="0" hangingPunct="1">
+                <a:defRPr sz="1800" kern="1200">
+                  <a:solidFill>
+                    <a:schemeClr val="tx1"/>
+                  </a:solidFill>
+                  <a:latin typeface="+mn-lt"/>
+                  <a:ea typeface="+mn-ea"/>
+                  <a:cs typeface="+mn-cs"/>
+                </a:defRPr>
+              </a:lvl2pPr>
+              <a:lvl3pPr marL="914345" algn="l" defTabSz="914345" rtl="0" eaLnBrk="1" latinLnBrk="0" hangingPunct="1">
+                <a:defRPr sz="1800" kern="1200">
+                  <a:solidFill>
+                    <a:schemeClr val="tx1"/>
+                  </a:solidFill>
+                  <a:latin typeface="+mn-lt"/>
+                  <a:ea typeface="+mn-ea"/>
+                  <a:cs typeface="+mn-cs"/>
+                </a:defRPr>
+              </a:lvl3pPr>
+              <a:lvl4pPr marL="1371519" algn="l" defTabSz="914345" rtl="0" eaLnBrk="1" latinLnBrk="0" hangingPunct="1">
+                <a:defRPr sz="1800" kern="1200">
+                  <a:solidFill>
+                    <a:schemeClr val="tx1"/>
+                  </a:solidFill>
+                  <a:latin typeface="+mn-lt"/>
+                  <a:ea typeface="+mn-ea"/>
+                  <a:cs typeface="+mn-cs"/>
+                </a:defRPr>
+              </a:lvl4pPr>
+              <a:lvl5pPr marL="1828691" algn="l" defTabSz="914345" rtl="0" eaLnBrk="1" latinLnBrk="0" hangingPunct="1">
+                <a:defRPr sz="1800" kern="1200">
+                  <a:solidFill>
+                    <a:schemeClr val="tx1"/>
+                  </a:solidFill>
+                  <a:latin typeface="+mn-lt"/>
+                  <a:ea typeface="+mn-ea"/>
+                  <a:cs typeface="+mn-cs"/>
+                </a:defRPr>
+              </a:lvl5pPr>
+              <a:lvl6pPr marL="2285864" algn="l" defTabSz="914345" rtl="0" eaLnBrk="1" latinLnBrk="0" hangingPunct="1">
+                <a:defRPr sz="1800" kern="1200">
+                  <a:solidFill>
+                    <a:schemeClr val="tx1"/>
+                  </a:solidFill>
+                  <a:latin typeface="+mn-lt"/>
+                  <a:ea typeface="+mn-ea"/>
+                  <a:cs typeface="+mn-cs"/>
+                </a:defRPr>
+              </a:lvl6pPr>
+              <a:lvl7pPr marL="2743036" algn="l" defTabSz="914345" rtl="0" eaLnBrk="1" latinLnBrk="0" hangingPunct="1">
+                <a:defRPr sz="1800" kern="1200">
+                  <a:solidFill>
+                    <a:schemeClr val="tx1"/>
+                  </a:solidFill>
+                  <a:latin typeface="+mn-lt"/>
+                  <a:ea typeface="+mn-ea"/>
+                  <a:cs typeface="+mn-cs"/>
+                </a:defRPr>
+              </a:lvl7pPr>
+              <a:lvl8pPr marL="3200210" algn="l" defTabSz="914345" rtl="0" eaLnBrk="1" latinLnBrk="0" hangingPunct="1">
+                <a:defRPr sz="1800" kern="1200">
+                  <a:solidFill>
+                    <a:schemeClr val="tx1"/>
+                  </a:solidFill>
+                  <a:latin typeface="+mn-lt"/>
+                  <a:ea typeface="+mn-ea"/>
+                  <a:cs typeface="+mn-cs"/>
+                </a:defRPr>
+              </a:lvl8pPr>
+              <a:lvl9pPr marL="3657382" algn="l" defTabSz="914345" rtl="0" eaLnBrk="1" latinLnBrk="0" hangingPunct="1">
+                <a:defRPr sz="1800" kern="1200">
+                  <a:solidFill>
+                    <a:schemeClr val="tx1"/>
+                  </a:solidFill>
+                  <a:latin typeface="+mn-lt"/>
+                  <a:ea typeface="+mn-ea"/>
+                  <a:cs typeface="+mn-cs"/>
+                </a:defRPr>
+              </a:lvl9pPr>
+            </a:lstStyle>
+            <a:p>
+              <a:r>
+                <a:rPr lang="en-US" altLang="zh-CN" sz="2400" b="1" dirty="0">
+                  <a:solidFill>
+                    <a:srgbClr val="3B3B3B"/>
+                  </a:solidFill>
+                  <a:latin typeface="Consolas" panose="020B0609020204030204" pitchFamily="49" charset="0"/>
+                </a:rPr>
+                <a:t>kernel crate</a:t>
+              </a:r>
+            </a:p>
+          </p:txBody>
+        </p:sp>
+      </p:grpSp>
+      <p:cxnSp>
+        <p:nvCxnSpPr>
+          <p:cNvPr id="27" name="连接符: 曲线 26">
+            <a:extLst>
+              <a:ext uri="{FF2B5EF4-FFF2-40B4-BE49-F238E27FC236}">
+                <a16:creationId xmlns:a16="http://schemas.microsoft.com/office/drawing/2014/main" id="{09DC80C5-9BEA-C365-C4F5-E3ED2CDCCAE7}"/>
+              </a:ext>
+            </a:extLst>
+          </p:cNvPr>
+          <p:cNvCxnSpPr>
+            <a:cxnSpLocks/>
+          </p:cNvCxnSpPr>
+          <p:nvPr/>
+        </p:nvCxnSpPr>
+        <p:spPr>
+          <a:xfrm flipV="1">
+            <a:off x="22270295" y="8514050"/>
+            <a:ext cx="337300" cy="12700"/>
+          </a:xfrm>
+          <a:prstGeom prst="curvedConnector3">
+            <a:avLst>
+              <a:gd name="adj1" fmla="val 50000"/>
+            </a:avLst>
+          </a:prstGeom>
+          <a:ln w="57150">
+            <a:solidFill>
+              <a:schemeClr val="tx1"/>
+            </a:solidFill>
+            <a:tailEnd type="triangle"/>
+          </a:ln>
+        </p:spPr>
+        <p:style>
+          <a:lnRef idx="1">
+            <a:schemeClr val="accent1"/>
+          </a:lnRef>
+          <a:fillRef idx="0">
+            <a:schemeClr val="accent1"/>
+          </a:fillRef>
+          <a:effectRef idx="0">
+            <a:schemeClr val="accent1"/>
+          </a:effectRef>
+          <a:fontRef idx="minor">
+            <a:schemeClr val="tx1"/>
+          </a:fontRef>
+        </p:style>
+      </p:cxnSp>
+      <p:cxnSp>
+        <p:nvCxnSpPr>
+          <p:cNvPr id="28" name="连接符: 曲线 27">
+            <a:extLst>
+              <a:ext uri="{FF2B5EF4-FFF2-40B4-BE49-F238E27FC236}">
+                <a16:creationId xmlns:a16="http://schemas.microsoft.com/office/drawing/2014/main" id="{00ACEB2A-3991-8092-DD5D-2036D848CD58}"/>
+              </a:ext>
+            </a:extLst>
+          </p:cNvPr>
+          <p:cNvCxnSpPr>
+            <a:cxnSpLocks/>
+            <a:endCxn id="8" idx="1"/>
+          </p:cNvCxnSpPr>
+          <p:nvPr/>
+        </p:nvCxnSpPr>
+        <p:spPr>
+          <a:xfrm flipV="1">
+            <a:off x="23601094" y="8520400"/>
+            <a:ext cx="285237" cy="5080"/>
+          </a:xfrm>
+          <a:prstGeom prst="curvedConnector3">
+            <a:avLst>
+              <a:gd name="adj1" fmla="val 50000"/>
+            </a:avLst>
+          </a:prstGeom>
+          <a:ln w="57150">
+            <a:solidFill>
+              <a:schemeClr val="tx1"/>
+            </a:solidFill>
+            <a:tailEnd type="triangle"/>
+          </a:ln>
+        </p:spPr>
+        <p:style>
+          <a:lnRef idx="1">
+            <a:schemeClr val="accent1"/>
+          </a:lnRef>
+          <a:fillRef idx="0">
+            <a:schemeClr val="accent1"/>
+          </a:fillRef>
+          <a:effectRef idx="0">
+            <a:schemeClr val="accent1"/>
+          </a:effectRef>
+          <a:fontRef idx="minor">
+            <a:schemeClr val="tx1"/>
+          </a:fontRef>
+        </p:style>
+      </p:cxnSp>
+      <p:sp>
+        <p:nvSpPr>
+          <p:cNvPr id="29" name="动作按钮: 文档 28">
+            <a:hlinkClick r:id="" action="ppaction://noaction" highlightClick="1"/>
+            <a:extLst>
+              <a:ext uri="{FF2B5EF4-FFF2-40B4-BE49-F238E27FC236}">
+                <a16:creationId xmlns:a16="http://schemas.microsoft.com/office/drawing/2014/main" id="{813E7A7D-9F33-D857-00AE-93ED726F9F0B}"/>
+              </a:ext>
+            </a:extLst>
+          </p:cNvPr>
+          <p:cNvSpPr/>
+          <p:nvPr/>
+        </p:nvSpPr>
+        <p:spPr>
+          <a:xfrm>
+            <a:off x="24428312" y="4370119"/>
+            <a:ext cx="696562" cy="733579"/>
+          </a:xfrm>
+          <a:prstGeom prst="actionButtonDocument">
+            <a:avLst/>
+          </a:prstGeom>
+          <a:solidFill>
+            <a:schemeClr val="bg1"/>
+          </a:solidFill>
+          <a:ln>
+            <a:solidFill>
+              <a:schemeClr val="tx1"/>
+            </a:solidFill>
+          </a:ln>
+        </p:spPr>
+        <p:style>
+          <a:lnRef idx="2">
+            <a:schemeClr val="accent1">
+              <a:shade val="50000"/>
+            </a:schemeClr>
+          </a:lnRef>
+          <a:fillRef idx="1">
+            <a:schemeClr val="accent1"/>
+          </a:fillRef>
+          <a:effectRef idx="0">
+            <a:schemeClr val="accent1"/>
+          </a:effectRef>
+          <a:fontRef idx="minor">
+            <a:schemeClr val="lt1"/>
+          </a:fontRef>
+        </p:style>
+        <p:txBody>
+          <a:bodyPr rot="0" spcFirstLastPara="0" vert="horz" wrap="square" lIns="91440" tIns="45720" rIns="91440" bIns="45720" numCol="1" spcCol="0" rtlCol="0" fromWordArt="0" anchor="ctr" anchorCtr="0" forceAA="0" compatLnSpc="1">
+            <a:prstTxWarp prst="textNoShape">
+              <a:avLst/>
+            </a:prstTxWarp>
+            <a:noAutofit/>
+          </a:bodyPr>
+          <a:lstStyle>
+            <a:defPPr>
+              <a:defRPr lang="zh-CN"/>
+            </a:defPPr>
+            <a:lvl1pPr marL="0" algn="l" defTabSz="914345" rtl="0" eaLnBrk="1" latinLnBrk="0" hangingPunct="1">
+              <a:defRPr sz="1800" kern="1200">
+                <a:solidFill>
+                  <a:schemeClr val="lt1"/>
+                </a:solidFill>
+                <a:latin typeface="+mn-lt"/>
+                <a:ea typeface="+mn-ea"/>
+                <a:cs typeface="+mn-cs"/>
+              </a:defRPr>
+            </a:lvl1pPr>
+            <a:lvl2pPr marL="457173" algn="l" defTabSz="914345" rtl="0" eaLnBrk="1" latinLnBrk="0" hangingPunct="1">
+              <a:defRPr sz="1800" kern="1200">
+                <a:solidFill>
+                  <a:schemeClr val="lt1"/>
+                </a:solidFill>
+                <a:latin typeface="+mn-lt"/>
+                <a:ea typeface="+mn-ea"/>
+                <a:cs typeface="+mn-cs"/>
+              </a:defRPr>
+            </a:lvl2pPr>
+            <a:lvl3pPr marL="914345" algn="l" defTabSz="914345" rtl="0" eaLnBrk="1" latinLnBrk="0" hangingPunct="1">
+              <a:defRPr sz="1800" kern="1200">
+                <a:solidFill>
+                  <a:schemeClr val="lt1"/>
+                </a:solidFill>
+                <a:latin typeface="+mn-lt"/>
+                <a:ea typeface="+mn-ea"/>
+                <a:cs typeface="+mn-cs"/>
+              </a:defRPr>
+            </a:lvl3pPr>
+            <a:lvl4pPr marL="1371519" algn="l" defTabSz="914345" rtl="0" eaLnBrk="1" latinLnBrk="0" hangingPunct="1">
+              <a:defRPr sz="1800" kern="1200">
+                <a:solidFill>
+                  <a:schemeClr val="lt1"/>
+                </a:solidFill>
+                <a:latin typeface="+mn-lt"/>
+                <a:ea typeface="+mn-ea"/>
+                <a:cs typeface="+mn-cs"/>
+              </a:defRPr>
+            </a:lvl4pPr>
+            <a:lvl5pPr marL="1828691" algn="l" defTabSz="914345" rtl="0" eaLnBrk="1" latinLnBrk="0" hangingPunct="1">
+              <a:defRPr sz="1800" kern="1200">
+                <a:solidFill>
+                  <a:schemeClr val="lt1"/>
+                </a:solidFill>
+                <a:latin typeface="+mn-lt"/>
+                <a:ea typeface="+mn-ea"/>
+                <a:cs typeface="+mn-cs"/>
+              </a:defRPr>
+            </a:lvl5pPr>
+            <a:lvl6pPr marL="2285864" algn="l" defTabSz="914345" rtl="0" eaLnBrk="1" latinLnBrk="0" hangingPunct="1">
+              <a:defRPr sz="1800" kern="1200">
+                <a:solidFill>
+                  <a:schemeClr val="lt1"/>
+                </a:solidFill>
+                <a:latin typeface="+mn-lt"/>
+                <a:ea typeface="+mn-ea"/>
+                <a:cs typeface="+mn-cs"/>
+              </a:defRPr>
+            </a:lvl6pPr>
+            <a:lvl7pPr marL="2743036" algn="l" defTabSz="914345" rtl="0" eaLnBrk="1" latinLnBrk="0" hangingPunct="1">
+              <a:defRPr sz="1800" kern="1200">
+                <a:solidFill>
+                  <a:schemeClr val="lt1"/>
+                </a:solidFill>
+                <a:latin typeface="+mn-lt"/>
+                <a:ea typeface="+mn-ea"/>
+                <a:cs typeface="+mn-cs"/>
+              </a:defRPr>
+            </a:lvl7pPr>
+            <a:lvl8pPr marL="3200210" algn="l" defTabSz="914345" rtl="0" eaLnBrk="1" latinLnBrk="0" hangingPunct="1">
+              <a:defRPr sz="1800" kern="1200">
+                <a:solidFill>
+                  <a:schemeClr val="lt1"/>
+                </a:solidFill>
+                <a:latin typeface="+mn-lt"/>
+                <a:ea typeface="+mn-ea"/>
+                <a:cs typeface="+mn-cs"/>
+              </a:defRPr>
+            </a:lvl8pPr>
+            <a:lvl9pPr marL="3657382" algn="l" defTabSz="914345" rtl="0" eaLnBrk="1" latinLnBrk="0" hangingPunct="1">
+              <a:defRPr sz="1800" kern="1200">
+                <a:solidFill>
+                  <a:schemeClr val="lt1"/>
+                </a:solidFill>
+                <a:latin typeface="+mn-lt"/>
+                <a:ea typeface="+mn-ea"/>
+                <a:cs typeface="+mn-cs"/>
+              </a:defRPr>
+            </a:lvl9pPr>
+          </a:lstStyle>
+          <a:p>
+            <a:pPr algn="ctr"/>
+            <a:r>
+              <a:rPr lang="en-US" altLang="zh-CN" sz="2800" dirty="0">
+                <a:solidFill>
+                  <a:schemeClr val="tx1"/>
+                </a:solidFill>
+              </a:rPr>
+              <a:t>R</a:t>
+            </a:r>
+            <a:endParaRPr lang="zh-CN" altLang="en-US" sz="2800" dirty="0">
+              <a:solidFill>
+                <a:schemeClr val="tx1"/>
+              </a:solidFill>
+            </a:endParaRPr>
+          </a:p>
+        </p:txBody>
+      </p:sp>
+      <p:sp>
+        <p:nvSpPr>
+          <p:cNvPr id="30" name="文本框 145">
+            <a:extLst>
+              <a:ext uri="{FF2B5EF4-FFF2-40B4-BE49-F238E27FC236}">
+                <a16:creationId xmlns:a16="http://schemas.microsoft.com/office/drawing/2014/main" id="{5D8D0C89-FAEC-D6F0-6B8A-797852C2910F}"/>
+              </a:ext>
+            </a:extLst>
+          </p:cNvPr>
+          <p:cNvSpPr txBox="1"/>
+          <p:nvPr/>
+        </p:nvSpPr>
+        <p:spPr>
+          <a:xfrm>
+            <a:off x="25630658" y="4506075"/>
+            <a:ext cx="2586684" cy="461665"/>
+          </a:xfrm>
+          <a:prstGeom prst="rect">
+            <a:avLst/>
+          </a:prstGeom>
+          <a:noFill/>
+        </p:spPr>
+        <p:txBody>
+          <a:bodyPr wrap="square">
+            <a:spAutoFit/>
+          </a:bodyPr>
+          <a:lstStyle>
+            <a:defPPr>
+              <a:defRPr lang="zh-CN"/>
+            </a:defPPr>
+            <a:lvl1pPr marL="0" algn="l" defTabSz="914345" rtl="0" eaLnBrk="1" latinLnBrk="0" hangingPunct="1">
+              <a:defRPr sz="1800" kern="1200">
+                <a:solidFill>
+                  <a:schemeClr val="tx1"/>
+                </a:solidFill>
+                <a:latin typeface="+mn-lt"/>
+                <a:ea typeface="+mn-ea"/>
+                <a:cs typeface="+mn-cs"/>
+              </a:defRPr>
+            </a:lvl1pPr>
+            <a:lvl2pPr marL="457173" algn="l" defTabSz="914345" rtl="0" eaLnBrk="1" latinLnBrk="0" hangingPunct="1">
+              <a:defRPr sz="1800" kern="1200">
+                <a:solidFill>
+                  <a:schemeClr val="tx1"/>
+                </a:solidFill>
+                <a:latin typeface="+mn-lt"/>
+                <a:ea typeface="+mn-ea"/>
+                <a:cs typeface="+mn-cs"/>
+              </a:defRPr>
+            </a:lvl2pPr>
+            <a:lvl3pPr marL="914345" algn="l" defTabSz="914345" rtl="0" eaLnBrk="1" latinLnBrk="0" hangingPunct="1">
+              <a:defRPr sz="1800" kern="1200">
+                <a:solidFill>
+                  <a:schemeClr val="tx1"/>
+                </a:solidFill>
+                <a:latin typeface="+mn-lt"/>
+                <a:ea typeface="+mn-ea"/>
+                <a:cs typeface="+mn-cs"/>
+              </a:defRPr>
+            </a:lvl3pPr>
+            <a:lvl4pPr marL="1371519" algn="l" defTabSz="914345" rtl="0" eaLnBrk="1" latinLnBrk="0" hangingPunct="1">
+              <a:defRPr sz="1800" kern="1200">
+                <a:solidFill>
+                  <a:schemeClr val="tx1"/>
+                </a:solidFill>
+                <a:latin typeface="+mn-lt"/>
+                <a:ea typeface="+mn-ea"/>
+                <a:cs typeface="+mn-cs"/>
+              </a:defRPr>
+            </a:lvl4pPr>
+            <a:lvl5pPr marL="1828691" algn="l" defTabSz="914345" rtl="0" eaLnBrk="1" latinLnBrk="0" hangingPunct="1">
+              <a:defRPr sz="1800" kern="1200">
+                <a:solidFill>
+                  <a:schemeClr val="tx1"/>
+                </a:solidFill>
+                <a:latin typeface="+mn-lt"/>
+                <a:ea typeface="+mn-ea"/>
+                <a:cs typeface="+mn-cs"/>
+              </a:defRPr>
+            </a:lvl5pPr>
+            <a:lvl6pPr marL="2285864" algn="l" defTabSz="914345" rtl="0" eaLnBrk="1" latinLnBrk="0" hangingPunct="1">
+              <a:defRPr sz="1800" kern="1200">
+                <a:solidFill>
+                  <a:schemeClr val="tx1"/>
+                </a:solidFill>
+                <a:latin typeface="+mn-lt"/>
+                <a:ea typeface="+mn-ea"/>
+                <a:cs typeface="+mn-cs"/>
+              </a:defRPr>
+            </a:lvl6pPr>
+            <a:lvl7pPr marL="2743036" algn="l" defTabSz="914345" rtl="0" eaLnBrk="1" latinLnBrk="0" hangingPunct="1">
+              <a:defRPr sz="1800" kern="1200">
+                <a:solidFill>
+                  <a:schemeClr val="tx1"/>
+                </a:solidFill>
+                <a:latin typeface="+mn-lt"/>
+                <a:ea typeface="+mn-ea"/>
+                <a:cs typeface="+mn-cs"/>
+              </a:defRPr>
+            </a:lvl7pPr>
+            <a:lvl8pPr marL="3200210" algn="l" defTabSz="914345" rtl="0" eaLnBrk="1" latinLnBrk="0" hangingPunct="1">
+              <a:defRPr sz="1800" kern="1200">
+                <a:solidFill>
+                  <a:schemeClr val="tx1"/>
+                </a:solidFill>
+                <a:latin typeface="+mn-lt"/>
+                <a:ea typeface="+mn-ea"/>
+                <a:cs typeface="+mn-cs"/>
+              </a:defRPr>
+            </a:lvl8pPr>
+            <a:lvl9pPr marL="3657382" algn="l" defTabSz="914345" rtl="0" eaLnBrk="1" latinLnBrk="0" hangingPunct="1">
+              <a:defRPr sz="1800" kern="1200">
+                <a:solidFill>
+                  <a:schemeClr val="tx1"/>
+                </a:solidFill>
+                <a:latin typeface="+mn-lt"/>
+                <a:ea typeface="+mn-ea"/>
+                <a:cs typeface="+mn-cs"/>
+              </a:defRPr>
+            </a:lvl9pPr>
+          </a:lstStyle>
+          <a:p>
+            <a:r>
+              <a:rPr lang="en-US" altLang="zh-CN" sz="2400" b="1" dirty="0">
+                <a:solidFill>
+                  <a:srgbClr val="3B3B3B"/>
+                </a:solidFill>
+                <a:latin typeface="Consolas" panose="020B0609020204030204" pitchFamily="49" charset="0"/>
+              </a:rPr>
+              <a:t>drivers crate</a:t>
+            </a:r>
+          </a:p>
+        </p:txBody>
+      </p:sp>
+      <p:sp>
+        <p:nvSpPr>
+          <p:cNvPr id="31" name="文本框 30">
+            <a:extLst>
+              <a:ext uri="{FF2B5EF4-FFF2-40B4-BE49-F238E27FC236}">
+                <a16:creationId xmlns:a16="http://schemas.microsoft.com/office/drawing/2014/main" id="{74ED7BD6-8BB8-FCDF-5EDD-0D288C47534E}"/>
+              </a:ext>
+            </a:extLst>
+          </p:cNvPr>
+          <p:cNvSpPr txBox="1"/>
+          <p:nvPr/>
+        </p:nvSpPr>
+        <p:spPr>
+          <a:xfrm>
+            <a:off x="24001032" y="5182934"/>
+            <a:ext cx="5144064" cy="7478970"/>
+          </a:xfrm>
+          <a:prstGeom prst="rect">
+            <a:avLst/>
+          </a:prstGeom>
+          <a:noFill/>
+        </p:spPr>
+        <p:txBody>
+          <a:bodyPr wrap="square">
+            <a:spAutoFit/>
+          </a:bodyPr>
+          <a:lstStyle/>
+          <a:p>
+            <a:r>
+              <a:rPr lang="en-US" altLang="zh-CN" sz="2000" dirty="0">
+                <a:latin typeface="Consolas" panose="020B0609020204030204" pitchFamily="49" charset="0"/>
+              </a:rPr>
+              <a:t>// samples/rust/rust_chrdev.rs</a:t>
+            </a:r>
+          </a:p>
+          <a:p>
+            <a:r>
+              <a:rPr lang="en-US" altLang="zh-CN" sz="2000" dirty="0">
+                <a:latin typeface="Consolas" panose="020B0609020204030204" pitchFamily="49" charset="0"/>
+              </a:rPr>
+              <a:t>module! {</a:t>
+            </a:r>
+          </a:p>
+          <a:p>
+            <a:r>
+              <a:rPr lang="en-US" altLang="zh-CN" sz="2000" dirty="0">
+                <a:latin typeface="Consolas" panose="020B0609020204030204" pitchFamily="49" charset="0"/>
+              </a:rPr>
+              <a:t>    type: </a:t>
+            </a:r>
+            <a:r>
+              <a:rPr lang="en-US" altLang="zh-CN" sz="2000" dirty="0" err="1">
+                <a:latin typeface="Consolas" panose="020B0609020204030204" pitchFamily="49" charset="0"/>
+              </a:rPr>
+              <a:t>RustChrdev</a:t>
+            </a:r>
+            <a:r>
+              <a:rPr lang="en-US" altLang="zh-CN" sz="2000" dirty="0">
+                <a:latin typeface="Consolas" panose="020B0609020204030204" pitchFamily="49" charset="0"/>
+              </a:rPr>
+              <a:t>, ……</a:t>
+            </a:r>
+          </a:p>
+          <a:p>
+            <a:r>
+              <a:rPr lang="en-US" altLang="zh-CN" sz="2000" dirty="0">
+                <a:latin typeface="Consolas" panose="020B0609020204030204" pitchFamily="49" charset="0"/>
+              </a:rPr>
+              <a:t>}</a:t>
+            </a:r>
+          </a:p>
+          <a:p>
+            <a:endParaRPr lang="en-US" altLang="zh-CN" sz="2000" dirty="0">
+              <a:latin typeface="Consolas" panose="020B0609020204030204" pitchFamily="49" charset="0"/>
+            </a:endParaRPr>
+          </a:p>
+          <a:p>
+            <a:r>
+              <a:rPr lang="en-US" altLang="zh-CN" sz="2000" dirty="0">
+                <a:latin typeface="Consolas" panose="020B0609020204030204" pitchFamily="49" charset="0"/>
+              </a:rPr>
+              <a:t>struct </a:t>
+            </a:r>
+            <a:r>
+              <a:rPr lang="en-US" altLang="zh-CN" sz="2000" dirty="0" err="1">
+                <a:latin typeface="Consolas" panose="020B0609020204030204" pitchFamily="49" charset="0"/>
+              </a:rPr>
+              <a:t>RustFile</a:t>
+            </a:r>
+            <a:r>
+              <a:rPr lang="en-US" altLang="zh-CN" sz="2000" dirty="0">
+                <a:latin typeface="Consolas" panose="020B0609020204030204" pitchFamily="49" charset="0"/>
+              </a:rPr>
+              <a:t>;</a:t>
+            </a:r>
+          </a:p>
+          <a:p>
+            <a:r>
+              <a:rPr lang="en-US" altLang="zh-CN" sz="2000" dirty="0">
+                <a:latin typeface="Consolas" panose="020B0609020204030204" pitchFamily="49" charset="0"/>
+              </a:rPr>
+              <a:t>struct </a:t>
+            </a:r>
+            <a:r>
+              <a:rPr lang="en-US" altLang="zh-CN" sz="2000" dirty="0" err="1">
+                <a:latin typeface="Consolas" panose="020B0609020204030204" pitchFamily="49" charset="0"/>
+              </a:rPr>
+              <a:t>RustChrdev</a:t>
+            </a:r>
+            <a:r>
+              <a:rPr lang="en-US" altLang="zh-CN" sz="2000" dirty="0">
+                <a:latin typeface="Consolas" panose="020B0609020204030204" pitchFamily="49" charset="0"/>
+              </a:rPr>
+              <a:t> {</a:t>
+            </a:r>
+          </a:p>
+          <a:p>
+            <a:r>
+              <a:rPr lang="en-US" altLang="zh-CN" sz="2000" dirty="0">
+                <a:latin typeface="Consolas" panose="020B0609020204030204" pitchFamily="49" charset="0"/>
+              </a:rPr>
+              <a:t>    dev: Pin&lt;Box&lt;</a:t>
+            </a:r>
+            <a:r>
+              <a:rPr lang="en-US" altLang="zh-CN" sz="2000" dirty="0" err="1">
+                <a:latin typeface="Consolas" panose="020B0609020204030204" pitchFamily="49" charset="0"/>
+              </a:rPr>
+              <a:t>chrdev</a:t>
+            </a:r>
+            <a:r>
+              <a:rPr lang="en-US" altLang="zh-CN" sz="2000" dirty="0">
+                <a:latin typeface="Consolas" panose="020B0609020204030204" pitchFamily="49" charset="0"/>
+              </a:rPr>
+              <a:t>::Reg&lt;2&gt;&gt;&gt;</a:t>
+            </a:r>
+          </a:p>
+          <a:p>
+            <a:r>
+              <a:rPr lang="en-US" altLang="zh-CN" sz="2000" dirty="0">
+                <a:latin typeface="Consolas" panose="020B0609020204030204" pitchFamily="49" charset="0"/>
+              </a:rPr>
+              <a:t>}</a:t>
+            </a:r>
+          </a:p>
+          <a:p>
+            <a:endParaRPr lang="en-US" altLang="zh-CN" sz="2000" dirty="0">
+              <a:latin typeface="Consolas" panose="020B0609020204030204" pitchFamily="49" charset="0"/>
+            </a:endParaRPr>
+          </a:p>
+          <a:p>
+            <a:r>
+              <a:rPr lang="en-US" altLang="zh-CN" sz="2000" dirty="0" err="1">
+                <a:latin typeface="Consolas" panose="020B0609020204030204" pitchFamily="49" charset="0"/>
+              </a:rPr>
+              <a:t>impl</a:t>
+            </a:r>
+            <a:r>
+              <a:rPr lang="en-US" altLang="zh-CN" sz="2000" dirty="0">
+                <a:latin typeface="Consolas" panose="020B0609020204030204" pitchFamily="49" charset="0"/>
+              </a:rPr>
+              <a:t> Module for </a:t>
+            </a:r>
+            <a:r>
+              <a:rPr lang="en-US" altLang="zh-CN" sz="2000" dirty="0" err="1">
+                <a:latin typeface="Consolas" panose="020B0609020204030204" pitchFamily="49" charset="0"/>
+              </a:rPr>
+              <a:t>RustChrdev</a:t>
+            </a:r>
+            <a:r>
+              <a:rPr lang="en-US" altLang="zh-CN" sz="2000" dirty="0">
+                <a:latin typeface="Consolas" panose="020B0609020204030204" pitchFamily="49" charset="0"/>
+              </a:rPr>
+              <a:t> {</a:t>
+            </a:r>
+          </a:p>
+          <a:p>
+            <a:r>
+              <a:rPr lang="en-US" altLang="zh-CN" sz="2000" dirty="0">
+                <a:latin typeface="Consolas" panose="020B0609020204030204" pitchFamily="49" charset="0"/>
+              </a:rPr>
+              <a:t>    </a:t>
+            </a:r>
+            <a:r>
+              <a:rPr lang="en-US" altLang="zh-CN" sz="2000" dirty="0" err="1">
+                <a:latin typeface="Consolas" panose="020B0609020204030204" pitchFamily="49" charset="0"/>
+              </a:rPr>
+              <a:t>fn</a:t>
+            </a:r>
+            <a:r>
+              <a:rPr lang="en-US" altLang="zh-CN" sz="2000" dirty="0">
+                <a:latin typeface="Consolas" panose="020B0609020204030204" pitchFamily="49" charset="0"/>
+              </a:rPr>
+              <a:t> </a:t>
+            </a:r>
+            <a:r>
+              <a:rPr lang="en-US" altLang="zh-CN" sz="2000" dirty="0" err="1">
+                <a:latin typeface="Consolas" panose="020B0609020204030204" pitchFamily="49" charset="0"/>
+              </a:rPr>
+              <a:t>init</a:t>
+            </a:r>
+            <a:r>
+              <a:rPr lang="en-US" altLang="zh-CN" sz="2000" dirty="0">
+                <a:latin typeface="Consolas" panose="020B0609020204030204" pitchFamily="49" charset="0"/>
+              </a:rPr>
+              <a:t>(……) -&gt; Result&lt;Self&gt; {</a:t>
+            </a:r>
+            <a:br>
+              <a:rPr lang="en-US" altLang="zh-CN" sz="2000" dirty="0">
+                <a:latin typeface="Consolas" panose="020B0609020204030204" pitchFamily="49" charset="0"/>
+              </a:rPr>
+            </a:br>
+            <a:r>
+              <a:rPr lang="en-US" altLang="zh-CN" sz="2000" dirty="0">
+                <a:latin typeface="Consolas" panose="020B0609020204030204" pitchFamily="49" charset="0"/>
+              </a:rPr>
+              <a:t>        let mut </a:t>
+            </a:r>
+            <a:r>
+              <a:rPr lang="en-US" altLang="zh-CN" sz="2000" dirty="0" err="1">
+                <a:latin typeface="Consolas" panose="020B0609020204030204" pitchFamily="49" charset="0"/>
+              </a:rPr>
+              <a:t>chr</a:t>
+            </a:r>
+            <a:r>
+              <a:rPr lang="en-US" altLang="zh-CN" sz="2000" dirty="0">
+                <a:latin typeface="Consolas" panose="020B0609020204030204" pitchFamily="49" charset="0"/>
+              </a:rPr>
+              <a:t> = </a:t>
+            </a:r>
+            <a:r>
+              <a:rPr lang="en-US" altLang="zh-CN" sz="2000" dirty="0" err="1">
+                <a:latin typeface="Consolas" panose="020B0609020204030204" pitchFamily="49" charset="0"/>
+              </a:rPr>
+              <a:t>chrdev</a:t>
+            </a:r>
+            <a:r>
+              <a:rPr lang="en-US" altLang="zh-CN" sz="2000" dirty="0">
+                <a:latin typeface="Consolas" panose="020B0609020204030204" pitchFamily="49" charset="0"/>
+              </a:rPr>
+              <a:t>::Reg::</a:t>
+            </a:r>
+          </a:p>
+          <a:p>
+            <a:r>
+              <a:rPr lang="en-US" altLang="zh-CN" sz="2000" dirty="0">
+                <a:latin typeface="Consolas" panose="020B0609020204030204" pitchFamily="49" charset="0"/>
+              </a:rPr>
+              <a:t>        </a:t>
+            </a:r>
+            <a:r>
+              <a:rPr lang="en-US" altLang="zh-CN" sz="2000" dirty="0" err="1">
+                <a:latin typeface="Consolas" panose="020B0609020204030204" pitchFamily="49" charset="0"/>
+              </a:rPr>
+              <a:t>new_pinned</a:t>
+            </a:r>
+            <a:r>
+              <a:rPr lang="en-US" altLang="zh-CN" sz="2000" dirty="0">
+                <a:latin typeface="Consolas" panose="020B0609020204030204" pitchFamily="49" charset="0"/>
+              </a:rPr>
+              <a:t>(……)?;</a:t>
+            </a:r>
+          </a:p>
+          <a:p>
+            <a:r>
+              <a:rPr lang="en-US" altLang="zh-CN" sz="2000" dirty="0">
+                <a:latin typeface="Consolas" panose="020B0609020204030204" pitchFamily="49" charset="0"/>
+              </a:rPr>
+              <a:t>        </a:t>
+            </a:r>
+          </a:p>
+          <a:p>
+            <a:r>
+              <a:rPr lang="en-US" altLang="zh-CN" sz="2000" dirty="0">
+                <a:latin typeface="Consolas" panose="020B0609020204030204" pitchFamily="49" charset="0"/>
+              </a:rPr>
+              <a:t>        </a:t>
+            </a:r>
+            <a:r>
+              <a:rPr lang="en-US" altLang="zh-CN" sz="2000" dirty="0" err="1">
+                <a:latin typeface="Consolas" panose="020B0609020204030204" pitchFamily="49" charset="0"/>
+              </a:rPr>
+              <a:t>chr.as_mut</a:t>
+            </a:r>
+            <a:r>
+              <a:rPr lang="en-US" altLang="zh-CN" sz="2000" dirty="0">
+                <a:latin typeface="Consolas" panose="020B0609020204030204" pitchFamily="49" charset="0"/>
+              </a:rPr>
+              <a:t>().register::&lt;</a:t>
+            </a:r>
+          </a:p>
+          <a:p>
+            <a:r>
+              <a:rPr lang="en-US" altLang="zh-CN" sz="2000" dirty="0">
+                <a:latin typeface="Consolas" panose="020B0609020204030204" pitchFamily="49" charset="0"/>
+              </a:rPr>
+              <a:t>        </a:t>
+            </a:r>
+            <a:r>
+              <a:rPr lang="en-US" altLang="zh-CN" sz="2000" dirty="0" err="1">
+                <a:latin typeface="Consolas" panose="020B0609020204030204" pitchFamily="49" charset="0"/>
+              </a:rPr>
+              <a:t>RustFile</a:t>
+            </a:r>
+            <a:r>
+              <a:rPr lang="en-US" altLang="zh-CN" sz="2000" dirty="0">
+                <a:latin typeface="Consolas" panose="020B0609020204030204" pitchFamily="49" charset="0"/>
+              </a:rPr>
+              <a:t>&gt;()?;</a:t>
+            </a:r>
+            <a:br>
+              <a:rPr lang="en-US" altLang="zh-CN" sz="2000" dirty="0">
+                <a:latin typeface="Consolas" panose="020B0609020204030204" pitchFamily="49" charset="0"/>
+              </a:rPr>
+            </a:br>
+            <a:r>
+              <a:rPr lang="en-US" altLang="zh-CN" sz="2000" dirty="0">
+                <a:latin typeface="Consolas" panose="020B0609020204030204" pitchFamily="49" charset="0"/>
+              </a:rPr>
+              <a:t>        Ok(</a:t>
+            </a:r>
+            <a:r>
+              <a:rPr lang="en-US" altLang="zh-CN" sz="2000" dirty="0" err="1">
+                <a:latin typeface="Consolas" panose="020B0609020204030204" pitchFamily="49" charset="0"/>
+              </a:rPr>
+              <a:t>RustChrdev</a:t>
+            </a:r>
+            <a:r>
+              <a:rPr lang="en-US" altLang="zh-CN" sz="2000" dirty="0">
+                <a:latin typeface="Consolas" panose="020B0609020204030204" pitchFamily="49" charset="0"/>
+              </a:rPr>
+              <a:t> { dev: </a:t>
+            </a:r>
+            <a:r>
+              <a:rPr lang="en-US" altLang="zh-CN" sz="2000" dirty="0" err="1">
+                <a:latin typeface="Consolas" panose="020B0609020204030204" pitchFamily="49" charset="0"/>
+              </a:rPr>
+              <a:t>chr</a:t>
+            </a:r>
+            <a:r>
+              <a:rPr lang="en-US" altLang="zh-CN" sz="2000" dirty="0">
+                <a:latin typeface="Consolas" panose="020B0609020204030204" pitchFamily="49" charset="0"/>
+              </a:rPr>
+              <a:t> })</a:t>
+            </a:r>
+          </a:p>
+          <a:p>
+            <a:r>
+              <a:rPr lang="en-US" altLang="zh-CN" sz="2000" dirty="0">
+                <a:latin typeface="Consolas" panose="020B0609020204030204" pitchFamily="49" charset="0"/>
+              </a:rPr>
+              <a:t>    }</a:t>
+            </a:r>
+          </a:p>
+          <a:p>
+            <a:r>
+              <a:rPr lang="en-US" altLang="zh-CN" sz="2000" dirty="0">
+                <a:latin typeface="Consolas" panose="020B0609020204030204" pitchFamily="49" charset="0"/>
+              </a:rPr>
+              <a:t>}</a:t>
+            </a:r>
+          </a:p>
+          <a:p>
+            <a:endParaRPr lang="en-US" altLang="zh-CN" sz="2000" dirty="0">
+              <a:latin typeface="Consolas" panose="020B0609020204030204" pitchFamily="49" charset="0"/>
+            </a:endParaRPr>
+          </a:p>
+          <a:p>
+            <a:r>
+              <a:rPr lang="en-US" altLang="zh-CN" sz="2000" dirty="0" err="1">
+                <a:latin typeface="Consolas" panose="020B0609020204030204" pitchFamily="49" charset="0"/>
+              </a:rPr>
+              <a:t>impl</a:t>
+            </a:r>
+            <a:r>
+              <a:rPr lang="en-US" altLang="zh-CN" sz="2000" dirty="0">
+                <a:latin typeface="Consolas" panose="020B0609020204030204" pitchFamily="49" charset="0"/>
+              </a:rPr>
+              <a:t> Drop for </a:t>
+            </a:r>
+            <a:r>
+              <a:rPr lang="en-US" altLang="zh-CN" sz="2000" dirty="0" err="1">
+                <a:latin typeface="Consolas" panose="020B0609020204030204" pitchFamily="49" charset="0"/>
+              </a:rPr>
+              <a:t>RustChrdev</a:t>
+            </a:r>
+            <a:r>
+              <a:rPr lang="en-US" altLang="zh-CN" sz="2000" dirty="0">
+                <a:latin typeface="Consolas" panose="020B0609020204030204" pitchFamily="49" charset="0"/>
+              </a:rPr>
+              <a:t> {</a:t>
+            </a:r>
+          </a:p>
+          <a:p>
+            <a:r>
+              <a:rPr lang="en-US" altLang="zh-CN" sz="2000" dirty="0">
+                <a:latin typeface="Consolas" panose="020B0609020204030204" pitchFamily="49" charset="0"/>
+              </a:rPr>
+              <a:t>    </a:t>
+            </a:r>
+            <a:r>
+              <a:rPr lang="en-US" altLang="zh-CN" sz="2000" dirty="0" err="1">
+                <a:latin typeface="Consolas" panose="020B0609020204030204" pitchFamily="49" charset="0"/>
+              </a:rPr>
+              <a:t>fn</a:t>
+            </a:r>
+            <a:r>
+              <a:rPr lang="en-US" altLang="zh-CN" sz="2000" dirty="0">
+                <a:latin typeface="Consolas" panose="020B0609020204030204" pitchFamily="49" charset="0"/>
+              </a:rPr>
+              <a:t> drop(&amp;mut self) {……}</a:t>
+            </a:r>
+          </a:p>
+          <a:p>
+            <a:r>
+              <a:rPr lang="en-US" altLang="zh-CN" sz="2000" dirty="0">
+                <a:latin typeface="Consolas" panose="020B0609020204030204" pitchFamily="49" charset="0"/>
+              </a:rPr>
+              <a:t>}</a:t>
+            </a:r>
+          </a:p>
+        </p:txBody>
+      </p:sp>
+      <p:sp>
+        <p:nvSpPr>
+          <p:cNvPr id="32" name="文本框 31">
+            <a:extLst>
+              <a:ext uri="{FF2B5EF4-FFF2-40B4-BE49-F238E27FC236}">
+                <a16:creationId xmlns:a16="http://schemas.microsoft.com/office/drawing/2014/main" id="{4FB1FF5C-C114-F7D8-F96A-BD1056F13A55}"/>
+              </a:ext>
+            </a:extLst>
+          </p:cNvPr>
+          <p:cNvSpPr txBox="1"/>
+          <p:nvPr/>
+        </p:nvSpPr>
+        <p:spPr>
+          <a:xfrm>
+            <a:off x="22219971" y="11137151"/>
+            <a:ext cx="2170584" cy="461665"/>
+          </a:xfrm>
+          <a:prstGeom prst="rect">
+            <a:avLst/>
+          </a:prstGeom>
+          <a:noFill/>
+        </p:spPr>
+        <p:txBody>
+          <a:bodyPr wrap="square">
+            <a:spAutoFit/>
+          </a:bodyPr>
+          <a:lstStyle/>
+          <a:p>
+            <a:r>
+              <a:rPr lang="en-US" altLang="zh-CN" sz="2400" b="1" dirty="0">
+                <a:solidFill>
+                  <a:srgbClr val="3B3B3B"/>
+                </a:solidFill>
+                <a:latin typeface="Consolas" panose="020B0609020204030204" pitchFamily="49" charset="0"/>
+              </a:rPr>
+              <a:t>Only Safe</a:t>
+            </a:r>
+          </a:p>
+        </p:txBody>
+      </p:sp>
+      <p:sp>
+        <p:nvSpPr>
+          <p:cNvPr id="33" name="文本框 32">
+            <a:extLst>
+              <a:ext uri="{FF2B5EF4-FFF2-40B4-BE49-F238E27FC236}">
+                <a16:creationId xmlns:a16="http://schemas.microsoft.com/office/drawing/2014/main" id="{10DCD450-89D7-E4AA-CB54-B56C7E32B7D6}"/>
+              </a:ext>
+            </a:extLst>
+          </p:cNvPr>
+          <p:cNvSpPr txBox="1"/>
+          <p:nvPr/>
+        </p:nvSpPr>
+        <p:spPr>
+          <a:xfrm>
+            <a:off x="15731735" y="11051472"/>
+            <a:ext cx="1194750" cy="461665"/>
+          </a:xfrm>
+          <a:prstGeom prst="rect">
+            <a:avLst/>
+          </a:prstGeom>
+          <a:noFill/>
+        </p:spPr>
+        <p:txBody>
+          <a:bodyPr wrap="square">
+            <a:spAutoFit/>
+          </a:bodyPr>
+          <a:lstStyle/>
+          <a:p>
+            <a:r>
+              <a:rPr lang="en-US" altLang="zh-CN" sz="2400" b="1" dirty="0">
+                <a:solidFill>
+                  <a:srgbClr val="C00000"/>
+                </a:solidFill>
+                <a:latin typeface="Consolas" panose="020B0609020204030204" pitchFamily="49" charset="0"/>
+              </a:rPr>
+              <a:t>Unsafe</a:t>
+            </a:r>
+          </a:p>
+        </p:txBody>
+      </p:sp>
+      <p:pic>
+        <p:nvPicPr>
+          <p:cNvPr id="34" name="图片 33">
+            <a:extLst>
+              <a:ext uri="{FF2B5EF4-FFF2-40B4-BE49-F238E27FC236}">
+                <a16:creationId xmlns:a16="http://schemas.microsoft.com/office/drawing/2014/main" id="{74A5604D-B222-1AFC-1DF2-DF2FE82A997E}"/>
+              </a:ext>
+            </a:extLst>
+          </p:cNvPr>
+          <p:cNvPicPr>
+            <a:picLocks noChangeAspect="1"/>
+          </p:cNvPicPr>
+          <p:nvPr/>
+        </p:nvPicPr>
+        <p:blipFill>
+          <a:blip r:embed="rId5">
+            <a:extLst>
+              <a:ext uri="{28A0092B-C50C-407E-A947-70E740481C1C}">
+                <a14:useLocalDpi xmlns:a14="http://schemas.microsoft.com/office/drawing/2010/main" val="0"/>
+              </a:ext>
+            </a:extLst>
+          </a:blip>
+          <a:stretch>
+            <a:fillRect/>
+          </a:stretch>
+        </p:blipFill>
+        <p:spPr>
+          <a:xfrm>
+            <a:off x="22652276" y="8007499"/>
+            <a:ext cx="744910" cy="886962"/>
+          </a:xfrm>
+          <a:prstGeom prst="rect">
+            <a:avLst/>
+          </a:prstGeom>
+        </p:spPr>
+      </p:pic>
+      <p:sp>
+        <p:nvSpPr>
+          <p:cNvPr id="35" name="箭头: 右 34">
+            <a:extLst>
+              <a:ext uri="{FF2B5EF4-FFF2-40B4-BE49-F238E27FC236}">
+                <a16:creationId xmlns:a16="http://schemas.microsoft.com/office/drawing/2014/main" id="{9665811A-B14C-19D7-2BAA-9E5D740B69EA}"/>
+              </a:ext>
+            </a:extLst>
+          </p:cNvPr>
+          <p:cNvSpPr/>
+          <p:nvPr/>
+        </p:nvSpPr>
+        <p:spPr>
+          <a:xfrm>
+            <a:off x="6985214" y="4852215"/>
+            <a:ext cx="1819792" cy="418795"/>
+          </a:xfrm>
+          <a:prstGeom prst="rightArrow">
+            <a:avLst>
+              <a:gd name="adj1" fmla="val 40807"/>
+              <a:gd name="adj2" fmla="val 50000"/>
+            </a:avLst>
+          </a:prstGeom>
+          <a:solidFill>
+            <a:schemeClr val="bg1"/>
+          </a:solidFill>
+          <a:ln w="19050">
+            <a:solidFill>
+              <a:schemeClr val="tx1"/>
+            </a:solidFill>
+          </a:ln>
+        </p:spPr>
+        <p:style>
+          <a:lnRef idx="2">
+            <a:schemeClr val="accent1">
+              <a:shade val="50000"/>
+            </a:schemeClr>
+          </a:lnRef>
+          <a:fillRef idx="1">
+            <a:schemeClr val="accent1"/>
+          </a:fillRef>
+          <a:effectRef idx="0">
+            <a:schemeClr val="accent1"/>
+          </a:effectRef>
+          <a:fontRef idx="minor">
+            <a:schemeClr val="lt1"/>
+          </a:fontRef>
+        </p:style>
+        <p:txBody>
+          <a:bodyPr rtlCol="0" anchor="ctr"/>
+          <a:lstStyle/>
+          <a:p>
+            <a:pPr algn="ctr"/>
+            <a:endParaRPr lang="zh-CN" altLang="en-US"/>
+          </a:p>
+        </p:txBody>
+      </p:sp>
+      <p:sp>
+        <p:nvSpPr>
+          <p:cNvPr id="36" name="箭头: 右 35">
+            <a:extLst>
+              <a:ext uri="{FF2B5EF4-FFF2-40B4-BE49-F238E27FC236}">
+                <a16:creationId xmlns:a16="http://schemas.microsoft.com/office/drawing/2014/main" id="{FFFD6493-6EF7-27C3-5B0C-5748663F3262}"/>
+              </a:ext>
+            </a:extLst>
+          </p:cNvPr>
+          <p:cNvSpPr/>
+          <p:nvPr/>
+        </p:nvSpPr>
+        <p:spPr>
+          <a:xfrm>
+            <a:off x="6962859" y="6434724"/>
+            <a:ext cx="1834811" cy="418795"/>
+          </a:xfrm>
+          <a:prstGeom prst="rightArrow">
+            <a:avLst>
+              <a:gd name="adj1" fmla="val 40807"/>
+              <a:gd name="adj2" fmla="val 50000"/>
+            </a:avLst>
+          </a:prstGeom>
+          <a:solidFill>
+            <a:schemeClr val="bg1"/>
+          </a:solidFill>
+          <a:ln w="19050">
+            <a:solidFill>
+              <a:schemeClr val="tx1"/>
+            </a:solidFill>
+          </a:ln>
+        </p:spPr>
+        <p:style>
+          <a:lnRef idx="2">
+            <a:schemeClr val="accent1">
+              <a:shade val="50000"/>
+            </a:schemeClr>
+          </a:lnRef>
+          <a:fillRef idx="1">
+            <a:schemeClr val="accent1"/>
+          </a:fillRef>
+          <a:effectRef idx="0">
+            <a:schemeClr val="accent1"/>
+          </a:effectRef>
+          <a:fontRef idx="minor">
+            <a:schemeClr val="lt1"/>
+          </a:fontRef>
+        </p:style>
+        <p:txBody>
+          <a:bodyPr rtlCol="0" anchor="ctr"/>
+          <a:lstStyle/>
+          <a:p>
+            <a:pPr algn="ctr"/>
+            <a:endParaRPr lang="zh-CN" altLang="en-US"/>
+          </a:p>
+        </p:txBody>
+      </p:sp>
+      <p:sp>
+        <p:nvSpPr>
+          <p:cNvPr id="37" name="文本框 36">
+            <a:extLst>
+              <a:ext uri="{FF2B5EF4-FFF2-40B4-BE49-F238E27FC236}">
+                <a16:creationId xmlns:a16="http://schemas.microsoft.com/office/drawing/2014/main" id="{52CE6447-FD9B-19A4-8227-8E5704E161C0}"/>
+              </a:ext>
+            </a:extLst>
+          </p:cNvPr>
+          <p:cNvSpPr txBox="1"/>
+          <p:nvPr/>
+        </p:nvSpPr>
+        <p:spPr>
+          <a:xfrm>
+            <a:off x="6818899" y="4414989"/>
+            <a:ext cx="2022525" cy="461665"/>
+          </a:xfrm>
+          <a:prstGeom prst="rect">
+            <a:avLst/>
+          </a:prstGeom>
+          <a:noFill/>
+        </p:spPr>
+        <p:txBody>
+          <a:bodyPr wrap="square">
+            <a:spAutoFit/>
+          </a:bodyPr>
+          <a:lstStyle/>
+          <a:p>
+            <a:pPr algn="ctr"/>
+            <a:r>
+              <a:rPr lang="en-US" altLang="zh-CN" sz="2400" dirty="0">
+                <a:solidFill>
+                  <a:srgbClr val="3B3B3B"/>
+                </a:solidFill>
+                <a:latin typeface="Consolas" panose="020B0609020204030204" pitchFamily="49" charset="0"/>
+              </a:rPr>
+              <a:t>RFL modify</a:t>
+            </a:r>
+          </a:p>
+        </p:txBody>
+      </p:sp>
+      <p:sp>
+        <p:nvSpPr>
+          <p:cNvPr id="38" name="文本框 220">
+            <a:extLst>
+              <a:ext uri="{FF2B5EF4-FFF2-40B4-BE49-F238E27FC236}">
+                <a16:creationId xmlns:a16="http://schemas.microsoft.com/office/drawing/2014/main" id="{55E427FE-FCAA-580E-6031-31D09A8D40A2}"/>
+              </a:ext>
+            </a:extLst>
+          </p:cNvPr>
+          <p:cNvSpPr txBox="1"/>
+          <p:nvPr/>
+        </p:nvSpPr>
+        <p:spPr>
+          <a:xfrm>
+            <a:off x="6717265" y="6031071"/>
+            <a:ext cx="2428163" cy="461665"/>
+          </a:xfrm>
+          <a:prstGeom prst="rect">
+            <a:avLst/>
+          </a:prstGeom>
+          <a:noFill/>
+        </p:spPr>
+        <p:txBody>
+          <a:bodyPr wrap="square">
+            <a:spAutoFit/>
+          </a:bodyPr>
+          <a:lstStyle>
+            <a:defPPr>
+              <a:defRPr lang="zh-CN"/>
+            </a:defPPr>
+            <a:lvl1pPr marL="0" algn="l" defTabSz="914345" rtl="0" eaLnBrk="1" latinLnBrk="0" hangingPunct="1">
+              <a:defRPr sz="1800" kern="1200">
+                <a:solidFill>
+                  <a:schemeClr val="tx1"/>
+                </a:solidFill>
+                <a:latin typeface="+mn-lt"/>
+                <a:ea typeface="+mn-ea"/>
+                <a:cs typeface="+mn-cs"/>
+              </a:defRPr>
+            </a:lvl1pPr>
+            <a:lvl2pPr marL="457173" algn="l" defTabSz="914345" rtl="0" eaLnBrk="1" latinLnBrk="0" hangingPunct="1">
+              <a:defRPr sz="1800" kern="1200">
+                <a:solidFill>
+                  <a:schemeClr val="tx1"/>
+                </a:solidFill>
+                <a:latin typeface="+mn-lt"/>
+                <a:ea typeface="+mn-ea"/>
+                <a:cs typeface="+mn-cs"/>
+              </a:defRPr>
+            </a:lvl2pPr>
+            <a:lvl3pPr marL="914345" algn="l" defTabSz="914345" rtl="0" eaLnBrk="1" latinLnBrk="0" hangingPunct="1">
+              <a:defRPr sz="1800" kern="1200">
+                <a:solidFill>
+                  <a:schemeClr val="tx1"/>
+                </a:solidFill>
+                <a:latin typeface="+mn-lt"/>
+                <a:ea typeface="+mn-ea"/>
+                <a:cs typeface="+mn-cs"/>
+              </a:defRPr>
+            </a:lvl3pPr>
+            <a:lvl4pPr marL="1371519" algn="l" defTabSz="914345" rtl="0" eaLnBrk="1" latinLnBrk="0" hangingPunct="1">
+              <a:defRPr sz="1800" kern="1200">
+                <a:solidFill>
+                  <a:schemeClr val="tx1"/>
+                </a:solidFill>
+                <a:latin typeface="+mn-lt"/>
+                <a:ea typeface="+mn-ea"/>
+                <a:cs typeface="+mn-cs"/>
+              </a:defRPr>
+            </a:lvl4pPr>
+            <a:lvl5pPr marL="1828691" algn="l" defTabSz="914345" rtl="0" eaLnBrk="1" latinLnBrk="0" hangingPunct="1">
+              <a:defRPr sz="1800" kern="1200">
+                <a:solidFill>
+                  <a:schemeClr val="tx1"/>
+                </a:solidFill>
+                <a:latin typeface="+mn-lt"/>
+                <a:ea typeface="+mn-ea"/>
+                <a:cs typeface="+mn-cs"/>
+              </a:defRPr>
+            </a:lvl5pPr>
+            <a:lvl6pPr marL="2285864" algn="l" defTabSz="914345" rtl="0" eaLnBrk="1" latinLnBrk="0" hangingPunct="1">
+              <a:defRPr sz="1800" kern="1200">
+                <a:solidFill>
+                  <a:schemeClr val="tx1"/>
+                </a:solidFill>
+                <a:latin typeface="+mn-lt"/>
+                <a:ea typeface="+mn-ea"/>
+                <a:cs typeface="+mn-cs"/>
+              </a:defRPr>
+            </a:lvl6pPr>
+            <a:lvl7pPr marL="2743036" algn="l" defTabSz="914345" rtl="0" eaLnBrk="1" latinLnBrk="0" hangingPunct="1">
+              <a:defRPr sz="1800" kern="1200">
+                <a:solidFill>
+                  <a:schemeClr val="tx1"/>
+                </a:solidFill>
+                <a:latin typeface="+mn-lt"/>
+                <a:ea typeface="+mn-ea"/>
+                <a:cs typeface="+mn-cs"/>
+              </a:defRPr>
+            </a:lvl7pPr>
+            <a:lvl8pPr marL="3200210" algn="l" defTabSz="914345" rtl="0" eaLnBrk="1" latinLnBrk="0" hangingPunct="1">
+              <a:defRPr sz="1800" kern="1200">
+                <a:solidFill>
+                  <a:schemeClr val="tx1"/>
+                </a:solidFill>
+                <a:latin typeface="+mn-lt"/>
+                <a:ea typeface="+mn-ea"/>
+                <a:cs typeface="+mn-cs"/>
+              </a:defRPr>
+            </a:lvl8pPr>
+            <a:lvl9pPr marL="3657382" algn="l" defTabSz="914345" rtl="0" eaLnBrk="1" latinLnBrk="0" hangingPunct="1">
+              <a:defRPr sz="1800" kern="1200">
+                <a:solidFill>
+                  <a:schemeClr val="tx1"/>
+                </a:solidFill>
+                <a:latin typeface="+mn-lt"/>
+                <a:ea typeface="+mn-ea"/>
+                <a:cs typeface="+mn-cs"/>
+              </a:defRPr>
+            </a:lvl9pPr>
+          </a:lstStyle>
+          <a:p>
+            <a:pPr algn="ctr"/>
+            <a:r>
+              <a:rPr lang="en-US" altLang="zh-CN" sz="2400" dirty="0">
+                <a:solidFill>
+                  <a:srgbClr val="3B3B3B"/>
+                </a:solidFill>
+                <a:latin typeface="Consolas" panose="020B0609020204030204" pitchFamily="49" charset="0"/>
+              </a:rPr>
+              <a:t>Use Directly</a:t>
+            </a:r>
+          </a:p>
+        </p:txBody>
+      </p:sp>
+      <p:sp>
+        <p:nvSpPr>
+          <p:cNvPr id="39" name="矩形 38">
+            <a:extLst>
+              <a:ext uri="{FF2B5EF4-FFF2-40B4-BE49-F238E27FC236}">
+                <a16:creationId xmlns:a16="http://schemas.microsoft.com/office/drawing/2014/main" id="{D063C3DA-EB92-F584-8A79-2EA442748344}"/>
+              </a:ext>
+            </a:extLst>
+          </p:cNvPr>
+          <p:cNvSpPr/>
+          <p:nvPr/>
+        </p:nvSpPr>
+        <p:spPr>
+          <a:xfrm>
+            <a:off x="9045380" y="4384305"/>
+            <a:ext cx="6481371" cy="1386948"/>
+          </a:xfrm>
+          <a:prstGeom prst="rect">
+            <a:avLst/>
+          </a:prstGeom>
+          <a:solidFill>
+            <a:schemeClr val="accent2">
+              <a:lumMod val="40000"/>
+              <a:lumOff val="60000"/>
+            </a:schemeClr>
+          </a:solidFill>
+          <a:ln>
+            <a:solidFill>
+              <a:schemeClr val="accent2">
+                <a:lumMod val="40000"/>
+                <a:lumOff val="60000"/>
+              </a:schemeClr>
+            </a:solidFill>
+          </a:ln>
+        </p:spPr>
+        <p:style>
+          <a:lnRef idx="2">
+            <a:schemeClr val="accent1">
+              <a:shade val="50000"/>
+            </a:schemeClr>
+          </a:lnRef>
+          <a:fillRef idx="1">
+            <a:schemeClr val="accent1"/>
+          </a:fillRef>
+          <a:effectRef idx="0">
+            <a:schemeClr val="accent1"/>
+          </a:effectRef>
+          <a:fontRef idx="minor">
+            <a:schemeClr val="lt1"/>
+          </a:fontRef>
+        </p:style>
+        <p:txBody>
+          <a:bodyPr rtlCol="0" anchor="ctr"/>
+          <a:lstStyle/>
+          <a:p>
+            <a:pPr algn="ctr"/>
+            <a:endParaRPr lang="zh-CN" altLang="en-US"/>
+          </a:p>
+        </p:txBody>
+      </p:sp>
+      <p:grpSp>
+        <p:nvGrpSpPr>
+          <p:cNvPr id="40" name="组合 39">
+            <a:extLst>
+              <a:ext uri="{FF2B5EF4-FFF2-40B4-BE49-F238E27FC236}">
+                <a16:creationId xmlns:a16="http://schemas.microsoft.com/office/drawing/2014/main" id="{66C2F6D1-91D0-E943-F132-C1D904A3A29A}"/>
+              </a:ext>
+            </a:extLst>
+          </p:cNvPr>
+          <p:cNvGrpSpPr/>
+          <p:nvPr/>
+        </p:nvGrpSpPr>
+        <p:grpSpPr>
+          <a:xfrm>
+            <a:off x="9008194" y="4401155"/>
+            <a:ext cx="7049916" cy="1357618"/>
+            <a:chOff x="-5723806" y="-1148745"/>
+            <a:chExt cx="7049916" cy="1357618"/>
+          </a:xfrm>
+        </p:grpSpPr>
+        <p:sp>
+          <p:nvSpPr>
+            <p:cNvPr id="41" name="动作按钮: 文档 40">
+              <a:hlinkClick r:id="" action="ppaction://noaction" highlightClick="1"/>
+              <a:extLst>
+                <a:ext uri="{FF2B5EF4-FFF2-40B4-BE49-F238E27FC236}">
+                  <a16:creationId xmlns:a16="http://schemas.microsoft.com/office/drawing/2014/main" id="{27202E72-A39A-00E1-3A0E-8AFC842114EA}"/>
+                </a:ext>
+              </a:extLst>
+            </p:cNvPr>
+            <p:cNvSpPr/>
+            <p:nvPr/>
+          </p:nvSpPr>
+          <p:spPr>
+            <a:xfrm>
+              <a:off x="-5286291" y="-1114788"/>
+              <a:ext cx="696562" cy="733579"/>
+            </a:xfrm>
+            <a:prstGeom prst="actionButtonDocument">
+              <a:avLst/>
+            </a:prstGeom>
+            <a:solidFill>
+              <a:schemeClr val="bg1"/>
+            </a:solidFill>
+            <a:ln>
+              <a:solidFill>
+                <a:schemeClr val="tx1"/>
+              </a:solidFill>
+            </a:ln>
+          </p:spPr>
+          <p:style>
+            <a:lnRef idx="2">
+              <a:schemeClr val="accent1">
+                <a:shade val="50000"/>
+              </a:schemeClr>
+            </a:lnRef>
+            <a:fillRef idx="1">
+              <a:schemeClr val="accent1"/>
+            </a:fillRef>
+            <a:effectRef idx="0">
+              <a:schemeClr val="accent1"/>
+            </a:effectRef>
+            <a:fontRef idx="minor">
+              <a:schemeClr val="lt1"/>
+            </a:fontRef>
+          </p:style>
+          <p:txBody>
+            <a:bodyPr rtlCol="0" anchor="ctr"/>
+            <a:lstStyle/>
+            <a:p>
+              <a:pPr algn="ctr"/>
+              <a:r>
+                <a:rPr lang="en-US" altLang="zh-CN" sz="2800" dirty="0">
+                  <a:solidFill>
+                    <a:schemeClr val="tx1"/>
+                  </a:solidFill>
+                </a:rPr>
+                <a:t>R</a:t>
+              </a:r>
+              <a:endParaRPr lang="zh-CN" altLang="en-US" sz="2800" dirty="0">
+                <a:solidFill>
+                  <a:schemeClr val="tx1"/>
+                </a:solidFill>
+              </a:endParaRPr>
+            </a:p>
+          </p:txBody>
+        </p:sp>
+        <p:sp>
+          <p:nvSpPr>
+            <p:cNvPr id="42" name="文本框 41">
+              <a:extLst>
+                <a:ext uri="{FF2B5EF4-FFF2-40B4-BE49-F238E27FC236}">
+                  <a16:creationId xmlns:a16="http://schemas.microsoft.com/office/drawing/2014/main" id="{F3C224D9-758B-F064-53AE-15863D8514E6}"/>
+                </a:ext>
+              </a:extLst>
+            </p:cNvPr>
+            <p:cNvSpPr txBox="1"/>
+            <p:nvPr/>
+          </p:nvSpPr>
+          <p:spPr>
+            <a:xfrm>
+              <a:off x="-5723806" y="-284283"/>
+              <a:ext cx="2170584" cy="461665"/>
+            </a:xfrm>
+            <a:prstGeom prst="rect">
+              <a:avLst/>
+            </a:prstGeom>
+            <a:noFill/>
+          </p:spPr>
+          <p:txBody>
+            <a:bodyPr wrap="square">
+              <a:spAutoFit/>
+            </a:bodyPr>
+            <a:lstStyle/>
+            <a:p>
+              <a:r>
+                <a:rPr lang="en-US" altLang="zh-CN" sz="2400" b="1" dirty="0" err="1">
+                  <a:solidFill>
+                    <a:srgbClr val="3B3B3B"/>
+                  </a:solidFill>
+                  <a:latin typeface="Consolas" panose="020B0609020204030204" pitchFamily="49" charset="0"/>
+                </a:rPr>
+                <a:t>alloc</a:t>
+              </a:r>
+              <a:r>
+                <a:rPr lang="en-US" altLang="zh-CN" sz="2400" b="1" dirty="0">
+                  <a:solidFill>
+                    <a:srgbClr val="3B3B3B"/>
+                  </a:solidFill>
+                  <a:latin typeface="Consolas" panose="020B0609020204030204" pitchFamily="49" charset="0"/>
+                </a:rPr>
+                <a:t> crate</a:t>
+              </a:r>
+            </a:p>
+          </p:txBody>
+        </p:sp>
+        <p:sp>
+          <p:nvSpPr>
+            <p:cNvPr id="43" name="文本框 42">
+              <a:extLst>
+                <a:ext uri="{FF2B5EF4-FFF2-40B4-BE49-F238E27FC236}">
+                  <a16:creationId xmlns:a16="http://schemas.microsoft.com/office/drawing/2014/main" id="{A9D8B210-36F5-4AD6-948A-37D390514448}"/>
+                </a:ext>
+              </a:extLst>
+            </p:cNvPr>
+            <p:cNvSpPr txBox="1"/>
+            <p:nvPr/>
+          </p:nvSpPr>
+          <p:spPr>
+            <a:xfrm>
+              <a:off x="-4162779" y="-806790"/>
+              <a:ext cx="5488889" cy="1015663"/>
+            </a:xfrm>
+            <a:prstGeom prst="rect">
+              <a:avLst/>
+            </a:prstGeom>
+            <a:noFill/>
+          </p:spPr>
+          <p:txBody>
+            <a:bodyPr wrap="square">
+              <a:spAutoFit/>
+            </a:bodyPr>
+            <a:lstStyle/>
+            <a:p>
+              <a:r>
+                <a:rPr lang="en-US" altLang="zh-CN" sz="2000" b="0" dirty="0">
+                  <a:effectLst/>
+                  <a:latin typeface="Consolas" panose="020B0609020204030204" pitchFamily="49" charset="0"/>
+                </a:rPr>
+                <a:t>    struct </a:t>
+              </a:r>
+              <a:r>
+                <a:rPr lang="en-US" altLang="zh-CN" sz="2000" b="0" dirty="0" err="1">
+                  <a:effectLst/>
+                  <a:latin typeface="Consolas" panose="020B0609020204030204" pitchFamily="49" charset="0"/>
+                </a:rPr>
+                <a:t>Vec</a:t>
+              </a:r>
+              <a:r>
+                <a:rPr lang="en-US" altLang="zh-CN" sz="2000" b="0" dirty="0">
+                  <a:effectLst/>
+                  <a:latin typeface="Consolas" panose="020B0609020204030204" pitchFamily="49" charset="0"/>
+                </a:rPr>
+                <a:t>&lt;T, A&gt; {</a:t>
+              </a:r>
+            </a:p>
+            <a:p>
+              <a:r>
+                <a:rPr lang="en-US" altLang="zh-CN" sz="2000" b="0" dirty="0">
+                  <a:effectLst/>
+                  <a:latin typeface="Consolas" panose="020B0609020204030204" pitchFamily="49" charset="0"/>
+                </a:rPr>
+                <a:t>    </a:t>
+              </a:r>
+              <a:r>
+                <a:rPr lang="en-US" altLang="zh-CN" sz="2000" dirty="0">
+                  <a:latin typeface="Consolas" panose="020B0609020204030204" pitchFamily="49" charset="0"/>
+                </a:rPr>
+                <a:t>       </a:t>
+              </a:r>
+              <a:r>
+                <a:rPr lang="en-US" altLang="zh-CN" sz="2000" b="0" dirty="0" err="1">
+                  <a:effectLst/>
+                  <a:latin typeface="Consolas" panose="020B0609020204030204" pitchFamily="49" charset="0"/>
+                </a:rPr>
+                <a:t>buf</a:t>
+              </a:r>
+              <a:r>
+                <a:rPr lang="en-US" altLang="zh-CN" sz="2000" b="0" dirty="0">
+                  <a:effectLst/>
+                  <a:latin typeface="Consolas" panose="020B0609020204030204" pitchFamily="49" charset="0"/>
+                </a:rPr>
+                <a:t>: </a:t>
+              </a:r>
+              <a:r>
+                <a:rPr lang="en-US" altLang="zh-CN" sz="2000" b="0" dirty="0" err="1">
+                  <a:effectLst/>
+                  <a:latin typeface="Consolas" panose="020B0609020204030204" pitchFamily="49" charset="0"/>
+                </a:rPr>
+                <a:t>RawVec</a:t>
+              </a:r>
+              <a:r>
+                <a:rPr lang="en-US" altLang="zh-CN" sz="2000" b="0" dirty="0">
+                  <a:effectLst/>
+                  <a:latin typeface="Consolas" panose="020B0609020204030204" pitchFamily="49" charset="0"/>
+                </a:rPr>
+                <a:t>&lt;T, A&gt;,</a:t>
+              </a:r>
+            </a:p>
+            <a:p>
+              <a:r>
+                <a:rPr lang="en-US" altLang="zh-CN" sz="2000" b="0" dirty="0">
+                  <a:effectLst/>
+                  <a:latin typeface="Consolas" panose="020B0609020204030204" pitchFamily="49" charset="0"/>
+                </a:rPr>
+                <a:t>           </a:t>
+              </a:r>
+              <a:r>
+                <a:rPr lang="en-US" altLang="zh-CN" sz="2000" b="0" dirty="0" err="1">
+                  <a:effectLst/>
+                  <a:latin typeface="Consolas" panose="020B0609020204030204" pitchFamily="49" charset="0"/>
+                </a:rPr>
+                <a:t>len</a:t>
+              </a:r>
+              <a:r>
+                <a:rPr lang="en-US" altLang="zh-CN" sz="2000" b="0" dirty="0">
+                  <a:effectLst/>
+                  <a:latin typeface="Consolas" panose="020B0609020204030204" pitchFamily="49" charset="0"/>
+                </a:rPr>
+                <a:t>: </a:t>
+              </a:r>
+              <a:r>
+                <a:rPr lang="en-US" altLang="zh-CN" sz="2000" b="0" dirty="0" err="1">
+                  <a:effectLst/>
+                  <a:latin typeface="Consolas" panose="020B0609020204030204" pitchFamily="49" charset="0"/>
+                </a:rPr>
+                <a:t>usize</a:t>
+              </a:r>
+              <a:r>
+                <a:rPr lang="en-US" altLang="zh-CN" sz="2000" b="0" dirty="0">
+                  <a:effectLst/>
+                  <a:latin typeface="Consolas" panose="020B0609020204030204" pitchFamily="49" charset="0"/>
+                </a:rPr>
+                <a:t>, }</a:t>
+              </a:r>
+            </a:p>
+          </p:txBody>
+        </p:sp>
+        <p:sp>
+          <p:nvSpPr>
+            <p:cNvPr id="44" name="文本框 43">
+              <a:extLst>
+                <a:ext uri="{FF2B5EF4-FFF2-40B4-BE49-F238E27FC236}">
+                  <a16:creationId xmlns:a16="http://schemas.microsoft.com/office/drawing/2014/main" id="{3042157E-41C0-6258-CD7B-4725A2A8BEAB}"/>
+                </a:ext>
+              </a:extLst>
+            </p:cNvPr>
+            <p:cNvSpPr txBox="1"/>
+            <p:nvPr/>
+          </p:nvSpPr>
+          <p:spPr>
+            <a:xfrm>
+              <a:off x="-4172728" y="-1148745"/>
+              <a:ext cx="5119875" cy="400110"/>
+            </a:xfrm>
+            <a:prstGeom prst="rect">
+              <a:avLst/>
+            </a:prstGeom>
+            <a:noFill/>
+          </p:spPr>
+          <p:txBody>
+            <a:bodyPr wrap="square">
+              <a:spAutoFit/>
+            </a:bodyPr>
+            <a:lstStyle/>
+            <a:p>
+              <a:r>
+                <a:rPr lang="en-US" altLang="zh-CN" sz="2000" dirty="0">
+                  <a:latin typeface="Consolas" panose="020B0609020204030204" pitchFamily="49" charset="0"/>
+                </a:rPr>
+                <a:t>    </a:t>
+              </a:r>
+              <a:r>
+                <a:rPr lang="en-US" altLang="zh-CN" sz="2000" b="0" dirty="0">
+                  <a:effectLst/>
+                  <a:latin typeface="Consolas" panose="020B0609020204030204" pitchFamily="49" charset="0"/>
+                </a:rPr>
+                <a:t>struct Box&lt;T, A</a:t>
+              </a:r>
+              <a:r>
+                <a:rPr lang="en-US" altLang="zh-CN" sz="2000" dirty="0">
+                  <a:latin typeface="Consolas" panose="020B0609020204030204" pitchFamily="49" charset="0"/>
+                </a:rPr>
+                <a:t>&gt;</a:t>
+              </a:r>
+              <a:r>
+                <a:rPr lang="en-US" altLang="zh-CN" sz="2000" b="0" dirty="0">
+                  <a:effectLst/>
+                  <a:latin typeface="Consolas" panose="020B0609020204030204" pitchFamily="49" charset="0"/>
+                </a:rPr>
+                <a:t>(Unique&lt;T&gt;, A);</a:t>
+              </a:r>
+            </a:p>
+          </p:txBody>
+        </p:sp>
+      </p:grpSp>
+      <p:sp>
+        <p:nvSpPr>
+          <p:cNvPr id="45" name="矩形 44">
+            <a:extLst>
+              <a:ext uri="{FF2B5EF4-FFF2-40B4-BE49-F238E27FC236}">
+                <a16:creationId xmlns:a16="http://schemas.microsoft.com/office/drawing/2014/main" id="{992DCA1B-1167-2B1A-9118-E41C6EFE3746}"/>
+              </a:ext>
+            </a:extLst>
+          </p:cNvPr>
+          <p:cNvSpPr/>
+          <p:nvPr/>
+        </p:nvSpPr>
+        <p:spPr>
+          <a:xfrm>
+            <a:off x="9045379" y="5845183"/>
+            <a:ext cx="6481371" cy="1257419"/>
+          </a:xfrm>
+          <a:prstGeom prst="rect">
+            <a:avLst/>
+          </a:prstGeom>
+          <a:solidFill>
+            <a:schemeClr val="accent2">
+              <a:lumMod val="40000"/>
+              <a:lumOff val="60000"/>
+            </a:schemeClr>
+          </a:solidFill>
+          <a:ln>
+            <a:solidFill>
+              <a:schemeClr val="accent2">
+                <a:lumMod val="40000"/>
+                <a:lumOff val="60000"/>
+              </a:schemeClr>
+            </a:solidFill>
+          </a:ln>
+        </p:spPr>
+        <p:style>
+          <a:lnRef idx="2">
+            <a:schemeClr val="accent1">
+              <a:shade val="50000"/>
+            </a:schemeClr>
+          </a:lnRef>
+          <a:fillRef idx="1">
+            <a:schemeClr val="accent1"/>
+          </a:fillRef>
+          <a:effectRef idx="0">
+            <a:schemeClr val="accent1"/>
+          </a:effectRef>
+          <a:fontRef idx="minor">
+            <a:schemeClr val="lt1"/>
+          </a:fontRef>
+        </p:style>
+        <p:txBody>
+          <a:bodyPr rtlCol="0" anchor="ctr"/>
+          <a:lstStyle/>
+          <a:p>
+            <a:pPr algn="ctr"/>
+            <a:endParaRPr lang="zh-CN" altLang="en-US"/>
+          </a:p>
+        </p:txBody>
+      </p:sp>
+      <p:grpSp>
+        <p:nvGrpSpPr>
+          <p:cNvPr id="46" name="组合 45">
+            <a:extLst>
+              <a:ext uri="{FF2B5EF4-FFF2-40B4-BE49-F238E27FC236}">
+                <a16:creationId xmlns:a16="http://schemas.microsoft.com/office/drawing/2014/main" id="{B92A46B6-CC1D-BC5C-D169-EDEF5698F324}"/>
+              </a:ext>
+            </a:extLst>
+          </p:cNvPr>
+          <p:cNvGrpSpPr/>
+          <p:nvPr/>
+        </p:nvGrpSpPr>
+        <p:grpSpPr>
+          <a:xfrm>
+            <a:off x="9008194" y="5885871"/>
+            <a:ext cx="6365845" cy="1282058"/>
+            <a:chOff x="-5723806" y="335971"/>
+            <a:chExt cx="6365845" cy="1282058"/>
+          </a:xfrm>
+        </p:grpSpPr>
+        <p:sp>
+          <p:nvSpPr>
+            <p:cNvPr id="47" name="动作按钮: 文档 46">
+              <a:hlinkClick r:id="" action="ppaction://noaction" highlightClick="1"/>
+              <a:extLst>
+                <a:ext uri="{FF2B5EF4-FFF2-40B4-BE49-F238E27FC236}">
+                  <a16:creationId xmlns:a16="http://schemas.microsoft.com/office/drawing/2014/main" id="{A234B371-2582-2792-FAB5-F91FE9FA50A6}"/>
+                </a:ext>
+              </a:extLst>
+            </p:cNvPr>
+            <p:cNvSpPr/>
+            <p:nvPr/>
+          </p:nvSpPr>
+          <p:spPr>
+            <a:xfrm>
+              <a:off x="-5257475" y="423960"/>
+              <a:ext cx="696562" cy="733579"/>
+            </a:xfrm>
+            <a:prstGeom prst="actionButtonDocument">
+              <a:avLst/>
+            </a:prstGeom>
+            <a:solidFill>
+              <a:schemeClr val="bg1"/>
+            </a:solidFill>
+            <a:ln>
+              <a:solidFill>
+                <a:schemeClr val="tx1"/>
+              </a:solidFill>
+            </a:ln>
+          </p:spPr>
+          <p:style>
+            <a:lnRef idx="2">
+              <a:schemeClr val="accent1">
+                <a:shade val="50000"/>
+              </a:schemeClr>
+            </a:lnRef>
+            <a:fillRef idx="1">
+              <a:schemeClr val="accent1"/>
+            </a:fillRef>
+            <a:effectRef idx="0">
+              <a:schemeClr val="accent1"/>
+            </a:effectRef>
+            <a:fontRef idx="minor">
+              <a:schemeClr val="lt1"/>
+            </a:fontRef>
+          </p:style>
+          <p:txBody>
+            <a:bodyPr rtlCol="0" anchor="ctr"/>
+            <a:lstStyle/>
+            <a:p>
+              <a:pPr algn="ctr"/>
+              <a:r>
+                <a:rPr lang="en-US" altLang="zh-CN" sz="2800" dirty="0">
+                  <a:solidFill>
+                    <a:schemeClr val="tx1"/>
+                  </a:solidFill>
+                </a:rPr>
+                <a:t>R</a:t>
+              </a:r>
+              <a:endParaRPr lang="zh-CN" altLang="en-US" sz="2800" dirty="0">
+                <a:solidFill>
+                  <a:schemeClr val="tx1"/>
+                </a:solidFill>
+              </a:endParaRPr>
+            </a:p>
+          </p:txBody>
+        </p:sp>
+        <p:sp>
+          <p:nvSpPr>
+            <p:cNvPr id="48" name="文本框 47">
+              <a:extLst>
+                <a:ext uri="{FF2B5EF4-FFF2-40B4-BE49-F238E27FC236}">
+                  <a16:creationId xmlns:a16="http://schemas.microsoft.com/office/drawing/2014/main" id="{23AAF262-CDAE-BDE7-7709-18BB585FB16F}"/>
+                </a:ext>
+              </a:extLst>
+            </p:cNvPr>
+            <p:cNvSpPr txBox="1"/>
+            <p:nvPr/>
+          </p:nvSpPr>
+          <p:spPr>
+            <a:xfrm>
+              <a:off x="-5723806" y="1156364"/>
+              <a:ext cx="2170584" cy="461665"/>
+            </a:xfrm>
+            <a:prstGeom prst="rect">
+              <a:avLst/>
+            </a:prstGeom>
+            <a:noFill/>
+          </p:spPr>
+          <p:txBody>
+            <a:bodyPr wrap="square">
+              <a:spAutoFit/>
+            </a:bodyPr>
+            <a:lstStyle/>
+            <a:p>
+              <a:r>
+                <a:rPr lang="en-US" altLang="zh-CN" sz="2400" b="1" dirty="0">
+                  <a:solidFill>
+                    <a:srgbClr val="3B3B3B"/>
+                  </a:solidFill>
+                  <a:latin typeface="Consolas" panose="020B0609020204030204" pitchFamily="49" charset="0"/>
+                </a:rPr>
+                <a:t>core crate</a:t>
+              </a:r>
+            </a:p>
+          </p:txBody>
+        </p:sp>
+        <p:sp>
+          <p:nvSpPr>
+            <p:cNvPr id="49" name="文本框 48">
+              <a:extLst>
+                <a:ext uri="{FF2B5EF4-FFF2-40B4-BE49-F238E27FC236}">
+                  <a16:creationId xmlns:a16="http://schemas.microsoft.com/office/drawing/2014/main" id="{D94FBE6C-C4DF-8DF6-746A-1605525EFF2D}"/>
+                </a:ext>
+              </a:extLst>
+            </p:cNvPr>
+            <p:cNvSpPr txBox="1"/>
+            <p:nvPr/>
+          </p:nvSpPr>
+          <p:spPr>
+            <a:xfrm>
+              <a:off x="-3573897" y="335971"/>
+              <a:ext cx="4215936" cy="400110"/>
+            </a:xfrm>
+            <a:prstGeom prst="rect">
+              <a:avLst/>
+            </a:prstGeom>
+            <a:noFill/>
+          </p:spPr>
+          <p:txBody>
+            <a:bodyPr wrap="square">
+              <a:spAutoFit/>
+            </a:bodyPr>
+            <a:lstStyle/>
+            <a:p>
+              <a:r>
+                <a:rPr lang="en-US" altLang="zh-CN" sz="2000" b="0" dirty="0">
+                  <a:effectLst/>
+                  <a:latin typeface="Consolas" panose="020B0609020204030204" pitchFamily="49" charset="0"/>
+                </a:rPr>
+                <a:t>pub struct </a:t>
+              </a:r>
+              <a:r>
+                <a:rPr lang="en-US" altLang="zh-CN" sz="2000" b="0" dirty="0" err="1">
+                  <a:effectLst/>
+                  <a:latin typeface="Consolas" panose="020B0609020204030204" pitchFamily="49" charset="0"/>
+                </a:rPr>
+                <a:t>PhantomData</a:t>
+              </a:r>
+              <a:r>
+                <a:rPr lang="en-US" altLang="zh-CN" sz="2000" b="0" dirty="0">
+                  <a:effectLst/>
+                  <a:latin typeface="Consolas" panose="020B0609020204030204" pitchFamily="49" charset="0"/>
+                </a:rPr>
+                <a:t>&lt;T&gt;;</a:t>
+              </a:r>
+            </a:p>
+          </p:txBody>
+        </p:sp>
+        <p:sp>
+          <p:nvSpPr>
+            <p:cNvPr id="50" name="文本框 49">
+              <a:extLst>
+                <a:ext uri="{FF2B5EF4-FFF2-40B4-BE49-F238E27FC236}">
+                  <a16:creationId xmlns:a16="http://schemas.microsoft.com/office/drawing/2014/main" id="{8AA23732-EC88-C56C-FA67-14588A4359F8}"/>
+                </a:ext>
+              </a:extLst>
+            </p:cNvPr>
+            <p:cNvSpPr txBox="1"/>
+            <p:nvPr/>
+          </p:nvSpPr>
+          <p:spPr>
+            <a:xfrm>
+              <a:off x="-3574252" y="701398"/>
+              <a:ext cx="3692782" cy="707886"/>
+            </a:xfrm>
+            <a:prstGeom prst="rect">
+              <a:avLst/>
+            </a:prstGeom>
+            <a:noFill/>
+          </p:spPr>
+          <p:txBody>
+            <a:bodyPr wrap="square">
+              <a:spAutoFit/>
+            </a:bodyPr>
+            <a:lstStyle/>
+            <a:p>
+              <a:r>
+                <a:rPr lang="en-US" altLang="zh-CN" sz="2000" b="0" dirty="0">
+                  <a:effectLst/>
+                  <a:latin typeface="Consolas" panose="020B0609020204030204" pitchFamily="49" charset="0"/>
+                </a:rPr>
+                <a:t>pub struct </a:t>
+              </a:r>
+              <a:r>
+                <a:rPr lang="en-US" altLang="zh-CN" sz="2000" b="0" dirty="0" err="1">
+                  <a:effectLst/>
+                  <a:latin typeface="Consolas" panose="020B0609020204030204" pitchFamily="49" charset="0"/>
+                </a:rPr>
+                <a:t>UnsafeCell</a:t>
+              </a:r>
+              <a:r>
+                <a:rPr lang="en-US" altLang="zh-CN" sz="2000" b="0" dirty="0">
+                  <a:effectLst/>
+                  <a:latin typeface="Consolas" panose="020B0609020204030204" pitchFamily="49" charset="0"/>
+                </a:rPr>
+                <a:t>&lt;T&gt; { value: T}</a:t>
+              </a:r>
+            </a:p>
+          </p:txBody>
+        </p:sp>
+      </p:grpSp>
+      <p:grpSp>
+        <p:nvGrpSpPr>
+          <p:cNvPr id="51" name="组合 50">
+            <a:extLst>
+              <a:ext uri="{FF2B5EF4-FFF2-40B4-BE49-F238E27FC236}">
+                <a16:creationId xmlns:a16="http://schemas.microsoft.com/office/drawing/2014/main" id="{1CBA7801-2437-5A64-C74B-4467E3A85FD1}"/>
+              </a:ext>
+            </a:extLst>
+          </p:cNvPr>
+          <p:cNvGrpSpPr/>
+          <p:nvPr/>
+        </p:nvGrpSpPr>
+        <p:grpSpPr>
+          <a:xfrm>
+            <a:off x="11095906" y="9436222"/>
+            <a:ext cx="4406951" cy="1432396"/>
+            <a:chOff x="-3852884" y="3346928"/>
+            <a:chExt cx="4406951" cy="1432396"/>
+          </a:xfrm>
+        </p:grpSpPr>
+        <p:sp>
+          <p:nvSpPr>
+            <p:cNvPr id="52" name="矩形 51">
+              <a:extLst>
+                <a:ext uri="{FF2B5EF4-FFF2-40B4-BE49-F238E27FC236}">
+                  <a16:creationId xmlns:a16="http://schemas.microsoft.com/office/drawing/2014/main" id="{1EDF29CD-2E11-5868-B47A-8AC8ABB38521}"/>
+                </a:ext>
+              </a:extLst>
+            </p:cNvPr>
+            <p:cNvSpPr/>
+            <p:nvPr/>
+          </p:nvSpPr>
+          <p:spPr>
+            <a:xfrm>
+              <a:off x="-3852884" y="3346928"/>
+              <a:ext cx="4406951" cy="1366079"/>
+            </a:xfrm>
+            <a:prstGeom prst="rect">
+              <a:avLst/>
+            </a:prstGeom>
+            <a:solidFill>
+              <a:schemeClr val="accent2">
+                <a:lumMod val="40000"/>
+                <a:lumOff val="60000"/>
+              </a:schemeClr>
+            </a:solidFill>
+            <a:ln>
+              <a:solidFill>
+                <a:schemeClr val="accent2">
+                  <a:lumMod val="40000"/>
+                  <a:lumOff val="60000"/>
+                </a:schemeClr>
+              </a:solidFill>
+            </a:ln>
+          </p:spPr>
+          <p:style>
+            <a:lnRef idx="2">
+              <a:schemeClr val="accent1">
+                <a:shade val="50000"/>
+              </a:schemeClr>
+            </a:lnRef>
+            <a:fillRef idx="1">
+              <a:schemeClr val="accent1"/>
+            </a:fillRef>
+            <a:effectRef idx="0">
+              <a:schemeClr val="accent1"/>
+            </a:effectRef>
+            <a:fontRef idx="minor">
+              <a:schemeClr val="lt1"/>
+            </a:fontRef>
+          </p:style>
+          <p:txBody>
+            <a:bodyPr rtlCol="0" anchor="ctr"/>
+            <a:lstStyle/>
+            <a:p>
+              <a:pPr algn="ctr"/>
+              <a:endParaRPr lang="zh-CN" altLang="en-US"/>
+            </a:p>
+          </p:txBody>
+        </p:sp>
+        <p:grpSp>
+          <p:nvGrpSpPr>
+            <p:cNvPr id="53" name="组合 52">
+              <a:extLst>
+                <a:ext uri="{FF2B5EF4-FFF2-40B4-BE49-F238E27FC236}">
+                  <a16:creationId xmlns:a16="http://schemas.microsoft.com/office/drawing/2014/main" id="{4F8AC510-5D2C-BD96-1D6F-DE991C45E067}"/>
+                </a:ext>
+              </a:extLst>
+            </p:cNvPr>
+            <p:cNvGrpSpPr/>
+            <p:nvPr/>
+          </p:nvGrpSpPr>
+          <p:grpSpPr>
+            <a:xfrm>
+              <a:off x="-3748202" y="3515859"/>
+              <a:ext cx="3995072" cy="1263465"/>
+              <a:chOff x="148520" y="8199783"/>
+              <a:chExt cx="3995072" cy="1263465"/>
+            </a:xfrm>
+          </p:grpSpPr>
+          <p:sp>
+            <p:nvSpPr>
+              <p:cNvPr id="54" name="动作按钮: 文档 53">
+                <a:hlinkClick r:id="" action="ppaction://noaction" highlightClick="1"/>
+                <a:extLst>
+                  <a:ext uri="{FF2B5EF4-FFF2-40B4-BE49-F238E27FC236}">
+                    <a16:creationId xmlns:a16="http://schemas.microsoft.com/office/drawing/2014/main" id="{9D9101EA-8DD1-88A2-F965-0342E0902A86}"/>
+                  </a:ext>
+                </a:extLst>
+              </p:cNvPr>
+              <p:cNvSpPr/>
+              <p:nvPr/>
+            </p:nvSpPr>
+            <p:spPr>
+              <a:xfrm>
+                <a:off x="464638" y="8199783"/>
+                <a:ext cx="696562" cy="733579"/>
+              </a:xfrm>
+              <a:prstGeom prst="actionButtonDocument">
+                <a:avLst/>
+              </a:prstGeom>
+              <a:solidFill>
+                <a:schemeClr val="bg1"/>
+              </a:solidFill>
+              <a:ln>
+                <a:solidFill>
+                  <a:schemeClr val="tx1"/>
+                </a:solidFill>
+              </a:ln>
+            </p:spPr>
+            <p:style>
+              <a:lnRef idx="2">
+                <a:schemeClr val="accent1">
+                  <a:shade val="50000"/>
+                </a:schemeClr>
+              </a:lnRef>
+              <a:fillRef idx="1">
+                <a:schemeClr val="accent1"/>
+              </a:fillRef>
+              <a:effectRef idx="0">
+                <a:schemeClr val="accent1"/>
+              </a:effectRef>
+              <a:fontRef idx="minor">
+                <a:schemeClr val="lt1"/>
+              </a:fontRef>
+            </p:style>
+            <p:txBody>
+              <a:bodyPr rtlCol="0" anchor="ctr"/>
+              <a:lstStyle/>
+              <a:p>
+                <a:pPr algn="ctr"/>
+                <a:r>
+                  <a:rPr lang="en-US" altLang="zh-CN" sz="2800" dirty="0">
+                    <a:solidFill>
+                      <a:schemeClr val="tx1"/>
+                    </a:solidFill>
+                  </a:rPr>
+                  <a:t>R</a:t>
+                </a:r>
+                <a:endParaRPr lang="zh-CN" altLang="en-US" sz="2800" dirty="0">
+                  <a:solidFill>
+                    <a:schemeClr val="tx1"/>
+                  </a:solidFill>
+                </a:endParaRPr>
+              </a:p>
+            </p:txBody>
+          </p:sp>
+          <p:sp>
+            <p:nvSpPr>
+              <p:cNvPr id="55" name="文本框 54">
+                <a:extLst>
+                  <a:ext uri="{FF2B5EF4-FFF2-40B4-BE49-F238E27FC236}">
+                    <a16:creationId xmlns:a16="http://schemas.microsoft.com/office/drawing/2014/main" id="{A4C19533-969D-9CD0-B23A-20BB8AE6F49B}"/>
+                  </a:ext>
+                </a:extLst>
+              </p:cNvPr>
+              <p:cNvSpPr txBox="1"/>
+              <p:nvPr/>
+            </p:nvSpPr>
+            <p:spPr>
+              <a:xfrm>
+                <a:off x="148520" y="9001583"/>
+                <a:ext cx="2996437" cy="461665"/>
+              </a:xfrm>
+              <a:prstGeom prst="rect">
+                <a:avLst/>
+              </a:prstGeom>
+              <a:noFill/>
+            </p:spPr>
+            <p:txBody>
+              <a:bodyPr wrap="square">
+                <a:spAutoFit/>
+              </a:bodyPr>
+              <a:lstStyle/>
+              <a:p>
+                <a:r>
+                  <a:rPr lang="en-US" altLang="zh-CN" sz="2400" b="1" dirty="0">
+                    <a:solidFill>
+                      <a:srgbClr val="3B3B3B"/>
+                    </a:solidFill>
+                    <a:latin typeface="Consolas" panose="020B0609020204030204" pitchFamily="49" charset="0"/>
+                  </a:rPr>
+                  <a:t>bindings crate</a:t>
+                </a:r>
+              </a:p>
+            </p:txBody>
+          </p:sp>
+          <p:sp>
+            <p:nvSpPr>
+              <p:cNvPr id="56" name="文本框 55">
+                <a:extLst>
+                  <a:ext uri="{FF2B5EF4-FFF2-40B4-BE49-F238E27FC236}">
+                    <a16:creationId xmlns:a16="http://schemas.microsoft.com/office/drawing/2014/main" id="{824D42B8-2A48-C57B-80F5-1FDD79B5815F}"/>
+                  </a:ext>
+                </a:extLst>
+              </p:cNvPr>
+              <p:cNvSpPr txBox="1"/>
+              <p:nvPr/>
+            </p:nvSpPr>
+            <p:spPr>
+              <a:xfrm>
+                <a:off x="1399147" y="8244570"/>
+                <a:ext cx="2744445" cy="400110"/>
+              </a:xfrm>
+              <a:prstGeom prst="rect">
+                <a:avLst/>
+              </a:prstGeom>
+              <a:noFill/>
+            </p:spPr>
+            <p:txBody>
+              <a:bodyPr wrap="square">
+                <a:spAutoFit/>
+              </a:bodyPr>
+              <a:lstStyle/>
+              <a:p>
+                <a:r>
+                  <a:rPr lang="en-US" altLang="zh-CN" sz="2000" dirty="0">
+                    <a:latin typeface="Consolas" panose="020B0609020204030204" pitchFamily="49" charset="0"/>
+                  </a:rPr>
+                  <a:t>pub struct </a:t>
+                </a:r>
+                <a:r>
+                  <a:rPr lang="en-US" altLang="zh-CN" sz="2000" dirty="0" err="1">
+                    <a:solidFill>
+                      <a:schemeClr val="accent5">
+                        <a:lumMod val="75000"/>
+                      </a:schemeClr>
+                    </a:solidFill>
+                    <a:latin typeface="Consolas" panose="020B0609020204030204" pitchFamily="49" charset="0"/>
+                  </a:rPr>
+                  <a:t>cdev</a:t>
+                </a:r>
+                <a:r>
+                  <a:rPr lang="en-US" altLang="zh-CN" sz="2000" dirty="0">
+                    <a:latin typeface="Consolas" panose="020B0609020204030204" pitchFamily="49" charset="0"/>
+                  </a:rPr>
+                  <a:t> {}</a:t>
+                </a:r>
+              </a:p>
+            </p:txBody>
+          </p:sp>
+        </p:grpSp>
+      </p:grpSp>
+      <p:grpSp>
+        <p:nvGrpSpPr>
+          <p:cNvPr id="57" name="组合 56">
+            <a:extLst>
+              <a:ext uri="{FF2B5EF4-FFF2-40B4-BE49-F238E27FC236}">
+                <a16:creationId xmlns:a16="http://schemas.microsoft.com/office/drawing/2014/main" id="{3C4F0F70-63F6-CE48-C44E-49B0F6F03F55}"/>
+              </a:ext>
+            </a:extLst>
+          </p:cNvPr>
+          <p:cNvGrpSpPr/>
+          <p:nvPr/>
+        </p:nvGrpSpPr>
+        <p:grpSpPr>
+          <a:xfrm>
+            <a:off x="8430871" y="9295929"/>
+            <a:ext cx="1568273" cy="1587024"/>
+            <a:chOff x="-5710670" y="4892498"/>
+            <a:chExt cx="1568273" cy="1587024"/>
+          </a:xfrm>
+        </p:grpSpPr>
+        <p:sp>
+          <p:nvSpPr>
+            <p:cNvPr id="58" name="文本框 57">
+              <a:extLst>
+                <a:ext uri="{FF2B5EF4-FFF2-40B4-BE49-F238E27FC236}">
+                  <a16:creationId xmlns:a16="http://schemas.microsoft.com/office/drawing/2014/main" id="{6E59D4DC-358E-5DDA-22DE-237FF9420DFF}"/>
+                </a:ext>
+              </a:extLst>
+            </p:cNvPr>
+            <p:cNvSpPr txBox="1"/>
+            <p:nvPr/>
+          </p:nvSpPr>
+          <p:spPr>
+            <a:xfrm>
+              <a:off x="-5710670" y="4892498"/>
+              <a:ext cx="1568273" cy="830997"/>
+            </a:xfrm>
+            <a:prstGeom prst="rect">
+              <a:avLst/>
+            </a:prstGeom>
+            <a:noFill/>
+          </p:spPr>
+          <p:txBody>
+            <a:bodyPr wrap="square">
+              <a:spAutoFit/>
+            </a:bodyPr>
+            <a:lstStyle/>
+            <a:p>
+              <a:pPr algn="ctr"/>
+              <a:r>
+                <a:rPr lang="en-US" altLang="zh-CN" sz="2400" b="1" dirty="0">
+                  <a:solidFill>
+                    <a:srgbClr val="3B3B3B"/>
+                  </a:solidFill>
+                  <a:latin typeface="Consolas" panose="020B0609020204030204" pitchFamily="49" charset="0"/>
+                </a:rPr>
+                <a:t>Rust</a:t>
+              </a:r>
+            </a:p>
+            <a:p>
+              <a:pPr algn="ctr"/>
+              <a:r>
+                <a:rPr lang="en-US" altLang="zh-CN" sz="2400" b="1" dirty="0" err="1">
+                  <a:solidFill>
+                    <a:srgbClr val="3B3B3B"/>
+                  </a:solidFill>
+                  <a:latin typeface="Consolas" panose="020B0609020204030204" pitchFamily="49" charset="0"/>
+                </a:rPr>
+                <a:t>bindgen</a:t>
+              </a:r>
+              <a:endParaRPr lang="en-US" altLang="zh-CN" sz="2400" b="1" dirty="0">
+                <a:solidFill>
+                  <a:srgbClr val="3B3B3B"/>
+                </a:solidFill>
+                <a:latin typeface="Consolas" panose="020B0609020204030204" pitchFamily="49" charset="0"/>
+              </a:endParaRPr>
+            </a:p>
+          </p:txBody>
+        </p:sp>
+        <p:grpSp>
+          <p:nvGrpSpPr>
+            <p:cNvPr id="59" name="组合 58">
+              <a:extLst>
+                <a:ext uri="{FF2B5EF4-FFF2-40B4-BE49-F238E27FC236}">
+                  <a16:creationId xmlns:a16="http://schemas.microsoft.com/office/drawing/2014/main" id="{22D87BC5-0EDE-AC8D-D79F-D717DAE007CB}"/>
+                </a:ext>
+              </a:extLst>
+            </p:cNvPr>
+            <p:cNvGrpSpPr/>
+            <p:nvPr/>
+          </p:nvGrpSpPr>
+          <p:grpSpPr>
+            <a:xfrm>
+              <a:off x="-5280449" y="5793359"/>
+              <a:ext cx="720269" cy="686163"/>
+              <a:chOff x="5454123" y="1959267"/>
+              <a:chExt cx="5956681" cy="5419217"/>
+            </a:xfrm>
+          </p:grpSpPr>
+          <p:pic>
+            <p:nvPicPr>
+              <p:cNvPr id="60" name="图片 59">
+                <a:extLst>
+                  <a:ext uri="{FF2B5EF4-FFF2-40B4-BE49-F238E27FC236}">
+                    <a16:creationId xmlns:a16="http://schemas.microsoft.com/office/drawing/2014/main" id="{FE33AF7B-2999-A04A-4F40-D89F6430B45C}"/>
+                  </a:ext>
+                </a:extLst>
+              </p:cNvPr>
+              <p:cNvPicPr>
+                <a:picLocks noChangeAspect="1"/>
+              </p:cNvPicPr>
+              <p:nvPr/>
+            </p:nvPicPr>
+            <p:blipFill>
+              <a:blip r:embed="rId6"/>
+              <a:stretch>
+                <a:fillRect/>
+              </a:stretch>
+            </p:blipFill>
+            <p:spPr>
+              <a:xfrm>
+                <a:off x="5454123" y="1959267"/>
+                <a:ext cx="5128796" cy="5128797"/>
+              </a:xfrm>
+              <a:prstGeom prst="rect">
+                <a:avLst/>
+              </a:prstGeom>
+            </p:spPr>
+          </p:pic>
+          <p:pic>
+            <p:nvPicPr>
+              <p:cNvPr id="61" name="图形 60">
+                <a:extLst>
+                  <a:ext uri="{FF2B5EF4-FFF2-40B4-BE49-F238E27FC236}">
+                    <a16:creationId xmlns:a16="http://schemas.microsoft.com/office/drawing/2014/main" id="{73F0AE1E-7344-6BB5-AF53-4EBCC2AD9025}"/>
+                  </a:ext>
+                </a:extLst>
+              </p:cNvPr>
+              <p:cNvPicPr>
+                <a:picLocks noChangeAspect="1"/>
+              </p:cNvPicPr>
+              <p:nvPr/>
+            </p:nvPicPr>
+            <p:blipFill>
+              <a:blip r:embed="rId3">
+                <a:extLst>
+                  <a:ext uri="{28A0092B-C50C-407E-A947-70E740481C1C}">
+                    <a14:useLocalDpi xmlns:a14="http://schemas.microsoft.com/office/drawing/2010/main" val="0"/>
+                  </a:ext>
+                  <a:ext uri="{96DAC541-7B7A-43D3-8B79-37D633B846F1}">
+                    <asvg:svgBlip xmlns:asvg="http://schemas.microsoft.com/office/drawing/2016/SVG/main" r:embed="rId4"/>
+                  </a:ext>
+                </a:extLst>
+              </a:blip>
+              <a:stretch>
+                <a:fillRect/>
+              </a:stretch>
+            </p:blipFill>
+            <p:spPr>
+              <a:xfrm>
+                <a:off x="9469428" y="5437112"/>
+                <a:ext cx="1941376" cy="1941372"/>
+              </a:xfrm>
+              <a:prstGeom prst="rect">
+                <a:avLst/>
+              </a:prstGeom>
+            </p:spPr>
+          </p:pic>
+        </p:grpSp>
+      </p:grpSp>
+      <p:sp>
+        <p:nvSpPr>
+          <p:cNvPr id="62" name="矩形 61">
+            <a:extLst>
+              <a:ext uri="{FF2B5EF4-FFF2-40B4-BE49-F238E27FC236}">
+                <a16:creationId xmlns:a16="http://schemas.microsoft.com/office/drawing/2014/main" id="{AF043CE3-FCA9-B23D-EB4F-184719F39993}"/>
+              </a:ext>
+            </a:extLst>
+          </p:cNvPr>
+          <p:cNvSpPr/>
+          <p:nvPr/>
+        </p:nvSpPr>
+        <p:spPr>
+          <a:xfrm>
+            <a:off x="5963612" y="11217253"/>
+            <a:ext cx="4353767" cy="1500965"/>
+          </a:xfrm>
+          <a:prstGeom prst="rect">
+            <a:avLst/>
+          </a:prstGeom>
+          <a:solidFill>
+            <a:schemeClr val="accent4">
+              <a:lumMod val="40000"/>
+              <a:lumOff val="60000"/>
+            </a:schemeClr>
+          </a:solidFill>
+          <a:ln>
+            <a:solidFill>
+              <a:schemeClr val="accent4">
+                <a:lumMod val="40000"/>
+                <a:lumOff val="60000"/>
+              </a:schemeClr>
+            </a:solidFill>
+          </a:ln>
+        </p:spPr>
+        <p:style>
+          <a:lnRef idx="2">
+            <a:schemeClr val="accent1">
+              <a:shade val="50000"/>
+            </a:schemeClr>
+          </a:lnRef>
+          <a:fillRef idx="1">
+            <a:schemeClr val="accent1"/>
+          </a:fillRef>
+          <a:effectRef idx="0">
+            <a:schemeClr val="accent1"/>
+          </a:effectRef>
+          <a:fontRef idx="minor">
+            <a:schemeClr val="lt1"/>
+          </a:fontRef>
+        </p:style>
+        <p:txBody>
+          <a:bodyPr rtlCol="0" anchor="ctr"/>
+          <a:lstStyle/>
+          <a:p>
+            <a:pPr algn="ctr"/>
+            <a:endParaRPr lang="zh-CN" altLang="en-US"/>
+          </a:p>
+        </p:txBody>
+      </p:sp>
+      <p:grpSp>
+        <p:nvGrpSpPr>
+          <p:cNvPr id="63" name="组合 62">
+            <a:extLst>
+              <a:ext uri="{FF2B5EF4-FFF2-40B4-BE49-F238E27FC236}">
+                <a16:creationId xmlns:a16="http://schemas.microsoft.com/office/drawing/2014/main" id="{CD6C33A7-E94F-F0A3-BDB6-683A734BC945}"/>
+              </a:ext>
+            </a:extLst>
+          </p:cNvPr>
+          <p:cNvGrpSpPr/>
+          <p:nvPr/>
+        </p:nvGrpSpPr>
+        <p:grpSpPr>
+          <a:xfrm>
+            <a:off x="5893514" y="11352155"/>
+            <a:ext cx="4694058" cy="1342089"/>
+            <a:chOff x="1659870" y="3943568"/>
+            <a:chExt cx="4694058" cy="1342089"/>
+          </a:xfrm>
+        </p:grpSpPr>
+        <p:sp>
+          <p:nvSpPr>
+            <p:cNvPr id="64" name="文本框 63">
+              <a:extLst>
+                <a:ext uri="{FF2B5EF4-FFF2-40B4-BE49-F238E27FC236}">
+                  <a16:creationId xmlns:a16="http://schemas.microsoft.com/office/drawing/2014/main" id="{72EB7A36-E9FF-F326-0984-04D6C64C4DFD}"/>
+                </a:ext>
+              </a:extLst>
+            </p:cNvPr>
+            <p:cNvSpPr txBox="1"/>
+            <p:nvPr/>
+          </p:nvSpPr>
+          <p:spPr>
+            <a:xfrm>
+              <a:off x="1659870" y="4823992"/>
+              <a:ext cx="3687505" cy="461665"/>
+            </a:xfrm>
+            <a:prstGeom prst="rect">
+              <a:avLst/>
+            </a:prstGeom>
+            <a:noFill/>
+          </p:spPr>
+          <p:txBody>
+            <a:bodyPr wrap="square">
+              <a:spAutoFit/>
+            </a:bodyPr>
+            <a:lstStyle/>
+            <a:p>
+              <a:r>
+                <a:rPr lang="en-US" altLang="zh-CN" sz="2400" b="1" dirty="0">
+                  <a:solidFill>
+                    <a:schemeClr val="accent5">
+                      <a:lumMod val="75000"/>
+                    </a:schemeClr>
+                  </a:solidFill>
+                  <a:latin typeface="Consolas" panose="020B0609020204030204" pitchFamily="49" charset="0"/>
+                </a:rPr>
+                <a:t>include/</a:t>
+              </a:r>
+              <a:r>
+                <a:rPr lang="en-US" altLang="zh-CN" sz="2400" b="1" dirty="0" err="1">
+                  <a:solidFill>
+                    <a:schemeClr val="accent5">
+                      <a:lumMod val="75000"/>
+                    </a:schemeClr>
+                  </a:solidFill>
+                  <a:latin typeface="Consolas" panose="020B0609020204030204" pitchFamily="49" charset="0"/>
+                </a:rPr>
+                <a:t>linux</a:t>
+              </a:r>
+              <a:r>
+                <a:rPr lang="en-US" altLang="zh-CN" sz="2400" b="1" dirty="0">
+                  <a:solidFill>
+                    <a:schemeClr val="accent5">
+                      <a:lumMod val="75000"/>
+                    </a:schemeClr>
+                  </a:solidFill>
+                  <a:latin typeface="Consolas" panose="020B0609020204030204" pitchFamily="49" charset="0"/>
+                </a:rPr>
+                <a:t>/</a:t>
+              </a:r>
+              <a:r>
+                <a:rPr lang="en-US" altLang="zh-CN" sz="2400" b="1" dirty="0" err="1">
+                  <a:solidFill>
+                    <a:schemeClr val="accent5">
+                      <a:lumMod val="75000"/>
+                    </a:schemeClr>
+                  </a:solidFill>
+                  <a:latin typeface="Consolas" panose="020B0609020204030204" pitchFamily="49" charset="0"/>
+                </a:rPr>
+                <a:t>cdev.h</a:t>
+              </a:r>
+              <a:endParaRPr lang="en-US" altLang="zh-CN" sz="2400" b="1" dirty="0">
+                <a:solidFill>
+                  <a:schemeClr val="accent5">
+                    <a:lumMod val="75000"/>
+                  </a:schemeClr>
+                </a:solidFill>
+                <a:latin typeface="Consolas" panose="020B0609020204030204" pitchFamily="49" charset="0"/>
+              </a:endParaRPr>
+            </a:p>
+          </p:txBody>
+        </p:sp>
+        <p:sp>
+          <p:nvSpPr>
+            <p:cNvPr id="65" name="动作按钮: 文档 64">
+              <a:hlinkClick r:id="" action="ppaction://noaction" highlightClick="1"/>
+              <a:extLst>
+                <a:ext uri="{FF2B5EF4-FFF2-40B4-BE49-F238E27FC236}">
+                  <a16:creationId xmlns:a16="http://schemas.microsoft.com/office/drawing/2014/main" id="{C96339ED-9ED8-84BF-0F33-3A4E6CC86E7E}"/>
+                </a:ext>
+              </a:extLst>
+            </p:cNvPr>
+            <p:cNvSpPr/>
+            <p:nvPr/>
+          </p:nvSpPr>
+          <p:spPr>
+            <a:xfrm>
+              <a:off x="1949985" y="3943568"/>
+              <a:ext cx="696562" cy="733579"/>
+            </a:xfrm>
+            <a:prstGeom prst="actionButtonDocument">
+              <a:avLst/>
+            </a:prstGeom>
+            <a:solidFill>
+              <a:schemeClr val="bg1"/>
+            </a:solidFill>
+            <a:ln>
+              <a:solidFill>
+                <a:schemeClr val="tx1"/>
+              </a:solidFill>
+            </a:ln>
+          </p:spPr>
+          <p:style>
+            <a:lnRef idx="2">
+              <a:schemeClr val="accent1">
+                <a:shade val="50000"/>
+              </a:schemeClr>
+            </a:lnRef>
+            <a:fillRef idx="1">
+              <a:schemeClr val="accent1"/>
+            </a:fillRef>
+            <a:effectRef idx="0">
+              <a:schemeClr val="accent1"/>
+            </a:effectRef>
+            <a:fontRef idx="minor">
+              <a:schemeClr val="lt1"/>
+            </a:fontRef>
+          </p:style>
+          <p:txBody>
+            <a:bodyPr rtlCol="0" anchor="ctr"/>
+            <a:lstStyle/>
+            <a:p>
+              <a:pPr algn="ctr"/>
+              <a:r>
+                <a:rPr lang="en-US" altLang="zh-CN" sz="2800" dirty="0">
+                  <a:solidFill>
+                    <a:schemeClr val="tx1"/>
+                  </a:solidFill>
+                </a:rPr>
+                <a:t>C</a:t>
+              </a:r>
+              <a:endParaRPr lang="zh-CN" altLang="en-US" sz="2800" dirty="0">
+                <a:solidFill>
+                  <a:schemeClr val="tx1"/>
+                </a:solidFill>
+              </a:endParaRPr>
+            </a:p>
+          </p:txBody>
+        </p:sp>
+        <p:sp>
+          <p:nvSpPr>
+            <p:cNvPr id="66" name="文本框 65">
+              <a:extLst>
+                <a:ext uri="{FF2B5EF4-FFF2-40B4-BE49-F238E27FC236}">
+                  <a16:creationId xmlns:a16="http://schemas.microsoft.com/office/drawing/2014/main" id="{1CA4798A-6FE8-3927-DAA0-E6BD44DDB9F1}"/>
+                </a:ext>
+              </a:extLst>
+            </p:cNvPr>
+            <p:cNvSpPr txBox="1"/>
+            <p:nvPr/>
+          </p:nvSpPr>
+          <p:spPr>
+            <a:xfrm>
+              <a:off x="2958266" y="3959397"/>
+              <a:ext cx="3395662" cy="707886"/>
+            </a:xfrm>
+            <a:prstGeom prst="rect">
+              <a:avLst/>
+            </a:prstGeom>
+            <a:noFill/>
+          </p:spPr>
+          <p:txBody>
+            <a:bodyPr wrap="square">
+              <a:spAutoFit/>
+            </a:bodyPr>
+            <a:lstStyle/>
+            <a:p>
+              <a:r>
+                <a:rPr lang="en-US" altLang="zh-CN" sz="2000" dirty="0">
+                  <a:solidFill>
+                    <a:schemeClr val="accent5">
+                      <a:lumMod val="75000"/>
+                    </a:schemeClr>
+                  </a:solidFill>
+                  <a:latin typeface="Consolas" panose="020B0609020204030204" pitchFamily="49" charset="0"/>
+                </a:rPr>
+                <a:t>struct </a:t>
+              </a:r>
+              <a:r>
+                <a:rPr lang="en-US" altLang="zh-CN" sz="2000" dirty="0" err="1">
+                  <a:solidFill>
+                    <a:schemeClr val="accent5">
+                      <a:lumMod val="75000"/>
+                    </a:schemeClr>
+                  </a:solidFill>
+                  <a:latin typeface="Consolas" panose="020B0609020204030204" pitchFamily="49" charset="0"/>
+                </a:rPr>
+                <a:t>cdev</a:t>
+              </a:r>
+              <a:r>
+                <a:rPr lang="en-US" altLang="zh-CN" sz="2000" dirty="0">
+                  <a:solidFill>
+                    <a:schemeClr val="accent5">
+                      <a:lumMod val="75000"/>
+                    </a:schemeClr>
+                  </a:solidFill>
+                  <a:latin typeface="Consolas" panose="020B0609020204030204" pitchFamily="49" charset="0"/>
+                </a:rPr>
+                <a:t> </a:t>
+              </a:r>
+              <a:r>
+                <a:rPr lang="en-US" altLang="zh-CN" sz="2000" dirty="0">
+                  <a:latin typeface="Consolas" panose="020B0609020204030204" pitchFamily="49" charset="0"/>
+                </a:rPr>
+                <a:t>{……} __</a:t>
+              </a:r>
+              <a:r>
+                <a:rPr lang="en-US" altLang="zh-CN" sz="2000" dirty="0" err="1">
+                  <a:latin typeface="Consolas" panose="020B0609020204030204" pitchFamily="49" charset="0"/>
+                </a:rPr>
+                <a:t>randomize_layout</a:t>
+              </a:r>
+              <a:r>
+                <a:rPr lang="en-US" altLang="zh-CN" sz="2000" dirty="0">
+                  <a:latin typeface="Consolas" panose="020B0609020204030204" pitchFamily="49" charset="0"/>
+                </a:rPr>
+                <a:t>;</a:t>
+              </a:r>
+            </a:p>
+          </p:txBody>
+        </p:sp>
+      </p:grpSp>
+      <p:pic>
+        <p:nvPicPr>
+          <p:cNvPr id="67" name="图片 66">
+            <a:extLst>
+              <a:ext uri="{FF2B5EF4-FFF2-40B4-BE49-F238E27FC236}">
+                <a16:creationId xmlns:a16="http://schemas.microsoft.com/office/drawing/2014/main" id="{AF21AB86-85DF-49A2-C56A-C6BE4A2BB346}"/>
+              </a:ext>
+            </a:extLst>
+          </p:cNvPr>
+          <p:cNvPicPr>
+            <a:picLocks noChangeAspect="1"/>
+          </p:cNvPicPr>
+          <p:nvPr/>
+        </p:nvPicPr>
+        <p:blipFill>
+          <a:blip r:embed="rId7">
+            <a:extLst>
+              <a:ext uri="{28A0092B-C50C-407E-A947-70E740481C1C}">
+                <a14:useLocalDpi xmlns:a14="http://schemas.microsoft.com/office/drawing/2010/main" val="0"/>
+              </a:ext>
+            </a:extLst>
+          </a:blip>
+          <a:stretch>
+            <a:fillRect/>
+          </a:stretch>
+        </p:blipFill>
+        <p:spPr>
+          <a:xfrm>
+            <a:off x="5898966" y="9689550"/>
+            <a:ext cx="799783" cy="799783"/>
+          </a:xfrm>
+          <a:prstGeom prst="rect">
+            <a:avLst/>
+          </a:prstGeom>
+        </p:spPr>
+      </p:pic>
+      <p:sp>
+        <p:nvSpPr>
+          <p:cNvPr id="68" name="文本框 67">
+            <a:extLst>
+              <a:ext uri="{FF2B5EF4-FFF2-40B4-BE49-F238E27FC236}">
+                <a16:creationId xmlns:a16="http://schemas.microsoft.com/office/drawing/2014/main" id="{D414A9EC-D1C3-1978-08E2-AB29EA90055B}"/>
+              </a:ext>
+            </a:extLst>
+          </p:cNvPr>
+          <p:cNvSpPr txBox="1"/>
+          <p:nvPr/>
+        </p:nvSpPr>
+        <p:spPr>
+          <a:xfrm>
+            <a:off x="6524479" y="9506707"/>
+            <a:ext cx="1343078" cy="1200329"/>
+          </a:xfrm>
+          <a:prstGeom prst="rect">
+            <a:avLst/>
+          </a:prstGeom>
+          <a:noFill/>
+        </p:spPr>
+        <p:txBody>
+          <a:bodyPr wrap="square">
+            <a:spAutoFit/>
+          </a:bodyPr>
+          <a:lstStyle/>
+          <a:p>
+            <a:pPr algn="ctr"/>
+            <a:r>
+              <a:rPr lang="en-US" altLang="zh-CN" sz="2400" b="1">
+                <a:solidFill>
+                  <a:srgbClr val="3B3B3B"/>
+                </a:solidFill>
+                <a:latin typeface="Consolas" panose="020B0609020204030204" pitchFamily="49" charset="0"/>
+              </a:rPr>
+              <a:t>Linux</a:t>
+            </a:r>
+            <a:endParaRPr lang="en-US" altLang="zh-CN" sz="2400" b="1" dirty="0">
+              <a:solidFill>
+                <a:srgbClr val="3B3B3B"/>
+              </a:solidFill>
+              <a:latin typeface="Consolas" panose="020B0609020204030204" pitchFamily="49" charset="0"/>
+            </a:endParaRPr>
+          </a:p>
+          <a:p>
+            <a:pPr algn="ctr"/>
+            <a:r>
+              <a:rPr lang="en-US" altLang="zh-CN" sz="2400" b="1" dirty="0">
+                <a:solidFill>
+                  <a:srgbClr val="3B3B3B"/>
+                </a:solidFill>
+                <a:latin typeface="Consolas" panose="020B0609020204030204" pitchFamily="49" charset="0"/>
+              </a:rPr>
+              <a:t>Code </a:t>
+            </a:r>
+          </a:p>
+          <a:p>
+            <a:pPr algn="ctr"/>
+            <a:r>
+              <a:rPr lang="en-US" altLang="zh-CN" sz="2400" b="1" dirty="0">
+                <a:solidFill>
+                  <a:srgbClr val="3B3B3B"/>
+                </a:solidFill>
+                <a:latin typeface="Consolas" panose="020B0609020204030204" pitchFamily="49" charset="0"/>
+              </a:rPr>
+              <a:t>Tree </a:t>
+            </a:r>
+          </a:p>
+        </p:txBody>
+      </p:sp>
+      <p:sp>
+        <p:nvSpPr>
+          <p:cNvPr id="69" name="加号 68">
+            <a:extLst>
+              <a:ext uri="{FF2B5EF4-FFF2-40B4-BE49-F238E27FC236}">
+                <a16:creationId xmlns:a16="http://schemas.microsoft.com/office/drawing/2014/main" id="{4185F06A-DB5C-C578-BFBE-491D048A546F}"/>
+              </a:ext>
+            </a:extLst>
+          </p:cNvPr>
+          <p:cNvSpPr/>
+          <p:nvPr/>
+        </p:nvSpPr>
+        <p:spPr>
+          <a:xfrm>
+            <a:off x="7792313" y="9708716"/>
+            <a:ext cx="715954" cy="796312"/>
+          </a:xfrm>
+          <a:prstGeom prst="mathPlus">
+            <a:avLst/>
+          </a:prstGeom>
+          <a:solidFill>
+            <a:schemeClr val="bg1"/>
+          </a:solidFill>
+          <a:ln w="28575">
+            <a:solidFill>
+              <a:schemeClr val="tx1"/>
+            </a:solidFill>
+          </a:ln>
+        </p:spPr>
+        <p:style>
+          <a:lnRef idx="2">
+            <a:schemeClr val="accent1">
+              <a:shade val="50000"/>
+            </a:schemeClr>
+          </a:lnRef>
+          <a:fillRef idx="1">
+            <a:schemeClr val="accent1"/>
+          </a:fillRef>
+          <a:effectRef idx="0">
+            <a:schemeClr val="accent1"/>
+          </a:effectRef>
+          <a:fontRef idx="minor">
+            <a:schemeClr val="lt1"/>
+          </a:fontRef>
+        </p:style>
+        <p:txBody>
+          <a:bodyPr rtlCol="0" anchor="ctr"/>
+          <a:lstStyle/>
+          <a:p>
+            <a:pPr algn="ctr"/>
+            <a:endParaRPr lang="zh-CN" altLang="en-US">
+              <a:ln>
+                <a:solidFill>
+                  <a:sysClr val="windowText" lastClr="000000"/>
+                </a:solidFill>
+              </a:ln>
+              <a:solidFill>
+                <a:schemeClr val="tx2">
+                  <a:lumMod val="20000"/>
+                  <a:lumOff val="80000"/>
+                </a:schemeClr>
+              </a:solidFill>
+            </a:endParaRPr>
+          </a:p>
+        </p:txBody>
+      </p:sp>
+      <p:sp>
+        <p:nvSpPr>
+          <p:cNvPr id="70" name="等号 69">
+            <a:extLst>
+              <a:ext uri="{FF2B5EF4-FFF2-40B4-BE49-F238E27FC236}">
+                <a16:creationId xmlns:a16="http://schemas.microsoft.com/office/drawing/2014/main" id="{58C20CE4-3B52-108A-3F62-6D0BA6A56049}"/>
+              </a:ext>
+            </a:extLst>
+          </p:cNvPr>
+          <p:cNvSpPr/>
+          <p:nvPr/>
+        </p:nvSpPr>
+        <p:spPr>
+          <a:xfrm>
+            <a:off x="9898022" y="9772335"/>
+            <a:ext cx="832127" cy="738664"/>
+          </a:xfrm>
+          <a:prstGeom prst="mathEqual">
+            <a:avLst/>
+          </a:prstGeom>
+          <a:solidFill>
+            <a:schemeClr val="bg1"/>
+          </a:solidFill>
+          <a:ln w="28575">
+            <a:solidFill>
+              <a:schemeClr val="tx1"/>
+            </a:solidFill>
+          </a:ln>
+        </p:spPr>
+        <p:style>
+          <a:lnRef idx="2">
+            <a:schemeClr val="accent1">
+              <a:shade val="50000"/>
+            </a:schemeClr>
+          </a:lnRef>
+          <a:fillRef idx="1">
+            <a:schemeClr val="accent1"/>
+          </a:fillRef>
+          <a:effectRef idx="0">
+            <a:schemeClr val="accent1"/>
+          </a:effectRef>
+          <a:fontRef idx="minor">
+            <a:schemeClr val="lt1"/>
+          </a:fontRef>
+        </p:style>
+        <p:txBody>
+          <a:bodyPr rtlCol="0" anchor="ctr"/>
+          <a:lstStyle/>
+          <a:p>
+            <a:pPr algn="ctr"/>
+            <a:endParaRPr lang="zh-CN" altLang="en-US">
+              <a:solidFill>
+                <a:schemeClr val="tx1"/>
+              </a:solidFill>
+            </a:endParaRPr>
+          </a:p>
+        </p:txBody>
+      </p:sp>
+      <p:grpSp>
+        <p:nvGrpSpPr>
+          <p:cNvPr id="71" name="组合 70">
+            <a:extLst>
+              <a:ext uri="{FF2B5EF4-FFF2-40B4-BE49-F238E27FC236}">
+                <a16:creationId xmlns:a16="http://schemas.microsoft.com/office/drawing/2014/main" id="{44074A24-0813-0A1B-502A-D1DC80B011F4}"/>
+              </a:ext>
+            </a:extLst>
+          </p:cNvPr>
+          <p:cNvGrpSpPr/>
+          <p:nvPr/>
+        </p:nvGrpSpPr>
+        <p:grpSpPr>
+          <a:xfrm>
+            <a:off x="11081395" y="7692398"/>
+            <a:ext cx="4406951" cy="1404285"/>
+            <a:chOff x="-3852884" y="3346928"/>
+            <a:chExt cx="4406951" cy="1404285"/>
+          </a:xfrm>
+        </p:grpSpPr>
+        <p:sp>
+          <p:nvSpPr>
+            <p:cNvPr id="72" name="矩形 71">
+              <a:extLst>
+                <a:ext uri="{FF2B5EF4-FFF2-40B4-BE49-F238E27FC236}">
+                  <a16:creationId xmlns:a16="http://schemas.microsoft.com/office/drawing/2014/main" id="{1CFC8BDA-3E26-707B-DF63-D8A55B188AA0}"/>
+                </a:ext>
+              </a:extLst>
+            </p:cNvPr>
+            <p:cNvSpPr/>
+            <p:nvPr/>
+          </p:nvSpPr>
+          <p:spPr>
+            <a:xfrm>
+              <a:off x="-3852884" y="3346928"/>
+              <a:ext cx="4406951" cy="1366079"/>
+            </a:xfrm>
+            <a:prstGeom prst="rect">
+              <a:avLst/>
+            </a:prstGeom>
+            <a:solidFill>
+              <a:schemeClr val="accent2">
+                <a:lumMod val="40000"/>
+                <a:lumOff val="60000"/>
+              </a:schemeClr>
+            </a:solidFill>
+            <a:ln>
+              <a:solidFill>
+                <a:schemeClr val="accent2">
+                  <a:lumMod val="40000"/>
+                  <a:lumOff val="60000"/>
+                </a:schemeClr>
+              </a:solidFill>
+            </a:ln>
+          </p:spPr>
+          <p:style>
+            <a:lnRef idx="2">
+              <a:schemeClr val="accent1">
+                <a:shade val="50000"/>
+              </a:schemeClr>
+            </a:lnRef>
+            <a:fillRef idx="1">
+              <a:schemeClr val="accent1"/>
+            </a:fillRef>
+            <a:effectRef idx="0">
+              <a:schemeClr val="accent1"/>
+            </a:effectRef>
+            <a:fontRef idx="minor">
+              <a:schemeClr val="lt1"/>
+            </a:fontRef>
+          </p:style>
+          <p:txBody>
+            <a:bodyPr rtlCol="0" anchor="ctr"/>
+            <a:lstStyle/>
+            <a:p>
+              <a:pPr algn="ctr"/>
+              <a:endParaRPr lang="zh-CN" altLang="en-US"/>
+            </a:p>
+          </p:txBody>
+        </p:sp>
+        <p:grpSp>
+          <p:nvGrpSpPr>
+            <p:cNvPr id="73" name="组合 72">
+              <a:extLst>
+                <a:ext uri="{FF2B5EF4-FFF2-40B4-BE49-F238E27FC236}">
+                  <a16:creationId xmlns:a16="http://schemas.microsoft.com/office/drawing/2014/main" id="{A7D93EA3-D669-23C6-2552-4B2C81B91407}"/>
+                </a:ext>
+              </a:extLst>
+            </p:cNvPr>
+            <p:cNvGrpSpPr/>
+            <p:nvPr/>
+          </p:nvGrpSpPr>
+          <p:grpSpPr>
+            <a:xfrm>
+              <a:off x="-3733507" y="3467044"/>
+              <a:ext cx="4116204" cy="1284169"/>
+              <a:chOff x="163215" y="8150968"/>
+              <a:chExt cx="4116204" cy="1284169"/>
+            </a:xfrm>
+          </p:grpSpPr>
+          <p:sp>
+            <p:nvSpPr>
+              <p:cNvPr id="74" name="动作按钮: 文档 73">
+                <a:hlinkClick r:id="" action="ppaction://noaction" highlightClick="1"/>
+                <a:extLst>
+                  <a:ext uri="{FF2B5EF4-FFF2-40B4-BE49-F238E27FC236}">
+                    <a16:creationId xmlns:a16="http://schemas.microsoft.com/office/drawing/2014/main" id="{02B114BE-3050-ADA6-77E1-6744DCDF9E50}"/>
+                  </a:ext>
+                </a:extLst>
+              </p:cNvPr>
+              <p:cNvSpPr/>
+              <p:nvPr/>
+            </p:nvSpPr>
+            <p:spPr>
+              <a:xfrm>
+                <a:off x="471225" y="8209555"/>
+                <a:ext cx="696562" cy="733579"/>
+              </a:xfrm>
+              <a:prstGeom prst="actionButtonDocument">
+                <a:avLst/>
+              </a:prstGeom>
+              <a:solidFill>
+                <a:schemeClr val="bg1"/>
+              </a:solidFill>
+              <a:ln>
+                <a:solidFill>
+                  <a:schemeClr val="tx1"/>
+                </a:solidFill>
+              </a:ln>
+            </p:spPr>
+            <p:style>
+              <a:lnRef idx="2">
+                <a:schemeClr val="accent1">
+                  <a:shade val="50000"/>
+                </a:schemeClr>
+              </a:lnRef>
+              <a:fillRef idx="1">
+                <a:schemeClr val="accent1"/>
+              </a:fillRef>
+              <a:effectRef idx="0">
+                <a:schemeClr val="accent1"/>
+              </a:effectRef>
+              <a:fontRef idx="minor">
+                <a:schemeClr val="lt1"/>
+              </a:fontRef>
+            </p:style>
+            <p:txBody>
+              <a:bodyPr rtlCol="0" anchor="ctr"/>
+              <a:lstStyle/>
+              <a:p>
+                <a:pPr algn="ctr"/>
+                <a:r>
+                  <a:rPr lang="en-US" altLang="zh-CN" sz="2800" dirty="0">
+                    <a:solidFill>
+                      <a:schemeClr val="tx1"/>
+                    </a:solidFill>
+                  </a:rPr>
+                  <a:t>R</a:t>
+                </a:r>
+                <a:endParaRPr lang="zh-CN" altLang="en-US" sz="2800" dirty="0">
+                  <a:solidFill>
+                    <a:schemeClr val="tx1"/>
+                  </a:solidFill>
+                </a:endParaRPr>
+              </a:p>
+            </p:txBody>
+          </p:sp>
+          <p:sp>
+            <p:nvSpPr>
+              <p:cNvPr id="75" name="文本框 74">
+                <a:extLst>
+                  <a:ext uri="{FF2B5EF4-FFF2-40B4-BE49-F238E27FC236}">
+                    <a16:creationId xmlns:a16="http://schemas.microsoft.com/office/drawing/2014/main" id="{D314AD73-78DC-BF84-3D1E-8B7BCA17A1BA}"/>
+                  </a:ext>
+                </a:extLst>
+              </p:cNvPr>
+              <p:cNvSpPr txBox="1"/>
+              <p:nvPr/>
+            </p:nvSpPr>
+            <p:spPr>
+              <a:xfrm>
+                <a:off x="163215" y="8973472"/>
+                <a:ext cx="2170584" cy="461665"/>
+              </a:xfrm>
+              <a:prstGeom prst="rect">
+                <a:avLst/>
+              </a:prstGeom>
+              <a:noFill/>
+            </p:spPr>
+            <p:txBody>
+              <a:bodyPr wrap="square">
+                <a:spAutoFit/>
+              </a:bodyPr>
+              <a:lstStyle/>
+              <a:p>
+                <a:r>
+                  <a:rPr lang="en-US" altLang="zh-CN" sz="2400" b="1" dirty="0">
+                    <a:solidFill>
+                      <a:srgbClr val="3B3B3B"/>
+                    </a:solidFill>
+                    <a:latin typeface="Consolas" panose="020B0609020204030204" pitchFamily="49" charset="0"/>
+                  </a:rPr>
+                  <a:t>macro crate</a:t>
+                </a:r>
+              </a:p>
+            </p:txBody>
+          </p:sp>
+          <p:sp>
+            <p:nvSpPr>
+              <p:cNvPr id="76" name="文本框 75">
+                <a:extLst>
+                  <a:ext uri="{FF2B5EF4-FFF2-40B4-BE49-F238E27FC236}">
+                    <a16:creationId xmlns:a16="http://schemas.microsoft.com/office/drawing/2014/main" id="{D7E2F133-1B2A-88E6-D1E9-AF8F54F99065}"/>
+                  </a:ext>
+                </a:extLst>
+              </p:cNvPr>
+              <p:cNvSpPr txBox="1"/>
+              <p:nvPr/>
+            </p:nvSpPr>
+            <p:spPr>
+              <a:xfrm>
+                <a:off x="1396405" y="8150968"/>
+                <a:ext cx="2883014" cy="707886"/>
+              </a:xfrm>
+              <a:prstGeom prst="rect">
+                <a:avLst/>
+              </a:prstGeom>
+              <a:noFill/>
+            </p:spPr>
+            <p:txBody>
+              <a:bodyPr wrap="square">
+                <a:spAutoFit/>
+              </a:bodyPr>
+              <a:lstStyle/>
+              <a:p>
+                <a:r>
+                  <a:rPr lang="en-US" altLang="zh-CN" sz="2000" b="0" dirty="0" err="1">
+                    <a:effectLst/>
+                    <a:latin typeface="Consolas" panose="020B0609020204030204" pitchFamily="49" charset="0"/>
+                  </a:rPr>
+                  <a:t>fn</a:t>
+                </a:r>
+                <a:r>
+                  <a:rPr lang="en-US" altLang="zh-CN" sz="2000" b="0" dirty="0">
+                    <a:effectLst/>
+                    <a:latin typeface="Consolas" panose="020B0609020204030204" pitchFamily="49" charset="0"/>
+                  </a:rPr>
+                  <a:t> module(</a:t>
+                </a:r>
+                <a:r>
+                  <a:rPr lang="en-US" altLang="zh-CN" sz="2000" b="0" dirty="0" err="1">
+                    <a:effectLst/>
+                    <a:latin typeface="Consolas" panose="020B0609020204030204" pitchFamily="49" charset="0"/>
+                  </a:rPr>
+                  <a:t>ts</a:t>
+                </a:r>
+                <a:r>
+                  <a:rPr lang="en-US" altLang="zh-CN" sz="2000" b="0" dirty="0">
+                    <a:effectLst/>
+                    <a:latin typeface="Consolas" panose="020B0609020204030204" pitchFamily="49" charset="0"/>
+                  </a:rPr>
+                  <a:t>: TS) </a:t>
+                </a:r>
+              </a:p>
+              <a:p>
+                <a:r>
+                  <a:rPr lang="en-US" altLang="zh-CN" sz="2000" b="0" dirty="0">
+                    <a:effectLst/>
+                    <a:latin typeface="Consolas" panose="020B0609020204030204" pitchFamily="49" charset="0"/>
+                  </a:rPr>
+                  <a:t>-&gt; TS { inner(</a:t>
+                </a:r>
+                <a:r>
+                  <a:rPr lang="en-US" altLang="zh-CN" sz="2000" b="0" dirty="0" err="1">
+                    <a:effectLst/>
+                    <a:latin typeface="Consolas" panose="020B0609020204030204" pitchFamily="49" charset="0"/>
+                  </a:rPr>
+                  <a:t>ts</a:t>
+                </a:r>
+                <a:r>
+                  <a:rPr lang="en-US" altLang="zh-CN" sz="2000" b="0" dirty="0">
+                    <a:effectLst/>
+                    <a:latin typeface="Consolas" panose="020B0609020204030204" pitchFamily="49" charset="0"/>
+                  </a:rPr>
+                  <a:t>) }</a:t>
+                </a:r>
+              </a:p>
+            </p:txBody>
+          </p:sp>
+        </p:grpSp>
+      </p:grpSp>
+      <p:grpSp>
+        <p:nvGrpSpPr>
+          <p:cNvPr id="77" name="组合 76">
+            <a:extLst>
+              <a:ext uri="{FF2B5EF4-FFF2-40B4-BE49-F238E27FC236}">
+                <a16:creationId xmlns:a16="http://schemas.microsoft.com/office/drawing/2014/main" id="{DF6E58BD-2523-C9C2-19E8-07112DEB61C7}"/>
+              </a:ext>
+            </a:extLst>
+          </p:cNvPr>
+          <p:cNvGrpSpPr/>
+          <p:nvPr/>
+        </p:nvGrpSpPr>
+        <p:grpSpPr>
+          <a:xfrm>
+            <a:off x="11101997" y="11329673"/>
+            <a:ext cx="4414516" cy="1384306"/>
+            <a:chOff x="-3852884" y="3346928"/>
+            <a:chExt cx="4414516" cy="1384306"/>
+          </a:xfrm>
+        </p:grpSpPr>
+        <p:sp>
+          <p:nvSpPr>
+            <p:cNvPr id="78" name="矩形 77">
+              <a:extLst>
+                <a:ext uri="{FF2B5EF4-FFF2-40B4-BE49-F238E27FC236}">
+                  <a16:creationId xmlns:a16="http://schemas.microsoft.com/office/drawing/2014/main" id="{7C318DF2-1225-856D-7A57-05BE08E37791}"/>
+                </a:ext>
+              </a:extLst>
+            </p:cNvPr>
+            <p:cNvSpPr/>
+            <p:nvPr/>
+          </p:nvSpPr>
+          <p:spPr>
+            <a:xfrm>
+              <a:off x="-3852884" y="3346928"/>
+              <a:ext cx="4406951" cy="1366079"/>
+            </a:xfrm>
+            <a:prstGeom prst="rect">
+              <a:avLst/>
+            </a:prstGeom>
+            <a:solidFill>
+              <a:schemeClr val="accent2">
+                <a:lumMod val="40000"/>
+                <a:lumOff val="60000"/>
+              </a:schemeClr>
+            </a:solidFill>
+            <a:ln>
+              <a:solidFill>
+                <a:schemeClr val="accent2">
+                  <a:lumMod val="40000"/>
+                  <a:lumOff val="60000"/>
+                </a:schemeClr>
+              </a:solidFill>
+            </a:ln>
+          </p:spPr>
+          <p:style>
+            <a:lnRef idx="2">
+              <a:schemeClr val="accent1">
+                <a:shade val="50000"/>
+              </a:schemeClr>
+            </a:lnRef>
+            <a:fillRef idx="1">
+              <a:schemeClr val="accent1"/>
+            </a:fillRef>
+            <a:effectRef idx="0">
+              <a:schemeClr val="accent1"/>
+            </a:effectRef>
+            <a:fontRef idx="minor">
+              <a:schemeClr val="lt1"/>
+            </a:fontRef>
+          </p:style>
+          <p:txBody>
+            <a:bodyPr rtlCol="0" anchor="ctr"/>
+            <a:lstStyle/>
+            <a:p>
+              <a:pPr algn="ctr"/>
+              <a:endParaRPr lang="zh-CN" altLang="en-US"/>
+            </a:p>
+          </p:txBody>
+        </p:sp>
+        <p:grpSp>
+          <p:nvGrpSpPr>
+            <p:cNvPr id="79" name="组合 78">
+              <a:extLst>
+                <a:ext uri="{FF2B5EF4-FFF2-40B4-BE49-F238E27FC236}">
+                  <a16:creationId xmlns:a16="http://schemas.microsoft.com/office/drawing/2014/main" id="{CC8BA3AF-DD90-A275-B594-D7EBC01268BC}"/>
+                </a:ext>
+              </a:extLst>
+            </p:cNvPr>
+            <p:cNvGrpSpPr/>
+            <p:nvPr/>
+          </p:nvGrpSpPr>
+          <p:grpSpPr>
+            <a:xfrm>
+              <a:off x="-3747963" y="3440797"/>
+              <a:ext cx="4309595" cy="1290437"/>
+              <a:chOff x="148759" y="8124721"/>
+              <a:chExt cx="4309595" cy="1290437"/>
+            </a:xfrm>
+          </p:grpSpPr>
+          <p:sp>
+            <p:nvSpPr>
+              <p:cNvPr id="80" name="动作按钮: 文档 79">
+                <a:hlinkClick r:id="" action="ppaction://noaction" highlightClick="1"/>
+                <a:extLst>
+                  <a:ext uri="{FF2B5EF4-FFF2-40B4-BE49-F238E27FC236}">
+                    <a16:creationId xmlns:a16="http://schemas.microsoft.com/office/drawing/2014/main" id="{376227D2-6CE0-1675-C41B-BB1642408A0A}"/>
+                  </a:ext>
+                </a:extLst>
+              </p:cNvPr>
+              <p:cNvSpPr/>
+              <p:nvPr/>
+            </p:nvSpPr>
+            <p:spPr>
+              <a:xfrm>
+                <a:off x="472674" y="8214316"/>
+                <a:ext cx="696562" cy="733579"/>
+              </a:xfrm>
+              <a:prstGeom prst="actionButtonDocument">
+                <a:avLst/>
+              </a:prstGeom>
+              <a:solidFill>
+                <a:schemeClr val="bg1"/>
+              </a:solidFill>
+              <a:ln>
+                <a:solidFill>
+                  <a:schemeClr val="tx1"/>
+                </a:solidFill>
+              </a:ln>
+            </p:spPr>
+            <p:style>
+              <a:lnRef idx="2">
+                <a:schemeClr val="accent1">
+                  <a:shade val="50000"/>
+                </a:schemeClr>
+              </a:lnRef>
+              <a:fillRef idx="1">
+                <a:schemeClr val="accent1"/>
+              </a:fillRef>
+              <a:effectRef idx="0">
+                <a:schemeClr val="accent1"/>
+              </a:effectRef>
+              <a:fontRef idx="minor">
+                <a:schemeClr val="lt1"/>
+              </a:fontRef>
+            </p:style>
+            <p:txBody>
+              <a:bodyPr rtlCol="0" anchor="ctr"/>
+              <a:lstStyle/>
+              <a:p>
+                <a:pPr algn="ctr"/>
+                <a:r>
+                  <a:rPr lang="en-US" altLang="zh-CN" sz="2800" dirty="0">
+                    <a:solidFill>
+                      <a:schemeClr val="tx1"/>
+                    </a:solidFill>
+                  </a:rPr>
+                  <a:t>R</a:t>
+                </a:r>
+                <a:endParaRPr lang="zh-CN" altLang="en-US" sz="2800" dirty="0">
+                  <a:solidFill>
+                    <a:schemeClr val="tx1"/>
+                  </a:solidFill>
+                </a:endParaRPr>
+              </a:p>
+            </p:txBody>
+          </p:sp>
+          <p:sp>
+            <p:nvSpPr>
+              <p:cNvPr id="81" name="文本框 80">
+                <a:extLst>
+                  <a:ext uri="{FF2B5EF4-FFF2-40B4-BE49-F238E27FC236}">
+                    <a16:creationId xmlns:a16="http://schemas.microsoft.com/office/drawing/2014/main" id="{A5C895E0-3688-829C-16DB-0CC24DE9C487}"/>
+                  </a:ext>
+                </a:extLst>
+              </p:cNvPr>
+              <p:cNvSpPr txBox="1"/>
+              <p:nvPr/>
+            </p:nvSpPr>
+            <p:spPr>
+              <a:xfrm>
+                <a:off x="148759" y="8953493"/>
+                <a:ext cx="3023391" cy="461665"/>
+              </a:xfrm>
+              <a:prstGeom prst="rect">
+                <a:avLst/>
+              </a:prstGeom>
+              <a:noFill/>
+            </p:spPr>
+            <p:txBody>
+              <a:bodyPr wrap="square">
+                <a:spAutoFit/>
+              </a:bodyPr>
+              <a:lstStyle/>
+              <a:p>
+                <a:r>
+                  <a:rPr lang="en-US" altLang="zh-CN" sz="2400" b="1" dirty="0" err="1">
+                    <a:solidFill>
+                      <a:srgbClr val="3B3B3B"/>
+                    </a:solidFill>
+                    <a:latin typeface="Consolas" panose="020B0609020204030204" pitchFamily="49" charset="0"/>
+                  </a:rPr>
+                  <a:t>builtin</a:t>
+                </a:r>
+                <a:r>
+                  <a:rPr lang="en-US" altLang="zh-CN" sz="2400" b="1" dirty="0">
+                    <a:solidFill>
+                      <a:srgbClr val="3B3B3B"/>
+                    </a:solidFill>
+                    <a:latin typeface="Consolas" panose="020B0609020204030204" pitchFamily="49" charset="0"/>
+                  </a:rPr>
+                  <a:t> crate</a:t>
+                </a:r>
+              </a:p>
+            </p:txBody>
+          </p:sp>
+          <p:sp>
+            <p:nvSpPr>
+              <p:cNvPr id="82" name="文本框 81">
+                <a:extLst>
+                  <a:ext uri="{FF2B5EF4-FFF2-40B4-BE49-F238E27FC236}">
+                    <a16:creationId xmlns:a16="http://schemas.microsoft.com/office/drawing/2014/main" id="{E89B451A-6E01-F654-4450-67FC98309C43}"/>
+                  </a:ext>
+                </a:extLst>
+              </p:cNvPr>
+              <p:cNvSpPr txBox="1"/>
+              <p:nvPr/>
+            </p:nvSpPr>
+            <p:spPr>
+              <a:xfrm>
+                <a:off x="1328599" y="8124721"/>
+                <a:ext cx="3129755" cy="707886"/>
+              </a:xfrm>
+              <a:prstGeom prst="rect">
+                <a:avLst/>
+              </a:prstGeom>
+              <a:noFill/>
+            </p:spPr>
+            <p:txBody>
+              <a:bodyPr wrap="square">
+                <a:spAutoFit/>
+              </a:bodyPr>
+              <a:lstStyle/>
+              <a:p>
+                <a:r>
+                  <a:rPr lang="en-US" altLang="zh-CN" sz="2000" b="0" dirty="0" err="1">
+                    <a:effectLst/>
+                    <a:latin typeface="Consolas" panose="020B0609020204030204" pitchFamily="49" charset="0"/>
+                  </a:rPr>
+                  <a:t>define_panicking_intrinsics</a:t>
+                </a:r>
+                <a:r>
+                  <a:rPr lang="en-US" altLang="zh-CN" sz="2000" b="0" dirty="0">
+                    <a:effectLst/>
+                    <a:latin typeface="Consolas" panose="020B0609020204030204" pitchFamily="49" charset="0"/>
+                  </a:rPr>
+                  <a:t> (……);</a:t>
+                </a:r>
+              </a:p>
+            </p:txBody>
+          </p:sp>
+        </p:grpSp>
+      </p:grpSp>
+      <p:sp>
+        <p:nvSpPr>
+          <p:cNvPr id="83" name="文本框 82">
+            <a:extLst>
+              <a:ext uri="{FF2B5EF4-FFF2-40B4-BE49-F238E27FC236}">
+                <a16:creationId xmlns:a16="http://schemas.microsoft.com/office/drawing/2014/main" id="{09DE38FD-FBDD-7F6E-D702-33A02A3DFE46}"/>
+              </a:ext>
+            </a:extLst>
+          </p:cNvPr>
+          <p:cNvSpPr txBox="1"/>
+          <p:nvPr/>
+        </p:nvSpPr>
+        <p:spPr>
+          <a:xfrm>
             <a:off x="10203640" y="12887244"/>
             <a:ext cx="2170584" cy="461665"/>
           </a:xfrm>
@@ -8307,7 +14694,7 @@
           <p:cNvPr id="84" name="文本框 83">
             <a:extLst>
               <a:ext uri="{FF2B5EF4-FFF2-40B4-BE49-F238E27FC236}">
-                <a16:creationId xmlns:a16="http://schemas.microsoft.com/office/drawing/2014/main" id="{3314D2B4-06D9-480D-AC3F-2A6DB4A18B04}"/>
+                <a16:creationId xmlns:a16="http://schemas.microsoft.com/office/drawing/2014/main" id="{192060D3-2F61-4DBA-31D2-3644E34E9A98}"/>
               </a:ext>
             </a:extLst>
           </p:cNvPr>
@@ -8347,7 +14734,7 @@
           <p:cNvPr id="85" name="文本框 84">
             <a:extLst>
               <a:ext uri="{FF2B5EF4-FFF2-40B4-BE49-F238E27FC236}">
-                <a16:creationId xmlns:a16="http://schemas.microsoft.com/office/drawing/2014/main" id="{1E0891DD-934E-4399-8B5F-EDDA52AF7F5F}"/>
+                <a16:creationId xmlns:a16="http://schemas.microsoft.com/office/drawing/2014/main" id="{DA39EBF6-8C9C-0485-775C-933A36138101}"/>
               </a:ext>
             </a:extLst>
           </p:cNvPr>
@@ -8387,7 +14774,7 @@
           <p:cNvPr id="86" name="连接符: 曲线 85">
             <a:extLst>
               <a:ext uri="{FF2B5EF4-FFF2-40B4-BE49-F238E27FC236}">
-                <a16:creationId xmlns:a16="http://schemas.microsoft.com/office/drawing/2014/main" id="{1CC0AEB9-F3B4-46E7-9833-C1F55A26150A}"/>
+                <a16:creationId xmlns:a16="http://schemas.microsoft.com/office/drawing/2014/main" id="{6B41DA12-66E9-66CB-1879-CCB5F7DF4028}"/>
               </a:ext>
             </a:extLst>
           </p:cNvPr>
@@ -8433,7 +14820,7 @@
     </p:spTree>
     <p:extLst>
       <p:ext uri="{BB962C8B-B14F-4D97-AF65-F5344CB8AC3E}">
-        <p14:creationId xmlns:p14="http://schemas.microsoft.com/office/powerpoint/2010/main" val="3365343919"/>
+        <p14:creationId xmlns:p14="http://schemas.microsoft.com/office/powerpoint/2010/main" val="1654019541"/>
       </p:ext>
     </p:extLst>
   </p:cSld>
@@ -8705,6 +15092,15 @@
 </file>
 
 <file path=customXml/item1.xml><?xml version="1.0" encoding="utf-8"?>
+<?mso-contentType ?>
+<FormTemplates xmlns="http://schemas.microsoft.com/sharepoint/v3/contenttype/forms">
+  <Display>DocumentLibraryForm</Display>
+  <Edit>DocumentLibraryForm</Edit>
+  <New>DocumentLibraryForm</New>
+</FormTemplates>
+</file>
+
+<file path=customXml/item2.xml><?xml version="1.0" encoding="utf-8"?>
 <ct:contentTypeSchema xmlns:ct="http://schemas.microsoft.com/office/2006/metadata/contentType" xmlns:ma="http://schemas.microsoft.com/office/2006/metadata/properties/metaAttributes" ct:_="" ma:_="" ma:contentTypeName="文档" ma:contentTypeID="0x0101001FA2FAB868093B48B49369FF899BC4E9" ma:contentTypeVersion="12" ma:contentTypeDescription="新建文档。" ma:contentTypeScope="" ma:versionID="611d5f9003961d08b5f0892d6bb2d7da">
   <xsd:schema xmlns:xsd="http://www.w3.org/2001/XMLSchema" xmlns:xs="http://www.w3.org/2001/XMLSchema" xmlns:p="http://schemas.microsoft.com/office/2006/metadata/properties" xmlns:ns3="7f1e91d4-8965-4162-96ab-05d4f423f3e9" targetNamespace="http://schemas.microsoft.com/office/2006/metadata/properties" ma:root="true" ma:fieldsID="723836bf041ddf392754109e4833b2b2" ns3:_="">
     <xsd:import namespace="7f1e91d4-8965-4162-96ab-05d4f423f3e9"/>
@@ -8898,15 +15294,6 @@
 </ct:contentTypeSchema>
 </file>
 
-<file path=customXml/item2.xml><?xml version="1.0" encoding="utf-8"?>
-<?mso-contentType ?>
-<FormTemplates xmlns="http://schemas.microsoft.com/sharepoint/v3/contenttype/forms">
-  <Display>DocumentLibraryForm</Display>
-  <Edit>DocumentLibraryForm</Edit>
-  <New>DocumentLibraryForm</New>
-</FormTemplates>
-</file>
-
 <file path=customXml/item3.xml><?xml version="1.0" encoding="utf-8"?>
 <p:properties xmlns:p="http://schemas.microsoft.com/office/2006/metadata/properties" xmlns:xsi="http://www.w3.org/2001/XMLSchema-instance" xmlns:pc="http://schemas.microsoft.com/office/infopath/2007/PartnerControls">
   <documentManagement>
@@ -8916,6 +15303,14 @@
 </file>
 
 <file path=customXml/itemProps1.xml><?xml version="1.0" encoding="utf-8"?>
+<ds:datastoreItem xmlns:ds="http://schemas.openxmlformats.org/officeDocument/2006/customXml" ds:itemID="{AE752F95-5A3B-4114-A7FE-E348DD38F056}">
+  <ds:schemaRefs>
+    <ds:schemaRef ds:uri="http://schemas.microsoft.com/sharepoint/v3/contenttype/forms"/>
+  </ds:schemaRefs>
+</ds:datastoreItem>
+</file>
+
+<file path=customXml/itemProps2.xml><?xml version="1.0" encoding="utf-8"?>
 <ds:datastoreItem xmlns:ds="http://schemas.openxmlformats.org/officeDocument/2006/customXml" ds:itemID="{F75E3408-2F66-4DF3-8266-01B647E1D9B8}">
   <ds:schemaRefs>
     <ds:schemaRef ds:uri="http://schemas.microsoft.com/office/2006/metadata/contentType"/>
@@ -8929,14 +15324,6 @@
     <ds:schemaRef ds:uri="http://purl.org/dc/elements/1.1/"/>
     <ds:schemaRef ds:uri="http://purl.org/dc/terms/"/>
     <ds:schemaRef ds:uri="http://schemas.microsoft.com/internal/obd"/>
-  </ds:schemaRefs>
-</ds:datastoreItem>
-</file>
-
-<file path=customXml/itemProps2.xml><?xml version="1.0" encoding="utf-8"?>
-<ds:datastoreItem xmlns:ds="http://schemas.openxmlformats.org/officeDocument/2006/customXml" ds:itemID="{AE752F95-5A3B-4114-A7FE-E348DD38F056}">
-  <ds:schemaRefs>
-    <ds:schemaRef ds:uri="http://schemas.microsoft.com/sharepoint/v3/contenttype/forms"/>
   </ds:schemaRefs>
 </ds:datastoreItem>
 </file>
